--- a/docs/Architecture/FPrimeSoftwareArchitecture.pptx
+++ b/docs/Architecture/FPrimeSoftwareArchitecture.pptx
@@ -5,7 +5,7 @@
     <p:sldMasterId id="2147483660" r:id="rId1"/>
   </p:sldMasterIdLst>
   <p:notesMasterIdLst>
-    <p:notesMasterId r:id="rId35"/>
+    <p:notesMasterId r:id="rId36"/>
   </p:notesMasterIdLst>
   <p:sldIdLst>
     <p:sldId id="256" r:id="rId2"/>
@@ -34,13 +34,14 @@
     <p:sldId id="314" r:id="rId25"/>
     <p:sldId id="272" r:id="rId26"/>
     <p:sldId id="366" r:id="rId27"/>
-    <p:sldId id="367" r:id="rId28"/>
-    <p:sldId id="303" r:id="rId29"/>
-    <p:sldId id="362" r:id="rId30"/>
-    <p:sldId id="315" r:id="rId31"/>
-    <p:sldId id="283" r:id="rId32"/>
-    <p:sldId id="364" r:id="rId33"/>
-    <p:sldId id="351" r:id="rId34"/>
+    <p:sldId id="368" r:id="rId28"/>
+    <p:sldId id="367" r:id="rId29"/>
+    <p:sldId id="303" r:id="rId30"/>
+    <p:sldId id="362" r:id="rId31"/>
+    <p:sldId id="315" r:id="rId32"/>
+    <p:sldId id="283" r:id="rId33"/>
+    <p:sldId id="364" r:id="rId34"/>
+    <p:sldId id="351" r:id="rId35"/>
   </p:sldIdLst>
   <p:sldSz cx="9144000" cy="6858000" type="screen4x3"/>
   <p:notesSz cx="6858000" cy="9144000"/>
@@ -262,7 +263,7 @@
           <a:p>
             <a:fld id="{DB8380B9-EB65-450C-BF6A-A387495BF35F}" type="datetimeFigureOut">
               <a:rPr lang="en-US" smtClean="0"/>
-              <a:t>10/3/2020</a:t>
+              <a:t>10/4/2020</a:t>
             </a:fld>
             <a:endParaRPr lang="en-US"/>
           </a:p>
@@ -778,7 +779,7 @@
             <a:fld id="{D55DD9D9-7F94-8C4C-8748-81A0C015A865}" type="slidenum">
               <a:rPr lang="en-US" smtClean="0"/>
               <a:pPr/>
-              <a:t>29</a:t>
+              <a:t>30</a:t>
             </a:fld>
             <a:endParaRPr lang="en-US" dirty="0"/>
           </a:p>
@@ -984,7 +985,7 @@
                 <a:latin typeface="Helvetica" pitchFamily="34" charset="0"/>
               </a:rPr>
               <a:pPr/>
-              <a:t>10/3/2020</a:t>
+              <a:t>10/4/2020</a:t>
             </a:fld>
             <a:endParaRPr lang="en-US" sz="900" b="1">
               <a:solidFill>
@@ -20080,13 +20081,16 @@
           <a:p>
             <a:r>
               <a:rPr lang="en-US" dirty="0"/>
-              <a:t>Svc/</a:t>
+              <a:t>Polymorphic Database (Svc/</a:t>
             </a:r>
             <a:r>
               <a:rPr lang="en-US" dirty="0" err="1"/>
               <a:t>PolyDb</a:t>
             </a:r>
-            <a:endParaRPr lang="en-US" dirty="0"/>
+            <a:r>
+              <a:rPr lang="en-US" dirty="0"/>
+              <a:t>)</a:t>
+            </a:r>
           </a:p>
         </p:txBody>
       </p:sp>
@@ -21350,7 +21354,7 @@
           <p:cNvPr id="2" name="Title 1">
             <a:extLst>
               <a:ext uri="{FF2B5EF4-FFF2-40B4-BE49-F238E27FC236}">
-                <a16:creationId xmlns:a16="http://schemas.microsoft.com/office/drawing/2014/main" id="{FA922D01-A383-48A8-9C7D-8959C5F04350}"/>
+                <a16:creationId xmlns:a16="http://schemas.microsoft.com/office/drawing/2014/main" id="{7C4DBD37-30A2-4EA6-8988-2D20C51A68A9}"/>
               </a:ext>
             </a:extLst>
           </p:cNvPr>
@@ -21368,11 +21372,11 @@
           <a:p>
             <a:r>
               <a:rPr lang="en-US" dirty="0"/>
-              <a:t>File Downlinking (</a:t>
+              <a:t>Buffer Management (Svc/</a:t>
             </a:r>
             <a:r>
               <a:rPr lang="en-US" dirty="0" err="1"/>
-              <a:t>FileDownlink</a:t>
+              <a:t>BufferManager</a:t>
             </a:r>
             <a:r>
               <a:rPr lang="en-US" dirty="0"/>
@@ -21386,7 +21390,7 @@
           <p:cNvPr id="3" name="Content Placeholder 2">
             <a:extLst>
               <a:ext uri="{FF2B5EF4-FFF2-40B4-BE49-F238E27FC236}">
-                <a16:creationId xmlns:a16="http://schemas.microsoft.com/office/drawing/2014/main" id="{BCF74D5C-17A0-4813-8B01-85774D7BD305}"/>
+                <a16:creationId xmlns:a16="http://schemas.microsoft.com/office/drawing/2014/main" id="{BB4685C6-DD21-46A7-87B4-48154FBFDEE6}"/>
               </a:ext>
             </a:extLst>
           </p:cNvPr>
@@ -21400,7 +21404,7 @@
         <p:spPr>
           <a:xfrm>
             <a:off x="439739" y="1269504"/>
-            <a:ext cx="8453437" cy="1702296"/>
+            <a:ext cx="8453437" cy="1918645"/>
           </a:xfrm>
         </p:spPr>
         <p:txBody>
@@ -21409,37 +21413,31 @@
           <a:p>
             <a:r>
               <a:rPr lang="en-US" dirty="0"/>
-              <a:t>Sends the contents of a file to the ground system.</a:t>
-            </a:r>
-          </a:p>
-        </p:txBody>
-      </p:sp>
-      <p:sp>
-        <p:nvSpPr>
-          <p:cNvPr id="4" name="Footer Placeholder 3">
-            <a:extLst>
-              <a:ext uri="{FF2B5EF4-FFF2-40B4-BE49-F238E27FC236}">
-                <a16:creationId xmlns:a16="http://schemas.microsoft.com/office/drawing/2014/main" id="{A04A1D08-FE96-4F56-B6D3-79357ACE2E54}"/>
-              </a:ext>
-            </a:extLst>
-          </p:cNvPr>
-          <p:cNvSpPr>
-            <a:spLocks noGrp="1"/>
-          </p:cNvSpPr>
-          <p:nvPr>
-            <p:ph type="ftr" sz="quarter" idx="10"/>
-          </p:nvPr>
-        </p:nvSpPr>
-        <p:spPr/>
-        <p:txBody>
-          <a:bodyPr/>
-          <a:lstStyle/>
-          <a:p>
-            <a:r>
-              <a:rPr lang="en-US"/>
-              <a:t>JPL/Caltech PROPRIETARY – Distribution limited to authorized recipients. Disclosure to others without express
-authorization is prohibited. The technical data in this document is controlled under the U.S. Export Regulations;
-release to foreign persons may require an export authorization.</a:t>
+              <a:t>Manages a pool of buffers for components</a:t>
+            </a:r>
+          </a:p>
+          <a:p>
+            <a:r>
+              <a:rPr lang="en-US" dirty="0"/>
+              <a:t>Variable sized buffers</a:t>
+            </a:r>
+          </a:p>
+          <a:p>
+            <a:r>
+              <a:rPr lang="en-US" dirty="0"/>
+              <a:t>FIFO based storage</a:t>
+            </a:r>
+          </a:p>
+          <a:p>
+            <a:r>
+              <a:rPr lang="en-US" dirty="0"/>
+              <a:t>Component gets() a buffer, uses it, and then sends() it when complete</a:t>
+            </a:r>
+          </a:p>
+          <a:p>
+            <a:r>
+              <a:rPr lang="en-US" dirty="0"/>
+              <a:t>Buffer lifetimes managed as a system issue</a:t>
             </a:r>
           </a:p>
         </p:txBody>
@@ -21449,7 +21447,7 @@
           <p:cNvPr id="5" name="Slide Number Placeholder 4">
             <a:extLst>
               <a:ext uri="{FF2B5EF4-FFF2-40B4-BE49-F238E27FC236}">
-                <a16:creationId xmlns:a16="http://schemas.microsoft.com/office/drawing/2014/main" id="{73B16378-C6DB-402D-BD30-078642E7B670}"/>
+                <a16:creationId xmlns:a16="http://schemas.microsoft.com/office/drawing/2014/main" id="{49BB4727-63AF-47FD-910C-68EA2D676B67}"/>
               </a:ext>
             </a:extLst>
           </p:cNvPr>
@@ -21478,7 +21476,7 @@
           <p:cNvPr id="6" name="Rounded Rectangle 50">
             <a:extLst>
               <a:ext uri="{FF2B5EF4-FFF2-40B4-BE49-F238E27FC236}">
-                <a16:creationId xmlns:a16="http://schemas.microsoft.com/office/drawing/2014/main" id="{6B9BC080-2081-4197-BC64-404D60479A65}"/>
+                <a16:creationId xmlns:a16="http://schemas.microsoft.com/office/drawing/2014/main" id="{453D0ED0-AD33-40D5-BBA4-6F8E6C0402B8}"/>
               </a:ext>
             </a:extLst>
           </p:cNvPr>
@@ -21487,7 +21485,7 @@
         </p:nvSpPr>
         <p:spPr bwMode="auto">
           <a:xfrm>
-            <a:off x="1447799" y="3250986"/>
+            <a:off x="1447799" y="3623043"/>
             <a:ext cx="2617029" cy="2438400"/>
           </a:xfrm>
           <a:prstGeom prst="roundRect">
@@ -21545,7 +21543,7 @@
                 <a:latin typeface="Arial" charset="0"/>
                 <a:ea typeface="ＭＳ Ｐゴシック" pitchFamily="48" charset="-128"/>
               </a:rPr>
-              <a:t>FileDownlink</a:t>
+              <a:t>BufferManager</a:t>
             </a:r>
             <a:endParaRPr kumimoji="0" lang="en-US" sz="1400" b="0" i="0" u="none" strike="noStrike" cap="none" normalizeH="0" baseline="0" dirty="0">
               <a:ln>
@@ -21566,7 +21564,7 @@
           <p:cNvPr id="7" name="Rectangle 6">
             <a:extLst>
               <a:ext uri="{FF2B5EF4-FFF2-40B4-BE49-F238E27FC236}">
-                <a16:creationId xmlns:a16="http://schemas.microsoft.com/office/drawing/2014/main" id="{49A586AC-9C78-4D99-8691-F88761629FFA}"/>
+                <a16:creationId xmlns:a16="http://schemas.microsoft.com/office/drawing/2014/main" id="{BF3B1460-82DC-4AAE-9D16-6024C10DF8F4}"/>
               </a:ext>
             </a:extLst>
           </p:cNvPr>
@@ -21575,7 +21573,7 @@
         </p:nvSpPr>
         <p:spPr bwMode="auto">
           <a:xfrm>
-            <a:off x="4064829" y="3965546"/>
+            <a:off x="4064829" y="4337603"/>
             <a:ext cx="152400" cy="152400"/>
           </a:xfrm>
           <a:prstGeom prst="rect">
@@ -21635,10 +21633,10 @@
       </p:sp>
       <p:sp>
         <p:nvSpPr>
-          <p:cNvPr id="8" name="Flowchart: Magnetic Disk 7">
+          <p:cNvPr id="8" name="Rectangle 7">
             <a:extLst>
               <a:ext uri="{FF2B5EF4-FFF2-40B4-BE49-F238E27FC236}">
-                <a16:creationId xmlns:a16="http://schemas.microsoft.com/office/drawing/2014/main" id="{C53EA393-6A8F-4413-B3DC-02F6A6D1A8A3}"/>
+                <a16:creationId xmlns:a16="http://schemas.microsoft.com/office/drawing/2014/main" id="{E6AA73E3-D3BA-4A7C-8A78-3B4141582B93}"/>
               </a:ext>
             </a:extLst>
           </p:cNvPr>
@@ -21647,14 +21645,17 @@
         </p:nvSpPr>
         <p:spPr>
           <a:xfrm>
-            <a:off x="1524000" y="5867400"/>
-            <a:ext cx="940629" cy="741363"/>
-          </a:xfrm>
-          <a:prstGeom prst="flowChartMagneticDisk">
+            <a:off x="2437197" y="4346747"/>
+            <a:ext cx="990600" cy="155497"/>
+          </a:xfrm>
+          <a:prstGeom prst="rect">
             <a:avLst/>
           </a:prstGeom>
           <a:solidFill>
-            <a:srgbClr val="00B0F0"/>
+            <a:schemeClr val="bg2">
+              <a:lumMod val="20000"/>
+              <a:lumOff val="80000"/>
+            </a:schemeClr>
           </a:solidFill>
         </p:spPr>
         <p:style>
@@ -21678,32 +21679,290 @@
           <a:lstStyle/>
           <a:p>
             <a:pPr algn="ctr"/>
-            <a:r>
-              <a:rPr lang="en-US" dirty="0"/>
-              <a:t>File</a:t>
-            </a:r>
+            <a:endParaRPr lang="en-US"/>
+          </a:p>
+        </p:txBody>
+      </p:sp>
+      <p:sp>
+        <p:nvSpPr>
+          <p:cNvPr id="9" name="Rectangle 8">
+            <a:extLst>
+              <a:ext uri="{FF2B5EF4-FFF2-40B4-BE49-F238E27FC236}">
+                <a16:creationId xmlns:a16="http://schemas.microsoft.com/office/drawing/2014/main" id="{C9CF5C81-FD9A-408C-BB66-FA8177C5866E}"/>
+              </a:ext>
+            </a:extLst>
+          </p:cNvPr>
+          <p:cNvSpPr/>
+          <p:nvPr/>
+        </p:nvSpPr>
+        <p:spPr>
+          <a:xfrm>
+            <a:off x="2437197" y="4524761"/>
+            <a:ext cx="990600" cy="155497"/>
+          </a:xfrm>
+          <a:prstGeom prst="rect">
+            <a:avLst/>
+          </a:prstGeom>
+          <a:solidFill>
+            <a:schemeClr val="bg2">
+              <a:lumMod val="20000"/>
+              <a:lumOff val="80000"/>
+            </a:schemeClr>
+          </a:solidFill>
+        </p:spPr>
+        <p:style>
+          <a:lnRef idx="2">
+            <a:schemeClr val="accent1">
+              <a:shade val="50000"/>
+            </a:schemeClr>
+          </a:lnRef>
+          <a:fillRef idx="1">
+            <a:schemeClr val="accent1"/>
+          </a:fillRef>
+          <a:effectRef idx="0">
+            <a:schemeClr val="accent1"/>
+          </a:effectRef>
+          <a:fontRef idx="minor">
+            <a:schemeClr val="lt1"/>
+          </a:fontRef>
+        </p:style>
+        <p:txBody>
+          <a:bodyPr rtlCol="0" anchor="ctr"/>
+          <a:lstStyle/>
+          <a:p>
+            <a:pPr algn="ctr"/>
+            <a:endParaRPr lang="en-US"/>
+          </a:p>
+        </p:txBody>
+      </p:sp>
+      <p:sp>
+        <p:nvSpPr>
+          <p:cNvPr id="10" name="Rectangle 9">
+            <a:extLst>
+              <a:ext uri="{FF2B5EF4-FFF2-40B4-BE49-F238E27FC236}">
+                <a16:creationId xmlns:a16="http://schemas.microsoft.com/office/drawing/2014/main" id="{99E3F8FF-6020-4FB8-9F0B-2C62F16BD4F3}"/>
+              </a:ext>
+            </a:extLst>
+          </p:cNvPr>
+          <p:cNvSpPr/>
+          <p:nvPr/>
+        </p:nvSpPr>
+        <p:spPr>
+          <a:xfrm>
+            <a:off x="2437197" y="4702775"/>
+            <a:ext cx="990600" cy="155497"/>
+          </a:xfrm>
+          <a:prstGeom prst="rect">
+            <a:avLst/>
+          </a:prstGeom>
+          <a:solidFill>
+            <a:schemeClr val="bg2">
+              <a:lumMod val="20000"/>
+              <a:lumOff val="80000"/>
+            </a:schemeClr>
+          </a:solidFill>
+        </p:spPr>
+        <p:style>
+          <a:lnRef idx="2">
+            <a:schemeClr val="accent1">
+              <a:shade val="50000"/>
+            </a:schemeClr>
+          </a:lnRef>
+          <a:fillRef idx="1">
+            <a:schemeClr val="accent1"/>
+          </a:fillRef>
+          <a:effectRef idx="0">
+            <a:schemeClr val="accent1"/>
+          </a:effectRef>
+          <a:fontRef idx="minor">
+            <a:schemeClr val="lt1"/>
+          </a:fontRef>
+        </p:style>
+        <p:txBody>
+          <a:bodyPr rtlCol="0" anchor="ctr"/>
+          <a:lstStyle/>
+          <a:p>
+            <a:pPr algn="ctr"/>
+            <a:endParaRPr lang="en-US"/>
+          </a:p>
+        </p:txBody>
+      </p:sp>
+      <p:sp>
+        <p:nvSpPr>
+          <p:cNvPr id="11" name="Rectangle 10">
+            <a:extLst>
+              <a:ext uri="{FF2B5EF4-FFF2-40B4-BE49-F238E27FC236}">
+                <a16:creationId xmlns:a16="http://schemas.microsoft.com/office/drawing/2014/main" id="{584C5E1A-51FC-48DB-8600-385B1E23A22D}"/>
+              </a:ext>
+            </a:extLst>
+          </p:cNvPr>
+          <p:cNvSpPr/>
+          <p:nvPr/>
+        </p:nvSpPr>
+        <p:spPr>
+          <a:xfrm>
+            <a:off x="2437197" y="4880789"/>
+            <a:ext cx="990600" cy="155497"/>
+          </a:xfrm>
+          <a:prstGeom prst="rect">
+            <a:avLst/>
+          </a:prstGeom>
+          <a:solidFill>
+            <a:schemeClr val="bg2">
+              <a:lumMod val="20000"/>
+              <a:lumOff val="80000"/>
+            </a:schemeClr>
+          </a:solidFill>
+        </p:spPr>
+        <p:style>
+          <a:lnRef idx="2">
+            <a:schemeClr val="accent1">
+              <a:shade val="50000"/>
+            </a:schemeClr>
+          </a:lnRef>
+          <a:fillRef idx="1">
+            <a:schemeClr val="accent1"/>
+          </a:fillRef>
+          <a:effectRef idx="0">
+            <a:schemeClr val="accent1"/>
+          </a:effectRef>
+          <a:fontRef idx="minor">
+            <a:schemeClr val="lt1"/>
+          </a:fontRef>
+        </p:style>
+        <p:txBody>
+          <a:bodyPr rtlCol="0" anchor="ctr"/>
+          <a:lstStyle/>
+          <a:p>
+            <a:pPr algn="ctr"/>
+            <a:endParaRPr lang="en-US"/>
+          </a:p>
+        </p:txBody>
+      </p:sp>
+      <p:sp>
+        <p:nvSpPr>
+          <p:cNvPr id="12" name="Rectangle 11">
+            <a:extLst>
+              <a:ext uri="{FF2B5EF4-FFF2-40B4-BE49-F238E27FC236}">
+                <a16:creationId xmlns:a16="http://schemas.microsoft.com/office/drawing/2014/main" id="{CE47A804-D115-4080-AE59-FC719B4B4ADB}"/>
+              </a:ext>
+            </a:extLst>
+          </p:cNvPr>
+          <p:cNvSpPr/>
+          <p:nvPr/>
+        </p:nvSpPr>
+        <p:spPr>
+          <a:xfrm>
+            <a:off x="2437197" y="5058803"/>
+            <a:ext cx="990600" cy="155497"/>
+          </a:xfrm>
+          <a:prstGeom prst="rect">
+            <a:avLst/>
+          </a:prstGeom>
+          <a:solidFill>
+            <a:schemeClr val="bg2">
+              <a:lumMod val="20000"/>
+              <a:lumOff val="80000"/>
+            </a:schemeClr>
+          </a:solidFill>
+        </p:spPr>
+        <p:style>
+          <a:lnRef idx="2">
+            <a:schemeClr val="accent1">
+              <a:shade val="50000"/>
+            </a:schemeClr>
+          </a:lnRef>
+          <a:fillRef idx="1">
+            <a:schemeClr val="accent1"/>
+          </a:fillRef>
+          <a:effectRef idx="0">
+            <a:schemeClr val="accent1"/>
+          </a:effectRef>
+          <a:fontRef idx="minor">
+            <a:schemeClr val="lt1"/>
+          </a:fontRef>
+        </p:style>
+        <p:txBody>
+          <a:bodyPr rtlCol="0" anchor="ctr"/>
+          <a:lstStyle/>
+          <a:p>
+            <a:pPr algn="ctr"/>
+            <a:endParaRPr lang="en-US"/>
+          </a:p>
+        </p:txBody>
+      </p:sp>
+      <p:sp>
+        <p:nvSpPr>
+          <p:cNvPr id="13" name="Rectangle 12">
+            <a:extLst>
+              <a:ext uri="{FF2B5EF4-FFF2-40B4-BE49-F238E27FC236}">
+                <a16:creationId xmlns:a16="http://schemas.microsoft.com/office/drawing/2014/main" id="{6A9095E9-D62F-4102-98FB-25B404BAF7C5}"/>
+              </a:ext>
+            </a:extLst>
+          </p:cNvPr>
+          <p:cNvSpPr/>
+          <p:nvPr/>
+        </p:nvSpPr>
+        <p:spPr>
+          <a:xfrm>
+            <a:off x="2437197" y="5236817"/>
+            <a:ext cx="990600" cy="155497"/>
+          </a:xfrm>
+          <a:prstGeom prst="rect">
+            <a:avLst/>
+          </a:prstGeom>
+          <a:solidFill>
+            <a:schemeClr val="bg2">
+              <a:lumMod val="20000"/>
+              <a:lumOff val="80000"/>
+            </a:schemeClr>
+          </a:solidFill>
+        </p:spPr>
+        <p:style>
+          <a:lnRef idx="2">
+            <a:schemeClr val="accent1">
+              <a:shade val="50000"/>
+            </a:schemeClr>
+          </a:lnRef>
+          <a:fillRef idx="1">
+            <a:schemeClr val="accent1"/>
+          </a:fillRef>
+          <a:effectRef idx="0">
+            <a:schemeClr val="accent1"/>
+          </a:effectRef>
+          <a:fontRef idx="minor">
+            <a:schemeClr val="lt1"/>
+          </a:fontRef>
+        </p:style>
+        <p:txBody>
+          <a:bodyPr rtlCol="0" anchor="ctr"/>
+          <a:lstStyle/>
+          <a:p>
+            <a:pPr algn="ctr"/>
+            <a:endParaRPr lang="en-US"/>
           </a:p>
         </p:txBody>
       </p:sp>
       <p:cxnSp>
         <p:nvCxnSpPr>
-          <p:cNvPr id="9" name="Straight Arrow Connector 8">
+          <p:cNvPr id="14" name="Straight Arrow Connector 13">
             <a:extLst>
               <a:ext uri="{FF2B5EF4-FFF2-40B4-BE49-F238E27FC236}">
-                <a16:creationId xmlns:a16="http://schemas.microsoft.com/office/drawing/2014/main" id="{FEC24C6A-F8BA-4CDE-9826-C2164704E282}"/>
+                <a16:creationId xmlns:a16="http://schemas.microsoft.com/office/drawing/2014/main" id="{AB8B17CD-D873-48AB-839A-44C13B411607}"/>
               </a:ext>
             </a:extLst>
           </p:cNvPr>
           <p:cNvCxnSpPr>
             <a:cxnSpLocks/>
-            <a:stCxn id="8" idx="1"/>
+            <a:stCxn id="7" idx="1"/>
+            <a:endCxn id="9" idx="3"/>
           </p:cNvCxnSpPr>
           <p:nvPr/>
         </p:nvCxnSpPr>
         <p:spPr>
-          <a:xfrm flipV="1">
-            <a:off x="1994315" y="4586481"/>
-            <a:ext cx="442882" cy="1280919"/>
+          <a:xfrm flipH="1">
+            <a:off x="3427797" y="4413803"/>
+            <a:ext cx="637032" cy="188707"/>
           </a:xfrm>
           <a:prstGeom prst="straightConnector1">
             <a:avLst/>
@@ -21732,10 +21991,10 @@
       </p:cxnSp>
       <p:sp>
         <p:nvSpPr>
-          <p:cNvPr id="17" name="Rectangle 16">
+          <p:cNvPr id="15" name="Rectangle 14">
             <a:extLst>
               <a:ext uri="{FF2B5EF4-FFF2-40B4-BE49-F238E27FC236}">
-                <a16:creationId xmlns:a16="http://schemas.microsoft.com/office/drawing/2014/main" id="{E07C488D-183A-4B3C-A47A-2EC07022DB43}"/>
+                <a16:creationId xmlns:a16="http://schemas.microsoft.com/office/drawing/2014/main" id="{DA29FC67-EDF7-415E-8BD5-0A9919A26548}"/>
               </a:ext>
             </a:extLst>
           </p:cNvPr>
@@ -21744,7 +22003,7 @@
         </p:nvSpPr>
         <p:spPr bwMode="auto">
           <a:xfrm>
-            <a:off x="4064829" y="4524258"/>
+            <a:off x="4054996" y="5389051"/>
             <a:ext cx="152400" cy="152400"/>
           </a:xfrm>
           <a:prstGeom prst="rect">
@@ -21802,10 +22061,126 @@
           </a:p>
         </p:txBody>
       </p:sp>
+      <p:cxnSp>
+        <p:nvCxnSpPr>
+          <p:cNvPr id="16" name="Straight Arrow Connector 15">
+            <a:extLst>
+              <a:ext uri="{FF2B5EF4-FFF2-40B4-BE49-F238E27FC236}">
+                <a16:creationId xmlns:a16="http://schemas.microsoft.com/office/drawing/2014/main" id="{0376A6E1-F6F4-4429-B2EB-4F5EEF4298F5}"/>
+              </a:ext>
+            </a:extLst>
+          </p:cNvPr>
+          <p:cNvCxnSpPr>
+            <a:cxnSpLocks/>
+            <a:stCxn id="15" idx="1"/>
+            <a:endCxn id="12" idx="3"/>
+          </p:cNvCxnSpPr>
+          <p:nvPr/>
+        </p:nvCxnSpPr>
+        <p:spPr>
+          <a:xfrm flipH="1" flipV="1">
+            <a:off x="3427797" y="5136552"/>
+            <a:ext cx="627199" cy="328699"/>
+          </a:xfrm>
+          <a:prstGeom prst="straightConnector1">
+            <a:avLst/>
+          </a:prstGeom>
+          <a:ln>
+            <a:solidFill>
+              <a:schemeClr val="tx1"/>
+            </a:solidFill>
+            <a:tailEnd type="triangle"/>
+          </a:ln>
+        </p:spPr>
+        <p:style>
+          <a:lnRef idx="1">
+            <a:schemeClr val="accent1"/>
+          </a:lnRef>
+          <a:fillRef idx="0">
+            <a:schemeClr val="accent1"/>
+          </a:fillRef>
+          <a:effectRef idx="0">
+            <a:schemeClr val="accent1"/>
+          </a:effectRef>
+          <a:fontRef idx="minor">
+            <a:schemeClr val="tx1"/>
+          </a:fontRef>
+        </p:style>
+      </p:cxnSp>
+      <p:sp>
+        <p:nvSpPr>
+          <p:cNvPr id="20" name="TextBox 19">
+            <a:extLst>
+              <a:ext uri="{FF2B5EF4-FFF2-40B4-BE49-F238E27FC236}">
+                <a16:creationId xmlns:a16="http://schemas.microsoft.com/office/drawing/2014/main" id="{FA4BE767-6945-46DA-BEE0-216DBDBDA052}"/>
+              </a:ext>
+            </a:extLst>
+          </p:cNvPr>
+          <p:cNvSpPr txBox="1"/>
+          <p:nvPr/>
+        </p:nvSpPr>
+        <p:spPr>
+          <a:xfrm>
+            <a:off x="4338321" y="4235640"/>
+            <a:ext cx="951633" cy="338554"/>
+          </a:xfrm>
+          <a:prstGeom prst="rect">
+            <a:avLst/>
+          </a:prstGeom>
+          <a:noFill/>
+        </p:spPr>
+        <p:txBody>
+          <a:bodyPr wrap="square" rtlCol="0">
+            <a:spAutoFit/>
+          </a:bodyPr>
+          <a:lstStyle/>
+          <a:p>
+            <a:r>
+              <a:rPr lang="en-US" sz="1600" dirty="0"/>
+              <a:t>get()</a:t>
+            </a:r>
+          </a:p>
+        </p:txBody>
+      </p:sp>
+      <p:sp>
+        <p:nvSpPr>
+          <p:cNvPr id="21" name="TextBox 20">
+            <a:extLst>
+              <a:ext uri="{FF2B5EF4-FFF2-40B4-BE49-F238E27FC236}">
+                <a16:creationId xmlns:a16="http://schemas.microsoft.com/office/drawing/2014/main" id="{F1BDB63F-AB12-49FF-932C-0CFA5AA964EF}"/>
+              </a:ext>
+            </a:extLst>
+          </p:cNvPr>
+          <p:cNvSpPr txBox="1"/>
+          <p:nvPr/>
+        </p:nvSpPr>
+        <p:spPr>
+          <a:xfrm>
+            <a:off x="4338320" y="5295974"/>
+            <a:ext cx="951633" cy="338554"/>
+          </a:xfrm>
+          <a:prstGeom prst="rect">
+            <a:avLst/>
+          </a:prstGeom>
+          <a:noFill/>
+        </p:spPr>
+        <p:txBody>
+          <a:bodyPr wrap="square" rtlCol="0">
+            <a:spAutoFit/>
+          </a:bodyPr>
+          <a:lstStyle/>
+          <a:p>
+            <a:r>
+              <a:rPr lang="en-US" sz="1600" dirty="0"/>
+              <a:t>send()</a:t>
+            </a:r>
+          </a:p>
+        </p:txBody>
+      </p:sp>
     </p:spTree>
     <p:extLst>
       <p:ext uri="{BB962C8B-B14F-4D97-AF65-F5344CB8AC3E}">
-        <p14:creationId xmlns:p14="http://schemas.microsoft.com/office/powerpoint/2010/main" val="3629620753"/>
+        <p14:creationId xmlns:p14="http://schemas.microsoft.com/office/powerpoint/2010/main" val="1947338551"/>
       </p:ext>
     </p:extLst>
   </p:cSld>
@@ -21834,7 +22209,13 @@
       </p:grpSpPr>
       <p:sp>
         <p:nvSpPr>
-          <p:cNvPr id="2" name="Title 1"/>
+          <p:cNvPr id="2" name="Title 1">
+            <a:extLst>
+              <a:ext uri="{FF2B5EF4-FFF2-40B4-BE49-F238E27FC236}">
+                <a16:creationId xmlns:a16="http://schemas.microsoft.com/office/drawing/2014/main" id="{FA922D01-A383-48A8-9C7D-8959C5F04350}"/>
+              </a:ext>
+            </a:extLst>
+          </p:cNvPr>
           <p:cNvSpPr>
             <a:spLocks noGrp="1"/>
           </p:cNvSpPr>
@@ -21849,14 +22230,28 @@
           <a:p>
             <a:r>
               <a:rPr lang="en-US" dirty="0"/>
-              <a:t>Multi-node</a:t>
-            </a:r>
-          </a:p>
-        </p:txBody>
-      </p:sp>
-      <p:sp>
-        <p:nvSpPr>
-          <p:cNvPr id="3" name="Content Placeholder 2"/>
+              <a:t>File Downlinking (</a:t>
+            </a:r>
+            <a:r>
+              <a:rPr lang="en-US" dirty="0" err="1"/>
+              <a:t>FileDownlink</a:t>
+            </a:r>
+            <a:r>
+              <a:rPr lang="en-US" dirty="0"/>
+              <a:t>)</a:t>
+            </a:r>
+          </a:p>
+        </p:txBody>
+      </p:sp>
+      <p:sp>
+        <p:nvSpPr>
+          <p:cNvPr id="3" name="Content Placeholder 2">
+            <a:extLst>
+              <a:ext uri="{FF2B5EF4-FFF2-40B4-BE49-F238E27FC236}">
+                <a16:creationId xmlns:a16="http://schemas.microsoft.com/office/drawing/2014/main" id="{BCF74D5C-17A0-4813-8B01-85774D7BD305}"/>
+              </a:ext>
+            </a:extLst>
+          </p:cNvPr>
           <p:cNvSpPr>
             <a:spLocks noGrp="1"/>
           </p:cNvSpPr>
@@ -21866,8 +22261,8 @@
         </p:nvSpPr>
         <p:spPr>
           <a:xfrm>
-            <a:off x="433643" y="1143000"/>
-            <a:ext cx="8170861" cy="1702296"/>
+            <a:off x="439739" y="1269504"/>
+            <a:ext cx="8453437" cy="1702296"/>
           </a:xfrm>
         </p:spPr>
         <p:txBody>
@@ -21875,109 +22270,76 @@
           <a:lstStyle/>
           <a:p>
             <a:r>
-              <a:rPr lang="en-US" sz="1800" dirty="0"/>
-              <a:t>Hub pattern</a:t>
-            </a:r>
-          </a:p>
-          <a:p>
-            <a:pPr lvl="1"/>
-            <a:r>
-              <a:rPr lang="en-US" sz="1600" dirty="0"/>
-              <a:t>Hub is a component with multiple serialization input and output ports</a:t>
-            </a:r>
-          </a:p>
-          <a:p>
-            <a:pPr lvl="1"/>
-            <a:r>
-              <a:rPr lang="en-US" sz="1600" dirty="0"/>
-              <a:t>Typed ports on calling components are connected to serialized ports (see earlier slides)</a:t>
-            </a:r>
-          </a:p>
-          <a:p>
-            <a:pPr lvl="1"/>
-            <a:r>
-              <a:rPr lang="en-US" sz="1600" dirty="0"/>
-              <a:t>Each hub instance is responsible for connecting to a remote node</a:t>
-            </a:r>
-          </a:p>
-          <a:p>
-            <a:pPr lvl="1"/>
-            <a:r>
-              <a:rPr lang="en-US" sz="1600" dirty="0"/>
-              <a:t>Input port calls are repeated to corresponding output ports on remote hub</a:t>
-            </a:r>
-          </a:p>
-          <a:p>
-            <a:pPr lvl="1"/>
-            <a:r>
-              <a:rPr lang="en-US" sz="1600" dirty="0"/>
-              <a:t>Single point of connection to remote node, so central point of configuration for transport.</a:t>
-            </a:r>
-          </a:p>
-        </p:txBody>
-      </p:sp>
-      <p:sp>
-        <p:nvSpPr>
-          <p:cNvPr id="24" name="Rectangle 23"/>
+              <a:rPr lang="en-US" dirty="0"/>
+              <a:t>Sends the contents of a file to the ground system when commanded</a:t>
+            </a:r>
+          </a:p>
+          <a:p>
+            <a:r>
+              <a:rPr lang="en-US" dirty="0"/>
+              <a:t>Gets buffers from </a:t>
+            </a:r>
+            <a:r>
+              <a:rPr lang="en-US" dirty="0" err="1"/>
+              <a:t>BufferManager</a:t>
+            </a:r>
+            <a:endParaRPr lang="en-US" dirty="0"/>
+          </a:p>
+        </p:txBody>
+      </p:sp>
+      <p:sp>
+        <p:nvSpPr>
+          <p:cNvPr id="5" name="Slide Number Placeholder 4">
+            <a:extLst>
+              <a:ext uri="{FF2B5EF4-FFF2-40B4-BE49-F238E27FC236}">
+                <a16:creationId xmlns:a16="http://schemas.microsoft.com/office/drawing/2014/main" id="{73B16378-C6DB-402D-BD30-078642E7B670}"/>
+              </a:ext>
+            </a:extLst>
+          </p:cNvPr>
+          <p:cNvSpPr>
+            <a:spLocks noGrp="1"/>
+          </p:cNvSpPr>
+          <p:nvPr>
+            <p:ph type="sldNum" sz="quarter" idx="11"/>
+          </p:nvPr>
+        </p:nvSpPr>
+        <p:spPr/>
+        <p:txBody>
+          <a:bodyPr/>
+          <a:lstStyle/>
+          <a:p>
+            <a:fld id="{40846F03-29C8-41F1-8A60-CC8C672EC5BA}" type="slidenum">
+              <a:rPr lang="en-US" smtClean="0"/>
+              <a:t>28</a:t>
+            </a:fld>
+            <a:endParaRPr lang="en-US"/>
+          </a:p>
+        </p:txBody>
+      </p:sp>
+      <p:sp>
+        <p:nvSpPr>
+          <p:cNvPr id="6" name="Rounded Rectangle 50">
+            <a:extLst>
+              <a:ext uri="{FF2B5EF4-FFF2-40B4-BE49-F238E27FC236}">
+                <a16:creationId xmlns:a16="http://schemas.microsoft.com/office/drawing/2014/main" id="{6B9BC080-2081-4197-BC64-404D60479A65}"/>
+              </a:ext>
+            </a:extLst>
+          </p:cNvPr>
           <p:cNvSpPr/>
           <p:nvPr/>
         </p:nvSpPr>
-        <p:spPr>
-          <a:xfrm>
-            <a:off x="899088" y="3482042"/>
-            <a:ext cx="2971800" cy="2209800"/>
-          </a:xfrm>
-          <a:prstGeom prst="rect">
+        <p:spPr bwMode="auto">
+          <a:xfrm>
+            <a:off x="1447799" y="3250986"/>
+            <a:ext cx="2617029" cy="2438400"/>
+          </a:xfrm>
+          <a:prstGeom prst="roundRect">
             <a:avLst/>
           </a:prstGeom>
           <a:solidFill>
-            <a:srgbClr val="00B0F0"/>
-          </a:solidFill>
-        </p:spPr>
-        <p:style>
-          <a:lnRef idx="2">
-            <a:schemeClr val="accent1">
-              <a:shade val="50000"/>
+            <a:schemeClr val="accent5">
+              <a:lumMod val="50000"/>
             </a:schemeClr>
-          </a:lnRef>
-          <a:fillRef idx="1">
-            <a:schemeClr val="accent1"/>
-          </a:fillRef>
-          <a:effectRef idx="0">
-            <a:schemeClr val="accent1"/>
-          </a:effectRef>
-          <a:fontRef idx="minor">
-            <a:schemeClr val="lt1"/>
-          </a:fontRef>
-        </p:style>
-        <p:txBody>
-          <a:bodyPr rtlCol="0" anchor="t" anchorCtr="0"/>
-          <a:lstStyle/>
-          <a:p>
-            <a:pPr algn="ctr"/>
-            <a:r>
-              <a:rPr lang="en-US" sz="1100" dirty="0"/>
-              <a:t>Node 1</a:t>
-            </a:r>
-          </a:p>
-        </p:txBody>
-      </p:sp>
-      <p:sp>
-        <p:nvSpPr>
-          <p:cNvPr id="25" name="Rounded Rectangle 24"/>
-          <p:cNvSpPr/>
-          <p:nvPr/>
-        </p:nvSpPr>
-        <p:spPr bwMode="auto">
-          <a:xfrm>
-            <a:off x="975288" y="3863042"/>
-            <a:ext cx="711345" cy="609600"/>
-          </a:xfrm>
-          <a:prstGeom prst="roundRect">
-            <a:avLst/>
-          </a:prstGeom>
-          <a:solidFill>
-            <a:schemeClr val="accent1"/>
           </a:solidFill>
           <a:ln w="9525" cap="flat" cmpd="sng" algn="ctr">
             <a:solidFill>
@@ -22015,29 +22377,7 @@
               <a:tabLst/>
             </a:pPr>
             <a:r>
-              <a:rPr lang="en-US" sz="600" dirty="0"/>
-              <a:t>Producer</a:t>
-            </a:r>
-          </a:p>
-          <a:p>
-            <a:pPr marL="0" marR="0" indent="0" algn="l" defTabSz="914400" rtl="0" eaLnBrk="0" fontAlgn="base" latinLnBrk="0" hangingPunct="0">
-              <a:lnSpc>
-                <a:spcPct val="100000"/>
-              </a:lnSpc>
-              <a:spcBef>
-                <a:spcPct val="0"/>
-              </a:spcBef>
-              <a:spcAft>
-                <a:spcPct val="0"/>
-              </a:spcAft>
-              <a:buClrTx/>
-              <a:buSzTx/>
-              <a:buFontTx/>
-              <a:buNone/>
-              <a:tabLst/>
-            </a:pPr>
-            <a:r>
-              <a:rPr kumimoji="0" lang="en-US" sz="600" b="0" i="0" u="none" strike="noStrike" cap="none" normalizeH="0" baseline="0" dirty="0">
+              <a:rPr kumimoji="0" lang="en-US" sz="1400" b="0" i="0" u="none" strike="noStrike" cap="none" normalizeH="0" baseline="0" dirty="0" err="1">
                 <a:ln>
                   <a:noFill/>
                 </a:ln>
@@ -22048,66 +22388,37 @@
                 <a:latin typeface="Arial" charset="0"/>
                 <a:ea typeface="ＭＳ Ｐゴシック" pitchFamily="48" charset="-128"/>
               </a:rPr>
-              <a:t>Component1</a:t>
-            </a:r>
-          </a:p>
-        </p:txBody>
-      </p:sp>
-      <p:sp>
-        <p:nvSpPr>
-          <p:cNvPr id="38" name="Rectangle 37"/>
+              <a:t>FileDownlink</a:t>
+            </a:r>
+            <a:endParaRPr kumimoji="0" lang="en-US" sz="1400" b="0" i="0" u="none" strike="noStrike" cap="none" normalizeH="0" baseline="0" dirty="0">
+              <a:ln>
+                <a:noFill/>
+              </a:ln>
+              <a:solidFill>
+                <a:schemeClr val="tx1"/>
+              </a:solidFill>
+              <a:effectLst/>
+              <a:latin typeface="Arial" charset="0"/>
+              <a:ea typeface="ＭＳ Ｐゴシック" pitchFamily="48" charset="-128"/>
+            </a:endParaRPr>
+          </a:p>
+        </p:txBody>
+      </p:sp>
+      <p:sp>
+        <p:nvSpPr>
+          <p:cNvPr id="7" name="Rectangle 6">
+            <a:extLst>
+              <a:ext uri="{FF2B5EF4-FFF2-40B4-BE49-F238E27FC236}">
+                <a16:creationId xmlns:a16="http://schemas.microsoft.com/office/drawing/2014/main" id="{49A586AC-9C78-4D99-8691-F88761629FFA}"/>
+              </a:ext>
+            </a:extLst>
+          </p:cNvPr>
           <p:cNvSpPr/>
           <p:nvPr/>
         </p:nvSpPr>
-        <p:spPr>
-          <a:xfrm>
-            <a:off x="1641614" y="5831440"/>
-            <a:ext cx="5860772" cy="304800"/>
-          </a:xfrm>
-          <a:prstGeom prst="rect">
-            <a:avLst/>
-          </a:prstGeom>
-          <a:solidFill>
-            <a:srgbClr val="FFC000"/>
-          </a:solidFill>
-        </p:spPr>
-        <p:style>
-          <a:lnRef idx="2">
-            <a:schemeClr val="accent1">
-              <a:shade val="50000"/>
-            </a:schemeClr>
-          </a:lnRef>
-          <a:fillRef idx="1">
-            <a:schemeClr val="accent1"/>
-          </a:fillRef>
-          <a:effectRef idx="0">
-            <a:schemeClr val="accent1"/>
-          </a:effectRef>
-          <a:fontRef idx="minor">
-            <a:schemeClr val="lt1"/>
-          </a:fontRef>
-        </p:style>
-        <p:txBody>
-          <a:bodyPr rtlCol="0" anchor="ctr"/>
-          <a:lstStyle/>
-          <a:p>
-            <a:pPr algn="ctr"/>
-            <a:r>
-              <a:rPr lang="en-US" dirty="0"/>
-              <a:t>Transport (Socket, ARINC Channel, UART, IPC)</a:t>
-            </a:r>
-          </a:p>
-        </p:txBody>
-      </p:sp>
-      <p:sp>
-        <p:nvSpPr>
-          <p:cNvPr id="39" name="Rectangle 38"/>
-          <p:cNvSpPr/>
-          <p:nvPr/>
-        </p:nvSpPr>
         <p:spPr bwMode="auto">
           <a:xfrm>
-            <a:off x="1698754" y="4091642"/>
+            <a:off x="4064829" y="3965546"/>
             <a:ext cx="152400" cy="152400"/>
           </a:xfrm>
           <a:prstGeom prst="rect">
@@ -22165,47 +22476,24 @@
           </a:p>
         </p:txBody>
       </p:sp>
-      <p:cxnSp>
-        <p:nvCxnSpPr>
-          <p:cNvPr id="40" name="Straight Arrow Connector 39"/>
-          <p:cNvCxnSpPr/>
-          <p:nvPr/>
-        </p:nvCxnSpPr>
-        <p:spPr bwMode="auto">
-          <a:xfrm>
-            <a:off x="1470154" y="4167842"/>
-            <a:ext cx="228600" cy="0"/>
-          </a:xfrm>
-          <a:prstGeom prst="straightConnector1">
-            <a:avLst/>
-          </a:prstGeom>
-          <a:solidFill>
-            <a:schemeClr val="accent1"/>
-          </a:solidFill>
-          <a:ln w="9525" cap="flat" cmpd="sng" algn="ctr">
-            <a:solidFill>
-              <a:schemeClr val="tx1"/>
-            </a:solidFill>
-            <a:prstDash val="solid"/>
-            <a:round/>
-            <a:headEnd type="none" w="med" len="med"/>
-            <a:tailEnd type="arrow"/>
-          </a:ln>
-          <a:effectLst/>
-        </p:spPr>
-      </p:cxnSp>
-      <p:sp>
-        <p:nvSpPr>
-          <p:cNvPr id="43" name="Rectangle 42"/>
+      <p:sp>
+        <p:nvSpPr>
+          <p:cNvPr id="8" name="Flowchart: Magnetic Disk 7">
+            <a:extLst>
+              <a:ext uri="{FF2B5EF4-FFF2-40B4-BE49-F238E27FC236}">
+                <a16:creationId xmlns:a16="http://schemas.microsoft.com/office/drawing/2014/main" id="{C53EA393-6A8F-4413-B3DC-02F6A6D1A8A3}"/>
+              </a:ext>
+            </a:extLst>
+          </p:cNvPr>
           <p:cNvSpPr/>
           <p:nvPr/>
         </p:nvSpPr>
         <p:spPr>
           <a:xfrm>
-            <a:off x="4861488" y="3435279"/>
-            <a:ext cx="2971800" cy="2209800"/>
-          </a:xfrm>
-          <a:prstGeom prst="rect">
+            <a:off x="1524000" y="5867400"/>
+            <a:ext cx="940629" cy="741363"/>
+          </a:xfrm>
+          <a:prstGeom prst="flowChartMagneticDisk">
             <a:avLst/>
           </a:prstGeom>
           <a:solidFill>
@@ -22229,386 +22517,78 @@
           </a:fontRef>
         </p:style>
         <p:txBody>
-          <a:bodyPr rtlCol="0" anchor="t" anchorCtr="0"/>
+          <a:bodyPr rtlCol="0" anchor="ctr"/>
           <a:lstStyle/>
           <a:p>
             <a:pPr algn="ctr"/>
             <a:r>
-              <a:rPr lang="en-US" sz="1100" dirty="0"/>
-              <a:t>Node 2</a:t>
-            </a:r>
-          </a:p>
-        </p:txBody>
-      </p:sp>
-      <p:sp>
-        <p:nvSpPr>
-          <p:cNvPr id="44" name="Rounded Rectangle 43"/>
-          <p:cNvSpPr/>
-          <p:nvPr/>
-        </p:nvSpPr>
-        <p:spPr bwMode="auto">
-          <a:xfrm>
-            <a:off x="6736979" y="3788693"/>
-            <a:ext cx="711345" cy="609600"/>
-          </a:xfrm>
-          <a:prstGeom prst="roundRect">
-            <a:avLst/>
-          </a:prstGeom>
-          <a:solidFill>
-            <a:schemeClr val="accent1"/>
-          </a:solidFill>
-          <a:ln w="9525" cap="flat" cmpd="sng" algn="ctr">
+              <a:rPr lang="en-US" dirty="0"/>
+              <a:t>File</a:t>
+            </a:r>
+          </a:p>
+        </p:txBody>
+      </p:sp>
+      <p:cxnSp>
+        <p:nvCxnSpPr>
+          <p:cNvPr id="9" name="Straight Arrow Connector 8">
+            <a:extLst>
+              <a:ext uri="{FF2B5EF4-FFF2-40B4-BE49-F238E27FC236}">
+                <a16:creationId xmlns:a16="http://schemas.microsoft.com/office/drawing/2014/main" id="{FEC24C6A-F8BA-4CDE-9826-C2164704E282}"/>
+              </a:ext>
+            </a:extLst>
+          </p:cNvPr>
+          <p:cNvCxnSpPr>
+            <a:cxnSpLocks/>
+            <a:stCxn id="8" idx="1"/>
+            <a:endCxn id="16" idx="2"/>
+          </p:cNvCxnSpPr>
+          <p:nvPr/>
+        </p:nvCxnSpPr>
+        <p:spPr>
+          <a:xfrm flipV="1">
+            <a:off x="1994315" y="4470186"/>
+            <a:ext cx="1206085" cy="1397214"/>
+          </a:xfrm>
+          <a:prstGeom prst="straightConnector1">
+            <a:avLst/>
+          </a:prstGeom>
+          <a:ln>
             <a:solidFill>
               <a:schemeClr val="tx1"/>
             </a:solidFill>
-            <a:prstDash val="solid"/>
-            <a:round/>
-            <a:headEnd type="none" w="med" len="med"/>
-            <a:tailEnd type="none" w="med" len="med"/>
+            <a:tailEnd type="triangle"/>
           </a:ln>
-          <a:effectLst/>
-        </p:spPr>
-        <p:txBody>
-          <a:bodyPr vert="horz" wrap="square" lIns="91440" tIns="45720" rIns="91440" bIns="45720" numCol="1" rtlCol="0" anchor="t" anchorCtr="0" compatLnSpc="1">
-            <a:prstTxWarp prst="textNoShape">
-              <a:avLst/>
-            </a:prstTxWarp>
-          </a:bodyPr>
-          <a:lstStyle/>
-          <a:p>
-            <a:pPr marL="0" marR="0" indent="0" algn="l" defTabSz="914400" rtl="0" eaLnBrk="0" fontAlgn="base" latinLnBrk="0" hangingPunct="0">
-              <a:lnSpc>
-                <a:spcPct val="100000"/>
-              </a:lnSpc>
-              <a:spcBef>
-                <a:spcPct val="0"/>
-              </a:spcBef>
-              <a:spcAft>
-                <a:spcPct val="0"/>
-              </a:spcAft>
-              <a:buClrTx/>
-              <a:buSzTx/>
-              <a:buFontTx/>
-              <a:buNone/>
-              <a:tabLst/>
-            </a:pPr>
-            <a:r>
-              <a:rPr lang="en-US" sz="600" dirty="0"/>
-              <a:t>Consumer</a:t>
-            </a:r>
-          </a:p>
-          <a:p>
-            <a:pPr marL="0" marR="0" indent="0" algn="l" defTabSz="914400" rtl="0" eaLnBrk="0" fontAlgn="base" latinLnBrk="0" hangingPunct="0">
-              <a:lnSpc>
-                <a:spcPct val="100000"/>
-              </a:lnSpc>
-              <a:spcBef>
-                <a:spcPct val="0"/>
-              </a:spcBef>
-              <a:spcAft>
-                <a:spcPct val="0"/>
-              </a:spcAft>
-              <a:buClrTx/>
-              <a:buSzTx/>
-              <a:buFontTx/>
-              <a:buNone/>
-              <a:tabLst/>
-            </a:pPr>
-            <a:r>
-              <a:rPr kumimoji="0" lang="en-US" sz="600" b="0" i="0" u="none" strike="noStrike" cap="none" normalizeH="0" baseline="0" dirty="0">
-                <a:ln>
-                  <a:noFill/>
-                </a:ln>
-                <a:solidFill>
-                  <a:schemeClr val="tx1"/>
-                </a:solidFill>
-                <a:effectLst/>
-                <a:latin typeface="Arial" charset="0"/>
-                <a:ea typeface="ＭＳ Ｐゴシック" pitchFamily="48" charset="-128"/>
-              </a:rPr>
-              <a:t>Component1</a:t>
-            </a:r>
-          </a:p>
-        </p:txBody>
-      </p:sp>
-      <p:cxnSp>
-        <p:nvCxnSpPr>
-          <p:cNvPr id="48" name="Straight Arrow Connector 47"/>
-          <p:cNvCxnSpPr/>
-          <p:nvPr/>
-        </p:nvCxnSpPr>
-        <p:spPr bwMode="auto">
-          <a:xfrm>
-            <a:off x="6736979" y="4106675"/>
-            <a:ext cx="228600" cy="0"/>
-          </a:xfrm>
-          <a:prstGeom prst="straightConnector1">
-            <a:avLst/>
-          </a:prstGeom>
-          <a:solidFill>
-            <a:schemeClr val="accent1"/>
-          </a:solidFill>
-          <a:ln w="9525" cap="flat" cmpd="sng" algn="ctr">
-            <a:solidFill>
-              <a:schemeClr val="tx1"/>
-            </a:solidFill>
-            <a:prstDash val="solid"/>
-            <a:round/>
-            <a:headEnd type="none" w="med" len="med"/>
-            <a:tailEnd type="arrow"/>
-          </a:ln>
-          <a:effectLst/>
-        </p:spPr>
-      </p:cxnSp>
-      <p:sp>
-        <p:nvSpPr>
-          <p:cNvPr id="51" name="Rounded Rectangle 50"/>
-          <p:cNvSpPr/>
-          <p:nvPr/>
-        </p:nvSpPr>
-        <p:spPr bwMode="auto">
-          <a:xfrm>
-            <a:off x="2384988" y="3791712"/>
-            <a:ext cx="1054245" cy="1512807"/>
-          </a:xfrm>
-          <a:prstGeom prst="roundRect">
-            <a:avLst/>
-          </a:prstGeom>
-          <a:solidFill>
-            <a:schemeClr val="accent1"/>
-          </a:solidFill>
-          <a:ln w="9525" cap="flat" cmpd="sng" algn="ctr">
-            <a:solidFill>
-              <a:schemeClr val="tx1"/>
-            </a:solidFill>
-            <a:prstDash val="solid"/>
-            <a:round/>
-            <a:headEnd type="none" w="med" len="med"/>
-            <a:tailEnd type="none" w="med" len="med"/>
-          </a:ln>
-          <a:effectLst/>
-        </p:spPr>
-        <p:txBody>
-          <a:bodyPr vert="horz" wrap="square" lIns="91440" tIns="45720" rIns="91440" bIns="45720" numCol="1" rtlCol="0" anchor="t" anchorCtr="0" compatLnSpc="1">
-            <a:prstTxWarp prst="textNoShape">
-              <a:avLst/>
-            </a:prstTxWarp>
-          </a:bodyPr>
-          <a:lstStyle/>
-          <a:p>
-            <a:pPr marL="0" marR="0" indent="0" algn="l" defTabSz="914400" rtl="0" eaLnBrk="0" fontAlgn="base" latinLnBrk="0" hangingPunct="0">
-              <a:lnSpc>
-                <a:spcPct val="100000"/>
-              </a:lnSpc>
-              <a:spcBef>
-                <a:spcPct val="0"/>
-              </a:spcBef>
-              <a:spcAft>
-                <a:spcPct val="0"/>
-              </a:spcAft>
-              <a:buClrTx/>
-              <a:buSzTx/>
-              <a:buFontTx/>
-              <a:buNone/>
-              <a:tabLst/>
-            </a:pPr>
-            <a:r>
-              <a:rPr lang="en-US" sz="600" dirty="0">
-                <a:latin typeface="Arial" charset="0"/>
-                <a:ea typeface="ＭＳ Ｐゴシック" pitchFamily="48" charset="-128"/>
-              </a:rPr>
-              <a:t>Hub</a:t>
-            </a:r>
-            <a:endParaRPr kumimoji="0" lang="en-US" sz="600" b="0" i="0" u="none" strike="noStrike" cap="none" normalizeH="0" baseline="0" dirty="0">
-              <a:ln>
-                <a:noFill/>
-              </a:ln>
-              <a:solidFill>
-                <a:schemeClr val="tx1"/>
-              </a:solidFill>
-              <a:effectLst/>
-              <a:latin typeface="Arial" charset="0"/>
-              <a:ea typeface="ＭＳ Ｐゴシック" pitchFamily="48" charset="-128"/>
-            </a:endParaRPr>
-          </a:p>
-        </p:txBody>
-      </p:sp>
-      <p:sp>
-        <p:nvSpPr>
-          <p:cNvPr id="53" name="Up-Down Arrow 52"/>
-          <p:cNvSpPr/>
-          <p:nvPr/>
-        </p:nvSpPr>
-        <p:spPr>
-          <a:xfrm>
-            <a:off x="3083560" y="5304520"/>
-            <a:ext cx="78147" cy="510424"/>
-          </a:xfrm>
-          <a:prstGeom prst="upDownArrow">
-            <a:avLst/>
-          </a:prstGeom>
-          <a:ln>
-            <a:solidFill>
-              <a:schemeClr val="bg2">
-                <a:lumMod val="50000"/>
-              </a:schemeClr>
-            </a:solidFill>
-          </a:ln>
         </p:spPr>
         <p:style>
-          <a:lnRef idx="2">
-            <a:schemeClr val="accent1">
-              <a:shade val="50000"/>
-            </a:schemeClr>
+          <a:lnRef idx="1">
+            <a:schemeClr val="accent1"/>
           </a:lnRef>
-          <a:fillRef idx="1">
+          <a:fillRef idx="0">
             <a:schemeClr val="accent1"/>
           </a:fillRef>
           <a:effectRef idx="0">
             <a:schemeClr val="accent1"/>
           </a:effectRef>
           <a:fontRef idx="minor">
-            <a:schemeClr val="lt1"/>
+            <a:schemeClr val="tx1"/>
           </a:fontRef>
         </p:style>
-        <p:txBody>
-          <a:bodyPr rtlCol="0" anchor="ctr"/>
-          <a:lstStyle/>
-          <a:p>
-            <a:pPr algn="ctr"/>
-            <a:endParaRPr lang="en-US"/>
-          </a:p>
-        </p:txBody>
-      </p:sp>
-      <p:sp>
-        <p:nvSpPr>
-          <p:cNvPr id="56" name="Up-Down Arrow 55"/>
+      </p:cxnSp>
+      <p:sp>
+        <p:nvSpPr>
+          <p:cNvPr id="17" name="Rectangle 16">
+            <a:extLst>
+              <a:ext uri="{FF2B5EF4-FFF2-40B4-BE49-F238E27FC236}">
+                <a16:creationId xmlns:a16="http://schemas.microsoft.com/office/drawing/2014/main" id="{E07C488D-183A-4B3C-A47A-2EC07022DB43}"/>
+              </a:ext>
+            </a:extLst>
+          </p:cNvPr>
           <p:cNvSpPr/>
           <p:nvPr/>
         </p:nvSpPr>
-        <p:spPr>
-          <a:xfrm>
-            <a:off x="5474638" y="5284568"/>
-            <a:ext cx="45719" cy="510424"/>
-          </a:xfrm>
-          <a:prstGeom prst="upDownArrow">
-            <a:avLst/>
-          </a:prstGeom>
-          <a:ln>
-            <a:solidFill>
-              <a:schemeClr val="bg2">
-                <a:lumMod val="50000"/>
-              </a:schemeClr>
-            </a:solidFill>
-          </a:ln>
-        </p:spPr>
-        <p:style>
-          <a:lnRef idx="2">
-            <a:schemeClr val="accent1">
-              <a:shade val="50000"/>
-            </a:schemeClr>
-          </a:lnRef>
-          <a:fillRef idx="1">
-            <a:schemeClr val="accent1"/>
-          </a:fillRef>
-          <a:effectRef idx="0">
-            <a:schemeClr val="accent1"/>
-          </a:effectRef>
-          <a:fontRef idx="minor">
-            <a:schemeClr val="lt1"/>
-          </a:fontRef>
-        </p:style>
-        <p:txBody>
-          <a:bodyPr rtlCol="0" anchor="ctr"/>
-          <a:lstStyle/>
-          <a:p>
-            <a:pPr algn="ctr"/>
-            <a:endParaRPr lang="en-US"/>
-          </a:p>
-        </p:txBody>
-      </p:sp>
-      <p:sp>
-        <p:nvSpPr>
-          <p:cNvPr id="57" name="Rounded Rectangle 56"/>
-          <p:cNvSpPr/>
-          <p:nvPr/>
-        </p:nvSpPr>
         <p:spPr bwMode="auto">
           <a:xfrm>
-            <a:off x="4993234" y="3771760"/>
-            <a:ext cx="1054245" cy="1512807"/>
-          </a:xfrm>
-          <a:prstGeom prst="roundRect">
-            <a:avLst/>
-          </a:prstGeom>
-          <a:solidFill>
-            <a:schemeClr val="accent1"/>
-          </a:solidFill>
-          <a:ln w="9525" cap="flat" cmpd="sng" algn="ctr">
-            <a:solidFill>
-              <a:schemeClr val="tx1"/>
-            </a:solidFill>
-            <a:prstDash val="solid"/>
-            <a:round/>
-            <a:headEnd type="none" w="med" len="med"/>
-            <a:tailEnd type="none" w="med" len="med"/>
-          </a:ln>
-          <a:effectLst/>
-        </p:spPr>
-        <p:txBody>
-          <a:bodyPr vert="horz" wrap="square" lIns="91440" tIns="45720" rIns="91440" bIns="45720" numCol="1" rtlCol="0" anchor="t" anchorCtr="0" compatLnSpc="1">
-            <a:prstTxWarp prst="textNoShape">
-              <a:avLst/>
-            </a:prstTxWarp>
-          </a:bodyPr>
-          <a:lstStyle/>
-          <a:p>
-            <a:pPr marL="0" marR="0" indent="0" algn="l" defTabSz="914400" rtl="0" eaLnBrk="0" fontAlgn="base" latinLnBrk="0" hangingPunct="0">
-              <a:lnSpc>
-                <a:spcPct val="100000"/>
-              </a:lnSpc>
-              <a:spcBef>
-                <a:spcPct val="0"/>
-              </a:spcBef>
-              <a:spcAft>
-                <a:spcPct val="0"/>
-              </a:spcAft>
-              <a:buClrTx/>
-              <a:buSzTx/>
-              <a:buFontTx/>
-              <a:buNone/>
-              <a:tabLst/>
-            </a:pPr>
-            <a:r>
-              <a:rPr lang="en-US" sz="600" dirty="0">
-                <a:latin typeface="Arial" charset="0"/>
-                <a:ea typeface="ＭＳ Ｐゴシック" pitchFamily="48" charset="-128"/>
-              </a:rPr>
-              <a:t>Hub</a:t>
-            </a:r>
-            <a:endParaRPr kumimoji="0" lang="en-US" sz="600" b="0" i="0" u="none" strike="noStrike" cap="none" normalizeH="0" baseline="0" dirty="0">
-              <a:ln>
-                <a:noFill/>
-              </a:ln>
-              <a:solidFill>
-                <a:schemeClr val="tx1"/>
-              </a:solidFill>
-              <a:effectLst/>
-              <a:latin typeface="Arial" charset="0"/>
-              <a:ea typeface="ＭＳ Ｐゴシック" pitchFamily="48" charset="-128"/>
-            </a:endParaRPr>
-          </a:p>
-        </p:txBody>
-      </p:sp>
-      <p:sp>
-        <p:nvSpPr>
-          <p:cNvPr id="58" name="Rectangle 57"/>
-          <p:cNvSpPr/>
-          <p:nvPr/>
-        </p:nvSpPr>
-        <p:spPr bwMode="auto">
-          <a:xfrm>
-            <a:off x="2240745" y="4091642"/>
+            <a:off x="4064829" y="4524258"/>
             <a:ext cx="152400" cy="152400"/>
           </a:xfrm>
           <a:prstGeom prst="rect">
@@ -22666,15 +22646,197 @@
           </a:p>
         </p:txBody>
       </p:sp>
-      <p:sp>
-        <p:nvSpPr>
-          <p:cNvPr id="61" name="Rectangle 60"/>
+      <p:cxnSp>
+        <p:nvCxnSpPr>
+          <p:cNvPr id="11" name="Straight Arrow Connector 10">
+            <a:extLst>
+              <a:ext uri="{FF2B5EF4-FFF2-40B4-BE49-F238E27FC236}">
+                <a16:creationId xmlns:a16="http://schemas.microsoft.com/office/drawing/2014/main" id="{918FD6B2-4A88-4F1C-B180-69BD3FE0DA2E}"/>
+              </a:ext>
+            </a:extLst>
+          </p:cNvPr>
+          <p:cNvCxnSpPr>
+            <a:cxnSpLocks/>
+            <a:stCxn id="7" idx="3"/>
+            <a:endCxn id="23" idx="1"/>
+          </p:cNvCxnSpPr>
+          <p:nvPr/>
+        </p:nvCxnSpPr>
+        <p:spPr>
+          <a:xfrm flipV="1">
+            <a:off x="4217229" y="3671829"/>
+            <a:ext cx="2125205" cy="369917"/>
+          </a:xfrm>
+          <a:prstGeom prst="straightConnector1">
+            <a:avLst/>
+          </a:prstGeom>
+          <a:ln>
+            <a:solidFill>
+              <a:schemeClr val="tx1"/>
+            </a:solidFill>
+            <a:tailEnd type="triangle"/>
+          </a:ln>
+        </p:spPr>
+        <p:style>
+          <a:lnRef idx="1">
+            <a:schemeClr val="accent1"/>
+          </a:lnRef>
+          <a:fillRef idx="0">
+            <a:schemeClr val="accent1"/>
+          </a:fillRef>
+          <a:effectRef idx="0">
+            <a:schemeClr val="accent1"/>
+          </a:effectRef>
+          <a:fontRef idx="minor">
+            <a:schemeClr val="tx1"/>
+          </a:fontRef>
+        </p:style>
+      </p:cxnSp>
+      <p:cxnSp>
+        <p:nvCxnSpPr>
+          <p:cNvPr id="15" name="Straight Arrow Connector 14">
+            <a:extLst>
+              <a:ext uri="{FF2B5EF4-FFF2-40B4-BE49-F238E27FC236}">
+                <a16:creationId xmlns:a16="http://schemas.microsoft.com/office/drawing/2014/main" id="{B93E07C7-B6E7-477B-A139-78D43E835562}"/>
+              </a:ext>
+            </a:extLst>
+          </p:cNvPr>
+          <p:cNvCxnSpPr>
+            <a:cxnSpLocks/>
+          </p:cNvCxnSpPr>
+          <p:nvPr/>
+        </p:nvCxnSpPr>
+        <p:spPr>
+          <a:xfrm>
+            <a:off x="4205880" y="4602259"/>
+            <a:ext cx="2118720" cy="480711"/>
+          </a:xfrm>
+          <a:prstGeom prst="straightConnector1">
+            <a:avLst/>
+          </a:prstGeom>
+          <a:ln>
+            <a:solidFill>
+              <a:schemeClr val="tx1"/>
+            </a:solidFill>
+            <a:tailEnd type="triangle"/>
+          </a:ln>
+        </p:spPr>
+        <p:style>
+          <a:lnRef idx="1">
+            <a:schemeClr val="accent1"/>
+          </a:lnRef>
+          <a:fillRef idx="0">
+            <a:schemeClr val="accent1"/>
+          </a:fillRef>
+          <a:effectRef idx="0">
+            <a:schemeClr val="accent1"/>
+          </a:effectRef>
+          <a:fontRef idx="minor">
+            <a:schemeClr val="tx1"/>
+          </a:fontRef>
+        </p:style>
+      </p:cxnSp>
+      <p:sp>
+        <p:nvSpPr>
+          <p:cNvPr id="18" name="Rounded Rectangle 50">
+            <a:extLst>
+              <a:ext uri="{FF2B5EF4-FFF2-40B4-BE49-F238E27FC236}">
+                <a16:creationId xmlns:a16="http://schemas.microsoft.com/office/drawing/2014/main" id="{537F4527-F150-4F6C-BEF3-A8F5F792B1F0}"/>
+              </a:ext>
+            </a:extLst>
+          </p:cNvPr>
           <p:cNvSpPr/>
           <p:nvPr/>
         </p:nvSpPr>
         <p:spPr bwMode="auto">
           <a:xfrm>
-            <a:off x="6042588" y="4035483"/>
+            <a:off x="6465651" y="4703323"/>
+            <a:ext cx="1618177" cy="1047768"/>
+          </a:xfrm>
+          <a:prstGeom prst="roundRect">
+            <a:avLst/>
+          </a:prstGeom>
+          <a:solidFill>
+            <a:srgbClr val="92D050"/>
+          </a:solidFill>
+          <a:ln w="9525" cap="flat" cmpd="sng" algn="ctr">
+            <a:solidFill>
+              <a:schemeClr val="tx1"/>
+            </a:solidFill>
+            <a:prstDash val="solid"/>
+            <a:round/>
+            <a:headEnd type="none" w="med" len="med"/>
+            <a:tailEnd type="none" w="med" len="med"/>
+          </a:ln>
+          <a:effectLst/>
+        </p:spPr>
+        <p:txBody>
+          <a:bodyPr vert="horz" wrap="square" lIns="91440" tIns="45720" rIns="91440" bIns="45720" numCol="1" rtlCol="0" anchor="t" anchorCtr="0" compatLnSpc="1">
+            <a:prstTxWarp prst="textNoShape">
+              <a:avLst/>
+            </a:prstTxWarp>
+          </a:bodyPr>
+          <a:lstStyle/>
+          <a:p>
+            <a:pPr marL="0" marR="0" indent="0" algn="l" defTabSz="914400" rtl="0" eaLnBrk="0" fontAlgn="base" latinLnBrk="0" hangingPunct="0">
+              <a:lnSpc>
+                <a:spcPct val="100000"/>
+              </a:lnSpc>
+              <a:spcBef>
+                <a:spcPct val="0"/>
+              </a:spcBef>
+              <a:spcAft>
+                <a:spcPct val="0"/>
+              </a:spcAft>
+              <a:buClrTx/>
+              <a:buSzTx/>
+              <a:buFontTx/>
+              <a:buNone/>
+              <a:tabLst/>
+            </a:pPr>
+            <a:r>
+              <a:rPr kumimoji="0" lang="en-US" sz="1400" b="0" i="0" u="none" strike="noStrike" cap="none" normalizeH="0" baseline="0" dirty="0" err="1">
+                <a:ln>
+                  <a:noFill/>
+                </a:ln>
+                <a:solidFill>
+                  <a:schemeClr val="tx1"/>
+                </a:solidFill>
+                <a:effectLst/>
+                <a:latin typeface="Arial" charset="0"/>
+                <a:ea typeface="ＭＳ Ｐゴシック" pitchFamily="48" charset="-128"/>
+              </a:rPr>
+              <a:t>BufferManager</a:t>
+            </a:r>
+            <a:endParaRPr kumimoji="0" lang="en-US" sz="1400" b="0" i="0" u="none" strike="noStrike" cap="none" normalizeH="0" baseline="0" dirty="0">
+              <a:ln>
+                <a:noFill/>
+              </a:ln>
+              <a:solidFill>
+                <a:schemeClr val="tx1"/>
+              </a:solidFill>
+              <a:effectLst/>
+              <a:latin typeface="Arial" charset="0"/>
+              <a:ea typeface="ＭＳ Ｐゴシック" pitchFamily="48" charset="-128"/>
+            </a:endParaRPr>
+          </a:p>
+        </p:txBody>
+      </p:sp>
+      <p:sp>
+        <p:nvSpPr>
+          <p:cNvPr id="19" name="Rectangle 18">
+            <a:extLst>
+              <a:ext uri="{FF2B5EF4-FFF2-40B4-BE49-F238E27FC236}">
+                <a16:creationId xmlns:a16="http://schemas.microsoft.com/office/drawing/2014/main" id="{A28BAA6A-069D-42FE-8781-4F670BB200D3}"/>
+              </a:ext>
+            </a:extLst>
+          </p:cNvPr>
+          <p:cNvSpPr/>
+          <p:nvPr/>
+        </p:nvSpPr>
+        <p:spPr bwMode="auto">
+          <a:xfrm>
+            <a:off x="6335949" y="5006770"/>
             <a:ext cx="152400" cy="152400"/>
           </a:xfrm>
           <a:prstGeom prst="rect">
@@ -22734,13 +22896,143 @@
       </p:sp>
       <p:sp>
         <p:nvSpPr>
-          <p:cNvPr id="63" name="Rectangle 62"/>
+          <p:cNvPr id="16" name="Rectangle 15">
+            <a:extLst>
+              <a:ext uri="{FF2B5EF4-FFF2-40B4-BE49-F238E27FC236}">
+                <a16:creationId xmlns:a16="http://schemas.microsoft.com/office/drawing/2014/main" id="{DF3A65A6-25AA-4176-ACE7-8638A195B12F}"/>
+              </a:ext>
+            </a:extLst>
+          </p:cNvPr>
           <p:cNvSpPr/>
           <p:nvPr/>
         </p:nvSpPr>
+        <p:spPr>
+          <a:xfrm>
+            <a:off x="2819400" y="4255770"/>
+            <a:ext cx="762000" cy="214416"/>
+          </a:xfrm>
+          <a:prstGeom prst="rect">
+            <a:avLst/>
+          </a:prstGeom>
+          <a:solidFill>
+            <a:srgbClr val="FFC000"/>
+          </a:solidFill>
+        </p:spPr>
+        <p:style>
+          <a:lnRef idx="2">
+            <a:schemeClr val="accent1">
+              <a:shade val="50000"/>
+            </a:schemeClr>
+          </a:lnRef>
+          <a:fillRef idx="1">
+            <a:schemeClr val="accent1"/>
+          </a:fillRef>
+          <a:effectRef idx="0">
+            <a:schemeClr val="accent1"/>
+          </a:effectRef>
+          <a:fontRef idx="minor">
+            <a:schemeClr val="lt1"/>
+          </a:fontRef>
+        </p:style>
+        <p:txBody>
+          <a:bodyPr rtlCol="0" anchor="ctr"/>
+          <a:lstStyle/>
+          <a:p>
+            <a:pPr algn="ctr"/>
+            <a:endParaRPr lang="en-US"/>
+          </a:p>
+        </p:txBody>
+      </p:sp>
+      <p:sp>
+        <p:nvSpPr>
+          <p:cNvPr id="22" name="Rounded Rectangle 50">
+            <a:extLst>
+              <a:ext uri="{FF2B5EF4-FFF2-40B4-BE49-F238E27FC236}">
+                <a16:creationId xmlns:a16="http://schemas.microsoft.com/office/drawing/2014/main" id="{FCAD6428-B7CC-4C02-B1EA-B2B587594AC2}"/>
+              </a:ext>
+            </a:extLst>
+          </p:cNvPr>
+          <p:cNvSpPr/>
+          <p:nvPr/>
+        </p:nvSpPr>
         <p:spPr bwMode="auto">
           <a:xfrm>
-            <a:off x="6584579" y="4035483"/>
+            <a:off x="6488349" y="3206242"/>
+            <a:ext cx="1618177" cy="1047768"/>
+          </a:xfrm>
+          <a:prstGeom prst="roundRect">
+            <a:avLst/>
+          </a:prstGeom>
+          <a:solidFill>
+            <a:srgbClr val="C00000"/>
+          </a:solidFill>
+          <a:ln w="9525" cap="flat" cmpd="sng" algn="ctr">
+            <a:solidFill>
+              <a:schemeClr val="tx1"/>
+            </a:solidFill>
+            <a:prstDash val="solid"/>
+            <a:round/>
+            <a:headEnd type="none" w="med" len="med"/>
+            <a:tailEnd type="none" w="med" len="med"/>
+          </a:ln>
+          <a:effectLst/>
+        </p:spPr>
+        <p:txBody>
+          <a:bodyPr vert="horz" wrap="square" lIns="91440" tIns="45720" rIns="91440" bIns="45720" numCol="1" rtlCol="0" anchor="t" anchorCtr="0" compatLnSpc="1">
+            <a:prstTxWarp prst="textNoShape">
+              <a:avLst/>
+            </a:prstTxWarp>
+          </a:bodyPr>
+          <a:lstStyle/>
+          <a:p>
+            <a:pPr marL="0" marR="0" indent="0" algn="l" defTabSz="914400" rtl="0" eaLnBrk="0" fontAlgn="base" latinLnBrk="0" hangingPunct="0">
+              <a:lnSpc>
+                <a:spcPct val="100000"/>
+              </a:lnSpc>
+              <a:spcBef>
+                <a:spcPct val="0"/>
+              </a:spcBef>
+              <a:spcAft>
+                <a:spcPct val="0"/>
+              </a:spcAft>
+              <a:buClrTx/>
+              <a:buSzTx/>
+              <a:buFontTx/>
+              <a:buNone/>
+              <a:tabLst/>
+            </a:pPr>
+            <a:r>
+              <a:rPr kumimoji="0" lang="en-US" sz="1400" b="0" i="0" u="none" strike="noStrike" cap="none" normalizeH="0" baseline="0" dirty="0">
+                <a:ln>
+                  <a:noFill/>
+                </a:ln>
+                <a:solidFill>
+                  <a:schemeClr val="tx1"/>
+                </a:solidFill>
+                <a:effectLst/>
+                <a:latin typeface="Arial" charset="0"/>
+                <a:ea typeface="ＭＳ Ｐゴシック" pitchFamily="48" charset="-128"/>
+              </a:rPr>
+              <a:t>Downlink</a:t>
+            </a:r>
+          </a:p>
+        </p:txBody>
+      </p:sp>
+      <p:sp>
+        <p:nvSpPr>
+          <p:cNvPr id="23" name="Rectangle 22">
+            <a:extLst>
+              <a:ext uri="{FF2B5EF4-FFF2-40B4-BE49-F238E27FC236}">
+                <a16:creationId xmlns:a16="http://schemas.microsoft.com/office/drawing/2014/main" id="{99A1EB83-63CB-4B5B-9587-3418E3D736AD}"/>
+              </a:ext>
+            </a:extLst>
+          </p:cNvPr>
+          <p:cNvSpPr/>
+          <p:nvPr/>
+        </p:nvSpPr>
+        <p:spPr bwMode="auto">
+          <a:xfrm>
+            <a:off x="6342434" y="3595629"/>
             <a:ext cx="152400" cy="152400"/>
           </a:xfrm>
           <a:prstGeom prst="rect">
@@ -22800,812 +23092,79 @@
       </p:sp>
       <p:sp>
         <p:nvSpPr>
-          <p:cNvPr id="28" name="Rounded Rectangle 27"/>
-          <p:cNvSpPr/>
-          <p:nvPr/>
-        </p:nvSpPr>
-        <p:spPr bwMode="auto">
-          <a:xfrm>
-            <a:off x="986730" y="4698010"/>
-            <a:ext cx="711345" cy="609600"/>
-          </a:xfrm>
-          <a:prstGeom prst="roundRect">
-            <a:avLst/>
-          </a:prstGeom>
-          <a:solidFill>
-            <a:schemeClr val="accent1"/>
-          </a:solidFill>
-          <a:ln w="9525" cap="flat" cmpd="sng" algn="ctr">
-            <a:solidFill>
-              <a:schemeClr val="tx1"/>
-            </a:solidFill>
-            <a:prstDash val="solid"/>
-            <a:round/>
-            <a:headEnd type="none" w="med" len="med"/>
-            <a:tailEnd type="none" w="med" len="med"/>
-          </a:ln>
-          <a:effectLst/>
-        </p:spPr>
-        <p:txBody>
-          <a:bodyPr vert="horz" wrap="square" lIns="91440" tIns="45720" rIns="91440" bIns="45720" numCol="1" rtlCol="0" anchor="t" anchorCtr="0" compatLnSpc="1">
-            <a:prstTxWarp prst="textNoShape">
-              <a:avLst/>
-            </a:prstTxWarp>
+          <p:cNvPr id="25" name="TextBox 24">
+            <a:extLst>
+              <a:ext uri="{FF2B5EF4-FFF2-40B4-BE49-F238E27FC236}">
+                <a16:creationId xmlns:a16="http://schemas.microsoft.com/office/drawing/2014/main" id="{F147DE2B-3253-40E9-8BEA-1D1CEDFB5C48}"/>
+              </a:ext>
+            </a:extLst>
+          </p:cNvPr>
+          <p:cNvSpPr txBox="1"/>
+          <p:nvPr/>
+        </p:nvSpPr>
+        <p:spPr>
+          <a:xfrm>
+            <a:off x="4804014" y="4888653"/>
+            <a:ext cx="951633" cy="338554"/>
+          </a:xfrm>
+          <a:prstGeom prst="rect">
+            <a:avLst/>
+          </a:prstGeom>
+          <a:noFill/>
+        </p:spPr>
+        <p:txBody>
+          <a:bodyPr wrap="square" rtlCol="0">
+            <a:spAutoFit/>
           </a:bodyPr>
           <a:lstStyle/>
           <a:p>
-            <a:pPr marL="0" marR="0" indent="0" algn="l" defTabSz="914400" rtl="0" eaLnBrk="0" fontAlgn="base" latinLnBrk="0" hangingPunct="0">
-              <a:lnSpc>
-                <a:spcPct val="100000"/>
-              </a:lnSpc>
-              <a:spcBef>
-                <a:spcPct val="0"/>
-              </a:spcBef>
-              <a:spcAft>
-                <a:spcPct val="0"/>
-              </a:spcAft>
-              <a:buClrTx/>
-              <a:buSzTx/>
-              <a:buFontTx/>
-              <a:buNone/>
-              <a:tabLst/>
-            </a:pPr>
-            <a:r>
-              <a:rPr lang="en-US" sz="600" dirty="0"/>
-              <a:t>Consumer</a:t>
-            </a:r>
-          </a:p>
-          <a:p>
-            <a:pPr marL="0" marR="0" indent="0" algn="l" defTabSz="914400" rtl="0" eaLnBrk="0" fontAlgn="base" latinLnBrk="0" hangingPunct="0">
-              <a:lnSpc>
-                <a:spcPct val="100000"/>
-              </a:lnSpc>
-              <a:spcBef>
-                <a:spcPct val="0"/>
-              </a:spcBef>
-              <a:spcAft>
-                <a:spcPct val="0"/>
-              </a:spcAft>
-              <a:buClrTx/>
-              <a:buSzTx/>
-              <a:buFontTx/>
-              <a:buNone/>
-              <a:tabLst/>
-            </a:pPr>
-            <a:r>
-              <a:rPr kumimoji="0" lang="en-US" sz="600" b="0" i="0" u="none" strike="noStrike" cap="none" normalizeH="0" baseline="0" dirty="0">
-                <a:ln>
-                  <a:noFill/>
-                </a:ln>
-                <a:solidFill>
-                  <a:schemeClr val="tx1"/>
-                </a:solidFill>
-                <a:effectLst/>
-                <a:latin typeface="Arial" charset="0"/>
-                <a:ea typeface="ＭＳ Ｐゴシック" pitchFamily="48" charset="-128"/>
-              </a:rPr>
-              <a:t>Component2</a:t>
-            </a:r>
-          </a:p>
-        </p:txBody>
-      </p:sp>
-      <p:sp>
-        <p:nvSpPr>
-          <p:cNvPr id="29" name="Rectangle 28"/>
-          <p:cNvSpPr/>
-          <p:nvPr/>
-        </p:nvSpPr>
-        <p:spPr bwMode="auto">
-          <a:xfrm>
-            <a:off x="1686633" y="4926610"/>
-            <a:ext cx="152400" cy="152400"/>
+            <a:r>
+              <a:rPr lang="en-US" sz="1600" dirty="0"/>
+              <a:t>get()</a:t>
+            </a:r>
+          </a:p>
+        </p:txBody>
+      </p:sp>
+      <p:sp>
+        <p:nvSpPr>
+          <p:cNvPr id="26" name="TextBox 25">
+            <a:extLst>
+              <a:ext uri="{FF2B5EF4-FFF2-40B4-BE49-F238E27FC236}">
+                <a16:creationId xmlns:a16="http://schemas.microsoft.com/office/drawing/2014/main" id="{D6829B96-74D3-4E25-90D9-43ACBF2A9B27}"/>
+              </a:ext>
+            </a:extLst>
+          </p:cNvPr>
+          <p:cNvSpPr txBox="1"/>
+          <p:nvPr/>
+        </p:nvSpPr>
+        <p:spPr>
+          <a:xfrm>
+            <a:off x="4666457" y="3518233"/>
+            <a:ext cx="951633" cy="338554"/>
           </a:xfrm>
           <a:prstGeom prst="rect">
             <a:avLst/>
           </a:prstGeom>
-          <a:solidFill>
-            <a:schemeClr val="accent2"/>
-          </a:solidFill>
-          <a:ln w="9525" cap="flat" cmpd="sng" algn="ctr">
-            <a:solidFill>
-              <a:schemeClr val="tx1"/>
-            </a:solidFill>
-            <a:prstDash val="solid"/>
-            <a:round/>
-            <a:headEnd type="none" w="med" len="med"/>
-            <a:tailEnd type="none" w="med" len="med"/>
-          </a:ln>
-          <a:effectLst/>
-        </p:spPr>
-        <p:txBody>
-          <a:bodyPr vert="horz" wrap="square" lIns="91440" tIns="45720" rIns="91440" bIns="45720" numCol="1" rtlCol="0" anchor="t" anchorCtr="0" compatLnSpc="1">
-            <a:prstTxWarp prst="textNoShape">
-              <a:avLst/>
-            </a:prstTxWarp>
+          <a:noFill/>
+        </p:spPr>
+        <p:txBody>
+          <a:bodyPr wrap="square" rtlCol="0">
+            <a:spAutoFit/>
           </a:bodyPr>
           <a:lstStyle/>
           <a:p>
-            <a:pPr marL="0" marR="0" indent="0" algn="l" defTabSz="914400" rtl="0" eaLnBrk="0" fontAlgn="base" latinLnBrk="0" hangingPunct="0">
-              <a:lnSpc>
-                <a:spcPct val="100000"/>
-              </a:lnSpc>
-              <a:spcBef>
-                <a:spcPct val="0"/>
-              </a:spcBef>
-              <a:spcAft>
-                <a:spcPct val="0"/>
-              </a:spcAft>
-              <a:buClrTx/>
-              <a:buSzTx/>
-              <a:buFontTx/>
-              <a:buNone/>
-              <a:tabLst/>
-            </a:pPr>
-            <a:endParaRPr kumimoji="0" lang="en-US" sz="2400" b="0" i="0" u="none" strike="noStrike" cap="none" normalizeH="0" baseline="0">
-              <a:ln>
-                <a:noFill/>
-              </a:ln>
-              <a:solidFill>
-                <a:schemeClr val="tx1"/>
-              </a:solidFill>
-              <a:effectLst/>
-              <a:latin typeface="Arial" charset="0"/>
-              <a:ea typeface="ＭＳ Ｐゴシック" pitchFamily="48" charset="-128"/>
-            </a:endParaRPr>
-          </a:p>
-        </p:txBody>
-      </p:sp>
-      <p:cxnSp>
-        <p:nvCxnSpPr>
-          <p:cNvPr id="30" name="Straight Arrow Connector 29"/>
-          <p:cNvCxnSpPr/>
-          <p:nvPr/>
-        </p:nvCxnSpPr>
-        <p:spPr bwMode="auto">
-          <a:xfrm flipH="1" flipV="1">
-            <a:off x="1458033" y="5002810"/>
-            <a:ext cx="228600" cy="0"/>
-          </a:xfrm>
-          <a:prstGeom prst="straightConnector1">
-            <a:avLst/>
-          </a:prstGeom>
-          <a:solidFill>
-            <a:schemeClr val="accent1"/>
-          </a:solidFill>
-          <a:ln w="9525" cap="flat" cmpd="sng" algn="ctr">
-            <a:solidFill>
-              <a:schemeClr val="tx1"/>
-            </a:solidFill>
-            <a:prstDash val="solid"/>
-            <a:round/>
-            <a:headEnd type="none" w="med" len="med"/>
-            <a:tailEnd type="arrow"/>
-          </a:ln>
-          <a:effectLst/>
-        </p:spPr>
-      </p:cxnSp>
-      <p:sp>
-        <p:nvSpPr>
-          <p:cNvPr id="31" name="Rectangle 30"/>
-          <p:cNvSpPr/>
-          <p:nvPr/>
-        </p:nvSpPr>
-        <p:spPr bwMode="auto">
-          <a:xfrm>
-            <a:off x="2228624" y="4926610"/>
-            <a:ext cx="152400" cy="152400"/>
-          </a:xfrm>
-          <a:prstGeom prst="rect">
-            <a:avLst/>
-          </a:prstGeom>
-          <a:solidFill>
-            <a:schemeClr val="accent2"/>
-          </a:solidFill>
-          <a:ln w="9525" cap="flat" cmpd="sng" algn="ctr">
-            <a:solidFill>
-              <a:schemeClr val="tx1"/>
-            </a:solidFill>
-            <a:prstDash val="solid"/>
-            <a:round/>
-            <a:headEnd type="none" w="med" len="med"/>
-            <a:tailEnd type="none" w="med" len="med"/>
-          </a:ln>
-          <a:effectLst/>
-        </p:spPr>
-        <p:txBody>
-          <a:bodyPr vert="horz" wrap="square" lIns="91440" tIns="45720" rIns="91440" bIns="45720" numCol="1" rtlCol="0" anchor="t" anchorCtr="0" compatLnSpc="1">
-            <a:prstTxWarp prst="textNoShape">
-              <a:avLst/>
-            </a:prstTxWarp>
-          </a:bodyPr>
-          <a:lstStyle/>
-          <a:p>
-            <a:pPr marL="0" marR="0" indent="0" algn="l" defTabSz="914400" rtl="0" eaLnBrk="0" fontAlgn="base" latinLnBrk="0" hangingPunct="0">
-              <a:lnSpc>
-                <a:spcPct val="100000"/>
-              </a:lnSpc>
-              <a:spcBef>
-                <a:spcPct val="0"/>
-              </a:spcBef>
-              <a:spcAft>
-                <a:spcPct val="0"/>
-              </a:spcAft>
-              <a:buClrTx/>
-              <a:buSzTx/>
-              <a:buFontTx/>
-              <a:buNone/>
-              <a:tabLst/>
-            </a:pPr>
-            <a:endParaRPr kumimoji="0" lang="en-US" sz="2400" b="0" i="0" u="none" strike="noStrike" cap="none" normalizeH="0" baseline="0">
-              <a:ln>
-                <a:noFill/>
-              </a:ln>
-              <a:solidFill>
-                <a:schemeClr val="tx1"/>
-              </a:solidFill>
-              <a:effectLst/>
-              <a:latin typeface="Arial" charset="0"/>
-              <a:ea typeface="ＭＳ Ｐゴシック" pitchFamily="48" charset="-128"/>
-            </a:endParaRPr>
-          </a:p>
-        </p:txBody>
-      </p:sp>
-      <p:sp>
-        <p:nvSpPr>
-          <p:cNvPr id="50" name="Rounded Rectangle 49"/>
-          <p:cNvSpPr/>
-          <p:nvPr/>
-        </p:nvSpPr>
-        <p:spPr bwMode="auto">
-          <a:xfrm>
-            <a:off x="6747401" y="4528163"/>
-            <a:ext cx="711345" cy="609600"/>
-          </a:xfrm>
-          <a:prstGeom prst="roundRect">
-            <a:avLst/>
-          </a:prstGeom>
-          <a:solidFill>
-            <a:schemeClr val="accent1"/>
-          </a:solidFill>
-          <a:ln w="9525" cap="flat" cmpd="sng" algn="ctr">
-            <a:solidFill>
-              <a:schemeClr val="tx1"/>
-            </a:solidFill>
-            <a:prstDash val="solid"/>
-            <a:round/>
-            <a:headEnd type="none" w="med" len="med"/>
-            <a:tailEnd type="none" w="med" len="med"/>
-          </a:ln>
-          <a:effectLst/>
-        </p:spPr>
-        <p:txBody>
-          <a:bodyPr vert="horz" wrap="square" lIns="91440" tIns="45720" rIns="91440" bIns="45720" numCol="1" rtlCol="0" anchor="t" anchorCtr="0" compatLnSpc="1">
-            <a:prstTxWarp prst="textNoShape">
-              <a:avLst/>
-            </a:prstTxWarp>
-          </a:bodyPr>
-          <a:lstStyle/>
-          <a:p>
-            <a:pPr marL="0" marR="0" indent="0" algn="l" defTabSz="914400" rtl="0" eaLnBrk="0" fontAlgn="base" latinLnBrk="0" hangingPunct="0">
-              <a:lnSpc>
-                <a:spcPct val="100000"/>
-              </a:lnSpc>
-              <a:spcBef>
-                <a:spcPct val="0"/>
-              </a:spcBef>
-              <a:spcAft>
-                <a:spcPct val="0"/>
-              </a:spcAft>
-              <a:buClrTx/>
-              <a:buSzTx/>
-              <a:buFontTx/>
-              <a:buNone/>
-              <a:tabLst/>
-            </a:pPr>
-            <a:r>
-              <a:rPr lang="en-US" sz="600" dirty="0"/>
-              <a:t>Producer</a:t>
-            </a:r>
-          </a:p>
-          <a:p>
-            <a:pPr marL="0" marR="0" indent="0" algn="l" defTabSz="914400" rtl="0" eaLnBrk="0" fontAlgn="base" latinLnBrk="0" hangingPunct="0">
-              <a:lnSpc>
-                <a:spcPct val="100000"/>
-              </a:lnSpc>
-              <a:spcBef>
-                <a:spcPct val="0"/>
-              </a:spcBef>
-              <a:spcAft>
-                <a:spcPct val="0"/>
-              </a:spcAft>
-              <a:buClrTx/>
-              <a:buSzTx/>
-              <a:buFontTx/>
-              <a:buNone/>
-              <a:tabLst/>
-            </a:pPr>
-            <a:r>
-              <a:rPr kumimoji="0" lang="en-US" sz="600" b="0" i="0" u="none" strike="noStrike" cap="none" normalizeH="0" baseline="0" dirty="0">
-                <a:ln>
-                  <a:noFill/>
-                </a:ln>
-                <a:solidFill>
-                  <a:schemeClr val="tx1"/>
-                </a:solidFill>
-                <a:effectLst/>
-                <a:latin typeface="Arial" charset="0"/>
-                <a:ea typeface="ＭＳ Ｐゴシック" pitchFamily="48" charset="-128"/>
-              </a:rPr>
-              <a:t>Component2</a:t>
-            </a:r>
-          </a:p>
-        </p:txBody>
-      </p:sp>
-      <p:cxnSp>
-        <p:nvCxnSpPr>
-          <p:cNvPr id="52" name="Straight Arrow Connector 51"/>
-          <p:cNvCxnSpPr/>
-          <p:nvPr/>
-        </p:nvCxnSpPr>
-        <p:spPr bwMode="auto">
-          <a:xfrm flipH="1">
-            <a:off x="6747401" y="4846145"/>
-            <a:ext cx="228600" cy="0"/>
-          </a:xfrm>
-          <a:prstGeom prst="straightConnector1">
-            <a:avLst/>
-          </a:prstGeom>
-          <a:solidFill>
-            <a:schemeClr val="accent1"/>
-          </a:solidFill>
-          <a:ln w="9525" cap="flat" cmpd="sng" algn="ctr">
-            <a:solidFill>
-              <a:schemeClr val="tx1"/>
-            </a:solidFill>
-            <a:prstDash val="solid"/>
-            <a:round/>
-            <a:headEnd type="none" w="med" len="med"/>
-            <a:tailEnd type="arrow"/>
-          </a:ln>
-          <a:effectLst/>
-        </p:spPr>
-      </p:cxnSp>
-      <p:sp>
-        <p:nvSpPr>
-          <p:cNvPr id="54" name="Rectangle 53"/>
-          <p:cNvSpPr/>
-          <p:nvPr/>
-        </p:nvSpPr>
-        <p:spPr bwMode="auto">
-          <a:xfrm>
-            <a:off x="6053010" y="4774953"/>
-            <a:ext cx="152400" cy="152400"/>
-          </a:xfrm>
-          <a:prstGeom prst="rect">
-            <a:avLst/>
-          </a:prstGeom>
-          <a:solidFill>
-            <a:schemeClr val="accent2"/>
-          </a:solidFill>
-          <a:ln w="9525" cap="flat" cmpd="sng" algn="ctr">
-            <a:solidFill>
-              <a:schemeClr val="tx1"/>
-            </a:solidFill>
-            <a:prstDash val="solid"/>
-            <a:round/>
-            <a:headEnd type="none" w="med" len="med"/>
-            <a:tailEnd type="none" w="med" len="med"/>
-          </a:ln>
-          <a:effectLst/>
-        </p:spPr>
-        <p:txBody>
-          <a:bodyPr vert="horz" wrap="square" lIns="91440" tIns="45720" rIns="91440" bIns="45720" numCol="1" rtlCol="0" anchor="t" anchorCtr="0" compatLnSpc="1">
-            <a:prstTxWarp prst="textNoShape">
-              <a:avLst/>
-            </a:prstTxWarp>
-          </a:bodyPr>
-          <a:lstStyle/>
-          <a:p>
-            <a:pPr marL="0" marR="0" indent="0" algn="l" defTabSz="914400" rtl="0" eaLnBrk="0" fontAlgn="base" latinLnBrk="0" hangingPunct="0">
-              <a:lnSpc>
-                <a:spcPct val="100000"/>
-              </a:lnSpc>
-              <a:spcBef>
-                <a:spcPct val="0"/>
-              </a:spcBef>
-              <a:spcAft>
-                <a:spcPct val="0"/>
-              </a:spcAft>
-              <a:buClrTx/>
-              <a:buSzTx/>
-              <a:buFontTx/>
-              <a:buNone/>
-              <a:tabLst/>
-            </a:pPr>
-            <a:endParaRPr kumimoji="0" lang="en-US" sz="2400" b="0" i="0" u="none" strike="noStrike" cap="none" normalizeH="0" baseline="0">
-              <a:ln>
-                <a:noFill/>
-              </a:ln>
-              <a:solidFill>
-                <a:schemeClr val="tx1"/>
-              </a:solidFill>
-              <a:effectLst/>
-              <a:latin typeface="Arial" charset="0"/>
-              <a:ea typeface="ＭＳ Ｐゴシック" pitchFamily="48" charset="-128"/>
-            </a:endParaRPr>
-          </a:p>
-        </p:txBody>
-      </p:sp>
-      <p:sp>
-        <p:nvSpPr>
-          <p:cNvPr id="55" name="Rectangle 54"/>
-          <p:cNvSpPr/>
-          <p:nvPr/>
-        </p:nvSpPr>
-        <p:spPr bwMode="auto">
-          <a:xfrm>
-            <a:off x="6595001" y="4774953"/>
-            <a:ext cx="152400" cy="152400"/>
-          </a:xfrm>
-          <a:prstGeom prst="rect">
-            <a:avLst/>
-          </a:prstGeom>
-          <a:solidFill>
-            <a:schemeClr val="accent2"/>
-          </a:solidFill>
-          <a:ln w="9525" cap="flat" cmpd="sng" algn="ctr">
-            <a:solidFill>
-              <a:schemeClr val="tx1"/>
-            </a:solidFill>
-            <a:prstDash val="solid"/>
-            <a:round/>
-            <a:headEnd type="none" w="med" len="med"/>
-            <a:tailEnd type="none" w="med" len="med"/>
-          </a:ln>
-          <a:effectLst/>
-        </p:spPr>
-        <p:txBody>
-          <a:bodyPr vert="horz" wrap="square" lIns="91440" tIns="45720" rIns="91440" bIns="45720" numCol="1" rtlCol="0" anchor="t" anchorCtr="0" compatLnSpc="1">
-            <a:prstTxWarp prst="textNoShape">
-              <a:avLst/>
-            </a:prstTxWarp>
-          </a:bodyPr>
-          <a:lstStyle/>
-          <a:p>
-            <a:pPr marL="0" marR="0" indent="0" algn="l" defTabSz="914400" rtl="0" eaLnBrk="0" fontAlgn="base" latinLnBrk="0" hangingPunct="0">
-              <a:lnSpc>
-                <a:spcPct val="100000"/>
-              </a:lnSpc>
-              <a:spcBef>
-                <a:spcPct val="0"/>
-              </a:spcBef>
-              <a:spcAft>
-                <a:spcPct val="0"/>
-              </a:spcAft>
-              <a:buClrTx/>
-              <a:buSzTx/>
-              <a:buFontTx/>
-              <a:buNone/>
-              <a:tabLst/>
-            </a:pPr>
-            <a:endParaRPr kumimoji="0" lang="en-US" sz="2400" b="0" i="0" u="none" strike="noStrike" cap="none" normalizeH="0" baseline="0">
-              <a:ln>
-                <a:noFill/>
-              </a:ln>
-              <a:solidFill>
-                <a:schemeClr val="tx1"/>
-              </a:solidFill>
-              <a:effectLst/>
-              <a:latin typeface="Arial" charset="0"/>
-              <a:ea typeface="ＭＳ Ｐゴシック" pitchFamily="48" charset="-128"/>
-            </a:endParaRPr>
-          </a:p>
-        </p:txBody>
-      </p:sp>
-      <p:cxnSp>
-        <p:nvCxnSpPr>
-          <p:cNvPr id="13" name="Elbow Connector 12"/>
-          <p:cNvCxnSpPr>
-            <a:stCxn id="58" idx="3"/>
-          </p:cNvCxnSpPr>
-          <p:nvPr/>
-        </p:nvCxnSpPr>
-        <p:spPr>
-          <a:xfrm>
-            <a:off x="2393145" y="4167842"/>
-            <a:ext cx="690415" cy="1116725"/>
-          </a:xfrm>
-          <a:prstGeom prst="bentConnector2">
-            <a:avLst/>
-          </a:prstGeom>
-          <a:ln>
-            <a:solidFill>
-              <a:schemeClr val="tx1"/>
-            </a:solidFill>
-            <a:tailEnd type="arrow"/>
-          </a:ln>
-        </p:spPr>
-        <p:style>
-          <a:lnRef idx="1">
-            <a:schemeClr val="accent1"/>
-          </a:lnRef>
-          <a:fillRef idx="0">
-            <a:schemeClr val="accent1"/>
-          </a:fillRef>
-          <a:effectRef idx="0">
-            <a:schemeClr val="accent1"/>
-          </a:effectRef>
-          <a:fontRef idx="minor">
-            <a:schemeClr val="tx1"/>
-          </a:fontRef>
-        </p:style>
-      </p:cxnSp>
-      <p:cxnSp>
-        <p:nvCxnSpPr>
-          <p:cNvPr id="70" name="Elbow Connector 69"/>
-          <p:cNvCxnSpPr>
-            <a:endCxn id="31" idx="3"/>
-          </p:cNvCxnSpPr>
-          <p:nvPr/>
-        </p:nvCxnSpPr>
-        <p:spPr>
-          <a:xfrm rot="10800000">
-            <a:off x="2381024" y="5002811"/>
-            <a:ext cx="702536" cy="134953"/>
-          </a:xfrm>
-          <a:prstGeom prst="bentConnector3">
-            <a:avLst>
-              <a:gd name="adj1" fmla="val 50000"/>
-            </a:avLst>
-          </a:prstGeom>
-          <a:ln>
-            <a:solidFill>
-              <a:schemeClr val="tx1"/>
-            </a:solidFill>
-            <a:tailEnd type="arrow"/>
-          </a:ln>
-        </p:spPr>
-        <p:style>
-          <a:lnRef idx="1">
-            <a:schemeClr val="accent1"/>
-          </a:lnRef>
-          <a:fillRef idx="0">
-            <a:schemeClr val="accent1"/>
-          </a:fillRef>
-          <a:effectRef idx="0">
-            <a:schemeClr val="accent1"/>
-          </a:effectRef>
-          <a:fontRef idx="minor">
-            <a:schemeClr val="tx1"/>
-          </a:fontRef>
-        </p:style>
-      </p:cxnSp>
-      <p:cxnSp>
-        <p:nvCxnSpPr>
-          <p:cNvPr id="71" name="Elbow Connector 70"/>
-          <p:cNvCxnSpPr>
-            <a:stCxn id="57" idx="2"/>
-            <a:endCxn id="61" idx="1"/>
-          </p:cNvCxnSpPr>
-          <p:nvPr/>
-        </p:nvCxnSpPr>
-        <p:spPr>
-          <a:xfrm rot="5400000" flipH="1" flipV="1">
-            <a:off x="5195030" y="4437009"/>
-            <a:ext cx="1172884" cy="522231"/>
-          </a:xfrm>
-          <a:prstGeom prst="bentConnector4">
-            <a:avLst>
-              <a:gd name="adj1" fmla="val -19490"/>
-              <a:gd name="adj2" fmla="val -3589"/>
-            </a:avLst>
-          </a:prstGeom>
-          <a:ln>
-            <a:solidFill>
-              <a:schemeClr val="tx1"/>
-            </a:solidFill>
-            <a:tailEnd type="arrow"/>
-          </a:ln>
-        </p:spPr>
-        <p:style>
-          <a:lnRef idx="1">
-            <a:schemeClr val="accent1"/>
-          </a:lnRef>
-          <a:fillRef idx="0">
-            <a:schemeClr val="accent1"/>
-          </a:fillRef>
-          <a:effectRef idx="0">
-            <a:schemeClr val="accent1"/>
-          </a:effectRef>
-          <a:fontRef idx="minor">
-            <a:schemeClr val="tx1"/>
-          </a:fontRef>
-        </p:style>
-      </p:cxnSp>
-      <p:cxnSp>
-        <p:nvCxnSpPr>
-          <p:cNvPr id="72" name="Elbow Connector 71"/>
-          <p:cNvCxnSpPr/>
-          <p:nvPr/>
-        </p:nvCxnSpPr>
-        <p:spPr>
-          <a:xfrm rot="10800000">
-            <a:off x="5497498" y="4726204"/>
-            <a:ext cx="555513" cy="134954"/>
-          </a:xfrm>
-          <a:prstGeom prst="bentConnector3">
-            <a:avLst>
-              <a:gd name="adj1" fmla="val 50000"/>
-            </a:avLst>
-          </a:prstGeom>
-          <a:ln>
-            <a:solidFill>
-              <a:schemeClr val="tx1"/>
-            </a:solidFill>
-            <a:tailEnd type="arrow"/>
-          </a:ln>
-        </p:spPr>
-        <p:style>
-          <a:lnRef idx="1">
-            <a:schemeClr val="accent1"/>
-          </a:lnRef>
-          <a:fillRef idx="0">
-            <a:schemeClr val="accent1"/>
-          </a:fillRef>
-          <a:effectRef idx="0">
-            <a:schemeClr val="accent1"/>
-          </a:effectRef>
-          <a:fontRef idx="minor">
-            <a:schemeClr val="tx1"/>
-          </a:fontRef>
-        </p:style>
-      </p:cxnSp>
-      <p:sp>
-        <p:nvSpPr>
-          <p:cNvPr id="5" name="Slide Number Placeholder 4"/>
-          <p:cNvSpPr>
-            <a:spLocks noGrp="1"/>
-          </p:cNvSpPr>
-          <p:nvPr>
-            <p:ph type="sldNum" sz="quarter" idx="11"/>
-          </p:nvPr>
-        </p:nvSpPr>
-        <p:spPr/>
-        <p:txBody>
-          <a:bodyPr/>
-          <a:lstStyle/>
-          <a:p>
-            <a:fld id="{40846F03-29C8-41F1-8A60-CC8C672EC5BA}" type="slidenum">
-              <a:rPr lang="en-US" smtClean="0"/>
-              <a:t>28</a:t>
-            </a:fld>
-            <a:endParaRPr lang="en-US"/>
-          </a:p>
-        </p:txBody>
-      </p:sp>
-      <p:cxnSp>
-        <p:nvCxnSpPr>
-          <p:cNvPr id="46" name="Straight Arrow Connector 45"/>
-          <p:cNvCxnSpPr/>
-          <p:nvPr/>
-        </p:nvCxnSpPr>
-        <p:spPr bwMode="auto">
-          <a:xfrm>
-            <a:off x="6194988" y="4106675"/>
-            <a:ext cx="389591" cy="0"/>
-          </a:xfrm>
-          <a:prstGeom prst="straightConnector1">
-            <a:avLst/>
-          </a:prstGeom>
-          <a:solidFill>
-            <a:schemeClr val="accent1"/>
-          </a:solidFill>
-          <a:ln w="9525" cap="flat" cmpd="sng" algn="ctr">
-            <a:solidFill>
-              <a:schemeClr val="tx1"/>
-            </a:solidFill>
-            <a:prstDash val="solid"/>
-            <a:round/>
-            <a:headEnd type="none" w="med" len="med"/>
-            <a:tailEnd type="arrow"/>
-          </a:ln>
-          <a:effectLst/>
-        </p:spPr>
-      </p:cxnSp>
-      <p:cxnSp>
-        <p:nvCxnSpPr>
-          <p:cNvPr id="49" name="Straight Arrow Connector 48"/>
-          <p:cNvCxnSpPr>
-            <a:stCxn id="31" idx="1"/>
-            <a:endCxn id="29" idx="3"/>
-          </p:cNvCxnSpPr>
-          <p:nvPr/>
-        </p:nvCxnSpPr>
-        <p:spPr bwMode="auto">
-          <a:xfrm flipH="1">
-            <a:off x="1839033" y="5002810"/>
-            <a:ext cx="389591" cy="0"/>
-          </a:xfrm>
-          <a:prstGeom prst="straightConnector1">
-            <a:avLst/>
-          </a:prstGeom>
-          <a:solidFill>
-            <a:schemeClr val="accent1"/>
-          </a:solidFill>
-          <a:ln w="9525" cap="flat" cmpd="sng" algn="ctr">
-            <a:solidFill>
-              <a:schemeClr val="tx1"/>
-            </a:solidFill>
-            <a:prstDash val="solid"/>
-            <a:round/>
-            <a:headEnd type="none" w="med" len="med"/>
-            <a:tailEnd type="arrow"/>
-          </a:ln>
-          <a:effectLst/>
-        </p:spPr>
-      </p:cxnSp>
-      <p:cxnSp>
-        <p:nvCxnSpPr>
-          <p:cNvPr id="69" name="Straight Arrow Connector 68"/>
-          <p:cNvCxnSpPr/>
-          <p:nvPr/>
-        </p:nvCxnSpPr>
-        <p:spPr bwMode="auto">
-          <a:xfrm>
-            <a:off x="1851154" y="4173330"/>
-            <a:ext cx="389591" cy="0"/>
-          </a:xfrm>
-          <a:prstGeom prst="straightConnector1">
-            <a:avLst/>
-          </a:prstGeom>
-          <a:solidFill>
-            <a:schemeClr val="accent1"/>
-          </a:solidFill>
-          <a:ln w="9525" cap="flat" cmpd="sng" algn="ctr">
-            <a:solidFill>
-              <a:schemeClr val="tx1"/>
-            </a:solidFill>
-            <a:prstDash val="solid"/>
-            <a:round/>
-            <a:headEnd type="none" w="med" len="med"/>
-            <a:tailEnd type="arrow"/>
-          </a:ln>
-          <a:effectLst/>
-        </p:spPr>
-      </p:cxnSp>
-      <p:cxnSp>
-        <p:nvCxnSpPr>
-          <p:cNvPr id="73" name="Straight Arrow Connector 72"/>
-          <p:cNvCxnSpPr/>
-          <p:nvPr/>
-        </p:nvCxnSpPr>
-        <p:spPr bwMode="auto">
-          <a:xfrm flipH="1">
-            <a:off x="6212417" y="4846145"/>
-            <a:ext cx="389591" cy="0"/>
-          </a:xfrm>
-          <a:prstGeom prst="straightConnector1">
-            <a:avLst/>
-          </a:prstGeom>
-          <a:solidFill>
-            <a:schemeClr val="accent1"/>
-          </a:solidFill>
-          <a:ln w="9525" cap="flat" cmpd="sng" algn="ctr">
-            <a:solidFill>
-              <a:schemeClr val="tx1"/>
-            </a:solidFill>
-            <a:prstDash val="solid"/>
-            <a:round/>
-            <a:headEnd type="none" w="med" len="med"/>
-            <a:tailEnd type="arrow"/>
-          </a:ln>
-          <a:effectLst/>
-        </p:spPr>
-      </p:cxnSp>
+            <a:r>
+              <a:rPr lang="en-US" sz="1600"/>
+              <a:t>send()</a:t>
+            </a:r>
+            <a:endParaRPr lang="en-US" sz="1600" dirty="0"/>
+          </a:p>
+        </p:txBody>
+      </p:sp>
     </p:spTree>
     <p:extLst>
       <p:ext uri="{BB962C8B-B14F-4D97-AF65-F5344CB8AC3E}">
-        <p14:creationId xmlns:p14="http://schemas.microsoft.com/office/powerpoint/2010/main" val="3840792723"/>
+        <p14:creationId xmlns:p14="http://schemas.microsoft.com/office/powerpoint/2010/main" val="3629620753"/>
       </p:ext>
     </p:extLst>
   </p:cSld>
@@ -23634,13 +23193,7 @@
       </p:grpSpPr>
       <p:sp>
         <p:nvSpPr>
-          <p:cNvPr id="2" name="Title 1">
-            <a:extLst>
-              <a:ext uri="{FF2B5EF4-FFF2-40B4-BE49-F238E27FC236}">
-                <a16:creationId xmlns:a16="http://schemas.microsoft.com/office/drawing/2014/main" id="{1B860B8F-3813-2845-8E61-4A326BD7C606}"/>
-              </a:ext>
-            </a:extLst>
-          </p:cNvPr>
+          <p:cNvPr id="2" name="Title 1"/>
           <p:cNvSpPr>
             <a:spLocks noGrp="1"/>
           </p:cNvSpPr>
@@ -23655,115 +23208,90 @@
           <a:p>
             <a:r>
               <a:rPr lang="en-US" dirty="0"/>
-              <a:t>Typical F´ Application Architecture</a:t>
-            </a:r>
-          </a:p>
-        </p:txBody>
-      </p:sp>
-      <p:sp>
-        <p:nvSpPr>
-          <p:cNvPr id="3" name="Text Placeholder 2">
-            <a:extLst>
-              <a:ext uri="{FF2B5EF4-FFF2-40B4-BE49-F238E27FC236}">
-                <a16:creationId xmlns:a16="http://schemas.microsoft.com/office/drawing/2014/main" id="{9AE5B842-CC7D-E941-88DB-7C320785D8BB}"/>
-              </a:ext>
-            </a:extLst>
-          </p:cNvPr>
+              <a:t>Multi-node</a:t>
+            </a:r>
+          </a:p>
+        </p:txBody>
+      </p:sp>
+      <p:sp>
+        <p:nvSpPr>
+          <p:cNvPr id="3" name="Content Placeholder 2"/>
           <p:cNvSpPr>
             <a:spLocks noGrp="1"/>
           </p:cNvSpPr>
           <p:nvPr>
-            <p:ph type="body" sz="quarter" idx="17"/>
+            <p:ph idx="1"/>
           </p:nvPr>
         </p:nvSpPr>
-        <p:spPr/>
+        <p:spPr>
+          <a:xfrm>
+            <a:off x="433643" y="1143000"/>
+            <a:ext cx="8170861" cy="1702296"/>
+          </a:xfrm>
+        </p:spPr>
         <p:txBody>
           <a:bodyPr/>
           <a:lstStyle/>
           <a:p>
-            <a:endParaRPr lang="en-US"/>
-          </a:p>
-        </p:txBody>
-      </p:sp>
-      <p:sp>
-        <p:nvSpPr>
-          <p:cNvPr id="4" name="Footer Placeholder 3">
-            <a:extLst>
-              <a:ext uri="{FF2B5EF4-FFF2-40B4-BE49-F238E27FC236}">
-                <a16:creationId xmlns:a16="http://schemas.microsoft.com/office/drawing/2014/main" id="{5F42D202-2494-9B47-954F-A69417BA7C04}"/>
-              </a:ext>
-            </a:extLst>
-          </p:cNvPr>
-          <p:cNvSpPr>
-            <a:spLocks noGrp="1"/>
-          </p:cNvSpPr>
-          <p:nvPr>
-            <p:ph type="ftr" sz="quarter" idx="19"/>
-          </p:nvPr>
-        </p:nvSpPr>
-        <p:spPr/>
-        <p:txBody>
-          <a:bodyPr/>
-          <a:lstStyle/>
-          <a:p>
-            <a:r>
-              <a:rPr lang="en-US"/>
-              <a:t>For required markings, please go to https://mh.jpl.nasa.gov/ </a:t>
-            </a:r>
-            <a:endParaRPr lang="en-US" dirty="0"/>
-          </a:p>
-        </p:txBody>
-      </p:sp>
-      <p:sp>
-        <p:nvSpPr>
-          <p:cNvPr id="5" name="Slide Number Placeholder 4">
-            <a:extLst>
-              <a:ext uri="{FF2B5EF4-FFF2-40B4-BE49-F238E27FC236}">
-                <a16:creationId xmlns:a16="http://schemas.microsoft.com/office/drawing/2014/main" id="{6A4AC290-4B04-F443-8A9C-3E193DB46932}"/>
-              </a:ext>
-            </a:extLst>
-          </p:cNvPr>
-          <p:cNvSpPr>
-            <a:spLocks noGrp="1"/>
-          </p:cNvSpPr>
-          <p:nvPr>
-            <p:ph type="sldNum" sz="quarter" idx="20"/>
-          </p:nvPr>
-        </p:nvSpPr>
-        <p:spPr/>
-        <p:txBody>
-          <a:bodyPr/>
-          <a:lstStyle/>
-          <a:p>
-            <a:fld id="{FE5735AE-3249-4190-86E7-0753FA00EBA0}" type="slidenum">
-              <a:rPr lang="en-US" smtClean="0"/>
-              <a:pPr/>
-              <a:t>29</a:t>
-            </a:fld>
-            <a:endParaRPr lang="en-US" dirty="0"/>
-          </a:p>
-        </p:txBody>
-      </p:sp>
-      <p:sp>
-        <p:nvSpPr>
-          <p:cNvPr id="6" name="Rounded Rectangle 5">
-            <a:extLst>
-              <a:ext uri="{FF2B5EF4-FFF2-40B4-BE49-F238E27FC236}">
-                <a16:creationId xmlns:a16="http://schemas.microsoft.com/office/drawing/2014/main" id="{6AD0A2D7-864F-A041-949A-B0CD2DE83000}"/>
-              </a:ext>
-            </a:extLst>
-          </p:cNvPr>
+            <a:r>
+              <a:rPr lang="en-US" sz="1800" dirty="0"/>
+              <a:t>Hub pattern</a:t>
+            </a:r>
+          </a:p>
+          <a:p>
+            <a:pPr lvl="1"/>
+            <a:r>
+              <a:rPr lang="en-US" sz="1600" dirty="0"/>
+              <a:t>Hub is a component with multiple serialization input and output ports</a:t>
+            </a:r>
+          </a:p>
+          <a:p>
+            <a:pPr lvl="1"/>
+            <a:r>
+              <a:rPr lang="en-US" sz="1600" dirty="0"/>
+              <a:t>Typed ports on calling components are connected to serialized ports (see earlier slides)</a:t>
+            </a:r>
+          </a:p>
+          <a:p>
+            <a:pPr lvl="1"/>
+            <a:r>
+              <a:rPr lang="en-US" sz="1600" dirty="0"/>
+              <a:t>Each hub instance is responsible for connecting to a remote node</a:t>
+            </a:r>
+          </a:p>
+          <a:p>
+            <a:pPr lvl="1"/>
+            <a:r>
+              <a:rPr lang="en-US" sz="1600" dirty="0"/>
+              <a:t>Input port calls are repeated to corresponding output ports on remote hub</a:t>
+            </a:r>
+          </a:p>
+          <a:p>
+            <a:pPr lvl="1"/>
+            <a:r>
+              <a:rPr lang="en-US" sz="1600" dirty="0"/>
+              <a:t>Single point of connection to remote node, so central point of configuration for transport.</a:t>
+            </a:r>
+          </a:p>
+        </p:txBody>
+      </p:sp>
+      <p:sp>
+        <p:nvSpPr>
+          <p:cNvPr id="24" name="Rectangle 23"/>
           <p:cNvSpPr/>
           <p:nvPr/>
         </p:nvSpPr>
         <p:spPr>
           <a:xfrm>
-            <a:off x="2297273" y="2815642"/>
-            <a:ext cx="1807945" cy="892176"/>
-          </a:xfrm>
-          <a:prstGeom prst="roundRect">
-            <a:avLst/>
-          </a:prstGeom>
+            <a:off x="899088" y="3482042"/>
+            <a:ext cx="2971800" cy="2209800"/>
+          </a:xfrm>
+          <a:prstGeom prst="rect">
+            <a:avLst/>
+          </a:prstGeom>
+          <a:solidFill>
+            <a:srgbClr val="00B0F0"/>
+          </a:solidFill>
         </p:spPr>
         <p:style>
           <a:lnRef idx="2">
@@ -23782,48 +23310,124 @@
           </a:fontRef>
         </p:style>
         <p:txBody>
-          <a:bodyPr rtlCol="0" anchor="ctr"/>
+          <a:bodyPr rtlCol="0" anchor="t" anchorCtr="0"/>
           <a:lstStyle/>
           <a:p>
             <a:pPr algn="ctr"/>
             <a:r>
-              <a:rPr lang="en-US" dirty="0"/>
-              <a:t>Manager</a:t>
-            </a:r>
-          </a:p>
-          <a:p>
-            <a:pPr algn="ctr"/>
-            <a:r>
-              <a:rPr lang="en-US" dirty="0"/>
-              <a:t>Component</a:t>
-            </a:r>
-          </a:p>
-        </p:txBody>
-      </p:sp>
-      <p:sp>
-        <p:nvSpPr>
-          <p:cNvPr id="8" name="Rectangle 7">
-            <a:extLst>
-              <a:ext uri="{FF2B5EF4-FFF2-40B4-BE49-F238E27FC236}">
-                <a16:creationId xmlns:a16="http://schemas.microsoft.com/office/drawing/2014/main" id="{CD6A8CEB-F4BE-9A4D-8853-F5F365CED1CE}"/>
-              </a:ext>
-            </a:extLst>
-          </p:cNvPr>
+              <a:rPr lang="en-US" sz="1100" dirty="0"/>
+              <a:t>Node 1</a:t>
+            </a:r>
+          </a:p>
+        </p:txBody>
+      </p:sp>
+      <p:sp>
+        <p:nvSpPr>
+          <p:cNvPr id="25" name="Rounded Rectangle 24"/>
           <p:cNvSpPr/>
           <p:nvPr/>
         </p:nvSpPr>
+        <p:spPr bwMode="auto">
+          <a:xfrm>
+            <a:off x="975288" y="3863042"/>
+            <a:ext cx="711345" cy="609600"/>
+          </a:xfrm>
+          <a:prstGeom prst="roundRect">
+            <a:avLst/>
+          </a:prstGeom>
+          <a:solidFill>
+            <a:schemeClr val="accent1"/>
+          </a:solidFill>
+          <a:ln w="9525" cap="flat" cmpd="sng" algn="ctr">
+            <a:solidFill>
+              <a:schemeClr val="tx1"/>
+            </a:solidFill>
+            <a:prstDash val="solid"/>
+            <a:round/>
+            <a:headEnd type="none" w="med" len="med"/>
+            <a:tailEnd type="none" w="med" len="med"/>
+          </a:ln>
+          <a:effectLst/>
+        </p:spPr>
+        <p:txBody>
+          <a:bodyPr vert="horz" wrap="square" lIns="91440" tIns="45720" rIns="91440" bIns="45720" numCol="1" rtlCol="0" anchor="t" anchorCtr="0" compatLnSpc="1">
+            <a:prstTxWarp prst="textNoShape">
+              <a:avLst/>
+            </a:prstTxWarp>
+          </a:bodyPr>
+          <a:lstStyle/>
+          <a:p>
+            <a:pPr marL="0" marR="0" indent="0" algn="l" defTabSz="914400" rtl="0" eaLnBrk="0" fontAlgn="base" latinLnBrk="0" hangingPunct="0">
+              <a:lnSpc>
+                <a:spcPct val="100000"/>
+              </a:lnSpc>
+              <a:spcBef>
+                <a:spcPct val="0"/>
+              </a:spcBef>
+              <a:spcAft>
+                <a:spcPct val="0"/>
+              </a:spcAft>
+              <a:buClrTx/>
+              <a:buSzTx/>
+              <a:buFontTx/>
+              <a:buNone/>
+              <a:tabLst/>
+            </a:pPr>
+            <a:r>
+              <a:rPr lang="en-US" sz="600" dirty="0"/>
+              <a:t>Producer</a:t>
+            </a:r>
+          </a:p>
+          <a:p>
+            <a:pPr marL="0" marR="0" indent="0" algn="l" defTabSz="914400" rtl="0" eaLnBrk="0" fontAlgn="base" latinLnBrk="0" hangingPunct="0">
+              <a:lnSpc>
+                <a:spcPct val="100000"/>
+              </a:lnSpc>
+              <a:spcBef>
+                <a:spcPct val="0"/>
+              </a:spcBef>
+              <a:spcAft>
+                <a:spcPct val="0"/>
+              </a:spcAft>
+              <a:buClrTx/>
+              <a:buSzTx/>
+              <a:buFontTx/>
+              <a:buNone/>
+              <a:tabLst/>
+            </a:pPr>
+            <a:r>
+              <a:rPr kumimoji="0" lang="en-US" sz="600" b="0" i="0" u="none" strike="noStrike" cap="none" normalizeH="0" baseline="0" dirty="0">
+                <a:ln>
+                  <a:noFill/>
+                </a:ln>
+                <a:solidFill>
+                  <a:schemeClr val="tx1"/>
+                </a:solidFill>
+                <a:effectLst/>
+                <a:latin typeface="Arial" charset="0"/>
+                <a:ea typeface="ＭＳ Ｐゴシック" pitchFamily="48" charset="-128"/>
+              </a:rPr>
+              <a:t>Component1</a:t>
+            </a:r>
+          </a:p>
+        </p:txBody>
+      </p:sp>
+      <p:sp>
+        <p:nvSpPr>
+          <p:cNvPr id="38" name="Rectangle 37"/>
+          <p:cNvSpPr/>
+          <p:nvPr/>
+        </p:nvSpPr>
         <p:spPr>
           <a:xfrm>
-            <a:off x="3161526" y="3706625"/>
-            <a:ext cx="154778" cy="73270"/>
+            <a:off x="1641614" y="5831440"/>
+            <a:ext cx="5860772" cy="304800"/>
           </a:xfrm>
           <a:prstGeom prst="rect">
             <a:avLst/>
           </a:prstGeom>
           <a:solidFill>
-            <a:schemeClr val="accent2">
-              <a:lumMod val="75000"/>
-            </a:schemeClr>
+            <a:srgbClr val="FFC000"/>
           </a:solidFill>
         </p:spPr>
         <p:style>
@@ -23847,30 +23451,125 @@
           <a:lstStyle/>
           <a:p>
             <a:pPr algn="ctr"/>
-            <a:endParaRPr lang="en-US"/>
-          </a:p>
-        </p:txBody>
-      </p:sp>
-      <p:sp>
-        <p:nvSpPr>
-          <p:cNvPr id="9" name="Rounded Rectangle 8">
-            <a:extLst>
-              <a:ext uri="{FF2B5EF4-FFF2-40B4-BE49-F238E27FC236}">
-                <a16:creationId xmlns:a16="http://schemas.microsoft.com/office/drawing/2014/main" id="{A3202ABB-7D10-2F47-A20D-0A3CB4783640}"/>
-              </a:ext>
-            </a:extLst>
-          </p:cNvPr>
+            <a:r>
+              <a:rPr lang="en-US" dirty="0"/>
+              <a:t>Transport (Socket, ARINC Channel, UART, IPC)</a:t>
+            </a:r>
+          </a:p>
+        </p:txBody>
+      </p:sp>
+      <p:sp>
+        <p:nvSpPr>
+          <p:cNvPr id="39" name="Rectangle 38"/>
           <p:cNvSpPr/>
           <p:nvPr/>
         </p:nvSpPr>
+        <p:spPr bwMode="auto">
+          <a:xfrm>
+            <a:off x="1698754" y="4091642"/>
+            <a:ext cx="152400" cy="152400"/>
+          </a:xfrm>
+          <a:prstGeom prst="rect">
+            <a:avLst/>
+          </a:prstGeom>
+          <a:solidFill>
+            <a:schemeClr val="accent2"/>
+          </a:solidFill>
+          <a:ln w="9525" cap="flat" cmpd="sng" algn="ctr">
+            <a:solidFill>
+              <a:schemeClr val="tx1"/>
+            </a:solidFill>
+            <a:prstDash val="solid"/>
+            <a:round/>
+            <a:headEnd type="none" w="med" len="med"/>
+            <a:tailEnd type="none" w="med" len="med"/>
+          </a:ln>
+          <a:effectLst/>
+        </p:spPr>
+        <p:txBody>
+          <a:bodyPr vert="horz" wrap="square" lIns="91440" tIns="45720" rIns="91440" bIns="45720" numCol="1" rtlCol="0" anchor="t" anchorCtr="0" compatLnSpc="1">
+            <a:prstTxWarp prst="textNoShape">
+              <a:avLst/>
+            </a:prstTxWarp>
+          </a:bodyPr>
+          <a:lstStyle/>
+          <a:p>
+            <a:pPr marL="0" marR="0" indent="0" algn="l" defTabSz="914400" rtl="0" eaLnBrk="0" fontAlgn="base" latinLnBrk="0" hangingPunct="0">
+              <a:lnSpc>
+                <a:spcPct val="100000"/>
+              </a:lnSpc>
+              <a:spcBef>
+                <a:spcPct val="0"/>
+              </a:spcBef>
+              <a:spcAft>
+                <a:spcPct val="0"/>
+              </a:spcAft>
+              <a:buClrTx/>
+              <a:buSzTx/>
+              <a:buFontTx/>
+              <a:buNone/>
+              <a:tabLst/>
+            </a:pPr>
+            <a:endParaRPr kumimoji="0" lang="en-US" sz="2400" b="0" i="0" u="none" strike="noStrike" cap="none" normalizeH="0" baseline="0">
+              <a:ln>
+                <a:noFill/>
+              </a:ln>
+              <a:solidFill>
+                <a:schemeClr val="tx1"/>
+              </a:solidFill>
+              <a:effectLst/>
+              <a:latin typeface="Arial" charset="0"/>
+              <a:ea typeface="ＭＳ Ｐゴシック" pitchFamily="48" charset="-128"/>
+            </a:endParaRPr>
+          </a:p>
+        </p:txBody>
+      </p:sp>
+      <p:cxnSp>
+        <p:nvCxnSpPr>
+          <p:cNvPr id="40" name="Straight Arrow Connector 39"/>
+          <p:cNvCxnSpPr/>
+          <p:nvPr/>
+        </p:nvCxnSpPr>
+        <p:spPr bwMode="auto">
+          <a:xfrm>
+            <a:off x="1470154" y="4167842"/>
+            <a:ext cx="228600" cy="0"/>
+          </a:xfrm>
+          <a:prstGeom prst="straightConnector1">
+            <a:avLst/>
+          </a:prstGeom>
+          <a:solidFill>
+            <a:schemeClr val="accent1"/>
+          </a:solidFill>
+          <a:ln w="9525" cap="flat" cmpd="sng" algn="ctr">
+            <a:solidFill>
+              <a:schemeClr val="tx1"/>
+            </a:solidFill>
+            <a:prstDash val="solid"/>
+            <a:round/>
+            <a:headEnd type="none" w="med" len="med"/>
+            <a:tailEnd type="arrow"/>
+          </a:ln>
+          <a:effectLst/>
+        </p:spPr>
+      </p:cxnSp>
+      <p:sp>
+        <p:nvSpPr>
+          <p:cNvPr id="43" name="Rectangle 42"/>
+          <p:cNvSpPr/>
+          <p:nvPr/>
+        </p:nvSpPr>
         <p:spPr>
           <a:xfrm>
-            <a:off x="4864154" y="2803739"/>
-            <a:ext cx="1807945" cy="892176"/>
-          </a:xfrm>
-          <a:prstGeom prst="roundRect">
-            <a:avLst/>
-          </a:prstGeom>
+            <a:off x="4861488" y="3435279"/>
+            <a:ext cx="2971800" cy="2209800"/>
+          </a:xfrm>
+          <a:prstGeom prst="rect">
+            <a:avLst/>
+          </a:prstGeom>
+          <a:solidFill>
+            <a:srgbClr val="00B0F0"/>
+          </a:solidFill>
         </p:spPr>
         <p:style>
           <a:lnRef idx="2">
@@ -23889,49 +23588,231 @@
           </a:fontRef>
         </p:style>
         <p:txBody>
-          <a:bodyPr rtlCol="0" anchor="ctr"/>
+          <a:bodyPr rtlCol="0" anchor="t" anchorCtr="0"/>
           <a:lstStyle/>
           <a:p>
             <a:pPr algn="ctr"/>
             <a:r>
-              <a:rPr lang="en-US" dirty="0"/>
-              <a:t>Manager</a:t>
-            </a:r>
-          </a:p>
-          <a:p>
-            <a:pPr algn="ctr"/>
-            <a:r>
-              <a:rPr lang="en-US" dirty="0"/>
-              <a:t>Component</a:t>
-            </a:r>
-          </a:p>
-        </p:txBody>
-      </p:sp>
-      <p:sp>
-        <p:nvSpPr>
-          <p:cNvPr id="10" name="Rectangle 9">
-            <a:extLst>
-              <a:ext uri="{FF2B5EF4-FFF2-40B4-BE49-F238E27FC236}">
-                <a16:creationId xmlns:a16="http://schemas.microsoft.com/office/drawing/2014/main" id="{B802CD4C-58B0-9C4C-9841-F01FED336097}"/>
-              </a:ext>
-            </a:extLst>
-          </p:cNvPr>
+              <a:rPr lang="en-US" sz="1100" dirty="0"/>
+              <a:t>Node 2</a:t>
+            </a:r>
+          </a:p>
+        </p:txBody>
+      </p:sp>
+      <p:sp>
+        <p:nvSpPr>
+          <p:cNvPr id="44" name="Rounded Rectangle 43"/>
           <p:cNvSpPr/>
           <p:nvPr/>
         </p:nvSpPr>
+        <p:spPr bwMode="auto">
+          <a:xfrm>
+            <a:off x="6736979" y="3788693"/>
+            <a:ext cx="711345" cy="609600"/>
+          </a:xfrm>
+          <a:prstGeom prst="roundRect">
+            <a:avLst/>
+          </a:prstGeom>
+          <a:solidFill>
+            <a:schemeClr val="accent1"/>
+          </a:solidFill>
+          <a:ln w="9525" cap="flat" cmpd="sng" algn="ctr">
+            <a:solidFill>
+              <a:schemeClr val="tx1"/>
+            </a:solidFill>
+            <a:prstDash val="solid"/>
+            <a:round/>
+            <a:headEnd type="none" w="med" len="med"/>
+            <a:tailEnd type="none" w="med" len="med"/>
+          </a:ln>
+          <a:effectLst/>
+        </p:spPr>
+        <p:txBody>
+          <a:bodyPr vert="horz" wrap="square" lIns="91440" tIns="45720" rIns="91440" bIns="45720" numCol="1" rtlCol="0" anchor="t" anchorCtr="0" compatLnSpc="1">
+            <a:prstTxWarp prst="textNoShape">
+              <a:avLst/>
+            </a:prstTxWarp>
+          </a:bodyPr>
+          <a:lstStyle/>
+          <a:p>
+            <a:pPr marL="0" marR="0" indent="0" algn="l" defTabSz="914400" rtl="0" eaLnBrk="0" fontAlgn="base" latinLnBrk="0" hangingPunct="0">
+              <a:lnSpc>
+                <a:spcPct val="100000"/>
+              </a:lnSpc>
+              <a:spcBef>
+                <a:spcPct val="0"/>
+              </a:spcBef>
+              <a:spcAft>
+                <a:spcPct val="0"/>
+              </a:spcAft>
+              <a:buClrTx/>
+              <a:buSzTx/>
+              <a:buFontTx/>
+              <a:buNone/>
+              <a:tabLst/>
+            </a:pPr>
+            <a:r>
+              <a:rPr lang="en-US" sz="600" dirty="0"/>
+              <a:t>Consumer</a:t>
+            </a:r>
+          </a:p>
+          <a:p>
+            <a:pPr marL="0" marR="0" indent="0" algn="l" defTabSz="914400" rtl="0" eaLnBrk="0" fontAlgn="base" latinLnBrk="0" hangingPunct="0">
+              <a:lnSpc>
+                <a:spcPct val="100000"/>
+              </a:lnSpc>
+              <a:spcBef>
+                <a:spcPct val="0"/>
+              </a:spcBef>
+              <a:spcAft>
+                <a:spcPct val="0"/>
+              </a:spcAft>
+              <a:buClrTx/>
+              <a:buSzTx/>
+              <a:buFontTx/>
+              <a:buNone/>
+              <a:tabLst/>
+            </a:pPr>
+            <a:r>
+              <a:rPr kumimoji="0" lang="en-US" sz="600" b="0" i="0" u="none" strike="noStrike" cap="none" normalizeH="0" baseline="0" dirty="0">
+                <a:ln>
+                  <a:noFill/>
+                </a:ln>
+                <a:solidFill>
+                  <a:schemeClr val="tx1"/>
+                </a:solidFill>
+                <a:effectLst/>
+                <a:latin typeface="Arial" charset="0"/>
+                <a:ea typeface="ＭＳ Ｐゴシック" pitchFamily="48" charset="-128"/>
+              </a:rPr>
+              <a:t>Component1</a:t>
+            </a:r>
+          </a:p>
+        </p:txBody>
+      </p:sp>
+      <p:cxnSp>
+        <p:nvCxnSpPr>
+          <p:cNvPr id="48" name="Straight Arrow Connector 47"/>
+          <p:cNvCxnSpPr/>
+          <p:nvPr/>
+        </p:nvCxnSpPr>
+        <p:spPr bwMode="auto">
+          <a:xfrm>
+            <a:off x="6736979" y="4106675"/>
+            <a:ext cx="228600" cy="0"/>
+          </a:xfrm>
+          <a:prstGeom prst="straightConnector1">
+            <a:avLst/>
+          </a:prstGeom>
+          <a:solidFill>
+            <a:schemeClr val="accent1"/>
+          </a:solidFill>
+          <a:ln w="9525" cap="flat" cmpd="sng" algn="ctr">
+            <a:solidFill>
+              <a:schemeClr val="tx1"/>
+            </a:solidFill>
+            <a:prstDash val="solid"/>
+            <a:round/>
+            <a:headEnd type="none" w="med" len="med"/>
+            <a:tailEnd type="arrow"/>
+          </a:ln>
+          <a:effectLst/>
+        </p:spPr>
+      </p:cxnSp>
+      <p:sp>
+        <p:nvSpPr>
+          <p:cNvPr id="51" name="Rounded Rectangle 50"/>
+          <p:cNvSpPr/>
+          <p:nvPr/>
+        </p:nvSpPr>
+        <p:spPr bwMode="auto">
+          <a:xfrm>
+            <a:off x="2384988" y="3791712"/>
+            <a:ext cx="1054245" cy="1512807"/>
+          </a:xfrm>
+          <a:prstGeom prst="roundRect">
+            <a:avLst/>
+          </a:prstGeom>
+          <a:solidFill>
+            <a:schemeClr val="accent1"/>
+          </a:solidFill>
+          <a:ln w="9525" cap="flat" cmpd="sng" algn="ctr">
+            <a:solidFill>
+              <a:schemeClr val="tx1"/>
+            </a:solidFill>
+            <a:prstDash val="solid"/>
+            <a:round/>
+            <a:headEnd type="none" w="med" len="med"/>
+            <a:tailEnd type="none" w="med" len="med"/>
+          </a:ln>
+          <a:effectLst/>
+        </p:spPr>
+        <p:txBody>
+          <a:bodyPr vert="horz" wrap="square" lIns="91440" tIns="45720" rIns="91440" bIns="45720" numCol="1" rtlCol="0" anchor="t" anchorCtr="0" compatLnSpc="1">
+            <a:prstTxWarp prst="textNoShape">
+              <a:avLst/>
+            </a:prstTxWarp>
+          </a:bodyPr>
+          <a:lstStyle/>
+          <a:p>
+            <a:pPr marL="0" marR="0" indent="0" algn="l" defTabSz="914400" rtl="0" eaLnBrk="0" fontAlgn="base" latinLnBrk="0" hangingPunct="0">
+              <a:lnSpc>
+                <a:spcPct val="100000"/>
+              </a:lnSpc>
+              <a:spcBef>
+                <a:spcPct val="0"/>
+              </a:spcBef>
+              <a:spcAft>
+                <a:spcPct val="0"/>
+              </a:spcAft>
+              <a:buClrTx/>
+              <a:buSzTx/>
+              <a:buFontTx/>
+              <a:buNone/>
+              <a:tabLst/>
+            </a:pPr>
+            <a:r>
+              <a:rPr lang="en-US" sz="600" dirty="0">
+                <a:latin typeface="Arial" charset="0"/>
+                <a:ea typeface="ＭＳ Ｐゴシック" pitchFamily="48" charset="-128"/>
+              </a:rPr>
+              <a:t>Hub</a:t>
+            </a:r>
+            <a:endParaRPr kumimoji="0" lang="en-US" sz="600" b="0" i="0" u="none" strike="noStrike" cap="none" normalizeH="0" baseline="0" dirty="0">
+              <a:ln>
+                <a:noFill/>
+              </a:ln>
+              <a:solidFill>
+                <a:schemeClr val="tx1"/>
+              </a:solidFill>
+              <a:effectLst/>
+              <a:latin typeface="Arial" charset="0"/>
+              <a:ea typeface="ＭＳ Ｐゴシック" pitchFamily="48" charset="-128"/>
+            </a:endParaRPr>
+          </a:p>
+        </p:txBody>
+      </p:sp>
+      <p:sp>
+        <p:nvSpPr>
+          <p:cNvPr id="53" name="Up-Down Arrow 52"/>
+          <p:cNvSpPr/>
+          <p:nvPr/>
+        </p:nvSpPr>
         <p:spPr>
           <a:xfrm>
-            <a:off x="5768126" y="3693878"/>
-            <a:ext cx="154778" cy="73270"/>
-          </a:xfrm>
-          <a:prstGeom prst="rect">
-            <a:avLst/>
-          </a:prstGeom>
-          <a:solidFill>
-            <a:schemeClr val="accent2">
-              <a:lumMod val="75000"/>
-            </a:schemeClr>
-          </a:solidFill>
+            <a:off x="3083560" y="5304520"/>
+            <a:ext cx="78147" cy="510424"/>
+          </a:xfrm>
+          <a:prstGeom prst="upDownArrow">
+            <a:avLst/>
+          </a:prstGeom>
+          <a:ln>
+            <a:solidFill>
+              <a:schemeClr val="bg2">
+                <a:lumMod val="50000"/>
+              </a:schemeClr>
+            </a:solidFill>
+          </a:ln>
         </p:spPr>
         <p:style>
           <a:lnRef idx="2">
@@ -23960,24 +23841,25 @@
       </p:sp>
       <p:sp>
         <p:nvSpPr>
-          <p:cNvPr id="18" name="Rounded Rectangle 17">
-            <a:extLst>
-              <a:ext uri="{FF2B5EF4-FFF2-40B4-BE49-F238E27FC236}">
-                <a16:creationId xmlns:a16="http://schemas.microsoft.com/office/drawing/2014/main" id="{C2575545-2285-7E43-8B0B-DEAB86466E88}"/>
-              </a:ext>
-            </a:extLst>
-          </p:cNvPr>
+          <p:cNvPr id="56" name="Up-Down Arrow 55"/>
           <p:cNvSpPr/>
           <p:nvPr/>
         </p:nvSpPr>
         <p:spPr>
           <a:xfrm>
-            <a:off x="3562375" y="1225044"/>
-            <a:ext cx="1807945" cy="892176"/>
-          </a:xfrm>
-          <a:prstGeom prst="roundRect">
-            <a:avLst/>
-          </a:prstGeom>
+            <a:off x="5474638" y="5284568"/>
+            <a:ext cx="45719" cy="510424"/>
+          </a:xfrm>
+          <a:prstGeom prst="upDownArrow">
+            <a:avLst/>
+          </a:prstGeom>
+          <a:ln>
+            <a:solidFill>
+              <a:schemeClr val="bg2">
+                <a:lumMod val="50000"/>
+              </a:schemeClr>
+            </a:solidFill>
+          </a:ln>
         </p:spPr>
         <p:style>
           <a:lnRef idx="2">
@@ -24000,474 +23882,817 @@
           <a:lstStyle/>
           <a:p>
             <a:pPr algn="ctr"/>
-            <a:r>
-              <a:rPr lang="en-US" dirty="0"/>
-              <a:t>Application</a:t>
-            </a:r>
-          </a:p>
-          <a:p>
-            <a:pPr algn="ctr"/>
-            <a:r>
-              <a:rPr lang="en-US" dirty="0"/>
-              <a:t>Component</a:t>
-            </a:r>
-          </a:p>
-        </p:txBody>
-      </p:sp>
-      <p:sp>
-        <p:nvSpPr>
-          <p:cNvPr id="19" name="Rectangle 18">
-            <a:extLst>
-              <a:ext uri="{FF2B5EF4-FFF2-40B4-BE49-F238E27FC236}">
-                <a16:creationId xmlns:a16="http://schemas.microsoft.com/office/drawing/2014/main" id="{285BECEF-C71E-AC4E-B250-E67D42BE08D2}"/>
-              </a:ext>
-            </a:extLst>
-          </p:cNvPr>
+            <a:endParaRPr lang="en-US"/>
+          </a:p>
+        </p:txBody>
+      </p:sp>
+      <p:sp>
+        <p:nvSpPr>
+          <p:cNvPr id="57" name="Rounded Rectangle 56"/>
           <p:cNvSpPr/>
           <p:nvPr/>
         </p:nvSpPr>
+        <p:spPr bwMode="auto">
+          <a:xfrm>
+            <a:off x="4993234" y="3771760"/>
+            <a:ext cx="1054245" cy="1512807"/>
+          </a:xfrm>
+          <a:prstGeom prst="roundRect">
+            <a:avLst/>
+          </a:prstGeom>
+          <a:solidFill>
+            <a:schemeClr val="accent1"/>
+          </a:solidFill>
+          <a:ln w="9525" cap="flat" cmpd="sng" algn="ctr">
+            <a:solidFill>
+              <a:schemeClr val="tx1"/>
+            </a:solidFill>
+            <a:prstDash val="solid"/>
+            <a:round/>
+            <a:headEnd type="none" w="med" len="med"/>
+            <a:tailEnd type="none" w="med" len="med"/>
+          </a:ln>
+          <a:effectLst/>
+        </p:spPr>
+        <p:txBody>
+          <a:bodyPr vert="horz" wrap="square" lIns="91440" tIns="45720" rIns="91440" bIns="45720" numCol="1" rtlCol="0" anchor="t" anchorCtr="0" compatLnSpc="1">
+            <a:prstTxWarp prst="textNoShape">
+              <a:avLst/>
+            </a:prstTxWarp>
+          </a:bodyPr>
+          <a:lstStyle/>
+          <a:p>
+            <a:pPr marL="0" marR="0" indent="0" algn="l" defTabSz="914400" rtl="0" eaLnBrk="0" fontAlgn="base" latinLnBrk="0" hangingPunct="0">
+              <a:lnSpc>
+                <a:spcPct val="100000"/>
+              </a:lnSpc>
+              <a:spcBef>
+                <a:spcPct val="0"/>
+              </a:spcBef>
+              <a:spcAft>
+                <a:spcPct val="0"/>
+              </a:spcAft>
+              <a:buClrTx/>
+              <a:buSzTx/>
+              <a:buFontTx/>
+              <a:buNone/>
+              <a:tabLst/>
+            </a:pPr>
+            <a:r>
+              <a:rPr lang="en-US" sz="600" dirty="0">
+                <a:latin typeface="Arial" charset="0"/>
+                <a:ea typeface="ＭＳ Ｐゴシック" pitchFamily="48" charset="-128"/>
+              </a:rPr>
+              <a:t>Hub</a:t>
+            </a:r>
+            <a:endParaRPr kumimoji="0" lang="en-US" sz="600" b="0" i="0" u="none" strike="noStrike" cap="none" normalizeH="0" baseline="0" dirty="0">
+              <a:ln>
+                <a:noFill/>
+              </a:ln>
+              <a:solidFill>
+                <a:schemeClr val="tx1"/>
+              </a:solidFill>
+              <a:effectLst/>
+              <a:latin typeface="Arial" charset="0"/>
+              <a:ea typeface="ＭＳ Ｐゴシック" pitchFamily="48" charset="-128"/>
+            </a:endParaRPr>
+          </a:p>
+        </p:txBody>
+      </p:sp>
+      <p:sp>
+        <p:nvSpPr>
+          <p:cNvPr id="58" name="Rectangle 57"/>
+          <p:cNvSpPr/>
+          <p:nvPr/>
+        </p:nvSpPr>
+        <p:spPr bwMode="auto">
+          <a:xfrm>
+            <a:off x="2240745" y="4091642"/>
+            <a:ext cx="152400" cy="152400"/>
+          </a:xfrm>
+          <a:prstGeom prst="rect">
+            <a:avLst/>
+          </a:prstGeom>
+          <a:solidFill>
+            <a:schemeClr val="accent2"/>
+          </a:solidFill>
+          <a:ln w="9525" cap="flat" cmpd="sng" algn="ctr">
+            <a:solidFill>
+              <a:schemeClr val="tx1"/>
+            </a:solidFill>
+            <a:prstDash val="solid"/>
+            <a:round/>
+            <a:headEnd type="none" w="med" len="med"/>
+            <a:tailEnd type="none" w="med" len="med"/>
+          </a:ln>
+          <a:effectLst/>
+        </p:spPr>
+        <p:txBody>
+          <a:bodyPr vert="horz" wrap="square" lIns="91440" tIns="45720" rIns="91440" bIns="45720" numCol="1" rtlCol="0" anchor="t" anchorCtr="0" compatLnSpc="1">
+            <a:prstTxWarp prst="textNoShape">
+              <a:avLst/>
+            </a:prstTxWarp>
+          </a:bodyPr>
+          <a:lstStyle/>
+          <a:p>
+            <a:pPr marL="0" marR="0" indent="0" algn="l" defTabSz="914400" rtl="0" eaLnBrk="0" fontAlgn="base" latinLnBrk="0" hangingPunct="0">
+              <a:lnSpc>
+                <a:spcPct val="100000"/>
+              </a:lnSpc>
+              <a:spcBef>
+                <a:spcPct val="0"/>
+              </a:spcBef>
+              <a:spcAft>
+                <a:spcPct val="0"/>
+              </a:spcAft>
+              <a:buClrTx/>
+              <a:buSzTx/>
+              <a:buFontTx/>
+              <a:buNone/>
+              <a:tabLst/>
+            </a:pPr>
+            <a:endParaRPr kumimoji="0" lang="en-US" sz="2400" b="0" i="0" u="none" strike="noStrike" cap="none" normalizeH="0" baseline="0">
+              <a:ln>
+                <a:noFill/>
+              </a:ln>
+              <a:solidFill>
+                <a:schemeClr val="tx1"/>
+              </a:solidFill>
+              <a:effectLst/>
+              <a:latin typeface="Arial" charset="0"/>
+              <a:ea typeface="ＭＳ Ｐゴシック" pitchFamily="48" charset="-128"/>
+            </a:endParaRPr>
+          </a:p>
+        </p:txBody>
+      </p:sp>
+      <p:sp>
+        <p:nvSpPr>
+          <p:cNvPr id="61" name="Rectangle 60"/>
+          <p:cNvSpPr/>
+          <p:nvPr/>
+        </p:nvSpPr>
+        <p:spPr bwMode="auto">
+          <a:xfrm>
+            <a:off x="6042588" y="4035483"/>
+            <a:ext cx="152400" cy="152400"/>
+          </a:xfrm>
+          <a:prstGeom prst="rect">
+            <a:avLst/>
+          </a:prstGeom>
+          <a:solidFill>
+            <a:schemeClr val="accent2"/>
+          </a:solidFill>
+          <a:ln w="9525" cap="flat" cmpd="sng" algn="ctr">
+            <a:solidFill>
+              <a:schemeClr val="tx1"/>
+            </a:solidFill>
+            <a:prstDash val="solid"/>
+            <a:round/>
+            <a:headEnd type="none" w="med" len="med"/>
+            <a:tailEnd type="none" w="med" len="med"/>
+          </a:ln>
+          <a:effectLst/>
+        </p:spPr>
+        <p:txBody>
+          <a:bodyPr vert="horz" wrap="square" lIns="91440" tIns="45720" rIns="91440" bIns="45720" numCol="1" rtlCol="0" anchor="t" anchorCtr="0" compatLnSpc="1">
+            <a:prstTxWarp prst="textNoShape">
+              <a:avLst/>
+            </a:prstTxWarp>
+          </a:bodyPr>
+          <a:lstStyle/>
+          <a:p>
+            <a:pPr marL="0" marR="0" indent="0" algn="l" defTabSz="914400" rtl="0" eaLnBrk="0" fontAlgn="base" latinLnBrk="0" hangingPunct="0">
+              <a:lnSpc>
+                <a:spcPct val="100000"/>
+              </a:lnSpc>
+              <a:spcBef>
+                <a:spcPct val="0"/>
+              </a:spcBef>
+              <a:spcAft>
+                <a:spcPct val="0"/>
+              </a:spcAft>
+              <a:buClrTx/>
+              <a:buSzTx/>
+              <a:buFontTx/>
+              <a:buNone/>
+              <a:tabLst/>
+            </a:pPr>
+            <a:endParaRPr kumimoji="0" lang="en-US" sz="2400" b="0" i="0" u="none" strike="noStrike" cap="none" normalizeH="0" baseline="0">
+              <a:ln>
+                <a:noFill/>
+              </a:ln>
+              <a:solidFill>
+                <a:schemeClr val="tx1"/>
+              </a:solidFill>
+              <a:effectLst/>
+              <a:latin typeface="Arial" charset="0"/>
+              <a:ea typeface="ＭＳ Ｐゴシック" pitchFamily="48" charset="-128"/>
+            </a:endParaRPr>
+          </a:p>
+        </p:txBody>
+      </p:sp>
+      <p:sp>
+        <p:nvSpPr>
+          <p:cNvPr id="63" name="Rectangle 62"/>
+          <p:cNvSpPr/>
+          <p:nvPr/>
+        </p:nvSpPr>
+        <p:spPr bwMode="auto">
+          <a:xfrm>
+            <a:off x="6584579" y="4035483"/>
+            <a:ext cx="152400" cy="152400"/>
+          </a:xfrm>
+          <a:prstGeom prst="rect">
+            <a:avLst/>
+          </a:prstGeom>
+          <a:solidFill>
+            <a:schemeClr val="accent2"/>
+          </a:solidFill>
+          <a:ln w="9525" cap="flat" cmpd="sng" algn="ctr">
+            <a:solidFill>
+              <a:schemeClr val="tx1"/>
+            </a:solidFill>
+            <a:prstDash val="solid"/>
+            <a:round/>
+            <a:headEnd type="none" w="med" len="med"/>
+            <a:tailEnd type="none" w="med" len="med"/>
+          </a:ln>
+          <a:effectLst/>
+        </p:spPr>
+        <p:txBody>
+          <a:bodyPr vert="horz" wrap="square" lIns="91440" tIns="45720" rIns="91440" bIns="45720" numCol="1" rtlCol="0" anchor="t" anchorCtr="0" compatLnSpc="1">
+            <a:prstTxWarp prst="textNoShape">
+              <a:avLst/>
+            </a:prstTxWarp>
+          </a:bodyPr>
+          <a:lstStyle/>
+          <a:p>
+            <a:pPr marL="0" marR="0" indent="0" algn="l" defTabSz="914400" rtl="0" eaLnBrk="0" fontAlgn="base" latinLnBrk="0" hangingPunct="0">
+              <a:lnSpc>
+                <a:spcPct val="100000"/>
+              </a:lnSpc>
+              <a:spcBef>
+                <a:spcPct val="0"/>
+              </a:spcBef>
+              <a:spcAft>
+                <a:spcPct val="0"/>
+              </a:spcAft>
+              <a:buClrTx/>
+              <a:buSzTx/>
+              <a:buFontTx/>
+              <a:buNone/>
+              <a:tabLst/>
+            </a:pPr>
+            <a:endParaRPr kumimoji="0" lang="en-US" sz="2400" b="0" i="0" u="none" strike="noStrike" cap="none" normalizeH="0" baseline="0">
+              <a:ln>
+                <a:noFill/>
+              </a:ln>
+              <a:solidFill>
+                <a:schemeClr val="tx1"/>
+              </a:solidFill>
+              <a:effectLst/>
+              <a:latin typeface="Arial" charset="0"/>
+              <a:ea typeface="ＭＳ Ｐゴシック" pitchFamily="48" charset="-128"/>
+            </a:endParaRPr>
+          </a:p>
+        </p:txBody>
+      </p:sp>
+      <p:sp>
+        <p:nvSpPr>
+          <p:cNvPr id="28" name="Rounded Rectangle 27"/>
+          <p:cNvSpPr/>
+          <p:nvPr/>
+        </p:nvSpPr>
+        <p:spPr bwMode="auto">
+          <a:xfrm>
+            <a:off x="986730" y="4698010"/>
+            <a:ext cx="711345" cy="609600"/>
+          </a:xfrm>
+          <a:prstGeom prst="roundRect">
+            <a:avLst/>
+          </a:prstGeom>
+          <a:solidFill>
+            <a:schemeClr val="accent1"/>
+          </a:solidFill>
+          <a:ln w="9525" cap="flat" cmpd="sng" algn="ctr">
+            <a:solidFill>
+              <a:schemeClr val="tx1"/>
+            </a:solidFill>
+            <a:prstDash val="solid"/>
+            <a:round/>
+            <a:headEnd type="none" w="med" len="med"/>
+            <a:tailEnd type="none" w="med" len="med"/>
+          </a:ln>
+          <a:effectLst/>
+        </p:spPr>
+        <p:txBody>
+          <a:bodyPr vert="horz" wrap="square" lIns="91440" tIns="45720" rIns="91440" bIns="45720" numCol="1" rtlCol="0" anchor="t" anchorCtr="0" compatLnSpc="1">
+            <a:prstTxWarp prst="textNoShape">
+              <a:avLst/>
+            </a:prstTxWarp>
+          </a:bodyPr>
+          <a:lstStyle/>
+          <a:p>
+            <a:pPr marL="0" marR="0" indent="0" algn="l" defTabSz="914400" rtl="0" eaLnBrk="0" fontAlgn="base" latinLnBrk="0" hangingPunct="0">
+              <a:lnSpc>
+                <a:spcPct val="100000"/>
+              </a:lnSpc>
+              <a:spcBef>
+                <a:spcPct val="0"/>
+              </a:spcBef>
+              <a:spcAft>
+                <a:spcPct val="0"/>
+              </a:spcAft>
+              <a:buClrTx/>
+              <a:buSzTx/>
+              <a:buFontTx/>
+              <a:buNone/>
+              <a:tabLst/>
+            </a:pPr>
+            <a:r>
+              <a:rPr lang="en-US" sz="600" dirty="0"/>
+              <a:t>Consumer</a:t>
+            </a:r>
+          </a:p>
+          <a:p>
+            <a:pPr marL="0" marR="0" indent="0" algn="l" defTabSz="914400" rtl="0" eaLnBrk="0" fontAlgn="base" latinLnBrk="0" hangingPunct="0">
+              <a:lnSpc>
+                <a:spcPct val="100000"/>
+              </a:lnSpc>
+              <a:spcBef>
+                <a:spcPct val="0"/>
+              </a:spcBef>
+              <a:spcAft>
+                <a:spcPct val="0"/>
+              </a:spcAft>
+              <a:buClrTx/>
+              <a:buSzTx/>
+              <a:buFontTx/>
+              <a:buNone/>
+              <a:tabLst/>
+            </a:pPr>
+            <a:r>
+              <a:rPr kumimoji="0" lang="en-US" sz="600" b="0" i="0" u="none" strike="noStrike" cap="none" normalizeH="0" baseline="0" dirty="0">
+                <a:ln>
+                  <a:noFill/>
+                </a:ln>
+                <a:solidFill>
+                  <a:schemeClr val="tx1"/>
+                </a:solidFill>
+                <a:effectLst/>
+                <a:latin typeface="Arial" charset="0"/>
+                <a:ea typeface="ＭＳ Ｐゴシック" pitchFamily="48" charset="-128"/>
+              </a:rPr>
+              <a:t>Component2</a:t>
+            </a:r>
+          </a:p>
+        </p:txBody>
+      </p:sp>
+      <p:sp>
+        <p:nvSpPr>
+          <p:cNvPr id="29" name="Rectangle 28"/>
+          <p:cNvSpPr/>
+          <p:nvPr/>
+        </p:nvSpPr>
+        <p:spPr bwMode="auto">
+          <a:xfrm>
+            <a:off x="1686633" y="4926610"/>
+            <a:ext cx="152400" cy="152400"/>
+          </a:xfrm>
+          <a:prstGeom prst="rect">
+            <a:avLst/>
+          </a:prstGeom>
+          <a:solidFill>
+            <a:schemeClr val="accent2"/>
+          </a:solidFill>
+          <a:ln w="9525" cap="flat" cmpd="sng" algn="ctr">
+            <a:solidFill>
+              <a:schemeClr val="tx1"/>
+            </a:solidFill>
+            <a:prstDash val="solid"/>
+            <a:round/>
+            <a:headEnd type="none" w="med" len="med"/>
+            <a:tailEnd type="none" w="med" len="med"/>
+          </a:ln>
+          <a:effectLst/>
+        </p:spPr>
+        <p:txBody>
+          <a:bodyPr vert="horz" wrap="square" lIns="91440" tIns="45720" rIns="91440" bIns="45720" numCol="1" rtlCol="0" anchor="t" anchorCtr="0" compatLnSpc="1">
+            <a:prstTxWarp prst="textNoShape">
+              <a:avLst/>
+            </a:prstTxWarp>
+          </a:bodyPr>
+          <a:lstStyle/>
+          <a:p>
+            <a:pPr marL="0" marR="0" indent="0" algn="l" defTabSz="914400" rtl="0" eaLnBrk="0" fontAlgn="base" latinLnBrk="0" hangingPunct="0">
+              <a:lnSpc>
+                <a:spcPct val="100000"/>
+              </a:lnSpc>
+              <a:spcBef>
+                <a:spcPct val="0"/>
+              </a:spcBef>
+              <a:spcAft>
+                <a:spcPct val="0"/>
+              </a:spcAft>
+              <a:buClrTx/>
+              <a:buSzTx/>
+              <a:buFontTx/>
+              <a:buNone/>
+              <a:tabLst/>
+            </a:pPr>
+            <a:endParaRPr kumimoji="0" lang="en-US" sz="2400" b="0" i="0" u="none" strike="noStrike" cap="none" normalizeH="0" baseline="0">
+              <a:ln>
+                <a:noFill/>
+              </a:ln>
+              <a:solidFill>
+                <a:schemeClr val="tx1"/>
+              </a:solidFill>
+              <a:effectLst/>
+              <a:latin typeface="Arial" charset="0"/>
+              <a:ea typeface="ＭＳ Ｐゴシック" pitchFamily="48" charset="-128"/>
+            </a:endParaRPr>
+          </a:p>
+        </p:txBody>
+      </p:sp>
+      <p:cxnSp>
+        <p:nvCxnSpPr>
+          <p:cNvPr id="30" name="Straight Arrow Connector 29"/>
+          <p:cNvCxnSpPr/>
+          <p:nvPr/>
+        </p:nvCxnSpPr>
+        <p:spPr bwMode="auto">
+          <a:xfrm flipH="1" flipV="1">
+            <a:off x="1458033" y="5002810"/>
+            <a:ext cx="228600" cy="0"/>
+          </a:xfrm>
+          <a:prstGeom prst="straightConnector1">
+            <a:avLst/>
+          </a:prstGeom>
+          <a:solidFill>
+            <a:schemeClr val="accent1"/>
+          </a:solidFill>
+          <a:ln w="9525" cap="flat" cmpd="sng" algn="ctr">
+            <a:solidFill>
+              <a:schemeClr val="tx1"/>
+            </a:solidFill>
+            <a:prstDash val="solid"/>
+            <a:round/>
+            <a:headEnd type="none" w="med" len="med"/>
+            <a:tailEnd type="arrow"/>
+          </a:ln>
+          <a:effectLst/>
+        </p:spPr>
+      </p:cxnSp>
+      <p:sp>
+        <p:nvSpPr>
+          <p:cNvPr id="31" name="Rectangle 30"/>
+          <p:cNvSpPr/>
+          <p:nvPr/>
+        </p:nvSpPr>
+        <p:spPr bwMode="auto">
+          <a:xfrm>
+            <a:off x="2228624" y="4926610"/>
+            <a:ext cx="152400" cy="152400"/>
+          </a:xfrm>
+          <a:prstGeom prst="rect">
+            <a:avLst/>
+          </a:prstGeom>
+          <a:solidFill>
+            <a:schemeClr val="accent2"/>
+          </a:solidFill>
+          <a:ln w="9525" cap="flat" cmpd="sng" algn="ctr">
+            <a:solidFill>
+              <a:schemeClr val="tx1"/>
+            </a:solidFill>
+            <a:prstDash val="solid"/>
+            <a:round/>
+            <a:headEnd type="none" w="med" len="med"/>
+            <a:tailEnd type="none" w="med" len="med"/>
+          </a:ln>
+          <a:effectLst/>
+        </p:spPr>
+        <p:txBody>
+          <a:bodyPr vert="horz" wrap="square" lIns="91440" tIns="45720" rIns="91440" bIns="45720" numCol="1" rtlCol="0" anchor="t" anchorCtr="0" compatLnSpc="1">
+            <a:prstTxWarp prst="textNoShape">
+              <a:avLst/>
+            </a:prstTxWarp>
+          </a:bodyPr>
+          <a:lstStyle/>
+          <a:p>
+            <a:pPr marL="0" marR="0" indent="0" algn="l" defTabSz="914400" rtl="0" eaLnBrk="0" fontAlgn="base" latinLnBrk="0" hangingPunct="0">
+              <a:lnSpc>
+                <a:spcPct val="100000"/>
+              </a:lnSpc>
+              <a:spcBef>
+                <a:spcPct val="0"/>
+              </a:spcBef>
+              <a:spcAft>
+                <a:spcPct val="0"/>
+              </a:spcAft>
+              <a:buClrTx/>
+              <a:buSzTx/>
+              <a:buFontTx/>
+              <a:buNone/>
+              <a:tabLst/>
+            </a:pPr>
+            <a:endParaRPr kumimoji="0" lang="en-US" sz="2400" b="0" i="0" u="none" strike="noStrike" cap="none" normalizeH="0" baseline="0">
+              <a:ln>
+                <a:noFill/>
+              </a:ln>
+              <a:solidFill>
+                <a:schemeClr val="tx1"/>
+              </a:solidFill>
+              <a:effectLst/>
+              <a:latin typeface="Arial" charset="0"/>
+              <a:ea typeface="ＭＳ Ｐゴシック" pitchFamily="48" charset="-128"/>
+            </a:endParaRPr>
+          </a:p>
+        </p:txBody>
+      </p:sp>
+      <p:sp>
+        <p:nvSpPr>
+          <p:cNvPr id="50" name="Rounded Rectangle 49"/>
+          <p:cNvSpPr/>
+          <p:nvPr/>
+        </p:nvSpPr>
+        <p:spPr bwMode="auto">
+          <a:xfrm>
+            <a:off x="6747401" y="4528163"/>
+            <a:ext cx="711345" cy="609600"/>
+          </a:xfrm>
+          <a:prstGeom prst="roundRect">
+            <a:avLst/>
+          </a:prstGeom>
+          <a:solidFill>
+            <a:schemeClr val="accent1"/>
+          </a:solidFill>
+          <a:ln w="9525" cap="flat" cmpd="sng" algn="ctr">
+            <a:solidFill>
+              <a:schemeClr val="tx1"/>
+            </a:solidFill>
+            <a:prstDash val="solid"/>
+            <a:round/>
+            <a:headEnd type="none" w="med" len="med"/>
+            <a:tailEnd type="none" w="med" len="med"/>
+          </a:ln>
+          <a:effectLst/>
+        </p:spPr>
+        <p:txBody>
+          <a:bodyPr vert="horz" wrap="square" lIns="91440" tIns="45720" rIns="91440" bIns="45720" numCol="1" rtlCol="0" anchor="t" anchorCtr="0" compatLnSpc="1">
+            <a:prstTxWarp prst="textNoShape">
+              <a:avLst/>
+            </a:prstTxWarp>
+          </a:bodyPr>
+          <a:lstStyle/>
+          <a:p>
+            <a:pPr marL="0" marR="0" indent="0" algn="l" defTabSz="914400" rtl="0" eaLnBrk="0" fontAlgn="base" latinLnBrk="0" hangingPunct="0">
+              <a:lnSpc>
+                <a:spcPct val="100000"/>
+              </a:lnSpc>
+              <a:spcBef>
+                <a:spcPct val="0"/>
+              </a:spcBef>
+              <a:spcAft>
+                <a:spcPct val="0"/>
+              </a:spcAft>
+              <a:buClrTx/>
+              <a:buSzTx/>
+              <a:buFontTx/>
+              <a:buNone/>
+              <a:tabLst/>
+            </a:pPr>
+            <a:r>
+              <a:rPr lang="en-US" sz="600" dirty="0"/>
+              <a:t>Producer</a:t>
+            </a:r>
+          </a:p>
+          <a:p>
+            <a:pPr marL="0" marR="0" indent="0" algn="l" defTabSz="914400" rtl="0" eaLnBrk="0" fontAlgn="base" latinLnBrk="0" hangingPunct="0">
+              <a:lnSpc>
+                <a:spcPct val="100000"/>
+              </a:lnSpc>
+              <a:spcBef>
+                <a:spcPct val="0"/>
+              </a:spcBef>
+              <a:spcAft>
+                <a:spcPct val="0"/>
+              </a:spcAft>
+              <a:buClrTx/>
+              <a:buSzTx/>
+              <a:buFontTx/>
+              <a:buNone/>
+              <a:tabLst/>
+            </a:pPr>
+            <a:r>
+              <a:rPr kumimoji="0" lang="en-US" sz="600" b="0" i="0" u="none" strike="noStrike" cap="none" normalizeH="0" baseline="0" dirty="0">
+                <a:ln>
+                  <a:noFill/>
+                </a:ln>
+                <a:solidFill>
+                  <a:schemeClr val="tx1"/>
+                </a:solidFill>
+                <a:effectLst/>
+                <a:latin typeface="Arial" charset="0"/>
+                <a:ea typeface="ＭＳ Ｐゴシック" pitchFamily="48" charset="-128"/>
+              </a:rPr>
+              <a:t>Component2</a:t>
+            </a:r>
+          </a:p>
+        </p:txBody>
+      </p:sp>
+      <p:cxnSp>
+        <p:nvCxnSpPr>
+          <p:cNvPr id="52" name="Straight Arrow Connector 51"/>
+          <p:cNvCxnSpPr/>
+          <p:nvPr/>
+        </p:nvCxnSpPr>
+        <p:spPr bwMode="auto">
+          <a:xfrm flipH="1">
+            <a:off x="6747401" y="4846145"/>
+            <a:ext cx="228600" cy="0"/>
+          </a:xfrm>
+          <a:prstGeom prst="straightConnector1">
+            <a:avLst/>
+          </a:prstGeom>
+          <a:solidFill>
+            <a:schemeClr val="accent1"/>
+          </a:solidFill>
+          <a:ln w="9525" cap="flat" cmpd="sng" algn="ctr">
+            <a:solidFill>
+              <a:schemeClr val="tx1"/>
+            </a:solidFill>
+            <a:prstDash val="solid"/>
+            <a:round/>
+            <a:headEnd type="none" w="med" len="med"/>
+            <a:tailEnd type="arrow"/>
+          </a:ln>
+          <a:effectLst/>
+        </p:spPr>
+      </p:cxnSp>
+      <p:sp>
+        <p:nvSpPr>
+          <p:cNvPr id="54" name="Rectangle 53"/>
+          <p:cNvSpPr/>
+          <p:nvPr/>
+        </p:nvSpPr>
+        <p:spPr bwMode="auto">
+          <a:xfrm>
+            <a:off x="6053010" y="4774953"/>
+            <a:ext cx="152400" cy="152400"/>
+          </a:xfrm>
+          <a:prstGeom prst="rect">
+            <a:avLst/>
+          </a:prstGeom>
+          <a:solidFill>
+            <a:schemeClr val="accent2"/>
+          </a:solidFill>
+          <a:ln w="9525" cap="flat" cmpd="sng" algn="ctr">
+            <a:solidFill>
+              <a:schemeClr val="tx1"/>
+            </a:solidFill>
+            <a:prstDash val="solid"/>
+            <a:round/>
+            <a:headEnd type="none" w="med" len="med"/>
+            <a:tailEnd type="none" w="med" len="med"/>
+          </a:ln>
+          <a:effectLst/>
+        </p:spPr>
+        <p:txBody>
+          <a:bodyPr vert="horz" wrap="square" lIns="91440" tIns="45720" rIns="91440" bIns="45720" numCol="1" rtlCol="0" anchor="t" anchorCtr="0" compatLnSpc="1">
+            <a:prstTxWarp prst="textNoShape">
+              <a:avLst/>
+            </a:prstTxWarp>
+          </a:bodyPr>
+          <a:lstStyle/>
+          <a:p>
+            <a:pPr marL="0" marR="0" indent="0" algn="l" defTabSz="914400" rtl="0" eaLnBrk="0" fontAlgn="base" latinLnBrk="0" hangingPunct="0">
+              <a:lnSpc>
+                <a:spcPct val="100000"/>
+              </a:lnSpc>
+              <a:spcBef>
+                <a:spcPct val="0"/>
+              </a:spcBef>
+              <a:spcAft>
+                <a:spcPct val="0"/>
+              </a:spcAft>
+              <a:buClrTx/>
+              <a:buSzTx/>
+              <a:buFontTx/>
+              <a:buNone/>
+              <a:tabLst/>
+            </a:pPr>
+            <a:endParaRPr kumimoji="0" lang="en-US" sz="2400" b="0" i="0" u="none" strike="noStrike" cap="none" normalizeH="0" baseline="0">
+              <a:ln>
+                <a:noFill/>
+              </a:ln>
+              <a:solidFill>
+                <a:schemeClr val="tx1"/>
+              </a:solidFill>
+              <a:effectLst/>
+              <a:latin typeface="Arial" charset="0"/>
+              <a:ea typeface="ＭＳ Ｐゴシック" pitchFamily="48" charset="-128"/>
+            </a:endParaRPr>
+          </a:p>
+        </p:txBody>
+      </p:sp>
+      <p:sp>
+        <p:nvSpPr>
+          <p:cNvPr id="55" name="Rectangle 54"/>
+          <p:cNvSpPr/>
+          <p:nvPr/>
+        </p:nvSpPr>
+        <p:spPr bwMode="auto">
+          <a:xfrm>
+            <a:off x="6595001" y="4774953"/>
+            <a:ext cx="152400" cy="152400"/>
+          </a:xfrm>
+          <a:prstGeom prst="rect">
+            <a:avLst/>
+          </a:prstGeom>
+          <a:solidFill>
+            <a:schemeClr val="accent2"/>
+          </a:solidFill>
+          <a:ln w="9525" cap="flat" cmpd="sng" algn="ctr">
+            <a:solidFill>
+              <a:schemeClr val="tx1"/>
+            </a:solidFill>
+            <a:prstDash val="solid"/>
+            <a:round/>
+            <a:headEnd type="none" w="med" len="med"/>
+            <a:tailEnd type="none" w="med" len="med"/>
+          </a:ln>
+          <a:effectLst/>
+        </p:spPr>
+        <p:txBody>
+          <a:bodyPr vert="horz" wrap="square" lIns="91440" tIns="45720" rIns="91440" bIns="45720" numCol="1" rtlCol="0" anchor="t" anchorCtr="0" compatLnSpc="1">
+            <a:prstTxWarp prst="textNoShape">
+              <a:avLst/>
+            </a:prstTxWarp>
+          </a:bodyPr>
+          <a:lstStyle/>
+          <a:p>
+            <a:pPr marL="0" marR="0" indent="0" algn="l" defTabSz="914400" rtl="0" eaLnBrk="0" fontAlgn="base" latinLnBrk="0" hangingPunct="0">
+              <a:lnSpc>
+                <a:spcPct val="100000"/>
+              </a:lnSpc>
+              <a:spcBef>
+                <a:spcPct val="0"/>
+              </a:spcBef>
+              <a:spcAft>
+                <a:spcPct val="0"/>
+              </a:spcAft>
+              <a:buClrTx/>
+              <a:buSzTx/>
+              <a:buFontTx/>
+              <a:buNone/>
+              <a:tabLst/>
+            </a:pPr>
+            <a:endParaRPr kumimoji="0" lang="en-US" sz="2400" b="0" i="0" u="none" strike="noStrike" cap="none" normalizeH="0" baseline="0">
+              <a:ln>
+                <a:noFill/>
+              </a:ln>
+              <a:solidFill>
+                <a:schemeClr val="tx1"/>
+              </a:solidFill>
+              <a:effectLst/>
+              <a:latin typeface="Arial" charset="0"/>
+              <a:ea typeface="ＭＳ Ｐゴシック" pitchFamily="48" charset="-128"/>
+            </a:endParaRPr>
+          </a:p>
+        </p:txBody>
+      </p:sp>
+      <p:cxnSp>
+        <p:nvCxnSpPr>
+          <p:cNvPr id="13" name="Elbow Connector 12"/>
+          <p:cNvCxnSpPr>
+            <a:stCxn id="58" idx="3"/>
+          </p:cNvCxnSpPr>
+          <p:nvPr/>
+        </p:nvCxnSpPr>
         <p:spPr>
           <a:xfrm>
-            <a:off x="3740646" y="2125060"/>
-            <a:ext cx="154778" cy="73270"/>
-          </a:xfrm>
-          <a:prstGeom prst="rect">
-            <a:avLst/>
-          </a:prstGeom>
-          <a:solidFill>
-            <a:schemeClr val="accent2">
-              <a:lumMod val="75000"/>
-            </a:schemeClr>
-          </a:solidFill>
+            <a:off x="2393145" y="4167842"/>
+            <a:ext cx="690415" cy="1116725"/>
+          </a:xfrm>
+          <a:prstGeom prst="bentConnector2">
+            <a:avLst/>
+          </a:prstGeom>
+          <a:ln>
+            <a:solidFill>
+              <a:schemeClr val="tx1"/>
+            </a:solidFill>
+            <a:tailEnd type="arrow"/>
+          </a:ln>
         </p:spPr>
         <p:style>
-          <a:lnRef idx="2">
-            <a:schemeClr val="accent1">
-              <a:shade val="50000"/>
-            </a:schemeClr>
+          <a:lnRef idx="1">
+            <a:schemeClr val="accent1"/>
           </a:lnRef>
-          <a:fillRef idx="1">
+          <a:fillRef idx="0">
             <a:schemeClr val="accent1"/>
           </a:fillRef>
           <a:effectRef idx="0">
             <a:schemeClr val="accent1"/>
-          </a:effectRef>
-          <a:fontRef idx="minor">
-            <a:schemeClr val="lt1"/>
-          </a:fontRef>
-        </p:style>
-        <p:txBody>
-          <a:bodyPr rtlCol="0" anchor="ctr"/>
-          <a:lstStyle/>
-          <a:p>
-            <a:pPr algn="ctr"/>
-            <a:endParaRPr lang="en-US"/>
-          </a:p>
-        </p:txBody>
-      </p:sp>
-      <p:sp>
-        <p:nvSpPr>
-          <p:cNvPr id="20" name="Rectangle 19">
-            <a:extLst>
-              <a:ext uri="{FF2B5EF4-FFF2-40B4-BE49-F238E27FC236}">
-                <a16:creationId xmlns:a16="http://schemas.microsoft.com/office/drawing/2014/main" id="{F2735BB3-2279-204A-8165-038172B73EC7}"/>
-              </a:ext>
-            </a:extLst>
-          </p:cNvPr>
-          <p:cNvSpPr/>
-          <p:nvPr/>
-        </p:nvSpPr>
-        <p:spPr>
-          <a:xfrm>
-            <a:off x="3161526" y="2742372"/>
-            <a:ext cx="154778" cy="73270"/>
-          </a:xfrm>
-          <a:prstGeom prst="rect">
-            <a:avLst/>
-          </a:prstGeom>
-          <a:solidFill>
-            <a:schemeClr val="accent2">
-              <a:lumMod val="75000"/>
-            </a:schemeClr>
-          </a:solidFill>
-        </p:spPr>
-        <p:style>
-          <a:lnRef idx="2">
-            <a:schemeClr val="accent1">
-              <a:shade val="50000"/>
-            </a:schemeClr>
-          </a:lnRef>
-          <a:fillRef idx="1">
-            <a:schemeClr val="accent1"/>
-          </a:fillRef>
-          <a:effectRef idx="0">
-            <a:schemeClr val="accent1"/>
-          </a:effectRef>
-          <a:fontRef idx="minor">
-            <a:schemeClr val="lt1"/>
-          </a:fontRef>
-        </p:style>
-        <p:txBody>
-          <a:bodyPr rtlCol="0" anchor="ctr"/>
-          <a:lstStyle/>
-          <a:p>
-            <a:pPr algn="ctr"/>
-            <a:endParaRPr lang="en-US"/>
-          </a:p>
-        </p:txBody>
-      </p:sp>
-      <p:sp>
-        <p:nvSpPr>
-          <p:cNvPr id="21" name="Rectangle 20">
-            <a:extLst>
-              <a:ext uri="{FF2B5EF4-FFF2-40B4-BE49-F238E27FC236}">
-                <a16:creationId xmlns:a16="http://schemas.microsoft.com/office/drawing/2014/main" id="{148A955A-87FA-3B4C-86BD-4E85AA47D308}"/>
-              </a:ext>
-            </a:extLst>
-          </p:cNvPr>
-          <p:cNvSpPr/>
-          <p:nvPr/>
-        </p:nvSpPr>
-        <p:spPr>
-          <a:xfrm>
-            <a:off x="5081491" y="2130076"/>
-            <a:ext cx="154778" cy="73270"/>
-          </a:xfrm>
-          <a:prstGeom prst="rect">
-            <a:avLst/>
-          </a:prstGeom>
-          <a:solidFill>
-            <a:schemeClr val="accent2">
-              <a:lumMod val="75000"/>
-            </a:schemeClr>
-          </a:solidFill>
-        </p:spPr>
-        <p:style>
-          <a:lnRef idx="2">
-            <a:schemeClr val="accent1">
-              <a:shade val="50000"/>
-            </a:schemeClr>
-          </a:lnRef>
-          <a:fillRef idx="1">
-            <a:schemeClr val="accent1"/>
-          </a:fillRef>
-          <a:effectRef idx="0">
-            <a:schemeClr val="accent1"/>
-          </a:effectRef>
-          <a:fontRef idx="minor">
-            <a:schemeClr val="lt1"/>
-          </a:fontRef>
-        </p:style>
-        <p:txBody>
-          <a:bodyPr rtlCol="0" anchor="ctr"/>
-          <a:lstStyle/>
-          <a:p>
-            <a:pPr algn="ctr"/>
-            <a:endParaRPr lang="en-US"/>
-          </a:p>
-        </p:txBody>
-      </p:sp>
-      <p:sp>
-        <p:nvSpPr>
-          <p:cNvPr id="22" name="Rectangle 21">
-            <a:extLst>
-              <a:ext uri="{FF2B5EF4-FFF2-40B4-BE49-F238E27FC236}">
-                <a16:creationId xmlns:a16="http://schemas.microsoft.com/office/drawing/2014/main" id="{7A1CADCE-D9C8-BA4B-945C-4F9DEC8AC270}"/>
-              </a:ext>
-            </a:extLst>
-          </p:cNvPr>
-          <p:cNvSpPr/>
-          <p:nvPr/>
-        </p:nvSpPr>
-        <p:spPr>
-          <a:xfrm>
-            <a:off x="5768126" y="2730469"/>
-            <a:ext cx="154778" cy="73270"/>
-          </a:xfrm>
-          <a:prstGeom prst="rect">
-            <a:avLst/>
-          </a:prstGeom>
-          <a:solidFill>
-            <a:schemeClr val="accent2">
-              <a:lumMod val="75000"/>
-            </a:schemeClr>
-          </a:solidFill>
-        </p:spPr>
-        <p:style>
-          <a:lnRef idx="2">
-            <a:schemeClr val="accent1">
-              <a:shade val="50000"/>
-            </a:schemeClr>
-          </a:lnRef>
-          <a:fillRef idx="1">
-            <a:schemeClr val="accent1"/>
-          </a:fillRef>
-          <a:effectRef idx="0">
-            <a:schemeClr val="accent1"/>
-          </a:effectRef>
-          <a:fontRef idx="minor">
-            <a:schemeClr val="lt1"/>
-          </a:fontRef>
-        </p:style>
-        <p:txBody>
-          <a:bodyPr rtlCol="0" anchor="ctr"/>
-          <a:lstStyle/>
-          <a:p>
-            <a:pPr algn="ctr"/>
-            <a:endParaRPr lang="en-US"/>
-          </a:p>
-        </p:txBody>
-      </p:sp>
-      <p:sp>
-        <p:nvSpPr>
-          <p:cNvPr id="23" name="Rounded Rectangle 22">
-            <a:extLst>
-              <a:ext uri="{FF2B5EF4-FFF2-40B4-BE49-F238E27FC236}">
-                <a16:creationId xmlns:a16="http://schemas.microsoft.com/office/drawing/2014/main" id="{0375A01A-B328-BF45-9878-9A863CE4A2D2}"/>
-              </a:ext>
-            </a:extLst>
-          </p:cNvPr>
-          <p:cNvSpPr/>
-          <p:nvPr/>
-        </p:nvSpPr>
-        <p:spPr>
-          <a:xfrm>
-            <a:off x="2297273" y="4394638"/>
-            <a:ext cx="1807945" cy="892176"/>
-          </a:xfrm>
-          <a:prstGeom prst="roundRect">
-            <a:avLst/>
-          </a:prstGeom>
-        </p:spPr>
-        <p:style>
-          <a:lnRef idx="2">
-            <a:schemeClr val="accent1">
-              <a:shade val="50000"/>
-            </a:schemeClr>
-          </a:lnRef>
-          <a:fillRef idx="1">
-            <a:schemeClr val="accent1"/>
-          </a:fillRef>
-          <a:effectRef idx="0">
-            <a:schemeClr val="accent1"/>
-          </a:effectRef>
-          <a:fontRef idx="minor">
-            <a:schemeClr val="lt1"/>
-          </a:fontRef>
-        </p:style>
-        <p:txBody>
-          <a:bodyPr rtlCol="0" anchor="ctr"/>
-          <a:lstStyle/>
-          <a:p>
-            <a:pPr algn="ctr"/>
-            <a:r>
-              <a:rPr lang="en-US" dirty="0"/>
-              <a:t>Driver</a:t>
-            </a:r>
-          </a:p>
-          <a:p>
-            <a:pPr algn="ctr"/>
-            <a:r>
-              <a:rPr lang="en-US" dirty="0"/>
-              <a:t>Components</a:t>
-            </a:r>
-          </a:p>
-        </p:txBody>
-      </p:sp>
-      <p:sp>
-        <p:nvSpPr>
-          <p:cNvPr id="25" name="Rectangle 24">
-            <a:extLst>
-              <a:ext uri="{FF2B5EF4-FFF2-40B4-BE49-F238E27FC236}">
-                <a16:creationId xmlns:a16="http://schemas.microsoft.com/office/drawing/2014/main" id="{216385AA-DB36-7242-84C4-554FD3EA2D38}"/>
-              </a:ext>
-            </a:extLst>
-          </p:cNvPr>
-          <p:cNvSpPr/>
-          <p:nvPr/>
-        </p:nvSpPr>
-        <p:spPr>
-          <a:xfrm>
-            <a:off x="3161526" y="4322561"/>
-            <a:ext cx="154778" cy="73270"/>
-          </a:xfrm>
-          <a:prstGeom prst="rect">
-            <a:avLst/>
-          </a:prstGeom>
-          <a:solidFill>
-            <a:schemeClr val="accent2">
-              <a:lumMod val="75000"/>
-            </a:schemeClr>
-          </a:solidFill>
-        </p:spPr>
-        <p:style>
-          <a:lnRef idx="2">
-            <a:schemeClr val="accent1">
-              <a:shade val="50000"/>
-            </a:schemeClr>
-          </a:lnRef>
-          <a:fillRef idx="1">
-            <a:schemeClr val="accent1"/>
-          </a:fillRef>
-          <a:effectRef idx="0">
-            <a:schemeClr val="accent1"/>
-          </a:effectRef>
-          <a:fontRef idx="minor">
-            <a:schemeClr val="lt1"/>
-          </a:fontRef>
-        </p:style>
-        <p:txBody>
-          <a:bodyPr rtlCol="0" anchor="ctr"/>
-          <a:lstStyle/>
-          <a:p>
-            <a:pPr algn="ctr"/>
-            <a:endParaRPr lang="en-US"/>
-          </a:p>
-        </p:txBody>
-      </p:sp>
-      <p:sp>
-        <p:nvSpPr>
-          <p:cNvPr id="26" name="Rounded Rectangle 25">
-            <a:extLst>
-              <a:ext uri="{FF2B5EF4-FFF2-40B4-BE49-F238E27FC236}">
-                <a16:creationId xmlns:a16="http://schemas.microsoft.com/office/drawing/2014/main" id="{FC5567B9-461A-2D46-BE68-D6AD8001001B}"/>
-              </a:ext>
-            </a:extLst>
-          </p:cNvPr>
-          <p:cNvSpPr/>
-          <p:nvPr/>
-        </p:nvSpPr>
-        <p:spPr>
-          <a:xfrm>
-            <a:off x="4864154" y="4453667"/>
-            <a:ext cx="1807945" cy="892176"/>
-          </a:xfrm>
-          <a:prstGeom prst="roundRect">
-            <a:avLst/>
-          </a:prstGeom>
-        </p:spPr>
-        <p:style>
-          <a:lnRef idx="2">
-            <a:schemeClr val="accent1">
-              <a:shade val="50000"/>
-            </a:schemeClr>
-          </a:lnRef>
-          <a:fillRef idx="1">
-            <a:schemeClr val="accent1"/>
-          </a:fillRef>
-          <a:effectRef idx="0">
-            <a:schemeClr val="accent1"/>
-          </a:effectRef>
-          <a:fontRef idx="minor">
-            <a:schemeClr val="lt1"/>
-          </a:fontRef>
-        </p:style>
-        <p:txBody>
-          <a:bodyPr rtlCol="0" anchor="ctr"/>
-          <a:lstStyle/>
-          <a:p>
-            <a:pPr algn="ctr"/>
-            <a:r>
-              <a:rPr lang="en-US" dirty="0"/>
-              <a:t>Driver</a:t>
-            </a:r>
-          </a:p>
-          <a:p>
-            <a:pPr algn="ctr"/>
-            <a:r>
-              <a:rPr lang="en-US" dirty="0"/>
-              <a:t>Components</a:t>
-            </a:r>
-          </a:p>
-        </p:txBody>
-      </p:sp>
-      <p:sp>
-        <p:nvSpPr>
-          <p:cNvPr id="27" name="Rectangle 26">
-            <a:extLst>
-              <a:ext uri="{FF2B5EF4-FFF2-40B4-BE49-F238E27FC236}">
-                <a16:creationId xmlns:a16="http://schemas.microsoft.com/office/drawing/2014/main" id="{98E23B11-A397-5649-9378-FD4D84256F2F}"/>
-              </a:ext>
-            </a:extLst>
-          </p:cNvPr>
-          <p:cNvSpPr/>
-          <p:nvPr/>
-        </p:nvSpPr>
-        <p:spPr>
-          <a:xfrm>
-            <a:off x="5768126" y="4382434"/>
-            <a:ext cx="154778" cy="73270"/>
-          </a:xfrm>
-          <a:prstGeom prst="rect">
-            <a:avLst/>
-          </a:prstGeom>
-          <a:solidFill>
-            <a:schemeClr val="accent2">
-              <a:lumMod val="75000"/>
-            </a:schemeClr>
-          </a:solidFill>
-        </p:spPr>
-        <p:style>
-          <a:lnRef idx="2">
-            <a:schemeClr val="accent1">
-              <a:shade val="50000"/>
-            </a:schemeClr>
-          </a:lnRef>
-          <a:fillRef idx="1">
-            <a:schemeClr val="accent1"/>
-          </a:fillRef>
-          <a:effectRef idx="0">
-            <a:schemeClr val="accent1"/>
-          </a:effectRef>
-          <a:fontRef idx="minor">
-            <a:schemeClr val="lt1"/>
-          </a:fontRef>
-        </p:style>
-        <p:txBody>
-          <a:bodyPr rtlCol="0" anchor="ctr"/>
-          <a:lstStyle/>
-          <a:p>
-            <a:pPr algn="ctr"/>
-            <a:endParaRPr lang="en-US"/>
-          </a:p>
-        </p:txBody>
-      </p:sp>
-      <p:cxnSp>
-        <p:nvCxnSpPr>
-          <p:cNvPr id="29" name="Straight Arrow Connector 28">
-            <a:extLst>
-              <a:ext uri="{FF2B5EF4-FFF2-40B4-BE49-F238E27FC236}">
-                <a16:creationId xmlns:a16="http://schemas.microsoft.com/office/drawing/2014/main" id="{5A1D320B-C81F-CE48-BC3B-641010DB1D86}"/>
-              </a:ext>
-            </a:extLst>
-          </p:cNvPr>
-          <p:cNvCxnSpPr>
-            <a:stCxn id="19" idx="2"/>
-            <a:endCxn id="20" idx="0"/>
-          </p:cNvCxnSpPr>
-          <p:nvPr/>
-        </p:nvCxnSpPr>
-        <p:spPr>
-          <a:xfrm flipH="1">
-            <a:off x="3238915" y="2198330"/>
-            <a:ext cx="579120" cy="544042"/>
-          </a:xfrm>
-          <a:prstGeom prst="straightConnector1">
-            <a:avLst/>
-          </a:prstGeom>
-          <a:ln>
-            <a:tailEnd type="triangle"/>
-          </a:ln>
-        </p:spPr>
-        <p:style>
-          <a:lnRef idx="1">
-            <a:schemeClr val="dk1"/>
-          </a:lnRef>
-          <a:fillRef idx="0">
-            <a:schemeClr val="dk1"/>
-          </a:fillRef>
-          <a:effectRef idx="0">
-            <a:schemeClr val="dk1"/>
           </a:effectRef>
           <a:fontRef idx="minor">
             <a:schemeClr val="tx1"/>
@@ -24476,40 +24701,38 @@
       </p:cxnSp>
       <p:cxnSp>
         <p:nvCxnSpPr>
-          <p:cNvPr id="31" name="Straight Arrow Connector 30">
-            <a:extLst>
-              <a:ext uri="{FF2B5EF4-FFF2-40B4-BE49-F238E27FC236}">
-                <a16:creationId xmlns:a16="http://schemas.microsoft.com/office/drawing/2014/main" id="{09990285-FB0F-3B44-9760-C672FD36AD8E}"/>
-              </a:ext>
-            </a:extLst>
-          </p:cNvPr>
+          <p:cNvPr id="70" name="Elbow Connector 69"/>
           <p:cNvCxnSpPr>
-            <a:stCxn id="21" idx="2"/>
-            <a:endCxn id="22" idx="0"/>
+            <a:endCxn id="31" idx="3"/>
           </p:cNvCxnSpPr>
           <p:nvPr/>
         </p:nvCxnSpPr>
         <p:spPr>
-          <a:xfrm>
-            <a:off x="5158880" y="2203346"/>
-            <a:ext cx="686635" cy="527123"/>
-          </a:xfrm>
-          <a:prstGeom prst="straightConnector1">
-            <a:avLst/>
+          <a:xfrm rot="10800000">
+            <a:off x="2381024" y="5002811"/>
+            <a:ext cx="702536" cy="134953"/>
+          </a:xfrm>
+          <a:prstGeom prst="bentConnector3">
+            <a:avLst>
+              <a:gd name="adj1" fmla="val 50000"/>
+            </a:avLst>
           </a:prstGeom>
           <a:ln>
-            <a:tailEnd type="triangle"/>
+            <a:solidFill>
+              <a:schemeClr val="tx1"/>
+            </a:solidFill>
+            <a:tailEnd type="arrow"/>
           </a:ln>
         </p:spPr>
         <p:style>
           <a:lnRef idx="1">
-            <a:schemeClr val="dk1"/>
+            <a:schemeClr val="accent1"/>
           </a:lnRef>
           <a:fillRef idx="0">
-            <a:schemeClr val="dk1"/>
+            <a:schemeClr val="accent1"/>
           </a:fillRef>
           <a:effectRef idx="0">
-            <a:schemeClr val="dk1"/>
+            <a:schemeClr val="accent1"/>
           </a:effectRef>
           <a:fontRef idx="minor">
             <a:schemeClr val="tx1"/>
@@ -24518,40 +24741,40 @@
       </p:cxnSp>
       <p:cxnSp>
         <p:nvCxnSpPr>
-          <p:cNvPr id="33" name="Straight Arrow Connector 32">
-            <a:extLst>
-              <a:ext uri="{FF2B5EF4-FFF2-40B4-BE49-F238E27FC236}">
-                <a16:creationId xmlns:a16="http://schemas.microsoft.com/office/drawing/2014/main" id="{62A7AA61-24EB-CB42-9262-C694017ACDC9}"/>
-              </a:ext>
-            </a:extLst>
-          </p:cNvPr>
+          <p:cNvPr id="71" name="Elbow Connector 70"/>
           <p:cNvCxnSpPr>
-            <a:stCxn id="8" idx="2"/>
-            <a:endCxn id="25" idx="0"/>
+            <a:stCxn id="57" idx="2"/>
+            <a:endCxn id="61" idx="1"/>
           </p:cNvCxnSpPr>
           <p:nvPr/>
         </p:nvCxnSpPr>
         <p:spPr>
-          <a:xfrm>
-            <a:off x="3238915" y="3779895"/>
-            <a:ext cx="0" cy="542666"/>
-          </a:xfrm>
-          <a:prstGeom prst="straightConnector1">
-            <a:avLst/>
+          <a:xfrm rot="5400000" flipH="1" flipV="1">
+            <a:off x="5195030" y="4437009"/>
+            <a:ext cx="1172884" cy="522231"/>
+          </a:xfrm>
+          <a:prstGeom prst="bentConnector4">
+            <a:avLst>
+              <a:gd name="adj1" fmla="val -19490"/>
+              <a:gd name="adj2" fmla="val -3589"/>
+            </a:avLst>
           </a:prstGeom>
           <a:ln>
-            <a:tailEnd type="triangle"/>
+            <a:solidFill>
+              <a:schemeClr val="tx1"/>
+            </a:solidFill>
+            <a:tailEnd type="arrow"/>
           </a:ln>
         </p:spPr>
         <p:style>
           <a:lnRef idx="1">
-            <a:schemeClr val="dk1"/>
+            <a:schemeClr val="accent1"/>
           </a:lnRef>
           <a:fillRef idx="0">
-            <a:schemeClr val="dk1"/>
+            <a:schemeClr val="accent1"/>
           </a:fillRef>
           <a:effectRef idx="0">
-            <a:schemeClr val="dk1"/>
+            <a:schemeClr val="accent1"/>
           </a:effectRef>
           <a:fontRef idx="minor">
             <a:schemeClr val="tx1"/>
@@ -24560,140 +24783,188 @@
       </p:cxnSp>
       <p:cxnSp>
         <p:nvCxnSpPr>
-          <p:cNvPr id="35" name="Straight Arrow Connector 34">
-            <a:extLst>
-              <a:ext uri="{FF2B5EF4-FFF2-40B4-BE49-F238E27FC236}">
-                <a16:creationId xmlns:a16="http://schemas.microsoft.com/office/drawing/2014/main" id="{2801F64B-0C47-9E43-963A-E9CA61EBB29C}"/>
-              </a:ext>
-            </a:extLst>
-          </p:cNvPr>
-          <p:cNvCxnSpPr>
-            <a:stCxn id="10" idx="2"/>
-            <a:endCxn id="27" idx="0"/>
-          </p:cNvCxnSpPr>
+          <p:cNvPr id="72" name="Elbow Connector 71"/>
+          <p:cNvCxnSpPr/>
           <p:nvPr/>
         </p:nvCxnSpPr>
         <p:spPr>
-          <a:xfrm>
-            <a:off x="5845515" y="3767148"/>
-            <a:ext cx="0" cy="615286"/>
-          </a:xfrm>
-          <a:prstGeom prst="straightConnector1">
-            <a:avLst/>
+          <a:xfrm rot="10800000">
+            <a:off x="5497498" y="4726204"/>
+            <a:ext cx="555513" cy="134954"/>
+          </a:xfrm>
+          <a:prstGeom prst="bentConnector3">
+            <a:avLst>
+              <a:gd name="adj1" fmla="val 50000"/>
+            </a:avLst>
           </a:prstGeom>
           <a:ln>
-            <a:tailEnd type="triangle"/>
+            <a:solidFill>
+              <a:schemeClr val="tx1"/>
+            </a:solidFill>
+            <a:tailEnd type="arrow"/>
           </a:ln>
         </p:spPr>
         <p:style>
           <a:lnRef idx="1">
-            <a:schemeClr val="dk1"/>
+            <a:schemeClr val="accent1"/>
           </a:lnRef>
           <a:fillRef idx="0">
-            <a:schemeClr val="dk1"/>
+            <a:schemeClr val="accent1"/>
           </a:fillRef>
           <a:effectRef idx="0">
-            <a:schemeClr val="dk1"/>
+            <a:schemeClr val="accent1"/>
           </a:effectRef>
           <a:fontRef idx="minor">
             <a:schemeClr val="tx1"/>
           </a:fontRef>
         </p:style>
       </p:cxnSp>
+      <p:sp>
+        <p:nvSpPr>
+          <p:cNvPr id="5" name="Slide Number Placeholder 4"/>
+          <p:cNvSpPr>
+            <a:spLocks noGrp="1"/>
+          </p:cNvSpPr>
+          <p:nvPr>
+            <p:ph type="sldNum" sz="quarter" idx="11"/>
+          </p:nvPr>
+        </p:nvSpPr>
+        <p:spPr/>
+        <p:txBody>
+          <a:bodyPr/>
+          <a:lstStyle/>
+          <a:p>
+            <a:fld id="{40846F03-29C8-41F1-8A60-CC8C672EC5BA}" type="slidenum">
+              <a:rPr lang="en-US" smtClean="0"/>
+              <a:t>29</a:t>
+            </a:fld>
+            <a:endParaRPr lang="en-US"/>
+          </a:p>
+        </p:txBody>
+      </p:sp>
       <p:cxnSp>
         <p:nvCxnSpPr>
-          <p:cNvPr id="37" name="Straight Connector 36">
-            <a:extLst>
-              <a:ext uri="{FF2B5EF4-FFF2-40B4-BE49-F238E27FC236}">
-                <a16:creationId xmlns:a16="http://schemas.microsoft.com/office/drawing/2014/main" id="{4A78A0C1-0A3A-2540-A3B3-2F5263475BE6}"/>
-              </a:ext>
-            </a:extLst>
-          </p:cNvPr>
+          <p:cNvPr id="46" name="Straight Arrow Connector 45"/>
           <p:cNvCxnSpPr/>
           <p:nvPr/>
         </p:nvCxnSpPr>
-        <p:spPr>
-          <a:xfrm>
-            <a:off x="0" y="4051228"/>
-            <a:ext cx="9144000" cy="0"/>
-          </a:xfrm>
-          <a:prstGeom prst="line">
-            <a:avLst/>
-          </a:prstGeom>
-          <a:ln w="12700" cmpd="sng">
+        <p:spPr bwMode="auto">
+          <a:xfrm>
+            <a:off x="6194988" y="4106675"/>
+            <a:ext cx="389591" cy="0"/>
+          </a:xfrm>
+          <a:prstGeom prst="straightConnector1">
+            <a:avLst/>
+          </a:prstGeom>
+          <a:solidFill>
+            <a:schemeClr val="accent1"/>
+          </a:solidFill>
+          <a:ln w="9525" cap="flat" cmpd="sng" algn="ctr">
             <a:solidFill>
-              <a:schemeClr val="bg1">
-                <a:lumMod val="65000"/>
-              </a:schemeClr>
+              <a:schemeClr val="tx1"/>
             </a:solidFill>
-            <a:prstDash val="dash"/>
+            <a:prstDash val="solid"/>
+            <a:round/>
+            <a:headEnd type="none" w="med" len="med"/>
+            <a:tailEnd type="arrow"/>
           </a:ln>
           <a:effectLst/>
         </p:spPr>
-        <p:style>
-          <a:lnRef idx="2">
-            <a:schemeClr val="accent1"/>
-          </a:lnRef>
-          <a:fillRef idx="0">
-            <a:schemeClr val="accent1"/>
-          </a:fillRef>
-          <a:effectRef idx="1">
-            <a:schemeClr val="accent1"/>
-          </a:effectRef>
-          <a:fontRef idx="minor">
-            <a:schemeClr val="tx1"/>
-          </a:fontRef>
-        </p:style>
       </p:cxnSp>
       <p:cxnSp>
         <p:nvCxnSpPr>
-          <p:cNvPr id="38" name="Straight Connector 37">
-            <a:extLst>
-              <a:ext uri="{FF2B5EF4-FFF2-40B4-BE49-F238E27FC236}">
-                <a16:creationId xmlns:a16="http://schemas.microsoft.com/office/drawing/2014/main" id="{3F7CB3B8-A305-AD49-89CB-C6B113212A28}"/>
-              </a:ext>
-            </a:extLst>
-          </p:cNvPr>
-          <p:cNvCxnSpPr/>
+          <p:cNvPr id="49" name="Straight Arrow Connector 48"/>
+          <p:cNvCxnSpPr>
+            <a:stCxn id="31" idx="1"/>
+            <a:endCxn id="29" idx="3"/>
+          </p:cNvCxnSpPr>
           <p:nvPr/>
         </p:nvCxnSpPr>
-        <p:spPr>
-          <a:xfrm>
-            <a:off x="-1" y="2466907"/>
-            <a:ext cx="9144000" cy="0"/>
-          </a:xfrm>
-          <a:prstGeom prst="line">
-            <a:avLst/>
-          </a:prstGeom>
-          <a:ln w="12700" cmpd="sng">
+        <p:spPr bwMode="auto">
+          <a:xfrm flipH="1">
+            <a:off x="1839033" y="5002810"/>
+            <a:ext cx="389591" cy="0"/>
+          </a:xfrm>
+          <a:prstGeom prst="straightConnector1">
+            <a:avLst/>
+          </a:prstGeom>
+          <a:solidFill>
+            <a:schemeClr val="accent1"/>
+          </a:solidFill>
+          <a:ln w="9525" cap="flat" cmpd="sng" algn="ctr">
             <a:solidFill>
-              <a:schemeClr val="bg1">
-                <a:lumMod val="65000"/>
-              </a:schemeClr>
+              <a:schemeClr val="tx1"/>
             </a:solidFill>
-            <a:prstDash val="dash"/>
+            <a:prstDash val="solid"/>
+            <a:round/>
+            <a:headEnd type="none" w="med" len="med"/>
+            <a:tailEnd type="arrow"/>
           </a:ln>
           <a:effectLst/>
         </p:spPr>
-        <p:style>
-          <a:lnRef idx="2">
-            <a:schemeClr val="accent1"/>
-          </a:lnRef>
-          <a:fillRef idx="0">
-            <a:schemeClr val="accent1"/>
-          </a:fillRef>
-          <a:effectRef idx="1">
-            <a:schemeClr val="accent1"/>
-          </a:effectRef>
-          <a:fontRef idx="minor">
-            <a:schemeClr val="tx1"/>
-          </a:fontRef>
-        </p:style>
+      </p:cxnSp>
+      <p:cxnSp>
+        <p:nvCxnSpPr>
+          <p:cNvPr id="69" name="Straight Arrow Connector 68"/>
+          <p:cNvCxnSpPr/>
+          <p:nvPr/>
+        </p:nvCxnSpPr>
+        <p:spPr bwMode="auto">
+          <a:xfrm>
+            <a:off x="1851154" y="4173330"/>
+            <a:ext cx="389591" cy="0"/>
+          </a:xfrm>
+          <a:prstGeom prst="straightConnector1">
+            <a:avLst/>
+          </a:prstGeom>
+          <a:solidFill>
+            <a:schemeClr val="accent1"/>
+          </a:solidFill>
+          <a:ln w="9525" cap="flat" cmpd="sng" algn="ctr">
+            <a:solidFill>
+              <a:schemeClr val="tx1"/>
+            </a:solidFill>
+            <a:prstDash val="solid"/>
+            <a:round/>
+            <a:headEnd type="none" w="med" len="med"/>
+            <a:tailEnd type="arrow"/>
+          </a:ln>
+          <a:effectLst/>
+        </p:spPr>
+      </p:cxnSp>
+      <p:cxnSp>
+        <p:nvCxnSpPr>
+          <p:cNvPr id="73" name="Straight Arrow Connector 72"/>
+          <p:cNvCxnSpPr/>
+          <p:nvPr/>
+        </p:nvCxnSpPr>
+        <p:spPr bwMode="auto">
+          <a:xfrm flipH="1">
+            <a:off x="6212417" y="4846145"/>
+            <a:ext cx="389591" cy="0"/>
+          </a:xfrm>
+          <a:prstGeom prst="straightConnector1">
+            <a:avLst/>
+          </a:prstGeom>
+          <a:solidFill>
+            <a:schemeClr val="accent1"/>
+          </a:solidFill>
+          <a:ln w="9525" cap="flat" cmpd="sng" algn="ctr">
+            <a:solidFill>
+              <a:schemeClr val="tx1"/>
+            </a:solidFill>
+            <a:prstDash val="solid"/>
+            <a:round/>
+            <a:headEnd type="none" w="med" len="med"/>
+            <a:tailEnd type="arrow"/>
+          </a:ln>
+          <a:effectLst/>
+        </p:spPr>
       </p:cxnSp>
     </p:spTree>
     <p:extLst>
       <p:ext uri="{BB962C8B-B14F-4D97-AF65-F5344CB8AC3E}">
-        <p14:creationId xmlns:p14="http://schemas.microsoft.com/office/powerpoint/2010/main" val="4167703388"/>
+        <p14:creationId xmlns:p14="http://schemas.microsoft.com/office/powerpoint/2010/main" val="3840792723"/>
       </p:ext>
     </p:extLst>
   </p:cSld>
@@ -24925,7 +25196,13 @@
       </p:grpSpPr>
       <p:sp>
         <p:nvSpPr>
-          <p:cNvPr id="2" name="Title 1"/>
+          <p:cNvPr id="2" name="Title 1">
+            <a:extLst>
+              <a:ext uri="{FF2B5EF4-FFF2-40B4-BE49-F238E27FC236}">
+                <a16:creationId xmlns:a16="http://schemas.microsoft.com/office/drawing/2014/main" id="{1B860B8F-3813-2845-8E61-4A326BD7C606}"/>
+              </a:ext>
+            </a:extLst>
+          </p:cNvPr>
           <p:cNvSpPr>
             <a:spLocks noGrp="1"/>
           </p:cNvSpPr>
@@ -24940,140 +25217,50 @@
           <a:p>
             <a:r>
               <a:rPr lang="en-US" dirty="0"/>
-              <a:t>Code Scaling</a:t>
-            </a:r>
-          </a:p>
-        </p:txBody>
-      </p:sp>
-      <p:sp>
-        <p:nvSpPr>
-          <p:cNvPr id="3" name="Content Placeholder 2"/>
+              <a:t>Typical F´ Application Architecture</a:t>
+            </a:r>
+          </a:p>
+        </p:txBody>
+      </p:sp>
+      <p:sp>
+        <p:nvSpPr>
+          <p:cNvPr id="3" name="Text Placeholder 2">
+            <a:extLst>
+              <a:ext uri="{FF2B5EF4-FFF2-40B4-BE49-F238E27FC236}">
+                <a16:creationId xmlns:a16="http://schemas.microsoft.com/office/drawing/2014/main" id="{9AE5B842-CC7D-E941-88DB-7C320785D8BB}"/>
+              </a:ext>
+            </a:extLst>
+          </p:cNvPr>
           <p:cNvSpPr>
             <a:spLocks noGrp="1"/>
           </p:cNvSpPr>
           <p:nvPr>
-            <p:ph idx="1"/>
+            <p:ph type="body" sz="quarter" idx="17"/>
           </p:nvPr>
         </p:nvSpPr>
-        <p:spPr>
-          <a:xfrm>
-            <a:off x="439739" y="1371600"/>
-            <a:ext cx="8453437" cy="4826496"/>
-          </a:xfrm>
-        </p:spPr>
+        <p:spPr/>
         <p:txBody>
           <a:bodyPr/>
           <a:lstStyle/>
           <a:p>
-            <a:r>
-              <a:rPr lang="en-US" sz="1800" dirty="0"/>
-              <a:t>Framework code is very compact</a:t>
-            </a:r>
-          </a:p>
-          <a:p>
-            <a:r>
-              <a:rPr lang="en-US" sz="1800" dirty="0"/>
-              <a:t>Generated code is also compact</a:t>
-            </a:r>
-          </a:p>
-          <a:p>
-            <a:pPr lvl="1"/>
-            <a:r>
-              <a:rPr lang="en-US" sz="1600" dirty="0"/>
-              <a:t>Demo application for TI microcontroller was about 15K</a:t>
-            </a:r>
-          </a:p>
-          <a:p>
-            <a:r>
-              <a:rPr lang="en-US" sz="1800" dirty="0"/>
-              <a:t>Native type sizes can be configured</a:t>
-            </a:r>
-          </a:p>
-          <a:p>
-            <a:pPr lvl="1"/>
-            <a:r>
-              <a:rPr lang="en-US" sz="1600" dirty="0"/>
-              <a:t>e.g. some microcontrollers have 16-bit/8-bit only support</a:t>
-            </a:r>
-          </a:p>
-          <a:p>
-            <a:r>
-              <a:rPr lang="en-US" sz="1800" dirty="0"/>
-              <a:t>Features can be added or removed depending on resources</a:t>
-            </a:r>
-          </a:p>
-          <a:p>
-            <a:pPr lvl="1"/>
-            <a:r>
-              <a:rPr lang="en-US" sz="1600" dirty="0"/>
-              <a:t>Object naming</a:t>
-            </a:r>
-          </a:p>
-          <a:p>
-            <a:pPr lvl="1"/>
-            <a:r>
-              <a:rPr lang="en-US" sz="1600" dirty="0"/>
-              <a:t>Port execution tracing</a:t>
-            </a:r>
-          </a:p>
-          <a:p>
-            <a:pPr lvl="1"/>
-            <a:r>
-              <a:rPr lang="en-US" sz="1600" dirty="0"/>
-              <a:t>Serialization of ports</a:t>
-            </a:r>
-          </a:p>
-          <a:p>
-            <a:pPr lvl="2"/>
-            <a:r>
-              <a:rPr lang="en-US" sz="1400" dirty="0"/>
-              <a:t>Single node systems don’t really need</a:t>
-            </a:r>
-          </a:p>
-          <a:p>
-            <a:pPr lvl="2"/>
-            <a:r>
-              <a:rPr lang="en-US" sz="1400" dirty="0"/>
-              <a:t>This is not data serialization but the use of serialized ports</a:t>
-            </a:r>
-          </a:p>
-          <a:p>
-            <a:pPr lvl="1"/>
-            <a:r>
-              <a:rPr lang="en-US" sz="1600" dirty="0"/>
-              <a:t>Object naming/registry</a:t>
-            </a:r>
-          </a:p>
-          <a:p>
-            <a:pPr lvl="1"/>
-            <a:r>
-              <a:rPr lang="en-US" sz="1600" dirty="0"/>
-              <a:t>Component connection tracing</a:t>
-            </a:r>
-          </a:p>
-          <a:p>
-            <a:pPr lvl="1"/>
-            <a:r>
-              <a:rPr lang="en-US" sz="1600" dirty="0"/>
-              <a:t>Text logging</a:t>
-            </a:r>
-          </a:p>
-          <a:p>
-            <a:r>
-              <a:rPr lang="en-US" sz="1800" dirty="0"/>
-              <a:t>For very compact processors with no OS, developers can choose non-active components</a:t>
-            </a:r>
-          </a:p>
-        </p:txBody>
-      </p:sp>
-      <p:sp>
-        <p:nvSpPr>
-          <p:cNvPr id="4" name="Slide Number Placeholder 3"/>
+            <a:endParaRPr lang="en-US"/>
+          </a:p>
+        </p:txBody>
+      </p:sp>
+      <p:sp>
+        <p:nvSpPr>
+          <p:cNvPr id="4" name="Footer Placeholder 3">
+            <a:extLst>
+              <a:ext uri="{FF2B5EF4-FFF2-40B4-BE49-F238E27FC236}">
+                <a16:creationId xmlns:a16="http://schemas.microsoft.com/office/drawing/2014/main" id="{5F42D202-2494-9B47-954F-A69417BA7C04}"/>
+              </a:ext>
+            </a:extLst>
+          </p:cNvPr>
           <p:cNvSpPr>
             <a:spLocks noGrp="1"/>
           </p:cNvSpPr>
           <p:nvPr>
-            <p:ph type="sldNum" sz="quarter" idx="11"/>
+            <p:ph type="ftr" sz="quarter" idx="19"/>
           </p:nvPr>
         </p:nvSpPr>
         <p:spPr/>
@@ -25081,18 +25268,994 @@
           <a:bodyPr/>
           <a:lstStyle/>
           <a:p>
-            <a:fld id="{40846F03-29C8-41F1-8A60-CC8C672EC5BA}" type="slidenum">
+            <a:r>
+              <a:rPr lang="en-US"/>
+              <a:t>For required markings, please go to https://mh.jpl.nasa.gov/ </a:t>
+            </a:r>
+            <a:endParaRPr lang="en-US" dirty="0"/>
+          </a:p>
+        </p:txBody>
+      </p:sp>
+      <p:sp>
+        <p:nvSpPr>
+          <p:cNvPr id="5" name="Slide Number Placeholder 4">
+            <a:extLst>
+              <a:ext uri="{FF2B5EF4-FFF2-40B4-BE49-F238E27FC236}">
+                <a16:creationId xmlns:a16="http://schemas.microsoft.com/office/drawing/2014/main" id="{6A4AC290-4B04-F443-8A9C-3E193DB46932}"/>
+              </a:ext>
+            </a:extLst>
+          </p:cNvPr>
+          <p:cNvSpPr>
+            <a:spLocks noGrp="1"/>
+          </p:cNvSpPr>
+          <p:nvPr>
+            <p:ph type="sldNum" sz="quarter" idx="20"/>
+          </p:nvPr>
+        </p:nvSpPr>
+        <p:spPr/>
+        <p:txBody>
+          <a:bodyPr/>
+          <a:lstStyle/>
+          <a:p>
+            <a:fld id="{FE5735AE-3249-4190-86E7-0753FA00EBA0}" type="slidenum">
               <a:rPr lang="en-US" smtClean="0"/>
+              <a:pPr/>
               <a:t>30</a:t>
             </a:fld>
+            <a:endParaRPr lang="en-US" dirty="0"/>
+          </a:p>
+        </p:txBody>
+      </p:sp>
+      <p:sp>
+        <p:nvSpPr>
+          <p:cNvPr id="6" name="Rounded Rectangle 5">
+            <a:extLst>
+              <a:ext uri="{FF2B5EF4-FFF2-40B4-BE49-F238E27FC236}">
+                <a16:creationId xmlns:a16="http://schemas.microsoft.com/office/drawing/2014/main" id="{6AD0A2D7-864F-A041-949A-B0CD2DE83000}"/>
+              </a:ext>
+            </a:extLst>
+          </p:cNvPr>
+          <p:cNvSpPr/>
+          <p:nvPr/>
+        </p:nvSpPr>
+        <p:spPr>
+          <a:xfrm>
+            <a:off x="2297273" y="2815642"/>
+            <a:ext cx="1807945" cy="892176"/>
+          </a:xfrm>
+          <a:prstGeom prst="roundRect">
+            <a:avLst/>
+          </a:prstGeom>
+        </p:spPr>
+        <p:style>
+          <a:lnRef idx="2">
+            <a:schemeClr val="accent1">
+              <a:shade val="50000"/>
+            </a:schemeClr>
+          </a:lnRef>
+          <a:fillRef idx="1">
+            <a:schemeClr val="accent1"/>
+          </a:fillRef>
+          <a:effectRef idx="0">
+            <a:schemeClr val="accent1"/>
+          </a:effectRef>
+          <a:fontRef idx="minor">
+            <a:schemeClr val="lt1"/>
+          </a:fontRef>
+        </p:style>
+        <p:txBody>
+          <a:bodyPr rtlCol="0" anchor="ctr"/>
+          <a:lstStyle/>
+          <a:p>
+            <a:pPr algn="ctr"/>
+            <a:r>
+              <a:rPr lang="en-US" dirty="0"/>
+              <a:t>Manager</a:t>
+            </a:r>
+          </a:p>
+          <a:p>
+            <a:pPr algn="ctr"/>
+            <a:r>
+              <a:rPr lang="en-US" dirty="0"/>
+              <a:t>Component</a:t>
+            </a:r>
+          </a:p>
+        </p:txBody>
+      </p:sp>
+      <p:sp>
+        <p:nvSpPr>
+          <p:cNvPr id="8" name="Rectangle 7">
+            <a:extLst>
+              <a:ext uri="{FF2B5EF4-FFF2-40B4-BE49-F238E27FC236}">
+                <a16:creationId xmlns:a16="http://schemas.microsoft.com/office/drawing/2014/main" id="{CD6A8CEB-F4BE-9A4D-8853-F5F365CED1CE}"/>
+              </a:ext>
+            </a:extLst>
+          </p:cNvPr>
+          <p:cNvSpPr/>
+          <p:nvPr/>
+        </p:nvSpPr>
+        <p:spPr>
+          <a:xfrm>
+            <a:off x="3161526" y="3706625"/>
+            <a:ext cx="154778" cy="73270"/>
+          </a:xfrm>
+          <a:prstGeom prst="rect">
+            <a:avLst/>
+          </a:prstGeom>
+          <a:solidFill>
+            <a:schemeClr val="accent2">
+              <a:lumMod val="75000"/>
+            </a:schemeClr>
+          </a:solidFill>
+        </p:spPr>
+        <p:style>
+          <a:lnRef idx="2">
+            <a:schemeClr val="accent1">
+              <a:shade val="50000"/>
+            </a:schemeClr>
+          </a:lnRef>
+          <a:fillRef idx="1">
+            <a:schemeClr val="accent1"/>
+          </a:fillRef>
+          <a:effectRef idx="0">
+            <a:schemeClr val="accent1"/>
+          </a:effectRef>
+          <a:fontRef idx="minor">
+            <a:schemeClr val="lt1"/>
+          </a:fontRef>
+        </p:style>
+        <p:txBody>
+          <a:bodyPr rtlCol="0" anchor="ctr"/>
+          <a:lstStyle/>
+          <a:p>
+            <a:pPr algn="ctr"/>
             <a:endParaRPr lang="en-US"/>
           </a:p>
         </p:txBody>
       </p:sp>
+      <p:sp>
+        <p:nvSpPr>
+          <p:cNvPr id="9" name="Rounded Rectangle 8">
+            <a:extLst>
+              <a:ext uri="{FF2B5EF4-FFF2-40B4-BE49-F238E27FC236}">
+                <a16:creationId xmlns:a16="http://schemas.microsoft.com/office/drawing/2014/main" id="{A3202ABB-7D10-2F47-A20D-0A3CB4783640}"/>
+              </a:ext>
+            </a:extLst>
+          </p:cNvPr>
+          <p:cNvSpPr/>
+          <p:nvPr/>
+        </p:nvSpPr>
+        <p:spPr>
+          <a:xfrm>
+            <a:off x="4864154" y="2803739"/>
+            <a:ext cx="1807945" cy="892176"/>
+          </a:xfrm>
+          <a:prstGeom prst="roundRect">
+            <a:avLst/>
+          </a:prstGeom>
+        </p:spPr>
+        <p:style>
+          <a:lnRef idx="2">
+            <a:schemeClr val="accent1">
+              <a:shade val="50000"/>
+            </a:schemeClr>
+          </a:lnRef>
+          <a:fillRef idx="1">
+            <a:schemeClr val="accent1"/>
+          </a:fillRef>
+          <a:effectRef idx="0">
+            <a:schemeClr val="accent1"/>
+          </a:effectRef>
+          <a:fontRef idx="minor">
+            <a:schemeClr val="lt1"/>
+          </a:fontRef>
+        </p:style>
+        <p:txBody>
+          <a:bodyPr rtlCol="0" anchor="ctr"/>
+          <a:lstStyle/>
+          <a:p>
+            <a:pPr algn="ctr"/>
+            <a:r>
+              <a:rPr lang="en-US" dirty="0"/>
+              <a:t>Manager</a:t>
+            </a:r>
+          </a:p>
+          <a:p>
+            <a:pPr algn="ctr"/>
+            <a:r>
+              <a:rPr lang="en-US" dirty="0"/>
+              <a:t>Component</a:t>
+            </a:r>
+          </a:p>
+        </p:txBody>
+      </p:sp>
+      <p:sp>
+        <p:nvSpPr>
+          <p:cNvPr id="10" name="Rectangle 9">
+            <a:extLst>
+              <a:ext uri="{FF2B5EF4-FFF2-40B4-BE49-F238E27FC236}">
+                <a16:creationId xmlns:a16="http://schemas.microsoft.com/office/drawing/2014/main" id="{B802CD4C-58B0-9C4C-9841-F01FED336097}"/>
+              </a:ext>
+            </a:extLst>
+          </p:cNvPr>
+          <p:cNvSpPr/>
+          <p:nvPr/>
+        </p:nvSpPr>
+        <p:spPr>
+          <a:xfrm>
+            <a:off x="5768126" y="3693878"/>
+            <a:ext cx="154778" cy="73270"/>
+          </a:xfrm>
+          <a:prstGeom prst="rect">
+            <a:avLst/>
+          </a:prstGeom>
+          <a:solidFill>
+            <a:schemeClr val="accent2">
+              <a:lumMod val="75000"/>
+            </a:schemeClr>
+          </a:solidFill>
+        </p:spPr>
+        <p:style>
+          <a:lnRef idx="2">
+            <a:schemeClr val="accent1">
+              <a:shade val="50000"/>
+            </a:schemeClr>
+          </a:lnRef>
+          <a:fillRef idx="1">
+            <a:schemeClr val="accent1"/>
+          </a:fillRef>
+          <a:effectRef idx="0">
+            <a:schemeClr val="accent1"/>
+          </a:effectRef>
+          <a:fontRef idx="minor">
+            <a:schemeClr val="lt1"/>
+          </a:fontRef>
+        </p:style>
+        <p:txBody>
+          <a:bodyPr rtlCol="0" anchor="ctr"/>
+          <a:lstStyle/>
+          <a:p>
+            <a:pPr algn="ctr"/>
+            <a:endParaRPr lang="en-US"/>
+          </a:p>
+        </p:txBody>
+      </p:sp>
+      <p:sp>
+        <p:nvSpPr>
+          <p:cNvPr id="18" name="Rounded Rectangle 17">
+            <a:extLst>
+              <a:ext uri="{FF2B5EF4-FFF2-40B4-BE49-F238E27FC236}">
+                <a16:creationId xmlns:a16="http://schemas.microsoft.com/office/drawing/2014/main" id="{C2575545-2285-7E43-8B0B-DEAB86466E88}"/>
+              </a:ext>
+            </a:extLst>
+          </p:cNvPr>
+          <p:cNvSpPr/>
+          <p:nvPr/>
+        </p:nvSpPr>
+        <p:spPr>
+          <a:xfrm>
+            <a:off x="3562375" y="1225044"/>
+            <a:ext cx="1807945" cy="892176"/>
+          </a:xfrm>
+          <a:prstGeom prst="roundRect">
+            <a:avLst/>
+          </a:prstGeom>
+        </p:spPr>
+        <p:style>
+          <a:lnRef idx="2">
+            <a:schemeClr val="accent1">
+              <a:shade val="50000"/>
+            </a:schemeClr>
+          </a:lnRef>
+          <a:fillRef idx="1">
+            <a:schemeClr val="accent1"/>
+          </a:fillRef>
+          <a:effectRef idx="0">
+            <a:schemeClr val="accent1"/>
+          </a:effectRef>
+          <a:fontRef idx="minor">
+            <a:schemeClr val="lt1"/>
+          </a:fontRef>
+        </p:style>
+        <p:txBody>
+          <a:bodyPr rtlCol="0" anchor="ctr"/>
+          <a:lstStyle/>
+          <a:p>
+            <a:pPr algn="ctr"/>
+            <a:r>
+              <a:rPr lang="en-US" dirty="0"/>
+              <a:t>Application</a:t>
+            </a:r>
+          </a:p>
+          <a:p>
+            <a:pPr algn="ctr"/>
+            <a:r>
+              <a:rPr lang="en-US" dirty="0"/>
+              <a:t>Component</a:t>
+            </a:r>
+          </a:p>
+        </p:txBody>
+      </p:sp>
+      <p:sp>
+        <p:nvSpPr>
+          <p:cNvPr id="19" name="Rectangle 18">
+            <a:extLst>
+              <a:ext uri="{FF2B5EF4-FFF2-40B4-BE49-F238E27FC236}">
+                <a16:creationId xmlns:a16="http://schemas.microsoft.com/office/drawing/2014/main" id="{285BECEF-C71E-AC4E-B250-E67D42BE08D2}"/>
+              </a:ext>
+            </a:extLst>
+          </p:cNvPr>
+          <p:cNvSpPr/>
+          <p:nvPr/>
+        </p:nvSpPr>
+        <p:spPr>
+          <a:xfrm>
+            <a:off x="3740646" y="2125060"/>
+            <a:ext cx="154778" cy="73270"/>
+          </a:xfrm>
+          <a:prstGeom prst="rect">
+            <a:avLst/>
+          </a:prstGeom>
+          <a:solidFill>
+            <a:schemeClr val="accent2">
+              <a:lumMod val="75000"/>
+            </a:schemeClr>
+          </a:solidFill>
+        </p:spPr>
+        <p:style>
+          <a:lnRef idx="2">
+            <a:schemeClr val="accent1">
+              <a:shade val="50000"/>
+            </a:schemeClr>
+          </a:lnRef>
+          <a:fillRef idx="1">
+            <a:schemeClr val="accent1"/>
+          </a:fillRef>
+          <a:effectRef idx="0">
+            <a:schemeClr val="accent1"/>
+          </a:effectRef>
+          <a:fontRef idx="minor">
+            <a:schemeClr val="lt1"/>
+          </a:fontRef>
+        </p:style>
+        <p:txBody>
+          <a:bodyPr rtlCol="0" anchor="ctr"/>
+          <a:lstStyle/>
+          <a:p>
+            <a:pPr algn="ctr"/>
+            <a:endParaRPr lang="en-US"/>
+          </a:p>
+        </p:txBody>
+      </p:sp>
+      <p:sp>
+        <p:nvSpPr>
+          <p:cNvPr id="20" name="Rectangle 19">
+            <a:extLst>
+              <a:ext uri="{FF2B5EF4-FFF2-40B4-BE49-F238E27FC236}">
+                <a16:creationId xmlns:a16="http://schemas.microsoft.com/office/drawing/2014/main" id="{F2735BB3-2279-204A-8165-038172B73EC7}"/>
+              </a:ext>
+            </a:extLst>
+          </p:cNvPr>
+          <p:cNvSpPr/>
+          <p:nvPr/>
+        </p:nvSpPr>
+        <p:spPr>
+          <a:xfrm>
+            <a:off x="3161526" y="2742372"/>
+            <a:ext cx="154778" cy="73270"/>
+          </a:xfrm>
+          <a:prstGeom prst="rect">
+            <a:avLst/>
+          </a:prstGeom>
+          <a:solidFill>
+            <a:schemeClr val="accent2">
+              <a:lumMod val="75000"/>
+            </a:schemeClr>
+          </a:solidFill>
+        </p:spPr>
+        <p:style>
+          <a:lnRef idx="2">
+            <a:schemeClr val="accent1">
+              <a:shade val="50000"/>
+            </a:schemeClr>
+          </a:lnRef>
+          <a:fillRef idx="1">
+            <a:schemeClr val="accent1"/>
+          </a:fillRef>
+          <a:effectRef idx="0">
+            <a:schemeClr val="accent1"/>
+          </a:effectRef>
+          <a:fontRef idx="minor">
+            <a:schemeClr val="lt1"/>
+          </a:fontRef>
+        </p:style>
+        <p:txBody>
+          <a:bodyPr rtlCol="0" anchor="ctr"/>
+          <a:lstStyle/>
+          <a:p>
+            <a:pPr algn="ctr"/>
+            <a:endParaRPr lang="en-US"/>
+          </a:p>
+        </p:txBody>
+      </p:sp>
+      <p:sp>
+        <p:nvSpPr>
+          <p:cNvPr id="21" name="Rectangle 20">
+            <a:extLst>
+              <a:ext uri="{FF2B5EF4-FFF2-40B4-BE49-F238E27FC236}">
+                <a16:creationId xmlns:a16="http://schemas.microsoft.com/office/drawing/2014/main" id="{148A955A-87FA-3B4C-86BD-4E85AA47D308}"/>
+              </a:ext>
+            </a:extLst>
+          </p:cNvPr>
+          <p:cNvSpPr/>
+          <p:nvPr/>
+        </p:nvSpPr>
+        <p:spPr>
+          <a:xfrm>
+            <a:off x="5081491" y="2130076"/>
+            <a:ext cx="154778" cy="73270"/>
+          </a:xfrm>
+          <a:prstGeom prst="rect">
+            <a:avLst/>
+          </a:prstGeom>
+          <a:solidFill>
+            <a:schemeClr val="accent2">
+              <a:lumMod val="75000"/>
+            </a:schemeClr>
+          </a:solidFill>
+        </p:spPr>
+        <p:style>
+          <a:lnRef idx="2">
+            <a:schemeClr val="accent1">
+              <a:shade val="50000"/>
+            </a:schemeClr>
+          </a:lnRef>
+          <a:fillRef idx="1">
+            <a:schemeClr val="accent1"/>
+          </a:fillRef>
+          <a:effectRef idx="0">
+            <a:schemeClr val="accent1"/>
+          </a:effectRef>
+          <a:fontRef idx="minor">
+            <a:schemeClr val="lt1"/>
+          </a:fontRef>
+        </p:style>
+        <p:txBody>
+          <a:bodyPr rtlCol="0" anchor="ctr"/>
+          <a:lstStyle/>
+          <a:p>
+            <a:pPr algn="ctr"/>
+            <a:endParaRPr lang="en-US"/>
+          </a:p>
+        </p:txBody>
+      </p:sp>
+      <p:sp>
+        <p:nvSpPr>
+          <p:cNvPr id="22" name="Rectangle 21">
+            <a:extLst>
+              <a:ext uri="{FF2B5EF4-FFF2-40B4-BE49-F238E27FC236}">
+                <a16:creationId xmlns:a16="http://schemas.microsoft.com/office/drawing/2014/main" id="{7A1CADCE-D9C8-BA4B-945C-4F9DEC8AC270}"/>
+              </a:ext>
+            </a:extLst>
+          </p:cNvPr>
+          <p:cNvSpPr/>
+          <p:nvPr/>
+        </p:nvSpPr>
+        <p:spPr>
+          <a:xfrm>
+            <a:off x="5768126" y="2730469"/>
+            <a:ext cx="154778" cy="73270"/>
+          </a:xfrm>
+          <a:prstGeom prst="rect">
+            <a:avLst/>
+          </a:prstGeom>
+          <a:solidFill>
+            <a:schemeClr val="accent2">
+              <a:lumMod val="75000"/>
+            </a:schemeClr>
+          </a:solidFill>
+        </p:spPr>
+        <p:style>
+          <a:lnRef idx="2">
+            <a:schemeClr val="accent1">
+              <a:shade val="50000"/>
+            </a:schemeClr>
+          </a:lnRef>
+          <a:fillRef idx="1">
+            <a:schemeClr val="accent1"/>
+          </a:fillRef>
+          <a:effectRef idx="0">
+            <a:schemeClr val="accent1"/>
+          </a:effectRef>
+          <a:fontRef idx="minor">
+            <a:schemeClr val="lt1"/>
+          </a:fontRef>
+        </p:style>
+        <p:txBody>
+          <a:bodyPr rtlCol="0" anchor="ctr"/>
+          <a:lstStyle/>
+          <a:p>
+            <a:pPr algn="ctr"/>
+            <a:endParaRPr lang="en-US"/>
+          </a:p>
+        </p:txBody>
+      </p:sp>
+      <p:sp>
+        <p:nvSpPr>
+          <p:cNvPr id="23" name="Rounded Rectangle 22">
+            <a:extLst>
+              <a:ext uri="{FF2B5EF4-FFF2-40B4-BE49-F238E27FC236}">
+                <a16:creationId xmlns:a16="http://schemas.microsoft.com/office/drawing/2014/main" id="{0375A01A-B328-BF45-9878-9A863CE4A2D2}"/>
+              </a:ext>
+            </a:extLst>
+          </p:cNvPr>
+          <p:cNvSpPr/>
+          <p:nvPr/>
+        </p:nvSpPr>
+        <p:spPr>
+          <a:xfrm>
+            <a:off x="2297273" y="4394638"/>
+            <a:ext cx="1807945" cy="892176"/>
+          </a:xfrm>
+          <a:prstGeom prst="roundRect">
+            <a:avLst/>
+          </a:prstGeom>
+        </p:spPr>
+        <p:style>
+          <a:lnRef idx="2">
+            <a:schemeClr val="accent1">
+              <a:shade val="50000"/>
+            </a:schemeClr>
+          </a:lnRef>
+          <a:fillRef idx="1">
+            <a:schemeClr val="accent1"/>
+          </a:fillRef>
+          <a:effectRef idx="0">
+            <a:schemeClr val="accent1"/>
+          </a:effectRef>
+          <a:fontRef idx="minor">
+            <a:schemeClr val="lt1"/>
+          </a:fontRef>
+        </p:style>
+        <p:txBody>
+          <a:bodyPr rtlCol="0" anchor="ctr"/>
+          <a:lstStyle/>
+          <a:p>
+            <a:pPr algn="ctr"/>
+            <a:r>
+              <a:rPr lang="en-US" dirty="0"/>
+              <a:t>Driver</a:t>
+            </a:r>
+          </a:p>
+          <a:p>
+            <a:pPr algn="ctr"/>
+            <a:r>
+              <a:rPr lang="en-US" dirty="0"/>
+              <a:t>Components</a:t>
+            </a:r>
+          </a:p>
+        </p:txBody>
+      </p:sp>
+      <p:sp>
+        <p:nvSpPr>
+          <p:cNvPr id="25" name="Rectangle 24">
+            <a:extLst>
+              <a:ext uri="{FF2B5EF4-FFF2-40B4-BE49-F238E27FC236}">
+                <a16:creationId xmlns:a16="http://schemas.microsoft.com/office/drawing/2014/main" id="{216385AA-DB36-7242-84C4-554FD3EA2D38}"/>
+              </a:ext>
+            </a:extLst>
+          </p:cNvPr>
+          <p:cNvSpPr/>
+          <p:nvPr/>
+        </p:nvSpPr>
+        <p:spPr>
+          <a:xfrm>
+            <a:off x="3161526" y="4322561"/>
+            <a:ext cx="154778" cy="73270"/>
+          </a:xfrm>
+          <a:prstGeom prst="rect">
+            <a:avLst/>
+          </a:prstGeom>
+          <a:solidFill>
+            <a:schemeClr val="accent2">
+              <a:lumMod val="75000"/>
+            </a:schemeClr>
+          </a:solidFill>
+        </p:spPr>
+        <p:style>
+          <a:lnRef idx="2">
+            <a:schemeClr val="accent1">
+              <a:shade val="50000"/>
+            </a:schemeClr>
+          </a:lnRef>
+          <a:fillRef idx="1">
+            <a:schemeClr val="accent1"/>
+          </a:fillRef>
+          <a:effectRef idx="0">
+            <a:schemeClr val="accent1"/>
+          </a:effectRef>
+          <a:fontRef idx="minor">
+            <a:schemeClr val="lt1"/>
+          </a:fontRef>
+        </p:style>
+        <p:txBody>
+          <a:bodyPr rtlCol="0" anchor="ctr"/>
+          <a:lstStyle/>
+          <a:p>
+            <a:pPr algn="ctr"/>
+            <a:endParaRPr lang="en-US"/>
+          </a:p>
+        </p:txBody>
+      </p:sp>
+      <p:sp>
+        <p:nvSpPr>
+          <p:cNvPr id="26" name="Rounded Rectangle 25">
+            <a:extLst>
+              <a:ext uri="{FF2B5EF4-FFF2-40B4-BE49-F238E27FC236}">
+                <a16:creationId xmlns:a16="http://schemas.microsoft.com/office/drawing/2014/main" id="{FC5567B9-461A-2D46-BE68-D6AD8001001B}"/>
+              </a:ext>
+            </a:extLst>
+          </p:cNvPr>
+          <p:cNvSpPr/>
+          <p:nvPr/>
+        </p:nvSpPr>
+        <p:spPr>
+          <a:xfrm>
+            <a:off x="4864154" y="4453667"/>
+            <a:ext cx="1807945" cy="892176"/>
+          </a:xfrm>
+          <a:prstGeom prst="roundRect">
+            <a:avLst/>
+          </a:prstGeom>
+        </p:spPr>
+        <p:style>
+          <a:lnRef idx="2">
+            <a:schemeClr val="accent1">
+              <a:shade val="50000"/>
+            </a:schemeClr>
+          </a:lnRef>
+          <a:fillRef idx="1">
+            <a:schemeClr val="accent1"/>
+          </a:fillRef>
+          <a:effectRef idx="0">
+            <a:schemeClr val="accent1"/>
+          </a:effectRef>
+          <a:fontRef idx="minor">
+            <a:schemeClr val="lt1"/>
+          </a:fontRef>
+        </p:style>
+        <p:txBody>
+          <a:bodyPr rtlCol="0" anchor="ctr"/>
+          <a:lstStyle/>
+          <a:p>
+            <a:pPr algn="ctr"/>
+            <a:r>
+              <a:rPr lang="en-US" dirty="0"/>
+              <a:t>Driver</a:t>
+            </a:r>
+          </a:p>
+          <a:p>
+            <a:pPr algn="ctr"/>
+            <a:r>
+              <a:rPr lang="en-US" dirty="0"/>
+              <a:t>Components</a:t>
+            </a:r>
+          </a:p>
+        </p:txBody>
+      </p:sp>
+      <p:sp>
+        <p:nvSpPr>
+          <p:cNvPr id="27" name="Rectangle 26">
+            <a:extLst>
+              <a:ext uri="{FF2B5EF4-FFF2-40B4-BE49-F238E27FC236}">
+                <a16:creationId xmlns:a16="http://schemas.microsoft.com/office/drawing/2014/main" id="{98E23B11-A397-5649-9378-FD4D84256F2F}"/>
+              </a:ext>
+            </a:extLst>
+          </p:cNvPr>
+          <p:cNvSpPr/>
+          <p:nvPr/>
+        </p:nvSpPr>
+        <p:spPr>
+          <a:xfrm>
+            <a:off x="5768126" y="4382434"/>
+            <a:ext cx="154778" cy="73270"/>
+          </a:xfrm>
+          <a:prstGeom prst="rect">
+            <a:avLst/>
+          </a:prstGeom>
+          <a:solidFill>
+            <a:schemeClr val="accent2">
+              <a:lumMod val="75000"/>
+            </a:schemeClr>
+          </a:solidFill>
+        </p:spPr>
+        <p:style>
+          <a:lnRef idx="2">
+            <a:schemeClr val="accent1">
+              <a:shade val="50000"/>
+            </a:schemeClr>
+          </a:lnRef>
+          <a:fillRef idx="1">
+            <a:schemeClr val="accent1"/>
+          </a:fillRef>
+          <a:effectRef idx="0">
+            <a:schemeClr val="accent1"/>
+          </a:effectRef>
+          <a:fontRef idx="minor">
+            <a:schemeClr val="lt1"/>
+          </a:fontRef>
+        </p:style>
+        <p:txBody>
+          <a:bodyPr rtlCol="0" anchor="ctr"/>
+          <a:lstStyle/>
+          <a:p>
+            <a:pPr algn="ctr"/>
+            <a:endParaRPr lang="en-US"/>
+          </a:p>
+        </p:txBody>
+      </p:sp>
+      <p:cxnSp>
+        <p:nvCxnSpPr>
+          <p:cNvPr id="29" name="Straight Arrow Connector 28">
+            <a:extLst>
+              <a:ext uri="{FF2B5EF4-FFF2-40B4-BE49-F238E27FC236}">
+                <a16:creationId xmlns:a16="http://schemas.microsoft.com/office/drawing/2014/main" id="{5A1D320B-C81F-CE48-BC3B-641010DB1D86}"/>
+              </a:ext>
+            </a:extLst>
+          </p:cNvPr>
+          <p:cNvCxnSpPr>
+            <a:stCxn id="19" idx="2"/>
+            <a:endCxn id="20" idx="0"/>
+          </p:cNvCxnSpPr>
+          <p:nvPr/>
+        </p:nvCxnSpPr>
+        <p:spPr>
+          <a:xfrm flipH="1">
+            <a:off x="3238915" y="2198330"/>
+            <a:ext cx="579120" cy="544042"/>
+          </a:xfrm>
+          <a:prstGeom prst="straightConnector1">
+            <a:avLst/>
+          </a:prstGeom>
+          <a:ln>
+            <a:tailEnd type="triangle"/>
+          </a:ln>
+        </p:spPr>
+        <p:style>
+          <a:lnRef idx="1">
+            <a:schemeClr val="dk1"/>
+          </a:lnRef>
+          <a:fillRef idx="0">
+            <a:schemeClr val="dk1"/>
+          </a:fillRef>
+          <a:effectRef idx="0">
+            <a:schemeClr val="dk1"/>
+          </a:effectRef>
+          <a:fontRef idx="minor">
+            <a:schemeClr val="tx1"/>
+          </a:fontRef>
+        </p:style>
+      </p:cxnSp>
+      <p:cxnSp>
+        <p:nvCxnSpPr>
+          <p:cNvPr id="31" name="Straight Arrow Connector 30">
+            <a:extLst>
+              <a:ext uri="{FF2B5EF4-FFF2-40B4-BE49-F238E27FC236}">
+                <a16:creationId xmlns:a16="http://schemas.microsoft.com/office/drawing/2014/main" id="{09990285-FB0F-3B44-9760-C672FD36AD8E}"/>
+              </a:ext>
+            </a:extLst>
+          </p:cNvPr>
+          <p:cNvCxnSpPr>
+            <a:stCxn id="21" idx="2"/>
+            <a:endCxn id="22" idx="0"/>
+          </p:cNvCxnSpPr>
+          <p:nvPr/>
+        </p:nvCxnSpPr>
+        <p:spPr>
+          <a:xfrm>
+            <a:off x="5158880" y="2203346"/>
+            <a:ext cx="686635" cy="527123"/>
+          </a:xfrm>
+          <a:prstGeom prst="straightConnector1">
+            <a:avLst/>
+          </a:prstGeom>
+          <a:ln>
+            <a:tailEnd type="triangle"/>
+          </a:ln>
+        </p:spPr>
+        <p:style>
+          <a:lnRef idx="1">
+            <a:schemeClr val="dk1"/>
+          </a:lnRef>
+          <a:fillRef idx="0">
+            <a:schemeClr val="dk1"/>
+          </a:fillRef>
+          <a:effectRef idx="0">
+            <a:schemeClr val="dk1"/>
+          </a:effectRef>
+          <a:fontRef idx="minor">
+            <a:schemeClr val="tx1"/>
+          </a:fontRef>
+        </p:style>
+      </p:cxnSp>
+      <p:cxnSp>
+        <p:nvCxnSpPr>
+          <p:cNvPr id="33" name="Straight Arrow Connector 32">
+            <a:extLst>
+              <a:ext uri="{FF2B5EF4-FFF2-40B4-BE49-F238E27FC236}">
+                <a16:creationId xmlns:a16="http://schemas.microsoft.com/office/drawing/2014/main" id="{62A7AA61-24EB-CB42-9262-C694017ACDC9}"/>
+              </a:ext>
+            </a:extLst>
+          </p:cNvPr>
+          <p:cNvCxnSpPr>
+            <a:stCxn id="8" idx="2"/>
+            <a:endCxn id="25" idx="0"/>
+          </p:cNvCxnSpPr>
+          <p:nvPr/>
+        </p:nvCxnSpPr>
+        <p:spPr>
+          <a:xfrm>
+            <a:off x="3238915" y="3779895"/>
+            <a:ext cx="0" cy="542666"/>
+          </a:xfrm>
+          <a:prstGeom prst="straightConnector1">
+            <a:avLst/>
+          </a:prstGeom>
+          <a:ln>
+            <a:tailEnd type="triangle"/>
+          </a:ln>
+        </p:spPr>
+        <p:style>
+          <a:lnRef idx="1">
+            <a:schemeClr val="dk1"/>
+          </a:lnRef>
+          <a:fillRef idx="0">
+            <a:schemeClr val="dk1"/>
+          </a:fillRef>
+          <a:effectRef idx="0">
+            <a:schemeClr val="dk1"/>
+          </a:effectRef>
+          <a:fontRef idx="minor">
+            <a:schemeClr val="tx1"/>
+          </a:fontRef>
+        </p:style>
+      </p:cxnSp>
+      <p:cxnSp>
+        <p:nvCxnSpPr>
+          <p:cNvPr id="35" name="Straight Arrow Connector 34">
+            <a:extLst>
+              <a:ext uri="{FF2B5EF4-FFF2-40B4-BE49-F238E27FC236}">
+                <a16:creationId xmlns:a16="http://schemas.microsoft.com/office/drawing/2014/main" id="{2801F64B-0C47-9E43-963A-E9CA61EBB29C}"/>
+              </a:ext>
+            </a:extLst>
+          </p:cNvPr>
+          <p:cNvCxnSpPr>
+            <a:stCxn id="10" idx="2"/>
+            <a:endCxn id="27" idx="0"/>
+          </p:cNvCxnSpPr>
+          <p:nvPr/>
+        </p:nvCxnSpPr>
+        <p:spPr>
+          <a:xfrm>
+            <a:off x="5845515" y="3767148"/>
+            <a:ext cx="0" cy="615286"/>
+          </a:xfrm>
+          <a:prstGeom prst="straightConnector1">
+            <a:avLst/>
+          </a:prstGeom>
+          <a:ln>
+            <a:tailEnd type="triangle"/>
+          </a:ln>
+        </p:spPr>
+        <p:style>
+          <a:lnRef idx="1">
+            <a:schemeClr val="dk1"/>
+          </a:lnRef>
+          <a:fillRef idx="0">
+            <a:schemeClr val="dk1"/>
+          </a:fillRef>
+          <a:effectRef idx="0">
+            <a:schemeClr val="dk1"/>
+          </a:effectRef>
+          <a:fontRef idx="minor">
+            <a:schemeClr val="tx1"/>
+          </a:fontRef>
+        </p:style>
+      </p:cxnSp>
+      <p:cxnSp>
+        <p:nvCxnSpPr>
+          <p:cNvPr id="37" name="Straight Connector 36">
+            <a:extLst>
+              <a:ext uri="{FF2B5EF4-FFF2-40B4-BE49-F238E27FC236}">
+                <a16:creationId xmlns:a16="http://schemas.microsoft.com/office/drawing/2014/main" id="{4A78A0C1-0A3A-2540-A3B3-2F5263475BE6}"/>
+              </a:ext>
+            </a:extLst>
+          </p:cNvPr>
+          <p:cNvCxnSpPr/>
+          <p:nvPr/>
+        </p:nvCxnSpPr>
+        <p:spPr>
+          <a:xfrm>
+            <a:off x="0" y="4051228"/>
+            <a:ext cx="9144000" cy="0"/>
+          </a:xfrm>
+          <a:prstGeom prst="line">
+            <a:avLst/>
+          </a:prstGeom>
+          <a:ln w="12700" cmpd="sng">
+            <a:solidFill>
+              <a:schemeClr val="bg1">
+                <a:lumMod val="65000"/>
+              </a:schemeClr>
+            </a:solidFill>
+            <a:prstDash val="dash"/>
+          </a:ln>
+          <a:effectLst/>
+        </p:spPr>
+        <p:style>
+          <a:lnRef idx="2">
+            <a:schemeClr val="accent1"/>
+          </a:lnRef>
+          <a:fillRef idx="0">
+            <a:schemeClr val="accent1"/>
+          </a:fillRef>
+          <a:effectRef idx="1">
+            <a:schemeClr val="accent1"/>
+          </a:effectRef>
+          <a:fontRef idx="minor">
+            <a:schemeClr val="tx1"/>
+          </a:fontRef>
+        </p:style>
+      </p:cxnSp>
+      <p:cxnSp>
+        <p:nvCxnSpPr>
+          <p:cNvPr id="38" name="Straight Connector 37">
+            <a:extLst>
+              <a:ext uri="{FF2B5EF4-FFF2-40B4-BE49-F238E27FC236}">
+                <a16:creationId xmlns:a16="http://schemas.microsoft.com/office/drawing/2014/main" id="{3F7CB3B8-A305-AD49-89CB-C6B113212A28}"/>
+              </a:ext>
+            </a:extLst>
+          </p:cNvPr>
+          <p:cNvCxnSpPr/>
+          <p:nvPr/>
+        </p:nvCxnSpPr>
+        <p:spPr>
+          <a:xfrm>
+            <a:off x="-1" y="2466907"/>
+            <a:ext cx="9144000" cy="0"/>
+          </a:xfrm>
+          <a:prstGeom prst="line">
+            <a:avLst/>
+          </a:prstGeom>
+          <a:ln w="12700" cmpd="sng">
+            <a:solidFill>
+              <a:schemeClr val="bg1">
+                <a:lumMod val="65000"/>
+              </a:schemeClr>
+            </a:solidFill>
+            <a:prstDash val="dash"/>
+          </a:ln>
+          <a:effectLst/>
+        </p:spPr>
+        <p:style>
+          <a:lnRef idx="2">
+            <a:schemeClr val="accent1"/>
+          </a:lnRef>
+          <a:fillRef idx="0">
+            <a:schemeClr val="accent1"/>
+          </a:fillRef>
+          <a:effectRef idx="1">
+            <a:schemeClr val="accent1"/>
+          </a:effectRef>
+          <a:fontRef idx="minor">
+            <a:schemeClr val="tx1"/>
+          </a:fontRef>
+        </p:style>
+      </p:cxnSp>
     </p:spTree>
     <p:extLst>
       <p:ext uri="{BB962C8B-B14F-4D97-AF65-F5344CB8AC3E}">
-        <p14:creationId xmlns:p14="http://schemas.microsoft.com/office/powerpoint/2010/main" val="2328958661"/>
+        <p14:creationId xmlns:p14="http://schemas.microsoft.com/office/powerpoint/2010/main" val="4167703388"/>
       </p:ext>
     </p:extLst>
   </p:cSld>
@@ -25136,7 +26299,7 @@
           <a:p>
             <a:r>
               <a:rPr lang="en-US" dirty="0"/>
-              <a:t>Status</a:t>
+              <a:t>Code Scaling</a:t>
             </a:r>
           </a:p>
         </p:txBody>
@@ -25151,145 +26314,113 @@
             <p:ph idx="1"/>
           </p:nvPr>
         </p:nvSpPr>
-        <p:spPr/>
+        <p:spPr>
+          <a:xfrm>
+            <a:off x="439739" y="1371600"/>
+            <a:ext cx="8453437" cy="4826496"/>
+          </a:xfrm>
+        </p:spPr>
         <p:txBody>
           <a:bodyPr/>
           <a:lstStyle/>
           <a:p>
             <a:r>
+              <a:rPr lang="en-US" sz="1800" dirty="0"/>
+              <a:t>Framework code is very compact</a:t>
+            </a:r>
+          </a:p>
+          <a:p>
+            <a:r>
+              <a:rPr lang="en-US" sz="1800" dirty="0"/>
+              <a:t>Generated code is also compact</a:t>
+            </a:r>
+          </a:p>
+          <a:p>
+            <a:pPr lvl="1"/>
+            <a:r>
               <a:rPr lang="en-US" sz="1600" dirty="0"/>
-              <a:t>Framework released as open source</a:t>
-            </a:r>
-          </a:p>
-          <a:p>
+              <a:t>Demo application for TI microcontroller was about 15K</a:t>
+            </a:r>
+          </a:p>
+          <a:p>
+            <a:r>
+              <a:rPr lang="en-US" sz="1800" dirty="0"/>
+              <a:t>Native type sizes can be configured</a:t>
+            </a:r>
+          </a:p>
+          <a:p>
+            <a:pPr lvl="1"/>
             <a:r>
               <a:rPr lang="en-US" sz="1600" dirty="0"/>
-              <a:t>Earlier JPL version flown on </a:t>
-            </a:r>
-            <a:r>
-              <a:rPr lang="en-US" sz="1600" dirty="0" err="1"/>
-              <a:t>RapidScat</a:t>
-            </a:r>
+              <a:t>e.g. some microcontrollers have 16-bit/8-bit only support</a:t>
+            </a:r>
+          </a:p>
+          <a:p>
+            <a:r>
+              <a:rPr lang="en-US" sz="1800" dirty="0"/>
+              <a:t>Features can be added or removed depending on resources</a:t>
+            </a:r>
+          </a:p>
+          <a:p>
+            <a:pPr lvl="1"/>
             <a:r>
               <a:rPr lang="en-US" sz="1600" dirty="0"/>
-              <a:t>, an ISS radar experiment</a:t>
-            </a:r>
-          </a:p>
-          <a:p>
+              <a:t>Object naming</a:t>
+            </a:r>
+          </a:p>
+          <a:p>
+            <a:pPr lvl="1"/>
             <a:r>
               <a:rPr lang="en-US" sz="1600" dirty="0"/>
-              <a:t>Has been ported to:</a:t>
+              <a:t>Port execution tracing</a:t>
             </a:r>
           </a:p>
           <a:p>
             <a:pPr lvl="1"/>
             <a:r>
+              <a:rPr lang="en-US" sz="1600" dirty="0"/>
+              <a:t>Serialization of ports</a:t>
+            </a:r>
+          </a:p>
+          <a:p>
+            <a:pPr lvl="2"/>
+            <a:r>
               <a:rPr lang="en-US" sz="1400" dirty="0"/>
-              <a:t>Linux, </a:t>
-            </a:r>
-            <a:r>
-              <a:rPr lang="en-US" sz="1400" dirty="0" err="1"/>
-              <a:t>MacOS</a:t>
-            </a:r>
+              <a:t>Single node systems don’t really need</a:t>
+            </a:r>
+          </a:p>
+          <a:p>
+            <a:pPr lvl="2"/>
             <a:r>
               <a:rPr lang="en-US" sz="1400" dirty="0"/>
-              <a:t>, Windows (Cygwin), </a:t>
-            </a:r>
-            <a:r>
-              <a:rPr lang="en-US" sz="1400" dirty="0" err="1"/>
-              <a:t>VxWorks</a:t>
-            </a:r>
-            <a:r>
-              <a:rPr lang="en-US" sz="1400" dirty="0"/>
-              <a:t>, ARINC 653, RTEMS, Bare Metal (No OS)</a:t>
+              <a:t>This is not data serialization but the use of serialized ports</a:t>
             </a:r>
           </a:p>
           <a:p>
             <a:pPr lvl="1"/>
             <a:r>
-              <a:rPr lang="en-US" sz="1400" dirty="0"/>
-              <a:t>PPC, Leon3, x86, ARM (A15/A7), MSP430 </a:t>
-            </a:r>
-          </a:p>
-          <a:p>
-            <a:r>
               <a:rPr lang="en-US" sz="1600" dirty="0"/>
-              <a:t>Mature set of C&amp;DH components</a:t>
+              <a:t>Object naming/registry</a:t>
             </a:r>
           </a:p>
           <a:p>
             <a:pPr lvl="1"/>
             <a:r>
-              <a:rPr lang="en-US" sz="1400" dirty="0"/>
-              <a:t>Following flight processes such as code inspections, static analysis, and full-coverage unit testing</a:t>
-            </a:r>
-          </a:p>
-          <a:p>
-            <a:r>
               <a:rPr lang="en-US" sz="1600" dirty="0"/>
-              <a:t>Version being developed as companion for JPL hardware project for </a:t>
-            </a:r>
-            <a:r>
-              <a:rPr lang="en-US" sz="1600" dirty="0" err="1"/>
-              <a:t>Cubesat</a:t>
-            </a:r>
+              <a:t>Component connection tracing</a:t>
+            </a:r>
+          </a:p>
+          <a:p>
+            <a:pPr lvl="1"/>
             <a:r>
               <a:rPr lang="en-US" sz="1600" dirty="0"/>
-              <a:t> missions</a:t>
-            </a:r>
-          </a:p>
-          <a:p>
-            <a:pPr lvl="1"/>
-            <a:r>
-              <a:rPr lang="en-US" sz="1400" dirty="0"/>
-              <a:t>Will include platform driver components and other peripherals</a:t>
-            </a:r>
-          </a:p>
-          <a:p>
-            <a:r>
-              <a:rPr lang="en-US" sz="1600" dirty="0"/>
-              <a:t>Available on JPL GitHub:</a:t>
-            </a:r>
-          </a:p>
-          <a:p>
-            <a:pPr lvl="1"/>
-            <a:r>
-              <a:rPr lang="en-US" sz="1400" dirty="0"/>
-              <a:t>https://github.jpl.nasa.gov/FPRIME/fprime-sw.git</a:t>
-            </a:r>
-          </a:p>
-          <a:p>
-            <a:r>
-              <a:rPr lang="en-US" sz="1600" dirty="0"/>
-              <a:t>Hubs demonstrated on:</a:t>
-            </a:r>
-          </a:p>
-          <a:p>
-            <a:pPr lvl="1"/>
-            <a:r>
-              <a:rPr lang="en-US" sz="1400" dirty="0"/>
-              <a:t>Sockets</a:t>
-            </a:r>
-          </a:p>
-          <a:p>
-            <a:pPr lvl="1"/>
-            <a:r>
-              <a:rPr lang="en-US" sz="1400" dirty="0"/>
-              <a:t>ARINC 653 Channels</a:t>
-            </a:r>
-          </a:p>
-          <a:p>
-            <a:pPr lvl="1"/>
-            <a:r>
-              <a:rPr lang="en-US" sz="1400" dirty="0"/>
-              <a:t>High-speed hardware bus between nodes</a:t>
-            </a:r>
-          </a:p>
-          <a:p>
-            <a:pPr lvl="1"/>
-            <a:r>
-              <a:rPr lang="en-US" sz="1400" dirty="0"/>
-              <a:t>UARTs between nodes in an embedded system</a:t>
+              <a:t>Text logging</a:t>
+            </a:r>
+          </a:p>
+          <a:p>
+            <a:r>
+              <a:rPr lang="en-US" sz="1800" dirty="0"/>
+              <a:t>For very compact processors with no OS, developers can choose non-active components</a:t>
             </a:r>
           </a:p>
         </p:txBody>
@@ -25320,7 +26451,7 @@
     </p:spTree>
     <p:extLst>
       <p:ext uri="{BB962C8B-B14F-4D97-AF65-F5344CB8AC3E}">
-        <p14:creationId xmlns:p14="http://schemas.microsoft.com/office/powerpoint/2010/main" val="1535113920"/>
+        <p14:creationId xmlns:p14="http://schemas.microsoft.com/office/powerpoint/2010/main" val="2328958661"/>
       </p:ext>
     </p:extLst>
   </p:cSld>
@@ -25349,13 +26480,7 @@
       </p:grpSpPr>
       <p:sp>
         <p:nvSpPr>
-          <p:cNvPr id="2" name="Title 1">
-            <a:extLst>
-              <a:ext uri="{FF2B5EF4-FFF2-40B4-BE49-F238E27FC236}">
-                <a16:creationId xmlns:a16="http://schemas.microsoft.com/office/drawing/2014/main" id="{59BD01F7-171E-9040-A8A1-9F92E45907E4}"/>
-              </a:ext>
-            </a:extLst>
-          </p:cNvPr>
+          <p:cNvPr id="2" name="Title 1"/>
           <p:cNvSpPr>
             <a:spLocks noGrp="1"/>
           </p:cNvSpPr>
@@ -25370,25 +26495,19 @@
           <a:p>
             <a:r>
               <a:rPr lang="en-US" dirty="0"/>
-              <a:t>Advantages of the F´ Architecture</a:t>
-            </a:r>
-          </a:p>
-        </p:txBody>
-      </p:sp>
-      <p:sp>
-        <p:nvSpPr>
-          <p:cNvPr id="14" name="Content Placeholder 13">
-            <a:extLst>
-              <a:ext uri="{FF2B5EF4-FFF2-40B4-BE49-F238E27FC236}">
-                <a16:creationId xmlns:a16="http://schemas.microsoft.com/office/drawing/2014/main" id="{9834D0BA-EB77-A44C-8B7F-8115EBCDEF33}"/>
-              </a:ext>
-            </a:extLst>
-          </p:cNvPr>
+              <a:t>Status</a:t>
+            </a:r>
+          </a:p>
+        </p:txBody>
+      </p:sp>
+      <p:sp>
+        <p:nvSpPr>
+          <p:cNvPr id="3" name="Content Placeholder 2"/>
           <p:cNvSpPr>
             <a:spLocks noGrp="1"/>
           </p:cNvSpPr>
           <p:nvPr>
-            <p:ph sz="quarter" idx="21"/>
+            <p:ph idx="1"/>
           </p:nvPr>
         </p:nvSpPr>
         <p:spPr/>
@@ -25397,123 +26516,151 @@
           <a:lstStyle/>
           <a:p>
             <a:r>
-              <a:rPr lang="en-US" dirty="0" err="1"/>
-              <a:t>Autocoding</a:t>
-            </a:r>
-            <a:r>
-              <a:rPr lang="en-US" dirty="0"/>
-              <a:t>:</a:t>
+              <a:rPr lang="en-US" sz="1600" dirty="0"/>
+              <a:t>Framework released as open source</a:t>
+            </a:r>
+          </a:p>
+          <a:p>
+            <a:r>
+              <a:rPr lang="en-US" sz="1600" dirty="0"/>
+              <a:t>Earlier JPL version flown on </a:t>
+            </a:r>
+            <a:r>
+              <a:rPr lang="en-US" sz="1600" dirty="0" err="1"/>
+              <a:t>RapidScat</a:t>
+            </a:r>
+            <a:r>
+              <a:rPr lang="en-US" sz="1600" dirty="0"/>
+              <a:t>, an ISS radar experiment</a:t>
+            </a:r>
+          </a:p>
+          <a:p>
+            <a:r>
+              <a:rPr lang="en-US" sz="1600" dirty="0"/>
+              <a:t>Has been ported to:</a:t>
             </a:r>
           </a:p>
           <a:p>
             <a:pPr lvl="1"/>
             <a:r>
-              <a:rPr lang="en-US" dirty="0"/>
-              <a:t>Component stubs and UTs</a:t>
+              <a:rPr lang="en-US" sz="1400" dirty="0"/>
+              <a:t>Linux, </a:t>
+            </a:r>
+            <a:r>
+              <a:rPr lang="en-US" sz="1400" dirty="0" err="1"/>
+              <a:t>MacOS</a:t>
+            </a:r>
+            <a:r>
+              <a:rPr lang="en-US" sz="1400" dirty="0"/>
+              <a:t>, Windows (Cygwin), </a:t>
+            </a:r>
+            <a:r>
+              <a:rPr lang="en-US" sz="1400" dirty="0" err="1"/>
+              <a:t>VxWorks</a:t>
+            </a:r>
+            <a:r>
+              <a:rPr lang="en-US" sz="1400" dirty="0"/>
+              <a:t>, ARINC 653, RTEMS, Bare Metal (No OS)</a:t>
             </a:r>
           </a:p>
           <a:p>
             <a:pPr lvl="1"/>
             <a:r>
-              <a:rPr lang="en-US" dirty="0"/>
-              <a:t>Communication mechanics</a:t>
-            </a:r>
-          </a:p>
-          <a:p>
-            <a:r>
-              <a:rPr lang="en-US" dirty="0"/>
-              <a:t>Rapid Development:</a:t>
+              <a:rPr lang="en-US" sz="1400" dirty="0"/>
+              <a:t>PPC, Leon3, x86, ARM (A15/A7), MSP430 </a:t>
+            </a:r>
+          </a:p>
+          <a:p>
+            <a:r>
+              <a:rPr lang="en-US" sz="1600" dirty="0"/>
+              <a:t>Mature set of C&amp;DH components</a:t>
             </a:r>
           </a:p>
           <a:p>
             <a:pPr lvl="1"/>
             <a:r>
-              <a:rPr lang="en-US" dirty="0"/>
-              <a:t>Rapidly swap components</a:t>
+              <a:rPr lang="en-US" sz="1400" dirty="0"/>
+              <a:t>Following flight processes such as code inspections, static analysis, and full-coverage unit testing</a:t>
+            </a:r>
+          </a:p>
+          <a:p>
+            <a:r>
+              <a:rPr lang="en-US" sz="1600" dirty="0"/>
+              <a:t>Version being developed as companion for JPL hardware project for </a:t>
+            </a:r>
+            <a:r>
+              <a:rPr lang="en-US" sz="1600" dirty="0" err="1"/>
+              <a:t>Cubesat</a:t>
+            </a:r>
+            <a:r>
+              <a:rPr lang="en-US" sz="1600" dirty="0"/>
+              <a:t> missions</a:t>
             </a:r>
           </a:p>
           <a:p>
             <a:pPr lvl="1"/>
             <a:r>
-              <a:rPr lang="en-US" dirty="0"/>
-              <a:t>Multiple topologies and organizations</a:t>
-            </a:r>
-          </a:p>
-          <a:p>
-            <a:r>
-              <a:rPr lang="en-US" dirty="0"/>
-              <a:t>Standard Tooling:</a:t>
+              <a:rPr lang="en-US" sz="1400" dirty="0"/>
+              <a:t>Will include platform driver components and other peripherals</a:t>
+            </a:r>
+          </a:p>
+          <a:p>
+            <a:r>
+              <a:rPr lang="en-US" sz="1600" dirty="0"/>
+              <a:t>Available on JPL GitHub:</a:t>
             </a:r>
           </a:p>
           <a:p>
             <a:pPr lvl="1"/>
             <a:r>
-              <a:rPr lang="en-US" dirty="0"/>
-              <a:t>Application design tools</a:t>
+              <a:rPr lang="en-US" sz="1400" dirty="0"/>
+              <a:t>https://github.jpl.nasa.gov/FPRIME/fprime-sw.git</a:t>
+            </a:r>
+          </a:p>
+          <a:p>
+            <a:r>
+              <a:rPr lang="en-US" sz="1600" dirty="0"/>
+              <a:t>Hubs demonstrated on:</a:t>
             </a:r>
           </a:p>
           <a:p>
             <a:pPr lvl="1"/>
             <a:r>
-              <a:rPr lang="en-US" dirty="0"/>
-              <a:t>System testing tools</a:t>
-            </a:r>
-          </a:p>
-          <a:p>
-            <a:r>
-              <a:rPr lang="en-US" dirty="0"/>
-              <a:t>Standard patterns and best practices at application level</a:t>
+              <a:rPr lang="en-US" sz="1400" dirty="0"/>
+              <a:t>Sockets</a:t>
             </a:r>
           </a:p>
           <a:p>
             <a:pPr lvl="1"/>
-            <a:endParaRPr lang="en-US" dirty="0"/>
-          </a:p>
-        </p:txBody>
-      </p:sp>
-      <p:pic>
-        <p:nvPicPr>
-          <p:cNvPr id="18" name="Content Placeholder 17">
-            <a:extLst>
-              <a:ext uri="{FF2B5EF4-FFF2-40B4-BE49-F238E27FC236}">
-                <a16:creationId xmlns:a16="http://schemas.microsoft.com/office/drawing/2014/main" id="{2B66A9F6-71EB-DF4F-82B4-4F39AA3EBC5B}"/>
-              </a:ext>
-            </a:extLst>
-          </p:cNvPr>
-          <p:cNvPicPr>
-            <a:picLocks noGrp="1" noChangeAspect="1"/>
-          </p:cNvPicPr>
-          <p:nvPr>
-            <p:ph sz="quarter" idx="22"/>
-          </p:nvPr>
-        </p:nvPicPr>
-        <p:blipFill>
-          <a:blip r:embed="rId2"/>
-          <a:stretch>
-            <a:fillRect/>
-          </a:stretch>
-        </p:blipFill>
-        <p:spPr>
-          <a:xfrm>
-            <a:off x="4857758" y="1600200"/>
-            <a:ext cx="3619484" cy="4525963"/>
-          </a:xfrm>
-        </p:spPr>
-      </p:pic>
-      <p:sp>
-        <p:nvSpPr>
-          <p:cNvPr id="4" name="Footer Placeholder 3">
-            <a:extLst>
-              <a:ext uri="{FF2B5EF4-FFF2-40B4-BE49-F238E27FC236}">
-                <a16:creationId xmlns:a16="http://schemas.microsoft.com/office/drawing/2014/main" id="{77A69851-0DA2-014C-923B-667678C4634E}"/>
-              </a:ext>
-            </a:extLst>
-          </p:cNvPr>
+            <a:r>
+              <a:rPr lang="en-US" sz="1400" dirty="0"/>
+              <a:t>ARINC 653 Channels</a:t>
+            </a:r>
+          </a:p>
+          <a:p>
+            <a:pPr lvl="1"/>
+            <a:r>
+              <a:rPr lang="en-US" sz="1400" dirty="0"/>
+              <a:t>High-speed hardware bus between nodes</a:t>
+            </a:r>
+          </a:p>
+          <a:p>
+            <a:pPr lvl="1"/>
+            <a:r>
+              <a:rPr lang="en-US" sz="1400" dirty="0"/>
+              <a:t>UARTs between nodes in an embedded system</a:t>
+            </a:r>
+          </a:p>
+        </p:txBody>
+      </p:sp>
+      <p:sp>
+        <p:nvSpPr>
+          <p:cNvPr id="4" name="Slide Number Placeholder 3"/>
           <p:cNvSpPr>
             <a:spLocks noGrp="1"/>
           </p:cNvSpPr>
           <p:nvPr>
-            <p:ph type="ftr" sz="quarter" idx="24"/>
+            <p:ph type="sldNum" sz="quarter" idx="11"/>
           </p:nvPr>
         </p:nvSpPr>
         <p:spPr/>
@@ -25521,48 +26668,18 @@
           <a:bodyPr/>
           <a:lstStyle/>
           <a:p>
-            <a:r>
-              <a:rPr lang="en-US"/>
-              <a:t>For required markings, please go to https://mh.jpl.nasa.gov/ </a:t>
-            </a:r>
-            <a:endParaRPr lang="en-US" dirty="0"/>
-          </a:p>
-        </p:txBody>
-      </p:sp>
-      <p:sp>
-        <p:nvSpPr>
-          <p:cNvPr id="5" name="Slide Number Placeholder 4">
-            <a:extLst>
-              <a:ext uri="{FF2B5EF4-FFF2-40B4-BE49-F238E27FC236}">
-                <a16:creationId xmlns:a16="http://schemas.microsoft.com/office/drawing/2014/main" id="{F82E1DDC-39DF-3841-9517-CEAEE9CDCB57}"/>
-              </a:ext>
-            </a:extLst>
-          </p:cNvPr>
-          <p:cNvSpPr>
-            <a:spLocks noGrp="1"/>
-          </p:cNvSpPr>
-          <p:nvPr>
-            <p:ph type="sldNum" sz="quarter" idx="25"/>
-          </p:nvPr>
-        </p:nvSpPr>
-        <p:spPr/>
-        <p:txBody>
-          <a:bodyPr/>
-          <a:lstStyle/>
-          <a:p>
-            <a:fld id="{FE5735AE-3249-4190-86E7-0753FA00EBA0}" type="slidenum">
+            <a:fld id="{40846F03-29C8-41F1-8A60-CC8C672EC5BA}" type="slidenum">
               <a:rPr lang="en-US" smtClean="0"/>
-              <a:pPr/>
               <a:t>32</a:t>
             </a:fld>
-            <a:endParaRPr lang="en-US" dirty="0"/>
+            <a:endParaRPr lang="en-US"/>
           </a:p>
         </p:txBody>
       </p:sp>
     </p:spTree>
     <p:extLst>
       <p:ext uri="{BB962C8B-B14F-4D97-AF65-F5344CB8AC3E}">
-        <p14:creationId xmlns:p14="http://schemas.microsoft.com/office/powerpoint/2010/main" val="1546841622"/>
+        <p14:creationId xmlns:p14="http://schemas.microsoft.com/office/powerpoint/2010/main" val="1535113920"/>
       </p:ext>
     </p:extLst>
   </p:cSld>
@@ -25591,6 +26708,248 @@
       </p:grpSpPr>
       <p:sp>
         <p:nvSpPr>
+          <p:cNvPr id="2" name="Title 1">
+            <a:extLst>
+              <a:ext uri="{FF2B5EF4-FFF2-40B4-BE49-F238E27FC236}">
+                <a16:creationId xmlns:a16="http://schemas.microsoft.com/office/drawing/2014/main" id="{59BD01F7-171E-9040-A8A1-9F92E45907E4}"/>
+              </a:ext>
+            </a:extLst>
+          </p:cNvPr>
+          <p:cNvSpPr>
+            <a:spLocks noGrp="1"/>
+          </p:cNvSpPr>
+          <p:nvPr>
+            <p:ph type="title"/>
+          </p:nvPr>
+        </p:nvSpPr>
+        <p:spPr/>
+        <p:txBody>
+          <a:bodyPr/>
+          <a:lstStyle/>
+          <a:p>
+            <a:r>
+              <a:rPr lang="en-US" dirty="0"/>
+              <a:t>Advantages of the F´ Architecture</a:t>
+            </a:r>
+          </a:p>
+        </p:txBody>
+      </p:sp>
+      <p:sp>
+        <p:nvSpPr>
+          <p:cNvPr id="14" name="Content Placeholder 13">
+            <a:extLst>
+              <a:ext uri="{FF2B5EF4-FFF2-40B4-BE49-F238E27FC236}">
+                <a16:creationId xmlns:a16="http://schemas.microsoft.com/office/drawing/2014/main" id="{9834D0BA-EB77-A44C-8B7F-8115EBCDEF33}"/>
+              </a:ext>
+            </a:extLst>
+          </p:cNvPr>
+          <p:cNvSpPr>
+            <a:spLocks noGrp="1"/>
+          </p:cNvSpPr>
+          <p:nvPr>
+            <p:ph sz="quarter" idx="21"/>
+          </p:nvPr>
+        </p:nvSpPr>
+        <p:spPr/>
+        <p:txBody>
+          <a:bodyPr/>
+          <a:lstStyle/>
+          <a:p>
+            <a:r>
+              <a:rPr lang="en-US" dirty="0" err="1"/>
+              <a:t>Autocoding</a:t>
+            </a:r>
+            <a:r>
+              <a:rPr lang="en-US" dirty="0"/>
+              <a:t>:</a:t>
+            </a:r>
+          </a:p>
+          <a:p>
+            <a:pPr lvl="1"/>
+            <a:r>
+              <a:rPr lang="en-US" dirty="0"/>
+              <a:t>Component stubs and UTs</a:t>
+            </a:r>
+          </a:p>
+          <a:p>
+            <a:pPr lvl="1"/>
+            <a:r>
+              <a:rPr lang="en-US" dirty="0"/>
+              <a:t>Communication mechanics</a:t>
+            </a:r>
+          </a:p>
+          <a:p>
+            <a:r>
+              <a:rPr lang="en-US" dirty="0"/>
+              <a:t>Rapid Development:</a:t>
+            </a:r>
+          </a:p>
+          <a:p>
+            <a:pPr lvl="1"/>
+            <a:r>
+              <a:rPr lang="en-US" dirty="0"/>
+              <a:t>Rapidly swap components</a:t>
+            </a:r>
+          </a:p>
+          <a:p>
+            <a:pPr lvl="1"/>
+            <a:r>
+              <a:rPr lang="en-US" dirty="0"/>
+              <a:t>Multiple topologies and organizations</a:t>
+            </a:r>
+          </a:p>
+          <a:p>
+            <a:r>
+              <a:rPr lang="en-US" dirty="0"/>
+              <a:t>Standard Tooling:</a:t>
+            </a:r>
+          </a:p>
+          <a:p>
+            <a:pPr lvl="1"/>
+            <a:r>
+              <a:rPr lang="en-US" dirty="0"/>
+              <a:t>Application design tools</a:t>
+            </a:r>
+          </a:p>
+          <a:p>
+            <a:pPr lvl="1"/>
+            <a:r>
+              <a:rPr lang="en-US" dirty="0"/>
+              <a:t>System testing tools</a:t>
+            </a:r>
+          </a:p>
+          <a:p>
+            <a:r>
+              <a:rPr lang="en-US" dirty="0"/>
+              <a:t>Standard patterns and best practices at application level</a:t>
+            </a:r>
+          </a:p>
+          <a:p>
+            <a:pPr lvl="1"/>
+            <a:endParaRPr lang="en-US" dirty="0"/>
+          </a:p>
+        </p:txBody>
+      </p:sp>
+      <p:pic>
+        <p:nvPicPr>
+          <p:cNvPr id="18" name="Content Placeholder 17">
+            <a:extLst>
+              <a:ext uri="{FF2B5EF4-FFF2-40B4-BE49-F238E27FC236}">
+                <a16:creationId xmlns:a16="http://schemas.microsoft.com/office/drawing/2014/main" id="{2B66A9F6-71EB-DF4F-82B4-4F39AA3EBC5B}"/>
+              </a:ext>
+            </a:extLst>
+          </p:cNvPr>
+          <p:cNvPicPr>
+            <a:picLocks noGrp="1" noChangeAspect="1"/>
+          </p:cNvPicPr>
+          <p:nvPr>
+            <p:ph sz="quarter" idx="22"/>
+          </p:nvPr>
+        </p:nvPicPr>
+        <p:blipFill>
+          <a:blip r:embed="rId2"/>
+          <a:stretch>
+            <a:fillRect/>
+          </a:stretch>
+        </p:blipFill>
+        <p:spPr>
+          <a:xfrm>
+            <a:off x="4857758" y="1600200"/>
+            <a:ext cx="3619484" cy="4525963"/>
+          </a:xfrm>
+        </p:spPr>
+      </p:pic>
+      <p:sp>
+        <p:nvSpPr>
+          <p:cNvPr id="4" name="Footer Placeholder 3">
+            <a:extLst>
+              <a:ext uri="{FF2B5EF4-FFF2-40B4-BE49-F238E27FC236}">
+                <a16:creationId xmlns:a16="http://schemas.microsoft.com/office/drawing/2014/main" id="{77A69851-0DA2-014C-923B-667678C4634E}"/>
+              </a:ext>
+            </a:extLst>
+          </p:cNvPr>
+          <p:cNvSpPr>
+            <a:spLocks noGrp="1"/>
+          </p:cNvSpPr>
+          <p:nvPr>
+            <p:ph type="ftr" sz="quarter" idx="24"/>
+          </p:nvPr>
+        </p:nvSpPr>
+        <p:spPr/>
+        <p:txBody>
+          <a:bodyPr/>
+          <a:lstStyle/>
+          <a:p>
+            <a:r>
+              <a:rPr lang="en-US"/>
+              <a:t>For required markings, please go to https://mh.jpl.nasa.gov/ </a:t>
+            </a:r>
+            <a:endParaRPr lang="en-US" dirty="0"/>
+          </a:p>
+        </p:txBody>
+      </p:sp>
+      <p:sp>
+        <p:nvSpPr>
+          <p:cNvPr id="5" name="Slide Number Placeholder 4">
+            <a:extLst>
+              <a:ext uri="{FF2B5EF4-FFF2-40B4-BE49-F238E27FC236}">
+                <a16:creationId xmlns:a16="http://schemas.microsoft.com/office/drawing/2014/main" id="{F82E1DDC-39DF-3841-9517-CEAEE9CDCB57}"/>
+              </a:ext>
+            </a:extLst>
+          </p:cNvPr>
+          <p:cNvSpPr>
+            <a:spLocks noGrp="1"/>
+          </p:cNvSpPr>
+          <p:nvPr>
+            <p:ph type="sldNum" sz="quarter" idx="25"/>
+          </p:nvPr>
+        </p:nvSpPr>
+        <p:spPr/>
+        <p:txBody>
+          <a:bodyPr/>
+          <a:lstStyle/>
+          <a:p>
+            <a:fld id="{FE5735AE-3249-4190-86E7-0753FA00EBA0}" type="slidenum">
+              <a:rPr lang="en-US" smtClean="0"/>
+              <a:pPr/>
+              <a:t>33</a:t>
+            </a:fld>
+            <a:endParaRPr lang="en-US" dirty="0"/>
+          </a:p>
+        </p:txBody>
+      </p:sp>
+    </p:spTree>
+    <p:extLst>
+      <p:ext uri="{BB962C8B-B14F-4D97-AF65-F5344CB8AC3E}">
+        <p14:creationId xmlns:p14="http://schemas.microsoft.com/office/powerpoint/2010/main" val="1546841622"/>
+      </p:ext>
+    </p:extLst>
+  </p:cSld>
+  <p:clrMapOvr>
+    <a:masterClrMapping/>
+  </p:clrMapOvr>
+</p:sld>
+</file>
+
+<file path=ppt/slides/slide34.xml><?xml version="1.0" encoding="utf-8"?>
+<p:sld xmlns:a="http://schemas.openxmlformats.org/drawingml/2006/main" xmlns:r="http://schemas.openxmlformats.org/officeDocument/2006/relationships" xmlns:p="http://schemas.openxmlformats.org/presentationml/2006/main">
+  <p:cSld>
+    <p:spTree>
+      <p:nvGrpSpPr>
+        <p:cNvPr id="1" name=""/>
+        <p:cNvGrpSpPr/>
+        <p:nvPr/>
+      </p:nvGrpSpPr>
+      <p:grpSpPr>
+        <a:xfrm>
+          <a:off x="0" y="0"/>
+          <a:ext cx="0" cy="0"/>
+          <a:chOff x="0" y="0"/>
+          <a:chExt cx="0" cy="0"/>
+        </a:xfrm>
+      </p:grpSpPr>
+      <p:sp>
+        <p:nvSpPr>
           <p:cNvPr id="11" name="Title 10">
             <a:extLst>
               <a:ext uri="{FF2B5EF4-FFF2-40B4-BE49-F238E27FC236}">
@@ -26192,7 +27551,7 @@
             <a:fld id="{BD193B1F-454F-4470-8937-9D53DC78F323}" type="slidenum">
               <a:rPr lang="en-US" smtClean="0"/>
               <a:pPr/>
-              <a:t>33</a:t>
+              <a:t>34</a:t>
             </a:fld>
             <a:endParaRPr lang="en-US" dirty="0"/>
           </a:p>

--- a/docs/Architecture/FPrimeSoftwareArchitecture.pptx
+++ b/docs/Architecture/FPrimeSoftwareArchitecture.pptx
@@ -5,7 +5,7 @@
     <p:sldMasterId id="2147483660" r:id="rId1"/>
   </p:sldMasterIdLst>
   <p:notesMasterIdLst>
-    <p:notesMasterId r:id="rId36"/>
+    <p:notesMasterId r:id="rId37"/>
   </p:notesMasterIdLst>
   <p:sldIdLst>
     <p:sldId id="256" r:id="rId2"/>
@@ -36,12 +36,13 @@
     <p:sldId id="366" r:id="rId27"/>
     <p:sldId id="368" r:id="rId28"/>
     <p:sldId id="367" r:id="rId29"/>
-    <p:sldId id="303" r:id="rId30"/>
-    <p:sldId id="362" r:id="rId31"/>
-    <p:sldId id="315" r:id="rId32"/>
-    <p:sldId id="283" r:id="rId33"/>
-    <p:sldId id="364" r:id="rId34"/>
-    <p:sldId id="351" r:id="rId35"/>
+    <p:sldId id="369" r:id="rId30"/>
+    <p:sldId id="303" r:id="rId31"/>
+    <p:sldId id="362" r:id="rId32"/>
+    <p:sldId id="315" r:id="rId33"/>
+    <p:sldId id="283" r:id="rId34"/>
+    <p:sldId id="364" r:id="rId35"/>
+    <p:sldId id="351" r:id="rId36"/>
   </p:sldIdLst>
   <p:sldSz cx="9144000" cy="6858000" type="screen4x3"/>
   <p:notesSz cx="6858000" cy="9144000"/>
@@ -263,7 +264,7 @@
           <a:p>
             <a:fld id="{DB8380B9-EB65-450C-BF6A-A387495BF35F}" type="datetimeFigureOut">
               <a:rPr lang="en-US" smtClean="0"/>
-              <a:t>10/4/2020</a:t>
+              <a:t>10/5/2020</a:t>
             </a:fld>
             <a:endParaRPr lang="en-US"/>
           </a:p>
@@ -779,7 +780,7 @@
             <a:fld id="{D55DD9D9-7F94-8C4C-8748-81A0C015A865}" type="slidenum">
               <a:rPr lang="en-US" smtClean="0"/>
               <a:pPr/>
-              <a:t>30</a:t>
+              <a:t>31</a:t>
             </a:fld>
             <a:endParaRPr lang="en-US" dirty="0"/>
           </a:p>
@@ -985,7 +986,7 @@
                 <a:latin typeface="Helvetica" pitchFamily="34" charset="0"/>
               </a:rPr>
               <a:pPr/>
-              <a:t>10/4/2020</a:t>
+              <a:t>10/5/2020</a:t>
             </a:fld>
             <a:endParaRPr lang="en-US" sz="900" b="1">
               <a:solidFill>
@@ -3481,12 +3482,8 @@
           <a:lstStyle/>
           <a:p>
             <a:r>
-              <a:rPr lang="en-US" dirty="0" err="1"/>
-              <a:t>F`Software</a:t>
-            </a:r>
-            <a:r>
               <a:rPr lang="en-US" dirty="0"/>
-              <a:t> Framework</a:t>
+              <a:t>F` Software Framework</a:t>
             </a:r>
             <a:br>
               <a:rPr lang="en-US" dirty="0"/>
@@ -21419,6 +21416,12 @@
           <a:p>
             <a:r>
               <a:rPr lang="en-US" dirty="0"/>
+              <a:t>Allocated at startup</a:t>
+            </a:r>
+          </a:p>
+          <a:p>
+            <a:r>
+              <a:rPr lang="en-US" dirty="0"/>
               <a:t>Variable sized buffers</a:t>
             </a:r>
           </a:p>
@@ -21485,7 +21488,7 @@
         </p:nvSpPr>
         <p:spPr bwMode="auto">
           <a:xfrm>
-            <a:off x="1447799" y="3623043"/>
+            <a:off x="1954971" y="4017617"/>
             <a:ext cx="2617029" cy="2438400"/>
           </a:xfrm>
           <a:prstGeom prst="roundRect">
@@ -21573,7 +21576,7 @@
         </p:nvSpPr>
         <p:spPr bwMode="auto">
           <a:xfrm>
-            <a:off x="4064829" y="4337603"/>
+            <a:off x="4572001" y="4732177"/>
             <a:ext cx="152400" cy="152400"/>
           </a:xfrm>
           <a:prstGeom prst="rect">
@@ -21645,7 +21648,7 @@
         </p:nvSpPr>
         <p:spPr>
           <a:xfrm>
-            <a:off x="2437197" y="4346747"/>
+            <a:off x="2944369" y="4741321"/>
             <a:ext cx="990600" cy="155497"/>
           </a:xfrm>
           <a:prstGeom prst="rect">
@@ -21697,7 +21700,7 @@
         </p:nvSpPr>
         <p:spPr>
           <a:xfrm>
-            <a:off x="2437197" y="4524761"/>
+            <a:off x="2944369" y="4919335"/>
             <a:ext cx="990600" cy="155497"/>
           </a:xfrm>
           <a:prstGeom prst="rect">
@@ -21749,7 +21752,7 @@
         </p:nvSpPr>
         <p:spPr>
           <a:xfrm>
-            <a:off x="2437197" y="4702775"/>
+            <a:off x="2944369" y="5097349"/>
             <a:ext cx="990600" cy="155497"/>
           </a:xfrm>
           <a:prstGeom prst="rect">
@@ -21801,7 +21804,7 @@
         </p:nvSpPr>
         <p:spPr>
           <a:xfrm>
-            <a:off x="2437197" y="4880789"/>
+            <a:off x="2944369" y="5275363"/>
             <a:ext cx="990600" cy="155497"/>
           </a:xfrm>
           <a:prstGeom prst="rect">
@@ -21853,7 +21856,7 @@
         </p:nvSpPr>
         <p:spPr>
           <a:xfrm>
-            <a:off x="2437197" y="5058803"/>
+            <a:off x="2944369" y="5453377"/>
             <a:ext cx="990600" cy="155497"/>
           </a:xfrm>
           <a:prstGeom prst="rect">
@@ -21905,7 +21908,7 @@
         </p:nvSpPr>
         <p:spPr>
           <a:xfrm>
-            <a:off x="2437197" y="5236817"/>
+            <a:off x="2944369" y="5631391"/>
             <a:ext cx="990600" cy="155497"/>
           </a:xfrm>
           <a:prstGeom prst="rect">
@@ -21961,7 +21964,7 @@
         </p:nvCxnSpPr>
         <p:spPr>
           <a:xfrm flipH="1">
-            <a:off x="3427797" y="4413803"/>
+            <a:off x="3934969" y="4808377"/>
             <a:ext cx="637032" cy="188707"/>
           </a:xfrm>
           <a:prstGeom prst="straightConnector1">
@@ -22003,7 +22006,7 @@
         </p:nvSpPr>
         <p:spPr bwMode="auto">
           <a:xfrm>
-            <a:off x="4054996" y="5389051"/>
+            <a:off x="4562168" y="5783625"/>
             <a:ext cx="152400" cy="152400"/>
           </a:xfrm>
           <a:prstGeom prst="rect">
@@ -22079,7 +22082,7 @@
         </p:nvCxnSpPr>
         <p:spPr>
           <a:xfrm flipH="1" flipV="1">
-            <a:off x="3427797" y="5136552"/>
+            <a:off x="3934969" y="5531126"/>
             <a:ext cx="627199" cy="328699"/>
           </a:xfrm>
           <a:prstGeom prst="straightConnector1">
@@ -22121,7 +22124,7 @@
         </p:nvSpPr>
         <p:spPr>
           <a:xfrm>
-            <a:off x="4338321" y="4235640"/>
+            <a:off x="4845493" y="4630214"/>
             <a:ext cx="951633" cy="338554"/>
           </a:xfrm>
           <a:prstGeom prst="rect">
@@ -22156,7 +22159,7 @@
         </p:nvSpPr>
         <p:spPr>
           <a:xfrm>
-            <a:off x="4338320" y="5295974"/>
+            <a:off x="4845492" y="5690548"/>
             <a:ext cx="951633" cy="338554"/>
           </a:xfrm>
           <a:prstGeom prst="rect">
@@ -22230,7 +22233,7 @@
           <a:p>
             <a:r>
               <a:rPr lang="en-US" dirty="0"/>
-              <a:t>File Downlinking (</a:t>
+              <a:t>File Downlinking (Svc/</a:t>
             </a:r>
             <a:r>
               <a:rPr lang="en-US" dirty="0" err="1"/>
@@ -23193,7 +23196,13 @@
       </p:grpSpPr>
       <p:sp>
         <p:nvSpPr>
-          <p:cNvPr id="2" name="Title 1"/>
+          <p:cNvPr id="2" name="Title 1">
+            <a:extLst>
+              <a:ext uri="{FF2B5EF4-FFF2-40B4-BE49-F238E27FC236}">
+                <a16:creationId xmlns:a16="http://schemas.microsoft.com/office/drawing/2014/main" id="{FA922D01-A383-48A8-9C7D-8959C5F04350}"/>
+              </a:ext>
+            </a:extLst>
+          </p:cNvPr>
           <p:cNvSpPr>
             <a:spLocks noGrp="1"/>
           </p:cNvSpPr>
@@ -23208,14 +23217,36 @@
           <a:p>
             <a:r>
               <a:rPr lang="en-US" dirty="0"/>
-              <a:t>Multi-node</a:t>
-            </a:r>
-          </a:p>
-        </p:txBody>
-      </p:sp>
-      <p:sp>
-        <p:nvSpPr>
-          <p:cNvPr id="3" name="Content Placeholder 2"/>
+              <a:t>File </a:t>
+            </a:r>
+            <a:r>
+              <a:rPr lang="en-US" dirty="0" err="1"/>
+              <a:t>Uplinking</a:t>
+            </a:r>
+            <a:r>
+              <a:rPr lang="en-US" dirty="0"/>
+              <a:t> (Svc/</a:t>
+            </a:r>
+            <a:r>
+              <a:rPr lang="en-US" dirty="0" err="1"/>
+              <a:t>FileUplink</a:t>
+            </a:r>
+            <a:r>
+              <a:rPr lang="en-US" dirty="0"/>
+              <a:t>)</a:t>
+            </a:r>
+          </a:p>
+        </p:txBody>
+      </p:sp>
+      <p:sp>
+        <p:nvSpPr>
+          <p:cNvPr id="3" name="Content Placeholder 2">
+            <a:extLst>
+              <a:ext uri="{FF2B5EF4-FFF2-40B4-BE49-F238E27FC236}">
+                <a16:creationId xmlns:a16="http://schemas.microsoft.com/office/drawing/2014/main" id="{BCF74D5C-17A0-4813-8B01-85774D7BD305}"/>
+              </a:ext>
+            </a:extLst>
+          </p:cNvPr>
           <p:cNvSpPr>
             <a:spLocks noGrp="1"/>
           </p:cNvSpPr>
@@ -23225,8 +23256,8 @@
         </p:nvSpPr>
         <p:spPr>
           <a:xfrm>
-            <a:off x="433643" y="1143000"/>
-            <a:ext cx="8170861" cy="1702296"/>
+            <a:off x="439739" y="1269504"/>
+            <a:ext cx="8453437" cy="1702296"/>
           </a:xfrm>
         </p:spPr>
         <p:txBody>
@@ -23234,109 +23265,82 @@
           <a:lstStyle/>
           <a:p>
             <a:r>
-              <a:rPr lang="en-US" sz="1800" dirty="0"/>
-              <a:t>Hub pattern</a:t>
-            </a:r>
-          </a:p>
-          <a:p>
-            <a:pPr lvl="1"/>
-            <a:r>
-              <a:rPr lang="en-US" sz="1600" dirty="0"/>
-              <a:t>Hub is a component with multiple serialization input and output ports</a:t>
-            </a:r>
-          </a:p>
-          <a:p>
-            <a:pPr lvl="1"/>
-            <a:r>
-              <a:rPr lang="en-US" sz="1600" dirty="0"/>
-              <a:t>Typed ports on calling components are connected to serialized ports (see earlier slides)</a:t>
-            </a:r>
-          </a:p>
-          <a:p>
-            <a:pPr lvl="1"/>
-            <a:r>
-              <a:rPr lang="en-US" sz="1600" dirty="0"/>
-              <a:t>Each hub instance is responsible for connecting to a remote node</a:t>
-            </a:r>
-          </a:p>
-          <a:p>
-            <a:pPr lvl="1"/>
-            <a:r>
-              <a:rPr lang="en-US" sz="1600" dirty="0"/>
-              <a:t>Input port calls are repeated to corresponding output ports on remote hub</a:t>
-            </a:r>
-          </a:p>
-          <a:p>
-            <a:pPr lvl="1"/>
-            <a:r>
-              <a:rPr lang="en-US" sz="1600" dirty="0"/>
-              <a:t>Single point of connection to remote node, so central point of configuration for transport.</a:t>
-            </a:r>
-          </a:p>
-        </p:txBody>
-      </p:sp>
-      <p:sp>
-        <p:nvSpPr>
-          <p:cNvPr id="24" name="Rectangle 23"/>
+              <a:rPr lang="en-US" dirty="0"/>
+              <a:t>Gets the contents of a file from the ground system</a:t>
+            </a:r>
+          </a:p>
+          <a:p>
+            <a:r>
+              <a:rPr lang="en-US" dirty="0"/>
+              <a:t>Uplink sends buffer with file contents</a:t>
+            </a:r>
+          </a:p>
+          <a:p>
+            <a:r>
+              <a:rPr lang="en-US" dirty="0"/>
+              <a:t>Returns buffers to </a:t>
+            </a:r>
+            <a:r>
+              <a:rPr lang="en-US" dirty="0" err="1"/>
+              <a:t>BufferManager</a:t>
+            </a:r>
+            <a:endParaRPr lang="en-US" dirty="0"/>
+          </a:p>
+        </p:txBody>
+      </p:sp>
+      <p:sp>
+        <p:nvSpPr>
+          <p:cNvPr id="5" name="Slide Number Placeholder 4">
+            <a:extLst>
+              <a:ext uri="{FF2B5EF4-FFF2-40B4-BE49-F238E27FC236}">
+                <a16:creationId xmlns:a16="http://schemas.microsoft.com/office/drawing/2014/main" id="{73B16378-C6DB-402D-BD30-078642E7B670}"/>
+              </a:ext>
+            </a:extLst>
+          </p:cNvPr>
+          <p:cNvSpPr>
+            <a:spLocks noGrp="1"/>
+          </p:cNvSpPr>
+          <p:nvPr>
+            <p:ph type="sldNum" sz="quarter" idx="11"/>
+          </p:nvPr>
+        </p:nvSpPr>
+        <p:spPr/>
+        <p:txBody>
+          <a:bodyPr/>
+          <a:lstStyle/>
+          <a:p>
+            <a:fld id="{40846F03-29C8-41F1-8A60-CC8C672EC5BA}" type="slidenum">
+              <a:rPr lang="en-US" smtClean="0"/>
+              <a:t>29</a:t>
+            </a:fld>
+            <a:endParaRPr lang="en-US"/>
+          </a:p>
+        </p:txBody>
+      </p:sp>
+      <p:sp>
+        <p:nvSpPr>
+          <p:cNvPr id="6" name="Rounded Rectangle 50">
+            <a:extLst>
+              <a:ext uri="{FF2B5EF4-FFF2-40B4-BE49-F238E27FC236}">
+                <a16:creationId xmlns:a16="http://schemas.microsoft.com/office/drawing/2014/main" id="{6B9BC080-2081-4197-BC64-404D60479A65}"/>
+              </a:ext>
+            </a:extLst>
+          </p:cNvPr>
           <p:cNvSpPr/>
           <p:nvPr/>
         </p:nvSpPr>
-        <p:spPr>
-          <a:xfrm>
-            <a:off x="899088" y="3482042"/>
-            <a:ext cx="2971800" cy="2209800"/>
-          </a:xfrm>
-          <a:prstGeom prst="rect">
+        <p:spPr bwMode="auto">
+          <a:xfrm>
+            <a:off x="1447799" y="3250986"/>
+            <a:ext cx="2617029" cy="2438400"/>
+          </a:xfrm>
+          <a:prstGeom prst="roundRect">
             <a:avLst/>
           </a:prstGeom>
           <a:solidFill>
-            <a:srgbClr val="00B0F0"/>
-          </a:solidFill>
-        </p:spPr>
-        <p:style>
-          <a:lnRef idx="2">
-            <a:schemeClr val="accent1">
-              <a:shade val="50000"/>
+            <a:schemeClr val="accent5">
+              <a:lumMod val="50000"/>
             </a:schemeClr>
-          </a:lnRef>
-          <a:fillRef idx="1">
-            <a:schemeClr val="accent1"/>
-          </a:fillRef>
-          <a:effectRef idx="0">
-            <a:schemeClr val="accent1"/>
-          </a:effectRef>
-          <a:fontRef idx="minor">
-            <a:schemeClr val="lt1"/>
-          </a:fontRef>
-        </p:style>
-        <p:txBody>
-          <a:bodyPr rtlCol="0" anchor="t" anchorCtr="0"/>
-          <a:lstStyle/>
-          <a:p>
-            <a:pPr algn="ctr"/>
-            <a:r>
-              <a:rPr lang="en-US" sz="1100" dirty="0"/>
-              <a:t>Node 1</a:t>
-            </a:r>
-          </a:p>
-        </p:txBody>
-      </p:sp>
-      <p:sp>
-        <p:nvSpPr>
-          <p:cNvPr id="25" name="Rounded Rectangle 24"/>
-          <p:cNvSpPr/>
-          <p:nvPr/>
-        </p:nvSpPr>
-        <p:spPr bwMode="auto">
-          <a:xfrm>
-            <a:off x="975288" y="3863042"/>
-            <a:ext cx="711345" cy="609600"/>
-          </a:xfrm>
-          <a:prstGeom prst="roundRect">
-            <a:avLst/>
-          </a:prstGeom>
-          <a:solidFill>
-            <a:schemeClr val="accent1"/>
           </a:solidFill>
           <a:ln w="9525" cap="flat" cmpd="sng" algn="ctr">
             <a:solidFill>
@@ -23374,29 +23378,7 @@
               <a:tabLst/>
             </a:pPr>
             <a:r>
-              <a:rPr lang="en-US" sz="600" dirty="0"/>
-              <a:t>Producer</a:t>
-            </a:r>
-          </a:p>
-          <a:p>
-            <a:pPr marL="0" marR="0" indent="0" algn="l" defTabSz="914400" rtl="0" eaLnBrk="0" fontAlgn="base" latinLnBrk="0" hangingPunct="0">
-              <a:lnSpc>
-                <a:spcPct val="100000"/>
-              </a:lnSpc>
-              <a:spcBef>
-                <a:spcPct val="0"/>
-              </a:spcBef>
-              <a:spcAft>
-                <a:spcPct val="0"/>
-              </a:spcAft>
-              <a:buClrTx/>
-              <a:buSzTx/>
-              <a:buFontTx/>
-              <a:buNone/>
-              <a:tabLst/>
-            </a:pPr>
-            <a:r>
-              <a:rPr kumimoji="0" lang="en-US" sz="600" b="0" i="0" u="none" strike="noStrike" cap="none" normalizeH="0" baseline="0" dirty="0">
+              <a:rPr kumimoji="0" lang="en-US" sz="1400" b="0" i="0" u="none" strike="noStrike" cap="none" normalizeH="0" baseline="0" dirty="0" err="1">
                 <a:ln>
                   <a:noFill/>
                 </a:ln>
@@ -23407,66 +23389,37 @@
                 <a:latin typeface="Arial" charset="0"/>
                 <a:ea typeface="ＭＳ Ｐゴシック" pitchFamily="48" charset="-128"/>
               </a:rPr>
-              <a:t>Component1</a:t>
-            </a:r>
-          </a:p>
-        </p:txBody>
-      </p:sp>
-      <p:sp>
-        <p:nvSpPr>
-          <p:cNvPr id="38" name="Rectangle 37"/>
+              <a:t>FileUplink</a:t>
+            </a:r>
+            <a:endParaRPr kumimoji="0" lang="en-US" sz="1400" b="0" i="0" u="none" strike="noStrike" cap="none" normalizeH="0" baseline="0" dirty="0">
+              <a:ln>
+                <a:noFill/>
+              </a:ln>
+              <a:solidFill>
+                <a:schemeClr val="tx1"/>
+              </a:solidFill>
+              <a:effectLst/>
+              <a:latin typeface="Arial" charset="0"/>
+              <a:ea typeface="ＭＳ Ｐゴシック" pitchFamily="48" charset="-128"/>
+            </a:endParaRPr>
+          </a:p>
+        </p:txBody>
+      </p:sp>
+      <p:sp>
+        <p:nvSpPr>
+          <p:cNvPr id="7" name="Rectangle 6">
+            <a:extLst>
+              <a:ext uri="{FF2B5EF4-FFF2-40B4-BE49-F238E27FC236}">
+                <a16:creationId xmlns:a16="http://schemas.microsoft.com/office/drawing/2014/main" id="{49A586AC-9C78-4D99-8691-F88761629FFA}"/>
+              </a:ext>
+            </a:extLst>
+          </p:cNvPr>
           <p:cNvSpPr/>
           <p:nvPr/>
         </p:nvSpPr>
-        <p:spPr>
-          <a:xfrm>
-            <a:off x="1641614" y="5831440"/>
-            <a:ext cx="5860772" cy="304800"/>
-          </a:xfrm>
-          <a:prstGeom prst="rect">
-            <a:avLst/>
-          </a:prstGeom>
-          <a:solidFill>
-            <a:srgbClr val="FFC000"/>
-          </a:solidFill>
-        </p:spPr>
-        <p:style>
-          <a:lnRef idx="2">
-            <a:schemeClr val="accent1">
-              <a:shade val="50000"/>
-            </a:schemeClr>
-          </a:lnRef>
-          <a:fillRef idx="1">
-            <a:schemeClr val="accent1"/>
-          </a:fillRef>
-          <a:effectRef idx="0">
-            <a:schemeClr val="accent1"/>
-          </a:effectRef>
-          <a:fontRef idx="minor">
-            <a:schemeClr val="lt1"/>
-          </a:fontRef>
-        </p:style>
-        <p:txBody>
-          <a:bodyPr rtlCol="0" anchor="ctr"/>
-          <a:lstStyle/>
-          <a:p>
-            <a:pPr algn="ctr"/>
-            <a:r>
-              <a:rPr lang="en-US" dirty="0"/>
-              <a:t>Transport (Socket, ARINC Channel, UART, IPC)</a:t>
-            </a:r>
-          </a:p>
-        </p:txBody>
-      </p:sp>
-      <p:sp>
-        <p:nvSpPr>
-          <p:cNvPr id="39" name="Rectangle 38"/>
-          <p:cNvSpPr/>
-          <p:nvPr/>
-        </p:nvSpPr>
         <p:spPr bwMode="auto">
           <a:xfrm>
-            <a:off x="1698754" y="4091642"/>
+            <a:off x="4064829" y="3965546"/>
             <a:ext cx="152400" cy="152400"/>
           </a:xfrm>
           <a:prstGeom prst="rect">
@@ -23524,47 +23477,24 @@
           </a:p>
         </p:txBody>
       </p:sp>
-      <p:cxnSp>
-        <p:nvCxnSpPr>
-          <p:cNvPr id="40" name="Straight Arrow Connector 39"/>
-          <p:cNvCxnSpPr/>
-          <p:nvPr/>
-        </p:nvCxnSpPr>
-        <p:spPr bwMode="auto">
-          <a:xfrm>
-            <a:off x="1470154" y="4167842"/>
-            <a:ext cx="228600" cy="0"/>
-          </a:xfrm>
-          <a:prstGeom prst="straightConnector1">
-            <a:avLst/>
-          </a:prstGeom>
-          <a:solidFill>
-            <a:schemeClr val="accent1"/>
-          </a:solidFill>
-          <a:ln w="9525" cap="flat" cmpd="sng" algn="ctr">
-            <a:solidFill>
-              <a:schemeClr val="tx1"/>
-            </a:solidFill>
-            <a:prstDash val="solid"/>
-            <a:round/>
-            <a:headEnd type="none" w="med" len="med"/>
-            <a:tailEnd type="arrow"/>
-          </a:ln>
-          <a:effectLst/>
-        </p:spPr>
-      </p:cxnSp>
-      <p:sp>
-        <p:nvSpPr>
-          <p:cNvPr id="43" name="Rectangle 42"/>
+      <p:sp>
+        <p:nvSpPr>
+          <p:cNvPr id="8" name="Flowchart: Magnetic Disk 7">
+            <a:extLst>
+              <a:ext uri="{FF2B5EF4-FFF2-40B4-BE49-F238E27FC236}">
+                <a16:creationId xmlns:a16="http://schemas.microsoft.com/office/drawing/2014/main" id="{C53EA393-6A8F-4413-B3DC-02F6A6D1A8A3}"/>
+              </a:ext>
+            </a:extLst>
+          </p:cNvPr>
           <p:cNvSpPr/>
           <p:nvPr/>
         </p:nvSpPr>
         <p:spPr>
           <a:xfrm>
-            <a:off x="4861488" y="3435279"/>
-            <a:ext cx="2971800" cy="2209800"/>
-          </a:xfrm>
-          <a:prstGeom prst="rect">
+            <a:off x="1524000" y="5867400"/>
+            <a:ext cx="940629" cy="741363"/>
+          </a:xfrm>
+          <a:prstGeom prst="flowChartMagneticDisk">
             <a:avLst/>
           </a:prstGeom>
           <a:solidFill>
@@ -23588,386 +23518,78 @@
           </a:fontRef>
         </p:style>
         <p:txBody>
-          <a:bodyPr rtlCol="0" anchor="t" anchorCtr="0"/>
+          <a:bodyPr rtlCol="0" anchor="ctr"/>
           <a:lstStyle/>
           <a:p>
             <a:pPr algn="ctr"/>
             <a:r>
-              <a:rPr lang="en-US" sz="1100" dirty="0"/>
-              <a:t>Node 2</a:t>
-            </a:r>
-          </a:p>
-        </p:txBody>
-      </p:sp>
-      <p:sp>
-        <p:nvSpPr>
-          <p:cNvPr id="44" name="Rounded Rectangle 43"/>
-          <p:cNvSpPr/>
-          <p:nvPr/>
-        </p:nvSpPr>
-        <p:spPr bwMode="auto">
-          <a:xfrm>
-            <a:off x="6736979" y="3788693"/>
-            <a:ext cx="711345" cy="609600"/>
-          </a:xfrm>
-          <a:prstGeom prst="roundRect">
-            <a:avLst/>
-          </a:prstGeom>
-          <a:solidFill>
-            <a:schemeClr val="accent1"/>
-          </a:solidFill>
-          <a:ln w="9525" cap="flat" cmpd="sng" algn="ctr">
+              <a:rPr lang="en-US" dirty="0"/>
+              <a:t>File</a:t>
+            </a:r>
+          </a:p>
+        </p:txBody>
+      </p:sp>
+      <p:cxnSp>
+        <p:nvCxnSpPr>
+          <p:cNvPr id="9" name="Straight Arrow Connector 8">
+            <a:extLst>
+              <a:ext uri="{FF2B5EF4-FFF2-40B4-BE49-F238E27FC236}">
+                <a16:creationId xmlns:a16="http://schemas.microsoft.com/office/drawing/2014/main" id="{FEC24C6A-F8BA-4CDE-9826-C2164704E282}"/>
+              </a:ext>
+            </a:extLst>
+          </p:cNvPr>
+          <p:cNvCxnSpPr>
+            <a:cxnSpLocks/>
+            <a:stCxn id="16" idx="2"/>
+            <a:endCxn id="8" idx="1"/>
+          </p:cNvCxnSpPr>
+          <p:nvPr/>
+        </p:nvCxnSpPr>
+        <p:spPr>
+          <a:xfrm flipH="1">
+            <a:off x="1994315" y="4470186"/>
+            <a:ext cx="1206085" cy="1397214"/>
+          </a:xfrm>
+          <a:prstGeom prst="straightConnector1">
+            <a:avLst/>
+          </a:prstGeom>
+          <a:ln>
             <a:solidFill>
               <a:schemeClr val="tx1"/>
             </a:solidFill>
-            <a:prstDash val="solid"/>
-            <a:round/>
-            <a:headEnd type="none" w="med" len="med"/>
-            <a:tailEnd type="none" w="med" len="med"/>
+            <a:tailEnd type="triangle"/>
           </a:ln>
-          <a:effectLst/>
-        </p:spPr>
-        <p:txBody>
-          <a:bodyPr vert="horz" wrap="square" lIns="91440" tIns="45720" rIns="91440" bIns="45720" numCol="1" rtlCol="0" anchor="t" anchorCtr="0" compatLnSpc="1">
-            <a:prstTxWarp prst="textNoShape">
-              <a:avLst/>
-            </a:prstTxWarp>
-          </a:bodyPr>
-          <a:lstStyle/>
-          <a:p>
-            <a:pPr marL="0" marR="0" indent="0" algn="l" defTabSz="914400" rtl="0" eaLnBrk="0" fontAlgn="base" latinLnBrk="0" hangingPunct="0">
-              <a:lnSpc>
-                <a:spcPct val="100000"/>
-              </a:lnSpc>
-              <a:spcBef>
-                <a:spcPct val="0"/>
-              </a:spcBef>
-              <a:spcAft>
-                <a:spcPct val="0"/>
-              </a:spcAft>
-              <a:buClrTx/>
-              <a:buSzTx/>
-              <a:buFontTx/>
-              <a:buNone/>
-              <a:tabLst/>
-            </a:pPr>
-            <a:r>
-              <a:rPr lang="en-US" sz="600" dirty="0"/>
-              <a:t>Consumer</a:t>
-            </a:r>
-          </a:p>
-          <a:p>
-            <a:pPr marL="0" marR="0" indent="0" algn="l" defTabSz="914400" rtl="0" eaLnBrk="0" fontAlgn="base" latinLnBrk="0" hangingPunct="0">
-              <a:lnSpc>
-                <a:spcPct val="100000"/>
-              </a:lnSpc>
-              <a:spcBef>
-                <a:spcPct val="0"/>
-              </a:spcBef>
-              <a:spcAft>
-                <a:spcPct val="0"/>
-              </a:spcAft>
-              <a:buClrTx/>
-              <a:buSzTx/>
-              <a:buFontTx/>
-              <a:buNone/>
-              <a:tabLst/>
-            </a:pPr>
-            <a:r>
-              <a:rPr kumimoji="0" lang="en-US" sz="600" b="0" i="0" u="none" strike="noStrike" cap="none" normalizeH="0" baseline="0" dirty="0">
-                <a:ln>
-                  <a:noFill/>
-                </a:ln>
-                <a:solidFill>
-                  <a:schemeClr val="tx1"/>
-                </a:solidFill>
-                <a:effectLst/>
-                <a:latin typeface="Arial" charset="0"/>
-                <a:ea typeface="ＭＳ Ｐゴシック" pitchFamily="48" charset="-128"/>
-              </a:rPr>
-              <a:t>Component1</a:t>
-            </a:r>
-          </a:p>
-        </p:txBody>
-      </p:sp>
-      <p:cxnSp>
-        <p:nvCxnSpPr>
-          <p:cNvPr id="48" name="Straight Arrow Connector 47"/>
-          <p:cNvCxnSpPr/>
-          <p:nvPr/>
-        </p:nvCxnSpPr>
-        <p:spPr bwMode="auto">
-          <a:xfrm>
-            <a:off x="6736979" y="4106675"/>
-            <a:ext cx="228600" cy="0"/>
-          </a:xfrm>
-          <a:prstGeom prst="straightConnector1">
-            <a:avLst/>
-          </a:prstGeom>
-          <a:solidFill>
-            <a:schemeClr val="accent1"/>
-          </a:solidFill>
-          <a:ln w="9525" cap="flat" cmpd="sng" algn="ctr">
-            <a:solidFill>
-              <a:schemeClr val="tx1"/>
-            </a:solidFill>
-            <a:prstDash val="solid"/>
-            <a:round/>
-            <a:headEnd type="none" w="med" len="med"/>
-            <a:tailEnd type="arrow"/>
-          </a:ln>
-          <a:effectLst/>
-        </p:spPr>
-      </p:cxnSp>
-      <p:sp>
-        <p:nvSpPr>
-          <p:cNvPr id="51" name="Rounded Rectangle 50"/>
-          <p:cNvSpPr/>
-          <p:nvPr/>
-        </p:nvSpPr>
-        <p:spPr bwMode="auto">
-          <a:xfrm>
-            <a:off x="2384988" y="3791712"/>
-            <a:ext cx="1054245" cy="1512807"/>
-          </a:xfrm>
-          <a:prstGeom prst="roundRect">
-            <a:avLst/>
-          </a:prstGeom>
-          <a:solidFill>
-            <a:schemeClr val="accent1"/>
-          </a:solidFill>
-          <a:ln w="9525" cap="flat" cmpd="sng" algn="ctr">
-            <a:solidFill>
-              <a:schemeClr val="tx1"/>
-            </a:solidFill>
-            <a:prstDash val="solid"/>
-            <a:round/>
-            <a:headEnd type="none" w="med" len="med"/>
-            <a:tailEnd type="none" w="med" len="med"/>
-          </a:ln>
-          <a:effectLst/>
-        </p:spPr>
-        <p:txBody>
-          <a:bodyPr vert="horz" wrap="square" lIns="91440" tIns="45720" rIns="91440" bIns="45720" numCol="1" rtlCol="0" anchor="t" anchorCtr="0" compatLnSpc="1">
-            <a:prstTxWarp prst="textNoShape">
-              <a:avLst/>
-            </a:prstTxWarp>
-          </a:bodyPr>
-          <a:lstStyle/>
-          <a:p>
-            <a:pPr marL="0" marR="0" indent="0" algn="l" defTabSz="914400" rtl="0" eaLnBrk="0" fontAlgn="base" latinLnBrk="0" hangingPunct="0">
-              <a:lnSpc>
-                <a:spcPct val="100000"/>
-              </a:lnSpc>
-              <a:spcBef>
-                <a:spcPct val="0"/>
-              </a:spcBef>
-              <a:spcAft>
-                <a:spcPct val="0"/>
-              </a:spcAft>
-              <a:buClrTx/>
-              <a:buSzTx/>
-              <a:buFontTx/>
-              <a:buNone/>
-              <a:tabLst/>
-            </a:pPr>
-            <a:r>
-              <a:rPr lang="en-US" sz="600" dirty="0">
-                <a:latin typeface="Arial" charset="0"/>
-                <a:ea typeface="ＭＳ Ｐゴシック" pitchFamily="48" charset="-128"/>
-              </a:rPr>
-              <a:t>Hub</a:t>
-            </a:r>
-            <a:endParaRPr kumimoji="0" lang="en-US" sz="600" b="0" i="0" u="none" strike="noStrike" cap="none" normalizeH="0" baseline="0" dirty="0">
-              <a:ln>
-                <a:noFill/>
-              </a:ln>
-              <a:solidFill>
-                <a:schemeClr val="tx1"/>
-              </a:solidFill>
-              <a:effectLst/>
-              <a:latin typeface="Arial" charset="0"/>
-              <a:ea typeface="ＭＳ Ｐゴシック" pitchFamily="48" charset="-128"/>
-            </a:endParaRPr>
-          </a:p>
-        </p:txBody>
-      </p:sp>
-      <p:sp>
-        <p:nvSpPr>
-          <p:cNvPr id="53" name="Up-Down Arrow 52"/>
-          <p:cNvSpPr/>
-          <p:nvPr/>
-        </p:nvSpPr>
-        <p:spPr>
-          <a:xfrm>
-            <a:off x="3083560" y="5304520"/>
-            <a:ext cx="78147" cy="510424"/>
-          </a:xfrm>
-          <a:prstGeom prst="upDownArrow">
-            <a:avLst/>
-          </a:prstGeom>
-          <a:ln>
-            <a:solidFill>
-              <a:schemeClr val="bg2">
-                <a:lumMod val="50000"/>
-              </a:schemeClr>
-            </a:solidFill>
-          </a:ln>
         </p:spPr>
         <p:style>
-          <a:lnRef idx="2">
-            <a:schemeClr val="accent1">
-              <a:shade val="50000"/>
-            </a:schemeClr>
+          <a:lnRef idx="1">
+            <a:schemeClr val="accent1"/>
           </a:lnRef>
-          <a:fillRef idx="1">
+          <a:fillRef idx="0">
             <a:schemeClr val="accent1"/>
           </a:fillRef>
           <a:effectRef idx="0">
             <a:schemeClr val="accent1"/>
           </a:effectRef>
           <a:fontRef idx="minor">
-            <a:schemeClr val="lt1"/>
+            <a:schemeClr val="tx1"/>
           </a:fontRef>
         </p:style>
-        <p:txBody>
-          <a:bodyPr rtlCol="0" anchor="ctr"/>
-          <a:lstStyle/>
-          <a:p>
-            <a:pPr algn="ctr"/>
-            <a:endParaRPr lang="en-US"/>
-          </a:p>
-        </p:txBody>
-      </p:sp>
-      <p:sp>
-        <p:nvSpPr>
-          <p:cNvPr id="56" name="Up-Down Arrow 55"/>
+      </p:cxnSp>
+      <p:sp>
+        <p:nvSpPr>
+          <p:cNvPr id="17" name="Rectangle 16">
+            <a:extLst>
+              <a:ext uri="{FF2B5EF4-FFF2-40B4-BE49-F238E27FC236}">
+                <a16:creationId xmlns:a16="http://schemas.microsoft.com/office/drawing/2014/main" id="{E07C488D-183A-4B3C-A47A-2EC07022DB43}"/>
+              </a:ext>
+            </a:extLst>
+          </p:cNvPr>
           <p:cNvSpPr/>
           <p:nvPr/>
         </p:nvSpPr>
-        <p:spPr>
-          <a:xfrm>
-            <a:off x="5474638" y="5284568"/>
-            <a:ext cx="45719" cy="510424"/>
-          </a:xfrm>
-          <a:prstGeom prst="upDownArrow">
-            <a:avLst/>
-          </a:prstGeom>
-          <a:ln>
-            <a:solidFill>
-              <a:schemeClr val="bg2">
-                <a:lumMod val="50000"/>
-              </a:schemeClr>
-            </a:solidFill>
-          </a:ln>
-        </p:spPr>
-        <p:style>
-          <a:lnRef idx="2">
-            <a:schemeClr val="accent1">
-              <a:shade val="50000"/>
-            </a:schemeClr>
-          </a:lnRef>
-          <a:fillRef idx="1">
-            <a:schemeClr val="accent1"/>
-          </a:fillRef>
-          <a:effectRef idx="0">
-            <a:schemeClr val="accent1"/>
-          </a:effectRef>
-          <a:fontRef idx="minor">
-            <a:schemeClr val="lt1"/>
-          </a:fontRef>
-        </p:style>
-        <p:txBody>
-          <a:bodyPr rtlCol="0" anchor="ctr"/>
-          <a:lstStyle/>
-          <a:p>
-            <a:pPr algn="ctr"/>
-            <a:endParaRPr lang="en-US"/>
-          </a:p>
-        </p:txBody>
-      </p:sp>
-      <p:sp>
-        <p:nvSpPr>
-          <p:cNvPr id="57" name="Rounded Rectangle 56"/>
-          <p:cNvSpPr/>
-          <p:nvPr/>
-        </p:nvSpPr>
         <p:spPr bwMode="auto">
           <a:xfrm>
-            <a:off x="4993234" y="3771760"/>
-            <a:ext cx="1054245" cy="1512807"/>
-          </a:xfrm>
-          <a:prstGeom prst="roundRect">
-            <a:avLst/>
-          </a:prstGeom>
-          <a:solidFill>
-            <a:schemeClr val="accent1"/>
-          </a:solidFill>
-          <a:ln w="9525" cap="flat" cmpd="sng" algn="ctr">
-            <a:solidFill>
-              <a:schemeClr val="tx1"/>
-            </a:solidFill>
-            <a:prstDash val="solid"/>
-            <a:round/>
-            <a:headEnd type="none" w="med" len="med"/>
-            <a:tailEnd type="none" w="med" len="med"/>
-          </a:ln>
-          <a:effectLst/>
-        </p:spPr>
-        <p:txBody>
-          <a:bodyPr vert="horz" wrap="square" lIns="91440" tIns="45720" rIns="91440" bIns="45720" numCol="1" rtlCol="0" anchor="t" anchorCtr="0" compatLnSpc="1">
-            <a:prstTxWarp prst="textNoShape">
-              <a:avLst/>
-            </a:prstTxWarp>
-          </a:bodyPr>
-          <a:lstStyle/>
-          <a:p>
-            <a:pPr marL="0" marR="0" indent="0" algn="l" defTabSz="914400" rtl="0" eaLnBrk="0" fontAlgn="base" latinLnBrk="0" hangingPunct="0">
-              <a:lnSpc>
-                <a:spcPct val="100000"/>
-              </a:lnSpc>
-              <a:spcBef>
-                <a:spcPct val="0"/>
-              </a:spcBef>
-              <a:spcAft>
-                <a:spcPct val="0"/>
-              </a:spcAft>
-              <a:buClrTx/>
-              <a:buSzTx/>
-              <a:buFontTx/>
-              <a:buNone/>
-              <a:tabLst/>
-            </a:pPr>
-            <a:r>
-              <a:rPr lang="en-US" sz="600" dirty="0">
-                <a:latin typeface="Arial" charset="0"/>
-                <a:ea typeface="ＭＳ Ｐゴシック" pitchFamily="48" charset="-128"/>
-              </a:rPr>
-              <a:t>Hub</a:t>
-            </a:r>
-            <a:endParaRPr kumimoji="0" lang="en-US" sz="600" b="0" i="0" u="none" strike="noStrike" cap="none" normalizeH="0" baseline="0" dirty="0">
-              <a:ln>
-                <a:noFill/>
-              </a:ln>
-              <a:solidFill>
-                <a:schemeClr val="tx1"/>
-              </a:solidFill>
-              <a:effectLst/>
-              <a:latin typeface="Arial" charset="0"/>
-              <a:ea typeface="ＭＳ Ｐゴシック" pitchFamily="48" charset="-128"/>
-            </a:endParaRPr>
-          </a:p>
-        </p:txBody>
-      </p:sp>
-      <p:sp>
-        <p:nvSpPr>
-          <p:cNvPr id="58" name="Rectangle 57"/>
-          <p:cNvSpPr/>
-          <p:nvPr/>
-        </p:nvSpPr>
-        <p:spPr bwMode="auto">
-          <a:xfrm>
-            <a:off x="2240745" y="4091642"/>
+            <a:off x="4064829" y="4524258"/>
             <a:ext cx="152400" cy="152400"/>
           </a:xfrm>
           <a:prstGeom prst="rect">
@@ -24025,15 +23647,198 @@
           </a:p>
         </p:txBody>
       </p:sp>
-      <p:sp>
-        <p:nvSpPr>
-          <p:cNvPr id="61" name="Rectangle 60"/>
+      <p:cxnSp>
+        <p:nvCxnSpPr>
+          <p:cNvPr id="11" name="Straight Arrow Connector 10">
+            <a:extLst>
+              <a:ext uri="{FF2B5EF4-FFF2-40B4-BE49-F238E27FC236}">
+                <a16:creationId xmlns:a16="http://schemas.microsoft.com/office/drawing/2014/main" id="{918FD6B2-4A88-4F1C-B180-69BD3FE0DA2E}"/>
+              </a:ext>
+            </a:extLst>
+          </p:cNvPr>
+          <p:cNvCxnSpPr>
+            <a:cxnSpLocks/>
+            <a:stCxn id="23" idx="1"/>
+            <a:endCxn id="7" idx="3"/>
+          </p:cNvCxnSpPr>
+          <p:nvPr/>
+        </p:nvCxnSpPr>
+        <p:spPr>
+          <a:xfrm flipH="1">
+            <a:off x="4217229" y="3671829"/>
+            <a:ext cx="2125205" cy="369917"/>
+          </a:xfrm>
+          <a:prstGeom prst="straightConnector1">
+            <a:avLst/>
+          </a:prstGeom>
+          <a:ln>
+            <a:solidFill>
+              <a:schemeClr val="tx1"/>
+            </a:solidFill>
+            <a:tailEnd type="triangle"/>
+          </a:ln>
+        </p:spPr>
+        <p:style>
+          <a:lnRef idx="1">
+            <a:schemeClr val="accent1"/>
+          </a:lnRef>
+          <a:fillRef idx="0">
+            <a:schemeClr val="accent1"/>
+          </a:fillRef>
+          <a:effectRef idx="0">
+            <a:schemeClr val="accent1"/>
+          </a:effectRef>
+          <a:fontRef idx="minor">
+            <a:schemeClr val="tx1"/>
+          </a:fontRef>
+        </p:style>
+      </p:cxnSp>
+      <p:cxnSp>
+        <p:nvCxnSpPr>
+          <p:cNvPr id="15" name="Straight Arrow Connector 14">
+            <a:extLst>
+              <a:ext uri="{FF2B5EF4-FFF2-40B4-BE49-F238E27FC236}">
+                <a16:creationId xmlns:a16="http://schemas.microsoft.com/office/drawing/2014/main" id="{B93E07C7-B6E7-477B-A139-78D43E835562}"/>
+              </a:ext>
+            </a:extLst>
+          </p:cNvPr>
+          <p:cNvCxnSpPr>
+            <a:cxnSpLocks/>
+            <a:endCxn id="19" idx="1"/>
+          </p:cNvCxnSpPr>
+          <p:nvPr/>
+        </p:nvCxnSpPr>
+        <p:spPr>
+          <a:xfrm>
+            <a:off x="4205880" y="4602259"/>
+            <a:ext cx="2118720" cy="1265141"/>
+          </a:xfrm>
+          <a:prstGeom prst="straightConnector1">
+            <a:avLst/>
+          </a:prstGeom>
+          <a:ln>
+            <a:solidFill>
+              <a:schemeClr val="tx1"/>
+            </a:solidFill>
+            <a:tailEnd type="triangle"/>
+          </a:ln>
+        </p:spPr>
+        <p:style>
+          <a:lnRef idx="1">
+            <a:schemeClr val="accent1"/>
+          </a:lnRef>
+          <a:fillRef idx="0">
+            <a:schemeClr val="accent1"/>
+          </a:fillRef>
+          <a:effectRef idx="0">
+            <a:schemeClr val="accent1"/>
+          </a:effectRef>
+          <a:fontRef idx="minor">
+            <a:schemeClr val="tx1"/>
+          </a:fontRef>
+        </p:style>
+      </p:cxnSp>
+      <p:sp>
+        <p:nvSpPr>
+          <p:cNvPr id="18" name="Rounded Rectangle 50">
+            <a:extLst>
+              <a:ext uri="{FF2B5EF4-FFF2-40B4-BE49-F238E27FC236}">
+                <a16:creationId xmlns:a16="http://schemas.microsoft.com/office/drawing/2014/main" id="{537F4527-F150-4F6C-BEF3-A8F5F792B1F0}"/>
+              </a:ext>
+            </a:extLst>
+          </p:cNvPr>
           <p:cNvSpPr/>
           <p:nvPr/>
         </p:nvSpPr>
         <p:spPr bwMode="auto">
           <a:xfrm>
-            <a:off x="6042588" y="4035483"/>
+            <a:off x="6488348" y="5388046"/>
+            <a:ext cx="1618177" cy="1047768"/>
+          </a:xfrm>
+          <a:prstGeom prst="roundRect">
+            <a:avLst/>
+          </a:prstGeom>
+          <a:solidFill>
+            <a:srgbClr val="92D050"/>
+          </a:solidFill>
+          <a:ln w="9525" cap="flat" cmpd="sng" algn="ctr">
+            <a:solidFill>
+              <a:schemeClr val="tx1"/>
+            </a:solidFill>
+            <a:prstDash val="solid"/>
+            <a:round/>
+            <a:headEnd type="none" w="med" len="med"/>
+            <a:tailEnd type="none" w="med" len="med"/>
+          </a:ln>
+          <a:effectLst/>
+        </p:spPr>
+        <p:txBody>
+          <a:bodyPr vert="horz" wrap="square" lIns="91440" tIns="45720" rIns="91440" bIns="45720" numCol="1" rtlCol="0" anchor="t" anchorCtr="0" compatLnSpc="1">
+            <a:prstTxWarp prst="textNoShape">
+              <a:avLst/>
+            </a:prstTxWarp>
+          </a:bodyPr>
+          <a:lstStyle/>
+          <a:p>
+            <a:pPr marL="0" marR="0" indent="0" algn="l" defTabSz="914400" rtl="0" eaLnBrk="0" fontAlgn="base" latinLnBrk="0" hangingPunct="0">
+              <a:lnSpc>
+                <a:spcPct val="100000"/>
+              </a:lnSpc>
+              <a:spcBef>
+                <a:spcPct val="0"/>
+              </a:spcBef>
+              <a:spcAft>
+                <a:spcPct val="0"/>
+              </a:spcAft>
+              <a:buClrTx/>
+              <a:buSzTx/>
+              <a:buFontTx/>
+              <a:buNone/>
+              <a:tabLst/>
+            </a:pPr>
+            <a:r>
+              <a:rPr kumimoji="0" lang="en-US" sz="1400" b="0" i="0" u="none" strike="noStrike" cap="none" normalizeH="0" baseline="0" dirty="0" err="1">
+                <a:ln>
+                  <a:noFill/>
+                </a:ln>
+                <a:solidFill>
+                  <a:schemeClr val="tx1"/>
+                </a:solidFill>
+                <a:effectLst/>
+                <a:latin typeface="Arial" charset="0"/>
+                <a:ea typeface="ＭＳ Ｐゴシック" pitchFamily="48" charset="-128"/>
+              </a:rPr>
+              <a:t>BufferManager</a:t>
+            </a:r>
+            <a:endParaRPr kumimoji="0" lang="en-US" sz="1400" b="0" i="0" u="none" strike="noStrike" cap="none" normalizeH="0" baseline="0" dirty="0">
+              <a:ln>
+                <a:noFill/>
+              </a:ln>
+              <a:solidFill>
+                <a:schemeClr val="tx1"/>
+              </a:solidFill>
+              <a:effectLst/>
+              <a:latin typeface="Arial" charset="0"/>
+              <a:ea typeface="ＭＳ Ｐゴシック" pitchFamily="48" charset="-128"/>
+            </a:endParaRPr>
+          </a:p>
+        </p:txBody>
+      </p:sp>
+      <p:sp>
+        <p:nvSpPr>
+          <p:cNvPr id="19" name="Rectangle 18">
+            <a:extLst>
+              <a:ext uri="{FF2B5EF4-FFF2-40B4-BE49-F238E27FC236}">
+                <a16:creationId xmlns:a16="http://schemas.microsoft.com/office/drawing/2014/main" id="{A28BAA6A-069D-42FE-8781-4F670BB200D3}"/>
+              </a:ext>
+            </a:extLst>
+          </p:cNvPr>
+          <p:cNvSpPr/>
+          <p:nvPr/>
+        </p:nvSpPr>
+        <p:spPr bwMode="auto">
+          <a:xfrm>
+            <a:off x="6324600" y="5791200"/>
             <a:ext cx="152400" cy="152400"/>
           </a:xfrm>
           <a:prstGeom prst="rect">
@@ -24093,13 +23898,143 @@
       </p:sp>
       <p:sp>
         <p:nvSpPr>
-          <p:cNvPr id="63" name="Rectangle 62"/>
+          <p:cNvPr id="16" name="Rectangle 15">
+            <a:extLst>
+              <a:ext uri="{FF2B5EF4-FFF2-40B4-BE49-F238E27FC236}">
+                <a16:creationId xmlns:a16="http://schemas.microsoft.com/office/drawing/2014/main" id="{DF3A65A6-25AA-4176-ACE7-8638A195B12F}"/>
+              </a:ext>
+            </a:extLst>
+          </p:cNvPr>
           <p:cNvSpPr/>
           <p:nvPr/>
         </p:nvSpPr>
+        <p:spPr>
+          <a:xfrm>
+            <a:off x="2819400" y="4255770"/>
+            <a:ext cx="762000" cy="214416"/>
+          </a:xfrm>
+          <a:prstGeom prst="rect">
+            <a:avLst/>
+          </a:prstGeom>
+          <a:solidFill>
+            <a:srgbClr val="FFC000"/>
+          </a:solidFill>
+        </p:spPr>
+        <p:style>
+          <a:lnRef idx="2">
+            <a:schemeClr val="accent1">
+              <a:shade val="50000"/>
+            </a:schemeClr>
+          </a:lnRef>
+          <a:fillRef idx="1">
+            <a:schemeClr val="accent1"/>
+          </a:fillRef>
+          <a:effectRef idx="0">
+            <a:schemeClr val="accent1"/>
+          </a:effectRef>
+          <a:fontRef idx="minor">
+            <a:schemeClr val="lt1"/>
+          </a:fontRef>
+        </p:style>
+        <p:txBody>
+          <a:bodyPr rtlCol="0" anchor="ctr"/>
+          <a:lstStyle/>
+          <a:p>
+            <a:pPr algn="ctr"/>
+            <a:endParaRPr lang="en-US"/>
+          </a:p>
+        </p:txBody>
+      </p:sp>
+      <p:sp>
+        <p:nvSpPr>
+          <p:cNvPr id="22" name="Rounded Rectangle 50">
+            <a:extLst>
+              <a:ext uri="{FF2B5EF4-FFF2-40B4-BE49-F238E27FC236}">
+                <a16:creationId xmlns:a16="http://schemas.microsoft.com/office/drawing/2014/main" id="{FCAD6428-B7CC-4C02-B1EA-B2B587594AC2}"/>
+              </a:ext>
+            </a:extLst>
+          </p:cNvPr>
+          <p:cNvSpPr/>
+          <p:nvPr/>
+        </p:nvSpPr>
         <p:spPr bwMode="auto">
           <a:xfrm>
-            <a:off x="6584579" y="4035483"/>
+            <a:off x="6488349" y="3206242"/>
+            <a:ext cx="1618177" cy="1047768"/>
+          </a:xfrm>
+          <a:prstGeom prst="roundRect">
+            <a:avLst/>
+          </a:prstGeom>
+          <a:solidFill>
+            <a:srgbClr val="C00000"/>
+          </a:solidFill>
+          <a:ln w="9525" cap="flat" cmpd="sng" algn="ctr">
+            <a:solidFill>
+              <a:schemeClr val="tx1"/>
+            </a:solidFill>
+            <a:prstDash val="solid"/>
+            <a:round/>
+            <a:headEnd type="none" w="med" len="med"/>
+            <a:tailEnd type="none" w="med" len="med"/>
+          </a:ln>
+          <a:effectLst/>
+        </p:spPr>
+        <p:txBody>
+          <a:bodyPr vert="horz" wrap="square" lIns="91440" tIns="45720" rIns="91440" bIns="45720" numCol="1" rtlCol="0" anchor="t" anchorCtr="0" compatLnSpc="1">
+            <a:prstTxWarp prst="textNoShape">
+              <a:avLst/>
+            </a:prstTxWarp>
+          </a:bodyPr>
+          <a:lstStyle/>
+          <a:p>
+            <a:pPr marL="0" marR="0" indent="0" algn="l" defTabSz="914400" rtl="0" eaLnBrk="0" fontAlgn="base" latinLnBrk="0" hangingPunct="0">
+              <a:lnSpc>
+                <a:spcPct val="100000"/>
+              </a:lnSpc>
+              <a:spcBef>
+                <a:spcPct val="0"/>
+              </a:spcBef>
+              <a:spcAft>
+                <a:spcPct val="0"/>
+              </a:spcAft>
+              <a:buClrTx/>
+              <a:buSzTx/>
+              <a:buFontTx/>
+              <a:buNone/>
+              <a:tabLst/>
+            </a:pPr>
+            <a:r>
+              <a:rPr kumimoji="0" lang="en-US" sz="1400" b="0" i="0" u="none" strike="noStrike" cap="none" normalizeH="0" baseline="0" dirty="0">
+                <a:ln>
+                  <a:noFill/>
+                </a:ln>
+                <a:solidFill>
+                  <a:schemeClr val="tx1"/>
+                </a:solidFill>
+                <a:effectLst/>
+                <a:latin typeface="Arial" charset="0"/>
+                <a:ea typeface="ＭＳ Ｐゴシック" pitchFamily="48" charset="-128"/>
+              </a:rPr>
+              <a:t>Uplink</a:t>
+            </a:r>
+          </a:p>
+        </p:txBody>
+      </p:sp>
+      <p:sp>
+        <p:nvSpPr>
+          <p:cNvPr id="23" name="Rectangle 22">
+            <a:extLst>
+              <a:ext uri="{FF2B5EF4-FFF2-40B4-BE49-F238E27FC236}">
+                <a16:creationId xmlns:a16="http://schemas.microsoft.com/office/drawing/2014/main" id="{99A1EB83-63CB-4B5B-9587-3418E3D736AD}"/>
+              </a:ext>
+            </a:extLst>
+          </p:cNvPr>
+          <p:cNvSpPr/>
+          <p:nvPr/>
+        </p:nvSpPr>
+        <p:spPr bwMode="auto">
+          <a:xfrm>
+            <a:off x="6342434" y="3595629"/>
             <a:ext cx="152400" cy="152400"/>
           </a:xfrm>
           <a:prstGeom prst="rect">
@@ -24159,104 +24094,90 @@
       </p:sp>
       <p:sp>
         <p:nvSpPr>
-          <p:cNvPr id="28" name="Rounded Rectangle 27"/>
+          <p:cNvPr id="25" name="TextBox 24">
+            <a:extLst>
+              <a:ext uri="{FF2B5EF4-FFF2-40B4-BE49-F238E27FC236}">
+                <a16:creationId xmlns:a16="http://schemas.microsoft.com/office/drawing/2014/main" id="{F147DE2B-3253-40E9-8BEA-1D1CEDFB5C48}"/>
+              </a:ext>
+            </a:extLst>
+          </p:cNvPr>
+          <p:cNvSpPr txBox="1"/>
+          <p:nvPr/>
+        </p:nvSpPr>
+        <p:spPr>
+          <a:xfrm>
+            <a:off x="7339914" y="4564275"/>
+            <a:ext cx="951633" cy="338554"/>
+          </a:xfrm>
+          <a:prstGeom prst="rect">
+            <a:avLst/>
+          </a:prstGeom>
+          <a:noFill/>
+        </p:spPr>
+        <p:txBody>
+          <a:bodyPr wrap="square" rtlCol="0">
+            <a:spAutoFit/>
+          </a:bodyPr>
+          <a:lstStyle/>
+          <a:p>
+            <a:r>
+              <a:rPr lang="en-US" sz="1600" dirty="0"/>
+              <a:t>get()</a:t>
+            </a:r>
+          </a:p>
+        </p:txBody>
+      </p:sp>
+      <p:sp>
+        <p:nvSpPr>
+          <p:cNvPr id="26" name="TextBox 25">
+            <a:extLst>
+              <a:ext uri="{FF2B5EF4-FFF2-40B4-BE49-F238E27FC236}">
+                <a16:creationId xmlns:a16="http://schemas.microsoft.com/office/drawing/2014/main" id="{D6829B96-74D3-4E25-90D9-43ACBF2A9B27}"/>
+              </a:ext>
+            </a:extLst>
+          </p:cNvPr>
+          <p:cNvSpPr txBox="1"/>
+          <p:nvPr/>
+        </p:nvSpPr>
+        <p:spPr>
+          <a:xfrm>
+            <a:off x="4666457" y="3518233"/>
+            <a:ext cx="951633" cy="338554"/>
+          </a:xfrm>
+          <a:prstGeom prst="rect">
+            <a:avLst/>
+          </a:prstGeom>
+          <a:noFill/>
+        </p:spPr>
+        <p:txBody>
+          <a:bodyPr wrap="square" rtlCol="0">
+            <a:spAutoFit/>
+          </a:bodyPr>
+          <a:lstStyle/>
+          <a:p>
+            <a:r>
+              <a:rPr lang="en-US" sz="1600"/>
+              <a:t>send()</a:t>
+            </a:r>
+            <a:endParaRPr lang="en-US" sz="1600" dirty="0"/>
+          </a:p>
+        </p:txBody>
+      </p:sp>
+      <p:sp>
+        <p:nvSpPr>
+          <p:cNvPr id="27" name="Rectangle 26">
+            <a:extLst>
+              <a:ext uri="{FF2B5EF4-FFF2-40B4-BE49-F238E27FC236}">
+                <a16:creationId xmlns:a16="http://schemas.microsoft.com/office/drawing/2014/main" id="{ACE22CC1-FAAC-4E66-A9EA-08F093498162}"/>
+              </a:ext>
+            </a:extLst>
+          </p:cNvPr>
           <p:cNvSpPr/>
           <p:nvPr/>
         </p:nvSpPr>
         <p:spPr bwMode="auto">
           <a:xfrm>
-            <a:off x="986730" y="4698010"/>
-            <a:ext cx="711345" cy="609600"/>
-          </a:xfrm>
-          <a:prstGeom prst="roundRect">
-            <a:avLst/>
-          </a:prstGeom>
-          <a:solidFill>
-            <a:schemeClr val="accent1"/>
-          </a:solidFill>
-          <a:ln w="9525" cap="flat" cmpd="sng" algn="ctr">
-            <a:solidFill>
-              <a:schemeClr val="tx1"/>
-            </a:solidFill>
-            <a:prstDash val="solid"/>
-            <a:round/>
-            <a:headEnd type="none" w="med" len="med"/>
-            <a:tailEnd type="none" w="med" len="med"/>
-          </a:ln>
-          <a:effectLst/>
-        </p:spPr>
-        <p:txBody>
-          <a:bodyPr vert="horz" wrap="square" lIns="91440" tIns="45720" rIns="91440" bIns="45720" numCol="1" rtlCol="0" anchor="t" anchorCtr="0" compatLnSpc="1">
-            <a:prstTxWarp prst="textNoShape">
-              <a:avLst/>
-            </a:prstTxWarp>
-          </a:bodyPr>
-          <a:lstStyle/>
-          <a:p>
-            <a:pPr marL="0" marR="0" indent="0" algn="l" defTabSz="914400" rtl="0" eaLnBrk="0" fontAlgn="base" latinLnBrk="0" hangingPunct="0">
-              <a:lnSpc>
-                <a:spcPct val="100000"/>
-              </a:lnSpc>
-              <a:spcBef>
-                <a:spcPct val="0"/>
-              </a:spcBef>
-              <a:spcAft>
-                <a:spcPct val="0"/>
-              </a:spcAft>
-              <a:buClrTx/>
-              <a:buSzTx/>
-              <a:buFontTx/>
-              <a:buNone/>
-              <a:tabLst/>
-            </a:pPr>
-            <a:r>
-              <a:rPr lang="en-US" sz="600" dirty="0"/>
-              <a:t>Consumer</a:t>
-            </a:r>
-          </a:p>
-          <a:p>
-            <a:pPr marL="0" marR="0" indent="0" algn="l" defTabSz="914400" rtl="0" eaLnBrk="0" fontAlgn="base" latinLnBrk="0" hangingPunct="0">
-              <a:lnSpc>
-                <a:spcPct val="100000"/>
-              </a:lnSpc>
-              <a:spcBef>
-                <a:spcPct val="0"/>
-              </a:spcBef>
-              <a:spcAft>
-                <a:spcPct val="0"/>
-              </a:spcAft>
-              <a:buClrTx/>
-              <a:buSzTx/>
-              <a:buFontTx/>
-              <a:buNone/>
-              <a:tabLst/>
-            </a:pPr>
-            <a:r>
-              <a:rPr kumimoji="0" lang="en-US" sz="600" b="0" i="0" u="none" strike="noStrike" cap="none" normalizeH="0" baseline="0" dirty="0">
-                <a:ln>
-                  <a:noFill/>
-                </a:ln>
-                <a:solidFill>
-                  <a:schemeClr val="tx1"/>
-                </a:solidFill>
-                <a:effectLst/>
-                <a:latin typeface="Arial" charset="0"/>
-                <a:ea typeface="ＭＳ Ｐゴシック" pitchFamily="48" charset="-128"/>
-              </a:rPr>
-              <a:t>Component2</a:t>
-            </a:r>
-          </a:p>
-        </p:txBody>
-      </p:sp>
-      <p:sp>
-        <p:nvSpPr>
-          <p:cNvPr id="29" name="Rectangle 28"/>
-          <p:cNvSpPr/>
-          <p:nvPr/>
-        </p:nvSpPr>
-        <p:spPr bwMode="auto">
-          <a:xfrm>
-            <a:off x="1686633" y="4926610"/>
+            <a:off x="7224119" y="5235646"/>
             <a:ext cx="152400" cy="152400"/>
           </a:xfrm>
           <a:prstGeom prst="rect">
@@ -24314,44 +24235,21 @@
           </a:p>
         </p:txBody>
       </p:sp>
-      <p:cxnSp>
-        <p:nvCxnSpPr>
-          <p:cNvPr id="30" name="Straight Arrow Connector 29"/>
-          <p:cNvCxnSpPr/>
-          <p:nvPr/>
-        </p:nvCxnSpPr>
+      <p:sp>
+        <p:nvSpPr>
+          <p:cNvPr id="28" name="Rectangle 27">
+            <a:extLst>
+              <a:ext uri="{FF2B5EF4-FFF2-40B4-BE49-F238E27FC236}">
+                <a16:creationId xmlns:a16="http://schemas.microsoft.com/office/drawing/2014/main" id="{5AA76D83-2577-4F36-89A8-DD14A9AF2676}"/>
+              </a:ext>
+            </a:extLst>
+          </p:cNvPr>
+          <p:cNvSpPr/>
+          <p:nvPr/>
+        </p:nvSpPr>
         <p:spPr bwMode="auto">
-          <a:xfrm flipH="1" flipV="1">
-            <a:off x="1458033" y="5002810"/>
-            <a:ext cx="228600" cy="0"/>
-          </a:xfrm>
-          <a:prstGeom prst="straightConnector1">
-            <a:avLst/>
-          </a:prstGeom>
-          <a:solidFill>
-            <a:schemeClr val="accent1"/>
-          </a:solidFill>
-          <a:ln w="9525" cap="flat" cmpd="sng" algn="ctr">
-            <a:solidFill>
-              <a:schemeClr val="tx1"/>
-            </a:solidFill>
-            <a:prstDash val="solid"/>
-            <a:round/>
-            <a:headEnd type="none" w="med" len="med"/>
-            <a:tailEnd type="arrow"/>
-          </a:ln>
-          <a:effectLst/>
-        </p:spPr>
-      </p:cxnSp>
-      <p:sp>
-        <p:nvSpPr>
-          <p:cNvPr id="31" name="Rectangle 30"/>
-          <p:cNvSpPr/>
-          <p:nvPr/>
-        </p:nvSpPr>
-        <p:spPr bwMode="auto">
-          <a:xfrm>
-            <a:off x="2228624" y="4926610"/>
+          <a:xfrm>
+            <a:off x="7221236" y="4247622"/>
             <a:ext cx="152400" cy="152400"/>
           </a:xfrm>
           <a:prstGeom prst="rect">
@@ -24409,279 +24307,35 @@
           </a:p>
         </p:txBody>
       </p:sp>
-      <p:sp>
-        <p:nvSpPr>
-          <p:cNvPr id="50" name="Rounded Rectangle 49"/>
-          <p:cNvSpPr/>
-          <p:nvPr/>
-        </p:nvSpPr>
-        <p:spPr bwMode="auto">
-          <a:xfrm>
-            <a:off x="6747401" y="4528163"/>
-            <a:ext cx="711345" cy="609600"/>
-          </a:xfrm>
-          <a:prstGeom prst="roundRect">
-            <a:avLst/>
-          </a:prstGeom>
-          <a:solidFill>
-            <a:schemeClr val="accent1"/>
-          </a:solidFill>
-          <a:ln w="9525" cap="flat" cmpd="sng" algn="ctr">
-            <a:solidFill>
-              <a:schemeClr val="tx1"/>
-            </a:solidFill>
-            <a:prstDash val="solid"/>
-            <a:round/>
-            <a:headEnd type="none" w="med" len="med"/>
-            <a:tailEnd type="none" w="med" len="med"/>
-          </a:ln>
-          <a:effectLst/>
-        </p:spPr>
-        <p:txBody>
-          <a:bodyPr vert="horz" wrap="square" lIns="91440" tIns="45720" rIns="91440" bIns="45720" numCol="1" rtlCol="0" anchor="t" anchorCtr="0" compatLnSpc="1">
-            <a:prstTxWarp prst="textNoShape">
-              <a:avLst/>
-            </a:prstTxWarp>
-          </a:bodyPr>
-          <a:lstStyle/>
-          <a:p>
-            <a:pPr marL="0" marR="0" indent="0" algn="l" defTabSz="914400" rtl="0" eaLnBrk="0" fontAlgn="base" latinLnBrk="0" hangingPunct="0">
-              <a:lnSpc>
-                <a:spcPct val="100000"/>
-              </a:lnSpc>
-              <a:spcBef>
-                <a:spcPct val="0"/>
-              </a:spcBef>
-              <a:spcAft>
-                <a:spcPct val="0"/>
-              </a:spcAft>
-              <a:buClrTx/>
-              <a:buSzTx/>
-              <a:buFontTx/>
-              <a:buNone/>
-              <a:tabLst/>
-            </a:pPr>
-            <a:r>
-              <a:rPr lang="en-US" sz="600" dirty="0"/>
-              <a:t>Producer</a:t>
-            </a:r>
-          </a:p>
-          <a:p>
-            <a:pPr marL="0" marR="0" indent="0" algn="l" defTabSz="914400" rtl="0" eaLnBrk="0" fontAlgn="base" latinLnBrk="0" hangingPunct="0">
-              <a:lnSpc>
-                <a:spcPct val="100000"/>
-              </a:lnSpc>
-              <a:spcBef>
-                <a:spcPct val="0"/>
-              </a:spcBef>
-              <a:spcAft>
-                <a:spcPct val="0"/>
-              </a:spcAft>
-              <a:buClrTx/>
-              <a:buSzTx/>
-              <a:buFontTx/>
-              <a:buNone/>
-              <a:tabLst/>
-            </a:pPr>
-            <a:r>
-              <a:rPr kumimoji="0" lang="en-US" sz="600" b="0" i="0" u="none" strike="noStrike" cap="none" normalizeH="0" baseline="0" dirty="0">
-                <a:ln>
-                  <a:noFill/>
-                </a:ln>
-                <a:solidFill>
-                  <a:schemeClr val="tx1"/>
-                </a:solidFill>
-                <a:effectLst/>
-                <a:latin typeface="Arial" charset="0"/>
-                <a:ea typeface="ＭＳ Ｐゴシック" pitchFamily="48" charset="-128"/>
-              </a:rPr>
-              <a:t>Component2</a:t>
-            </a:r>
-          </a:p>
-        </p:txBody>
-      </p:sp>
       <p:cxnSp>
         <p:nvCxnSpPr>
-          <p:cNvPr id="52" name="Straight Arrow Connector 51"/>
-          <p:cNvCxnSpPr/>
-          <p:nvPr/>
-        </p:nvCxnSpPr>
-        <p:spPr bwMode="auto">
-          <a:xfrm flipH="1">
-            <a:off x="6747401" y="4846145"/>
-            <a:ext cx="228600" cy="0"/>
-          </a:xfrm>
-          <a:prstGeom prst="straightConnector1">
-            <a:avLst/>
-          </a:prstGeom>
-          <a:solidFill>
-            <a:schemeClr val="accent1"/>
-          </a:solidFill>
-          <a:ln w="9525" cap="flat" cmpd="sng" algn="ctr">
-            <a:solidFill>
-              <a:schemeClr val="tx1"/>
-            </a:solidFill>
-            <a:prstDash val="solid"/>
-            <a:round/>
-            <a:headEnd type="none" w="med" len="med"/>
-            <a:tailEnd type="arrow"/>
-          </a:ln>
-          <a:effectLst/>
-        </p:spPr>
-      </p:cxnSp>
-      <p:sp>
-        <p:nvSpPr>
-          <p:cNvPr id="54" name="Rectangle 53"/>
-          <p:cNvSpPr/>
-          <p:nvPr/>
-        </p:nvSpPr>
-        <p:spPr bwMode="auto">
-          <a:xfrm>
-            <a:off x="6053010" y="4774953"/>
-            <a:ext cx="152400" cy="152400"/>
-          </a:xfrm>
-          <a:prstGeom prst="rect">
-            <a:avLst/>
-          </a:prstGeom>
-          <a:solidFill>
-            <a:schemeClr val="accent2"/>
-          </a:solidFill>
-          <a:ln w="9525" cap="flat" cmpd="sng" algn="ctr">
-            <a:solidFill>
-              <a:schemeClr val="tx1"/>
-            </a:solidFill>
-            <a:prstDash val="solid"/>
-            <a:round/>
-            <a:headEnd type="none" w="med" len="med"/>
-            <a:tailEnd type="none" w="med" len="med"/>
-          </a:ln>
-          <a:effectLst/>
-        </p:spPr>
-        <p:txBody>
-          <a:bodyPr vert="horz" wrap="square" lIns="91440" tIns="45720" rIns="91440" bIns="45720" numCol="1" rtlCol="0" anchor="t" anchorCtr="0" compatLnSpc="1">
-            <a:prstTxWarp prst="textNoShape">
-              <a:avLst/>
-            </a:prstTxWarp>
-          </a:bodyPr>
-          <a:lstStyle/>
-          <a:p>
-            <a:pPr marL="0" marR="0" indent="0" algn="l" defTabSz="914400" rtl="0" eaLnBrk="0" fontAlgn="base" latinLnBrk="0" hangingPunct="0">
-              <a:lnSpc>
-                <a:spcPct val="100000"/>
-              </a:lnSpc>
-              <a:spcBef>
-                <a:spcPct val="0"/>
-              </a:spcBef>
-              <a:spcAft>
-                <a:spcPct val="0"/>
-              </a:spcAft>
-              <a:buClrTx/>
-              <a:buSzTx/>
-              <a:buFontTx/>
-              <a:buNone/>
-              <a:tabLst/>
-            </a:pPr>
-            <a:endParaRPr kumimoji="0" lang="en-US" sz="2400" b="0" i="0" u="none" strike="noStrike" cap="none" normalizeH="0" baseline="0">
-              <a:ln>
-                <a:noFill/>
-              </a:ln>
-              <a:solidFill>
-                <a:schemeClr val="tx1"/>
-              </a:solidFill>
-              <a:effectLst/>
-              <a:latin typeface="Arial" charset="0"/>
-              <a:ea typeface="ＭＳ Ｐゴシック" pitchFamily="48" charset="-128"/>
-            </a:endParaRPr>
-          </a:p>
-        </p:txBody>
-      </p:sp>
-      <p:sp>
-        <p:nvSpPr>
-          <p:cNvPr id="55" name="Rectangle 54"/>
-          <p:cNvSpPr/>
-          <p:nvPr/>
-        </p:nvSpPr>
-        <p:spPr bwMode="auto">
-          <a:xfrm>
-            <a:off x="6595001" y="4774953"/>
-            <a:ext cx="152400" cy="152400"/>
-          </a:xfrm>
-          <a:prstGeom prst="rect">
-            <a:avLst/>
-          </a:prstGeom>
-          <a:solidFill>
-            <a:schemeClr val="accent2"/>
-          </a:solidFill>
-          <a:ln w="9525" cap="flat" cmpd="sng" algn="ctr">
-            <a:solidFill>
-              <a:schemeClr val="tx1"/>
-            </a:solidFill>
-            <a:prstDash val="solid"/>
-            <a:round/>
-            <a:headEnd type="none" w="med" len="med"/>
-            <a:tailEnd type="none" w="med" len="med"/>
-          </a:ln>
-          <a:effectLst/>
-        </p:spPr>
-        <p:txBody>
-          <a:bodyPr vert="horz" wrap="square" lIns="91440" tIns="45720" rIns="91440" bIns="45720" numCol="1" rtlCol="0" anchor="t" anchorCtr="0" compatLnSpc="1">
-            <a:prstTxWarp prst="textNoShape">
-              <a:avLst/>
-            </a:prstTxWarp>
-          </a:bodyPr>
-          <a:lstStyle/>
-          <a:p>
-            <a:pPr marL="0" marR="0" indent="0" algn="l" defTabSz="914400" rtl="0" eaLnBrk="0" fontAlgn="base" latinLnBrk="0" hangingPunct="0">
-              <a:lnSpc>
-                <a:spcPct val="100000"/>
-              </a:lnSpc>
-              <a:spcBef>
-                <a:spcPct val="0"/>
-              </a:spcBef>
-              <a:spcAft>
-                <a:spcPct val="0"/>
-              </a:spcAft>
-              <a:buClrTx/>
-              <a:buSzTx/>
-              <a:buFontTx/>
-              <a:buNone/>
-              <a:tabLst/>
-            </a:pPr>
-            <a:endParaRPr kumimoji="0" lang="en-US" sz="2400" b="0" i="0" u="none" strike="noStrike" cap="none" normalizeH="0" baseline="0">
-              <a:ln>
-                <a:noFill/>
-              </a:ln>
-              <a:solidFill>
-                <a:schemeClr val="tx1"/>
-              </a:solidFill>
-              <a:effectLst/>
-              <a:latin typeface="Arial" charset="0"/>
-              <a:ea typeface="ＭＳ Ｐゴシック" pitchFamily="48" charset="-128"/>
-            </a:endParaRPr>
-          </a:p>
-        </p:txBody>
-      </p:sp>
-      <p:cxnSp>
-        <p:nvCxnSpPr>
-          <p:cNvPr id="13" name="Elbow Connector 12"/>
+          <p:cNvPr id="29" name="Straight Arrow Connector 28">
+            <a:extLst>
+              <a:ext uri="{FF2B5EF4-FFF2-40B4-BE49-F238E27FC236}">
+                <a16:creationId xmlns:a16="http://schemas.microsoft.com/office/drawing/2014/main" id="{BD388097-45E6-4E52-8D42-236938317F50}"/>
+              </a:ext>
+            </a:extLst>
+          </p:cNvPr>
           <p:cNvCxnSpPr>
-            <a:stCxn id="58" idx="3"/>
+            <a:cxnSpLocks/>
+            <a:stCxn id="28" idx="2"/>
+            <a:endCxn id="27" idx="0"/>
           </p:cNvCxnSpPr>
           <p:nvPr/>
         </p:nvCxnSpPr>
         <p:spPr>
           <a:xfrm>
-            <a:off x="2393145" y="4167842"/>
-            <a:ext cx="690415" cy="1116725"/>
-          </a:xfrm>
-          <a:prstGeom prst="bentConnector2">
+            <a:off x="7297436" y="4400022"/>
+            <a:ext cx="2883" cy="835624"/>
+          </a:xfrm>
+          <a:prstGeom prst="straightConnector1">
             <a:avLst/>
           </a:prstGeom>
           <a:ln>
             <a:solidFill>
               <a:schemeClr val="tx1"/>
             </a:solidFill>
-            <a:tailEnd type="arrow"/>
+            <a:tailEnd type="triangle"/>
           </a:ln>
         </p:spPr>
         <p:style>
@@ -24699,272 +24353,45 @@
           </a:fontRef>
         </p:style>
       </p:cxnSp>
-      <p:cxnSp>
-        <p:nvCxnSpPr>
-          <p:cNvPr id="70" name="Elbow Connector 69"/>
-          <p:cNvCxnSpPr>
-            <a:endCxn id="31" idx="3"/>
-          </p:cNvCxnSpPr>
-          <p:nvPr/>
-        </p:nvCxnSpPr>
+      <p:sp>
+        <p:nvSpPr>
+          <p:cNvPr id="31" name="TextBox 30">
+            <a:extLst>
+              <a:ext uri="{FF2B5EF4-FFF2-40B4-BE49-F238E27FC236}">
+                <a16:creationId xmlns:a16="http://schemas.microsoft.com/office/drawing/2014/main" id="{425B2788-64D3-4D2E-BC1B-A21F2812ED81}"/>
+              </a:ext>
+            </a:extLst>
+          </p:cNvPr>
+          <p:cNvSpPr txBox="1"/>
+          <p:nvPr/>
+        </p:nvSpPr>
         <p:spPr>
-          <a:xfrm rot="10800000">
-            <a:off x="2381024" y="5002811"/>
-            <a:ext cx="702536" cy="134953"/>
-          </a:xfrm>
-          <a:prstGeom prst="bentConnector3">
-            <a:avLst>
-              <a:gd name="adj1" fmla="val 50000"/>
-            </a:avLst>
-          </a:prstGeom>
-          <a:ln>
-            <a:solidFill>
-              <a:schemeClr val="tx1"/>
-            </a:solidFill>
-            <a:tailEnd type="arrow"/>
-          </a:ln>
-        </p:spPr>
-        <p:style>
-          <a:lnRef idx="1">
-            <a:schemeClr val="accent1"/>
-          </a:lnRef>
-          <a:fillRef idx="0">
-            <a:schemeClr val="accent1"/>
-          </a:fillRef>
-          <a:effectRef idx="0">
-            <a:schemeClr val="accent1"/>
-          </a:effectRef>
-          <a:fontRef idx="minor">
-            <a:schemeClr val="tx1"/>
-          </a:fontRef>
-        </p:style>
-      </p:cxnSp>
-      <p:cxnSp>
-        <p:nvCxnSpPr>
-          <p:cNvPr id="71" name="Elbow Connector 70"/>
-          <p:cNvCxnSpPr>
-            <a:stCxn id="57" idx="2"/>
-            <a:endCxn id="61" idx="1"/>
-          </p:cNvCxnSpPr>
-          <p:nvPr/>
-        </p:nvCxnSpPr>
-        <p:spPr>
-          <a:xfrm rot="5400000" flipH="1" flipV="1">
-            <a:off x="5195030" y="4437009"/>
-            <a:ext cx="1172884" cy="522231"/>
-          </a:xfrm>
-          <a:prstGeom prst="bentConnector4">
-            <a:avLst>
-              <a:gd name="adj1" fmla="val -19490"/>
-              <a:gd name="adj2" fmla="val -3589"/>
-            </a:avLst>
-          </a:prstGeom>
-          <a:ln>
-            <a:solidFill>
-              <a:schemeClr val="tx1"/>
-            </a:solidFill>
-            <a:tailEnd type="arrow"/>
-          </a:ln>
-        </p:spPr>
-        <p:style>
-          <a:lnRef idx="1">
-            <a:schemeClr val="accent1"/>
-          </a:lnRef>
-          <a:fillRef idx="0">
-            <a:schemeClr val="accent1"/>
-          </a:fillRef>
-          <a:effectRef idx="0">
-            <a:schemeClr val="accent1"/>
-          </a:effectRef>
-          <a:fontRef idx="minor">
-            <a:schemeClr val="tx1"/>
-          </a:fontRef>
-        </p:style>
-      </p:cxnSp>
-      <p:cxnSp>
-        <p:nvCxnSpPr>
-          <p:cNvPr id="72" name="Elbow Connector 71"/>
-          <p:cNvCxnSpPr/>
-          <p:nvPr/>
-        </p:nvCxnSpPr>
-        <p:spPr>
-          <a:xfrm rot="10800000">
-            <a:off x="5497498" y="4726204"/>
-            <a:ext cx="555513" cy="134954"/>
-          </a:xfrm>
-          <a:prstGeom prst="bentConnector3">
-            <a:avLst>
-              <a:gd name="adj1" fmla="val 50000"/>
-            </a:avLst>
-          </a:prstGeom>
-          <a:ln>
-            <a:solidFill>
-              <a:schemeClr val="tx1"/>
-            </a:solidFill>
-            <a:tailEnd type="arrow"/>
-          </a:ln>
-        </p:spPr>
-        <p:style>
-          <a:lnRef idx="1">
-            <a:schemeClr val="accent1"/>
-          </a:lnRef>
-          <a:fillRef idx="0">
-            <a:schemeClr val="accent1"/>
-          </a:fillRef>
-          <a:effectRef idx="0">
-            <a:schemeClr val="accent1"/>
-          </a:effectRef>
-          <a:fontRef idx="minor">
-            <a:schemeClr val="tx1"/>
-          </a:fontRef>
-        </p:style>
-      </p:cxnSp>
-      <p:sp>
-        <p:nvSpPr>
-          <p:cNvPr id="5" name="Slide Number Placeholder 4"/>
-          <p:cNvSpPr>
-            <a:spLocks noGrp="1"/>
-          </p:cNvSpPr>
-          <p:nvPr>
-            <p:ph type="sldNum" sz="quarter" idx="11"/>
-          </p:nvPr>
-        </p:nvSpPr>
-        <p:spPr/>
-        <p:txBody>
-          <a:bodyPr/>
-          <a:lstStyle/>
-          <a:p>
-            <a:fld id="{40846F03-29C8-41F1-8A60-CC8C672EC5BA}" type="slidenum">
-              <a:rPr lang="en-US" smtClean="0"/>
-              <a:t>29</a:t>
-            </a:fld>
-            <a:endParaRPr lang="en-US"/>
-          </a:p>
-        </p:txBody>
-      </p:sp>
-      <p:cxnSp>
-        <p:nvCxnSpPr>
-          <p:cNvPr id="46" name="Straight Arrow Connector 45"/>
-          <p:cNvCxnSpPr/>
-          <p:nvPr/>
-        </p:nvCxnSpPr>
-        <p:spPr bwMode="auto">
-          <a:xfrm>
-            <a:off x="6194988" y="4106675"/>
-            <a:ext cx="389591" cy="0"/>
-          </a:xfrm>
-          <a:prstGeom prst="straightConnector1">
-            <a:avLst/>
-          </a:prstGeom>
-          <a:solidFill>
-            <a:schemeClr val="accent1"/>
-          </a:solidFill>
-          <a:ln w="9525" cap="flat" cmpd="sng" algn="ctr">
-            <a:solidFill>
-              <a:schemeClr val="tx1"/>
-            </a:solidFill>
-            <a:prstDash val="solid"/>
-            <a:round/>
-            <a:headEnd type="none" w="med" len="med"/>
-            <a:tailEnd type="arrow"/>
-          </a:ln>
-          <a:effectLst/>
-        </p:spPr>
-      </p:cxnSp>
-      <p:cxnSp>
-        <p:nvCxnSpPr>
-          <p:cNvPr id="49" name="Straight Arrow Connector 48"/>
-          <p:cNvCxnSpPr>
-            <a:stCxn id="31" idx="1"/>
-            <a:endCxn id="29" idx="3"/>
-          </p:cNvCxnSpPr>
-          <p:nvPr/>
-        </p:nvCxnSpPr>
-        <p:spPr bwMode="auto">
-          <a:xfrm flipH="1">
-            <a:off x="1839033" y="5002810"/>
-            <a:ext cx="389591" cy="0"/>
-          </a:xfrm>
-          <a:prstGeom prst="straightConnector1">
-            <a:avLst/>
-          </a:prstGeom>
-          <a:solidFill>
-            <a:schemeClr val="accent1"/>
-          </a:solidFill>
-          <a:ln w="9525" cap="flat" cmpd="sng" algn="ctr">
-            <a:solidFill>
-              <a:schemeClr val="tx1"/>
-            </a:solidFill>
-            <a:prstDash val="solid"/>
-            <a:round/>
-            <a:headEnd type="none" w="med" len="med"/>
-            <a:tailEnd type="arrow"/>
-          </a:ln>
-          <a:effectLst/>
-        </p:spPr>
-      </p:cxnSp>
-      <p:cxnSp>
-        <p:nvCxnSpPr>
-          <p:cNvPr id="69" name="Straight Arrow Connector 68"/>
-          <p:cNvCxnSpPr/>
-          <p:nvPr/>
-        </p:nvCxnSpPr>
-        <p:spPr bwMode="auto">
-          <a:xfrm>
-            <a:off x="1851154" y="4173330"/>
-            <a:ext cx="389591" cy="0"/>
-          </a:xfrm>
-          <a:prstGeom prst="straightConnector1">
-            <a:avLst/>
-          </a:prstGeom>
-          <a:solidFill>
-            <a:schemeClr val="accent1"/>
-          </a:solidFill>
-          <a:ln w="9525" cap="flat" cmpd="sng" algn="ctr">
-            <a:solidFill>
-              <a:schemeClr val="tx1"/>
-            </a:solidFill>
-            <a:prstDash val="solid"/>
-            <a:round/>
-            <a:headEnd type="none" w="med" len="med"/>
-            <a:tailEnd type="arrow"/>
-          </a:ln>
-          <a:effectLst/>
-        </p:spPr>
-      </p:cxnSp>
-      <p:cxnSp>
-        <p:nvCxnSpPr>
-          <p:cNvPr id="73" name="Straight Arrow Connector 72"/>
-          <p:cNvCxnSpPr/>
-          <p:nvPr/>
-        </p:nvCxnSpPr>
-        <p:spPr bwMode="auto">
-          <a:xfrm flipH="1">
-            <a:off x="6212417" y="4846145"/>
-            <a:ext cx="389591" cy="0"/>
-          </a:xfrm>
-          <a:prstGeom prst="straightConnector1">
-            <a:avLst/>
-          </a:prstGeom>
-          <a:solidFill>
-            <a:schemeClr val="accent1"/>
-          </a:solidFill>
-          <a:ln w="9525" cap="flat" cmpd="sng" algn="ctr">
-            <a:solidFill>
-              <a:schemeClr val="tx1"/>
-            </a:solidFill>
-            <a:prstDash val="solid"/>
-            <a:round/>
-            <a:headEnd type="none" w="med" len="med"/>
-            <a:tailEnd type="arrow"/>
-          </a:ln>
-          <a:effectLst/>
-        </p:spPr>
-      </p:cxnSp>
+          <a:xfrm>
+            <a:off x="4902029" y="4745244"/>
+            <a:ext cx="951633" cy="338554"/>
+          </a:xfrm>
+          <a:prstGeom prst="rect">
+            <a:avLst/>
+          </a:prstGeom>
+          <a:noFill/>
+        </p:spPr>
+        <p:txBody>
+          <a:bodyPr wrap="square" rtlCol="0">
+            <a:spAutoFit/>
+          </a:bodyPr>
+          <a:lstStyle/>
+          <a:p>
+            <a:r>
+              <a:rPr lang="en-US" sz="1600" dirty="0"/>
+              <a:t>send()</a:t>
+            </a:r>
+          </a:p>
+        </p:txBody>
+      </p:sp>
     </p:spTree>
     <p:extLst>
       <p:ext uri="{BB962C8B-B14F-4D97-AF65-F5344CB8AC3E}">
-        <p14:creationId xmlns:p14="http://schemas.microsoft.com/office/powerpoint/2010/main" val="3840792723"/>
+        <p14:creationId xmlns:p14="http://schemas.microsoft.com/office/powerpoint/2010/main" val="1212880269"/>
       </p:ext>
     </p:extLst>
   </p:cSld>
@@ -25196,6 +24623,1806 @@
       </p:grpSpPr>
       <p:sp>
         <p:nvSpPr>
+          <p:cNvPr id="2" name="Title 1"/>
+          <p:cNvSpPr>
+            <a:spLocks noGrp="1"/>
+          </p:cNvSpPr>
+          <p:nvPr>
+            <p:ph type="title"/>
+          </p:nvPr>
+        </p:nvSpPr>
+        <p:spPr/>
+        <p:txBody>
+          <a:bodyPr/>
+          <a:lstStyle/>
+          <a:p>
+            <a:r>
+              <a:rPr lang="en-US" dirty="0"/>
+              <a:t>Multi-node</a:t>
+            </a:r>
+          </a:p>
+        </p:txBody>
+      </p:sp>
+      <p:sp>
+        <p:nvSpPr>
+          <p:cNvPr id="3" name="Content Placeholder 2"/>
+          <p:cNvSpPr>
+            <a:spLocks noGrp="1"/>
+          </p:cNvSpPr>
+          <p:nvPr>
+            <p:ph idx="1"/>
+          </p:nvPr>
+        </p:nvSpPr>
+        <p:spPr>
+          <a:xfrm>
+            <a:off x="433643" y="1143000"/>
+            <a:ext cx="8170861" cy="1702296"/>
+          </a:xfrm>
+        </p:spPr>
+        <p:txBody>
+          <a:bodyPr/>
+          <a:lstStyle/>
+          <a:p>
+            <a:r>
+              <a:rPr lang="en-US" sz="1800" dirty="0"/>
+              <a:t>Hub pattern</a:t>
+            </a:r>
+          </a:p>
+          <a:p>
+            <a:pPr lvl="1"/>
+            <a:r>
+              <a:rPr lang="en-US" sz="1600" dirty="0"/>
+              <a:t>Hub is a component with multiple serialization input and output ports</a:t>
+            </a:r>
+          </a:p>
+          <a:p>
+            <a:pPr lvl="1"/>
+            <a:r>
+              <a:rPr lang="en-US" sz="1600" dirty="0"/>
+              <a:t>Typed ports on calling components are connected to serialized ports (see earlier slides)</a:t>
+            </a:r>
+          </a:p>
+          <a:p>
+            <a:pPr lvl="1"/>
+            <a:r>
+              <a:rPr lang="en-US" sz="1600" dirty="0"/>
+              <a:t>Each hub instance is responsible for connecting to a remote node</a:t>
+            </a:r>
+          </a:p>
+          <a:p>
+            <a:pPr lvl="1"/>
+            <a:r>
+              <a:rPr lang="en-US" sz="1600" dirty="0"/>
+              <a:t>Input port calls are repeated to corresponding output ports on remote hub</a:t>
+            </a:r>
+          </a:p>
+          <a:p>
+            <a:pPr lvl="1"/>
+            <a:r>
+              <a:rPr lang="en-US" sz="1600" dirty="0"/>
+              <a:t>Single point of connection to remote node, so central point of configuration for transport.</a:t>
+            </a:r>
+          </a:p>
+        </p:txBody>
+      </p:sp>
+      <p:sp>
+        <p:nvSpPr>
+          <p:cNvPr id="24" name="Rectangle 23"/>
+          <p:cNvSpPr/>
+          <p:nvPr/>
+        </p:nvSpPr>
+        <p:spPr>
+          <a:xfrm>
+            <a:off x="899088" y="3482042"/>
+            <a:ext cx="2971800" cy="2209800"/>
+          </a:xfrm>
+          <a:prstGeom prst="rect">
+            <a:avLst/>
+          </a:prstGeom>
+          <a:solidFill>
+            <a:srgbClr val="00B0F0"/>
+          </a:solidFill>
+        </p:spPr>
+        <p:style>
+          <a:lnRef idx="2">
+            <a:schemeClr val="accent1">
+              <a:shade val="50000"/>
+            </a:schemeClr>
+          </a:lnRef>
+          <a:fillRef idx="1">
+            <a:schemeClr val="accent1"/>
+          </a:fillRef>
+          <a:effectRef idx="0">
+            <a:schemeClr val="accent1"/>
+          </a:effectRef>
+          <a:fontRef idx="minor">
+            <a:schemeClr val="lt1"/>
+          </a:fontRef>
+        </p:style>
+        <p:txBody>
+          <a:bodyPr rtlCol="0" anchor="t" anchorCtr="0"/>
+          <a:lstStyle/>
+          <a:p>
+            <a:pPr algn="ctr"/>
+            <a:r>
+              <a:rPr lang="en-US" sz="1100" dirty="0"/>
+              <a:t>Node 1</a:t>
+            </a:r>
+          </a:p>
+        </p:txBody>
+      </p:sp>
+      <p:sp>
+        <p:nvSpPr>
+          <p:cNvPr id="25" name="Rounded Rectangle 24"/>
+          <p:cNvSpPr/>
+          <p:nvPr/>
+        </p:nvSpPr>
+        <p:spPr bwMode="auto">
+          <a:xfrm>
+            <a:off x="975288" y="3863042"/>
+            <a:ext cx="711345" cy="609600"/>
+          </a:xfrm>
+          <a:prstGeom prst="roundRect">
+            <a:avLst/>
+          </a:prstGeom>
+          <a:solidFill>
+            <a:schemeClr val="accent1"/>
+          </a:solidFill>
+          <a:ln w="9525" cap="flat" cmpd="sng" algn="ctr">
+            <a:solidFill>
+              <a:schemeClr val="tx1"/>
+            </a:solidFill>
+            <a:prstDash val="solid"/>
+            <a:round/>
+            <a:headEnd type="none" w="med" len="med"/>
+            <a:tailEnd type="none" w="med" len="med"/>
+          </a:ln>
+          <a:effectLst/>
+        </p:spPr>
+        <p:txBody>
+          <a:bodyPr vert="horz" wrap="square" lIns="91440" tIns="45720" rIns="91440" bIns="45720" numCol="1" rtlCol="0" anchor="t" anchorCtr="0" compatLnSpc="1">
+            <a:prstTxWarp prst="textNoShape">
+              <a:avLst/>
+            </a:prstTxWarp>
+          </a:bodyPr>
+          <a:lstStyle/>
+          <a:p>
+            <a:pPr marL="0" marR="0" indent="0" algn="l" defTabSz="914400" rtl="0" eaLnBrk="0" fontAlgn="base" latinLnBrk="0" hangingPunct="0">
+              <a:lnSpc>
+                <a:spcPct val="100000"/>
+              </a:lnSpc>
+              <a:spcBef>
+                <a:spcPct val="0"/>
+              </a:spcBef>
+              <a:spcAft>
+                <a:spcPct val="0"/>
+              </a:spcAft>
+              <a:buClrTx/>
+              <a:buSzTx/>
+              <a:buFontTx/>
+              <a:buNone/>
+              <a:tabLst/>
+            </a:pPr>
+            <a:r>
+              <a:rPr lang="en-US" sz="600" dirty="0"/>
+              <a:t>Producer</a:t>
+            </a:r>
+          </a:p>
+          <a:p>
+            <a:pPr marL="0" marR="0" indent="0" algn="l" defTabSz="914400" rtl="0" eaLnBrk="0" fontAlgn="base" latinLnBrk="0" hangingPunct="0">
+              <a:lnSpc>
+                <a:spcPct val="100000"/>
+              </a:lnSpc>
+              <a:spcBef>
+                <a:spcPct val="0"/>
+              </a:spcBef>
+              <a:spcAft>
+                <a:spcPct val="0"/>
+              </a:spcAft>
+              <a:buClrTx/>
+              <a:buSzTx/>
+              <a:buFontTx/>
+              <a:buNone/>
+              <a:tabLst/>
+            </a:pPr>
+            <a:r>
+              <a:rPr kumimoji="0" lang="en-US" sz="600" b="0" i="0" u="none" strike="noStrike" cap="none" normalizeH="0" baseline="0" dirty="0">
+                <a:ln>
+                  <a:noFill/>
+                </a:ln>
+                <a:solidFill>
+                  <a:schemeClr val="tx1"/>
+                </a:solidFill>
+                <a:effectLst/>
+                <a:latin typeface="Arial" charset="0"/>
+                <a:ea typeface="ＭＳ Ｐゴシック" pitchFamily="48" charset="-128"/>
+              </a:rPr>
+              <a:t>Component1</a:t>
+            </a:r>
+          </a:p>
+        </p:txBody>
+      </p:sp>
+      <p:sp>
+        <p:nvSpPr>
+          <p:cNvPr id="38" name="Rectangle 37"/>
+          <p:cNvSpPr/>
+          <p:nvPr/>
+        </p:nvSpPr>
+        <p:spPr>
+          <a:xfrm>
+            <a:off x="1641614" y="5831440"/>
+            <a:ext cx="5860772" cy="304800"/>
+          </a:xfrm>
+          <a:prstGeom prst="rect">
+            <a:avLst/>
+          </a:prstGeom>
+          <a:solidFill>
+            <a:srgbClr val="FFC000"/>
+          </a:solidFill>
+        </p:spPr>
+        <p:style>
+          <a:lnRef idx="2">
+            <a:schemeClr val="accent1">
+              <a:shade val="50000"/>
+            </a:schemeClr>
+          </a:lnRef>
+          <a:fillRef idx="1">
+            <a:schemeClr val="accent1"/>
+          </a:fillRef>
+          <a:effectRef idx="0">
+            <a:schemeClr val="accent1"/>
+          </a:effectRef>
+          <a:fontRef idx="minor">
+            <a:schemeClr val="lt1"/>
+          </a:fontRef>
+        </p:style>
+        <p:txBody>
+          <a:bodyPr rtlCol="0" anchor="ctr"/>
+          <a:lstStyle/>
+          <a:p>
+            <a:pPr algn="ctr"/>
+            <a:r>
+              <a:rPr lang="en-US" dirty="0"/>
+              <a:t>Transport (Socket, ARINC Channel, UART, IPC)</a:t>
+            </a:r>
+          </a:p>
+        </p:txBody>
+      </p:sp>
+      <p:sp>
+        <p:nvSpPr>
+          <p:cNvPr id="39" name="Rectangle 38"/>
+          <p:cNvSpPr/>
+          <p:nvPr/>
+        </p:nvSpPr>
+        <p:spPr bwMode="auto">
+          <a:xfrm>
+            <a:off x="1698754" y="4091642"/>
+            <a:ext cx="152400" cy="152400"/>
+          </a:xfrm>
+          <a:prstGeom prst="rect">
+            <a:avLst/>
+          </a:prstGeom>
+          <a:solidFill>
+            <a:schemeClr val="accent2"/>
+          </a:solidFill>
+          <a:ln w="9525" cap="flat" cmpd="sng" algn="ctr">
+            <a:solidFill>
+              <a:schemeClr val="tx1"/>
+            </a:solidFill>
+            <a:prstDash val="solid"/>
+            <a:round/>
+            <a:headEnd type="none" w="med" len="med"/>
+            <a:tailEnd type="none" w="med" len="med"/>
+          </a:ln>
+          <a:effectLst/>
+        </p:spPr>
+        <p:txBody>
+          <a:bodyPr vert="horz" wrap="square" lIns="91440" tIns="45720" rIns="91440" bIns="45720" numCol="1" rtlCol="0" anchor="t" anchorCtr="0" compatLnSpc="1">
+            <a:prstTxWarp prst="textNoShape">
+              <a:avLst/>
+            </a:prstTxWarp>
+          </a:bodyPr>
+          <a:lstStyle/>
+          <a:p>
+            <a:pPr marL="0" marR="0" indent="0" algn="l" defTabSz="914400" rtl="0" eaLnBrk="0" fontAlgn="base" latinLnBrk="0" hangingPunct="0">
+              <a:lnSpc>
+                <a:spcPct val="100000"/>
+              </a:lnSpc>
+              <a:spcBef>
+                <a:spcPct val="0"/>
+              </a:spcBef>
+              <a:spcAft>
+                <a:spcPct val="0"/>
+              </a:spcAft>
+              <a:buClrTx/>
+              <a:buSzTx/>
+              <a:buFontTx/>
+              <a:buNone/>
+              <a:tabLst/>
+            </a:pPr>
+            <a:endParaRPr kumimoji="0" lang="en-US" sz="2400" b="0" i="0" u="none" strike="noStrike" cap="none" normalizeH="0" baseline="0">
+              <a:ln>
+                <a:noFill/>
+              </a:ln>
+              <a:solidFill>
+                <a:schemeClr val="tx1"/>
+              </a:solidFill>
+              <a:effectLst/>
+              <a:latin typeface="Arial" charset="0"/>
+              <a:ea typeface="ＭＳ Ｐゴシック" pitchFamily="48" charset="-128"/>
+            </a:endParaRPr>
+          </a:p>
+        </p:txBody>
+      </p:sp>
+      <p:cxnSp>
+        <p:nvCxnSpPr>
+          <p:cNvPr id="40" name="Straight Arrow Connector 39"/>
+          <p:cNvCxnSpPr/>
+          <p:nvPr/>
+        </p:nvCxnSpPr>
+        <p:spPr bwMode="auto">
+          <a:xfrm>
+            <a:off x="1470154" y="4167842"/>
+            <a:ext cx="228600" cy="0"/>
+          </a:xfrm>
+          <a:prstGeom prst="straightConnector1">
+            <a:avLst/>
+          </a:prstGeom>
+          <a:solidFill>
+            <a:schemeClr val="accent1"/>
+          </a:solidFill>
+          <a:ln w="9525" cap="flat" cmpd="sng" algn="ctr">
+            <a:solidFill>
+              <a:schemeClr val="tx1"/>
+            </a:solidFill>
+            <a:prstDash val="solid"/>
+            <a:round/>
+            <a:headEnd type="none" w="med" len="med"/>
+            <a:tailEnd type="arrow"/>
+          </a:ln>
+          <a:effectLst/>
+        </p:spPr>
+      </p:cxnSp>
+      <p:sp>
+        <p:nvSpPr>
+          <p:cNvPr id="43" name="Rectangle 42"/>
+          <p:cNvSpPr/>
+          <p:nvPr/>
+        </p:nvSpPr>
+        <p:spPr>
+          <a:xfrm>
+            <a:off x="4861488" y="3435279"/>
+            <a:ext cx="2971800" cy="2209800"/>
+          </a:xfrm>
+          <a:prstGeom prst="rect">
+            <a:avLst/>
+          </a:prstGeom>
+          <a:solidFill>
+            <a:srgbClr val="00B0F0"/>
+          </a:solidFill>
+        </p:spPr>
+        <p:style>
+          <a:lnRef idx="2">
+            <a:schemeClr val="accent1">
+              <a:shade val="50000"/>
+            </a:schemeClr>
+          </a:lnRef>
+          <a:fillRef idx="1">
+            <a:schemeClr val="accent1"/>
+          </a:fillRef>
+          <a:effectRef idx="0">
+            <a:schemeClr val="accent1"/>
+          </a:effectRef>
+          <a:fontRef idx="minor">
+            <a:schemeClr val="lt1"/>
+          </a:fontRef>
+        </p:style>
+        <p:txBody>
+          <a:bodyPr rtlCol="0" anchor="t" anchorCtr="0"/>
+          <a:lstStyle/>
+          <a:p>
+            <a:pPr algn="ctr"/>
+            <a:r>
+              <a:rPr lang="en-US" sz="1100" dirty="0"/>
+              <a:t>Node 2</a:t>
+            </a:r>
+          </a:p>
+        </p:txBody>
+      </p:sp>
+      <p:sp>
+        <p:nvSpPr>
+          <p:cNvPr id="44" name="Rounded Rectangle 43"/>
+          <p:cNvSpPr/>
+          <p:nvPr/>
+        </p:nvSpPr>
+        <p:spPr bwMode="auto">
+          <a:xfrm>
+            <a:off x="6736979" y="3788693"/>
+            <a:ext cx="711345" cy="609600"/>
+          </a:xfrm>
+          <a:prstGeom prst="roundRect">
+            <a:avLst/>
+          </a:prstGeom>
+          <a:solidFill>
+            <a:schemeClr val="accent1"/>
+          </a:solidFill>
+          <a:ln w="9525" cap="flat" cmpd="sng" algn="ctr">
+            <a:solidFill>
+              <a:schemeClr val="tx1"/>
+            </a:solidFill>
+            <a:prstDash val="solid"/>
+            <a:round/>
+            <a:headEnd type="none" w="med" len="med"/>
+            <a:tailEnd type="none" w="med" len="med"/>
+          </a:ln>
+          <a:effectLst/>
+        </p:spPr>
+        <p:txBody>
+          <a:bodyPr vert="horz" wrap="square" lIns="91440" tIns="45720" rIns="91440" bIns="45720" numCol="1" rtlCol="0" anchor="t" anchorCtr="0" compatLnSpc="1">
+            <a:prstTxWarp prst="textNoShape">
+              <a:avLst/>
+            </a:prstTxWarp>
+          </a:bodyPr>
+          <a:lstStyle/>
+          <a:p>
+            <a:pPr marL="0" marR="0" indent="0" algn="l" defTabSz="914400" rtl="0" eaLnBrk="0" fontAlgn="base" latinLnBrk="0" hangingPunct="0">
+              <a:lnSpc>
+                <a:spcPct val="100000"/>
+              </a:lnSpc>
+              <a:spcBef>
+                <a:spcPct val="0"/>
+              </a:spcBef>
+              <a:spcAft>
+                <a:spcPct val="0"/>
+              </a:spcAft>
+              <a:buClrTx/>
+              <a:buSzTx/>
+              <a:buFontTx/>
+              <a:buNone/>
+              <a:tabLst/>
+            </a:pPr>
+            <a:r>
+              <a:rPr lang="en-US" sz="600" dirty="0"/>
+              <a:t>Consumer</a:t>
+            </a:r>
+          </a:p>
+          <a:p>
+            <a:pPr marL="0" marR="0" indent="0" algn="l" defTabSz="914400" rtl="0" eaLnBrk="0" fontAlgn="base" latinLnBrk="0" hangingPunct="0">
+              <a:lnSpc>
+                <a:spcPct val="100000"/>
+              </a:lnSpc>
+              <a:spcBef>
+                <a:spcPct val="0"/>
+              </a:spcBef>
+              <a:spcAft>
+                <a:spcPct val="0"/>
+              </a:spcAft>
+              <a:buClrTx/>
+              <a:buSzTx/>
+              <a:buFontTx/>
+              <a:buNone/>
+              <a:tabLst/>
+            </a:pPr>
+            <a:r>
+              <a:rPr kumimoji="0" lang="en-US" sz="600" b="0" i="0" u="none" strike="noStrike" cap="none" normalizeH="0" baseline="0" dirty="0">
+                <a:ln>
+                  <a:noFill/>
+                </a:ln>
+                <a:solidFill>
+                  <a:schemeClr val="tx1"/>
+                </a:solidFill>
+                <a:effectLst/>
+                <a:latin typeface="Arial" charset="0"/>
+                <a:ea typeface="ＭＳ Ｐゴシック" pitchFamily="48" charset="-128"/>
+              </a:rPr>
+              <a:t>Component1</a:t>
+            </a:r>
+          </a:p>
+        </p:txBody>
+      </p:sp>
+      <p:cxnSp>
+        <p:nvCxnSpPr>
+          <p:cNvPr id="48" name="Straight Arrow Connector 47"/>
+          <p:cNvCxnSpPr/>
+          <p:nvPr/>
+        </p:nvCxnSpPr>
+        <p:spPr bwMode="auto">
+          <a:xfrm>
+            <a:off x="6736979" y="4106675"/>
+            <a:ext cx="228600" cy="0"/>
+          </a:xfrm>
+          <a:prstGeom prst="straightConnector1">
+            <a:avLst/>
+          </a:prstGeom>
+          <a:solidFill>
+            <a:schemeClr val="accent1"/>
+          </a:solidFill>
+          <a:ln w="9525" cap="flat" cmpd="sng" algn="ctr">
+            <a:solidFill>
+              <a:schemeClr val="tx1"/>
+            </a:solidFill>
+            <a:prstDash val="solid"/>
+            <a:round/>
+            <a:headEnd type="none" w="med" len="med"/>
+            <a:tailEnd type="arrow"/>
+          </a:ln>
+          <a:effectLst/>
+        </p:spPr>
+      </p:cxnSp>
+      <p:sp>
+        <p:nvSpPr>
+          <p:cNvPr id="51" name="Rounded Rectangle 50"/>
+          <p:cNvSpPr/>
+          <p:nvPr/>
+        </p:nvSpPr>
+        <p:spPr bwMode="auto">
+          <a:xfrm>
+            <a:off x="2384988" y="3791712"/>
+            <a:ext cx="1054245" cy="1512807"/>
+          </a:xfrm>
+          <a:prstGeom prst="roundRect">
+            <a:avLst/>
+          </a:prstGeom>
+          <a:solidFill>
+            <a:schemeClr val="accent1"/>
+          </a:solidFill>
+          <a:ln w="9525" cap="flat" cmpd="sng" algn="ctr">
+            <a:solidFill>
+              <a:schemeClr val="tx1"/>
+            </a:solidFill>
+            <a:prstDash val="solid"/>
+            <a:round/>
+            <a:headEnd type="none" w="med" len="med"/>
+            <a:tailEnd type="none" w="med" len="med"/>
+          </a:ln>
+          <a:effectLst/>
+        </p:spPr>
+        <p:txBody>
+          <a:bodyPr vert="horz" wrap="square" lIns="91440" tIns="45720" rIns="91440" bIns="45720" numCol="1" rtlCol="0" anchor="t" anchorCtr="0" compatLnSpc="1">
+            <a:prstTxWarp prst="textNoShape">
+              <a:avLst/>
+            </a:prstTxWarp>
+          </a:bodyPr>
+          <a:lstStyle/>
+          <a:p>
+            <a:pPr marL="0" marR="0" indent="0" algn="l" defTabSz="914400" rtl="0" eaLnBrk="0" fontAlgn="base" latinLnBrk="0" hangingPunct="0">
+              <a:lnSpc>
+                <a:spcPct val="100000"/>
+              </a:lnSpc>
+              <a:spcBef>
+                <a:spcPct val="0"/>
+              </a:spcBef>
+              <a:spcAft>
+                <a:spcPct val="0"/>
+              </a:spcAft>
+              <a:buClrTx/>
+              <a:buSzTx/>
+              <a:buFontTx/>
+              <a:buNone/>
+              <a:tabLst/>
+            </a:pPr>
+            <a:r>
+              <a:rPr lang="en-US" sz="600" dirty="0">
+                <a:latin typeface="Arial" charset="0"/>
+                <a:ea typeface="ＭＳ Ｐゴシック" pitchFamily="48" charset="-128"/>
+              </a:rPr>
+              <a:t>Hub</a:t>
+            </a:r>
+            <a:endParaRPr kumimoji="0" lang="en-US" sz="600" b="0" i="0" u="none" strike="noStrike" cap="none" normalizeH="0" baseline="0" dirty="0">
+              <a:ln>
+                <a:noFill/>
+              </a:ln>
+              <a:solidFill>
+                <a:schemeClr val="tx1"/>
+              </a:solidFill>
+              <a:effectLst/>
+              <a:latin typeface="Arial" charset="0"/>
+              <a:ea typeface="ＭＳ Ｐゴシック" pitchFamily="48" charset="-128"/>
+            </a:endParaRPr>
+          </a:p>
+        </p:txBody>
+      </p:sp>
+      <p:sp>
+        <p:nvSpPr>
+          <p:cNvPr id="53" name="Up-Down Arrow 52"/>
+          <p:cNvSpPr/>
+          <p:nvPr/>
+        </p:nvSpPr>
+        <p:spPr>
+          <a:xfrm>
+            <a:off x="3083560" y="5304520"/>
+            <a:ext cx="78147" cy="510424"/>
+          </a:xfrm>
+          <a:prstGeom prst="upDownArrow">
+            <a:avLst/>
+          </a:prstGeom>
+          <a:ln>
+            <a:solidFill>
+              <a:schemeClr val="bg2">
+                <a:lumMod val="50000"/>
+              </a:schemeClr>
+            </a:solidFill>
+          </a:ln>
+        </p:spPr>
+        <p:style>
+          <a:lnRef idx="2">
+            <a:schemeClr val="accent1">
+              <a:shade val="50000"/>
+            </a:schemeClr>
+          </a:lnRef>
+          <a:fillRef idx="1">
+            <a:schemeClr val="accent1"/>
+          </a:fillRef>
+          <a:effectRef idx="0">
+            <a:schemeClr val="accent1"/>
+          </a:effectRef>
+          <a:fontRef idx="minor">
+            <a:schemeClr val="lt1"/>
+          </a:fontRef>
+        </p:style>
+        <p:txBody>
+          <a:bodyPr rtlCol="0" anchor="ctr"/>
+          <a:lstStyle/>
+          <a:p>
+            <a:pPr algn="ctr"/>
+            <a:endParaRPr lang="en-US"/>
+          </a:p>
+        </p:txBody>
+      </p:sp>
+      <p:sp>
+        <p:nvSpPr>
+          <p:cNvPr id="56" name="Up-Down Arrow 55"/>
+          <p:cNvSpPr/>
+          <p:nvPr/>
+        </p:nvSpPr>
+        <p:spPr>
+          <a:xfrm>
+            <a:off x="5474638" y="5284568"/>
+            <a:ext cx="45719" cy="510424"/>
+          </a:xfrm>
+          <a:prstGeom prst="upDownArrow">
+            <a:avLst/>
+          </a:prstGeom>
+          <a:ln>
+            <a:solidFill>
+              <a:schemeClr val="bg2">
+                <a:lumMod val="50000"/>
+              </a:schemeClr>
+            </a:solidFill>
+          </a:ln>
+        </p:spPr>
+        <p:style>
+          <a:lnRef idx="2">
+            <a:schemeClr val="accent1">
+              <a:shade val="50000"/>
+            </a:schemeClr>
+          </a:lnRef>
+          <a:fillRef idx="1">
+            <a:schemeClr val="accent1"/>
+          </a:fillRef>
+          <a:effectRef idx="0">
+            <a:schemeClr val="accent1"/>
+          </a:effectRef>
+          <a:fontRef idx="minor">
+            <a:schemeClr val="lt1"/>
+          </a:fontRef>
+        </p:style>
+        <p:txBody>
+          <a:bodyPr rtlCol="0" anchor="ctr"/>
+          <a:lstStyle/>
+          <a:p>
+            <a:pPr algn="ctr"/>
+            <a:endParaRPr lang="en-US"/>
+          </a:p>
+        </p:txBody>
+      </p:sp>
+      <p:sp>
+        <p:nvSpPr>
+          <p:cNvPr id="57" name="Rounded Rectangle 56"/>
+          <p:cNvSpPr/>
+          <p:nvPr/>
+        </p:nvSpPr>
+        <p:spPr bwMode="auto">
+          <a:xfrm>
+            <a:off x="4993234" y="3771760"/>
+            <a:ext cx="1054245" cy="1512807"/>
+          </a:xfrm>
+          <a:prstGeom prst="roundRect">
+            <a:avLst/>
+          </a:prstGeom>
+          <a:solidFill>
+            <a:schemeClr val="accent1"/>
+          </a:solidFill>
+          <a:ln w="9525" cap="flat" cmpd="sng" algn="ctr">
+            <a:solidFill>
+              <a:schemeClr val="tx1"/>
+            </a:solidFill>
+            <a:prstDash val="solid"/>
+            <a:round/>
+            <a:headEnd type="none" w="med" len="med"/>
+            <a:tailEnd type="none" w="med" len="med"/>
+          </a:ln>
+          <a:effectLst/>
+        </p:spPr>
+        <p:txBody>
+          <a:bodyPr vert="horz" wrap="square" lIns="91440" tIns="45720" rIns="91440" bIns="45720" numCol="1" rtlCol="0" anchor="t" anchorCtr="0" compatLnSpc="1">
+            <a:prstTxWarp prst="textNoShape">
+              <a:avLst/>
+            </a:prstTxWarp>
+          </a:bodyPr>
+          <a:lstStyle/>
+          <a:p>
+            <a:pPr marL="0" marR="0" indent="0" algn="l" defTabSz="914400" rtl="0" eaLnBrk="0" fontAlgn="base" latinLnBrk="0" hangingPunct="0">
+              <a:lnSpc>
+                <a:spcPct val="100000"/>
+              </a:lnSpc>
+              <a:spcBef>
+                <a:spcPct val="0"/>
+              </a:spcBef>
+              <a:spcAft>
+                <a:spcPct val="0"/>
+              </a:spcAft>
+              <a:buClrTx/>
+              <a:buSzTx/>
+              <a:buFontTx/>
+              <a:buNone/>
+              <a:tabLst/>
+            </a:pPr>
+            <a:r>
+              <a:rPr lang="en-US" sz="600" dirty="0">
+                <a:latin typeface="Arial" charset="0"/>
+                <a:ea typeface="ＭＳ Ｐゴシック" pitchFamily="48" charset="-128"/>
+              </a:rPr>
+              <a:t>Hub</a:t>
+            </a:r>
+            <a:endParaRPr kumimoji="0" lang="en-US" sz="600" b="0" i="0" u="none" strike="noStrike" cap="none" normalizeH="0" baseline="0" dirty="0">
+              <a:ln>
+                <a:noFill/>
+              </a:ln>
+              <a:solidFill>
+                <a:schemeClr val="tx1"/>
+              </a:solidFill>
+              <a:effectLst/>
+              <a:latin typeface="Arial" charset="0"/>
+              <a:ea typeface="ＭＳ Ｐゴシック" pitchFamily="48" charset="-128"/>
+            </a:endParaRPr>
+          </a:p>
+        </p:txBody>
+      </p:sp>
+      <p:sp>
+        <p:nvSpPr>
+          <p:cNvPr id="58" name="Rectangle 57"/>
+          <p:cNvSpPr/>
+          <p:nvPr/>
+        </p:nvSpPr>
+        <p:spPr bwMode="auto">
+          <a:xfrm>
+            <a:off x="2240745" y="4091642"/>
+            <a:ext cx="152400" cy="152400"/>
+          </a:xfrm>
+          <a:prstGeom prst="rect">
+            <a:avLst/>
+          </a:prstGeom>
+          <a:solidFill>
+            <a:schemeClr val="accent2"/>
+          </a:solidFill>
+          <a:ln w="9525" cap="flat" cmpd="sng" algn="ctr">
+            <a:solidFill>
+              <a:schemeClr val="tx1"/>
+            </a:solidFill>
+            <a:prstDash val="solid"/>
+            <a:round/>
+            <a:headEnd type="none" w="med" len="med"/>
+            <a:tailEnd type="none" w="med" len="med"/>
+          </a:ln>
+          <a:effectLst/>
+        </p:spPr>
+        <p:txBody>
+          <a:bodyPr vert="horz" wrap="square" lIns="91440" tIns="45720" rIns="91440" bIns="45720" numCol="1" rtlCol="0" anchor="t" anchorCtr="0" compatLnSpc="1">
+            <a:prstTxWarp prst="textNoShape">
+              <a:avLst/>
+            </a:prstTxWarp>
+          </a:bodyPr>
+          <a:lstStyle/>
+          <a:p>
+            <a:pPr marL="0" marR="0" indent="0" algn="l" defTabSz="914400" rtl="0" eaLnBrk="0" fontAlgn="base" latinLnBrk="0" hangingPunct="0">
+              <a:lnSpc>
+                <a:spcPct val="100000"/>
+              </a:lnSpc>
+              <a:spcBef>
+                <a:spcPct val="0"/>
+              </a:spcBef>
+              <a:spcAft>
+                <a:spcPct val="0"/>
+              </a:spcAft>
+              <a:buClrTx/>
+              <a:buSzTx/>
+              <a:buFontTx/>
+              <a:buNone/>
+              <a:tabLst/>
+            </a:pPr>
+            <a:endParaRPr kumimoji="0" lang="en-US" sz="2400" b="0" i="0" u="none" strike="noStrike" cap="none" normalizeH="0" baseline="0">
+              <a:ln>
+                <a:noFill/>
+              </a:ln>
+              <a:solidFill>
+                <a:schemeClr val="tx1"/>
+              </a:solidFill>
+              <a:effectLst/>
+              <a:latin typeface="Arial" charset="0"/>
+              <a:ea typeface="ＭＳ Ｐゴシック" pitchFamily="48" charset="-128"/>
+            </a:endParaRPr>
+          </a:p>
+        </p:txBody>
+      </p:sp>
+      <p:sp>
+        <p:nvSpPr>
+          <p:cNvPr id="61" name="Rectangle 60"/>
+          <p:cNvSpPr/>
+          <p:nvPr/>
+        </p:nvSpPr>
+        <p:spPr bwMode="auto">
+          <a:xfrm>
+            <a:off x="6042588" y="4035483"/>
+            <a:ext cx="152400" cy="152400"/>
+          </a:xfrm>
+          <a:prstGeom prst="rect">
+            <a:avLst/>
+          </a:prstGeom>
+          <a:solidFill>
+            <a:schemeClr val="accent2"/>
+          </a:solidFill>
+          <a:ln w="9525" cap="flat" cmpd="sng" algn="ctr">
+            <a:solidFill>
+              <a:schemeClr val="tx1"/>
+            </a:solidFill>
+            <a:prstDash val="solid"/>
+            <a:round/>
+            <a:headEnd type="none" w="med" len="med"/>
+            <a:tailEnd type="none" w="med" len="med"/>
+          </a:ln>
+          <a:effectLst/>
+        </p:spPr>
+        <p:txBody>
+          <a:bodyPr vert="horz" wrap="square" lIns="91440" tIns="45720" rIns="91440" bIns="45720" numCol="1" rtlCol="0" anchor="t" anchorCtr="0" compatLnSpc="1">
+            <a:prstTxWarp prst="textNoShape">
+              <a:avLst/>
+            </a:prstTxWarp>
+          </a:bodyPr>
+          <a:lstStyle/>
+          <a:p>
+            <a:pPr marL="0" marR="0" indent="0" algn="l" defTabSz="914400" rtl="0" eaLnBrk="0" fontAlgn="base" latinLnBrk="0" hangingPunct="0">
+              <a:lnSpc>
+                <a:spcPct val="100000"/>
+              </a:lnSpc>
+              <a:spcBef>
+                <a:spcPct val="0"/>
+              </a:spcBef>
+              <a:spcAft>
+                <a:spcPct val="0"/>
+              </a:spcAft>
+              <a:buClrTx/>
+              <a:buSzTx/>
+              <a:buFontTx/>
+              <a:buNone/>
+              <a:tabLst/>
+            </a:pPr>
+            <a:endParaRPr kumimoji="0" lang="en-US" sz="2400" b="0" i="0" u="none" strike="noStrike" cap="none" normalizeH="0" baseline="0">
+              <a:ln>
+                <a:noFill/>
+              </a:ln>
+              <a:solidFill>
+                <a:schemeClr val="tx1"/>
+              </a:solidFill>
+              <a:effectLst/>
+              <a:latin typeface="Arial" charset="0"/>
+              <a:ea typeface="ＭＳ Ｐゴシック" pitchFamily="48" charset="-128"/>
+            </a:endParaRPr>
+          </a:p>
+        </p:txBody>
+      </p:sp>
+      <p:sp>
+        <p:nvSpPr>
+          <p:cNvPr id="63" name="Rectangle 62"/>
+          <p:cNvSpPr/>
+          <p:nvPr/>
+        </p:nvSpPr>
+        <p:spPr bwMode="auto">
+          <a:xfrm>
+            <a:off x="6584579" y="4035483"/>
+            <a:ext cx="152400" cy="152400"/>
+          </a:xfrm>
+          <a:prstGeom prst="rect">
+            <a:avLst/>
+          </a:prstGeom>
+          <a:solidFill>
+            <a:schemeClr val="accent2"/>
+          </a:solidFill>
+          <a:ln w="9525" cap="flat" cmpd="sng" algn="ctr">
+            <a:solidFill>
+              <a:schemeClr val="tx1"/>
+            </a:solidFill>
+            <a:prstDash val="solid"/>
+            <a:round/>
+            <a:headEnd type="none" w="med" len="med"/>
+            <a:tailEnd type="none" w="med" len="med"/>
+          </a:ln>
+          <a:effectLst/>
+        </p:spPr>
+        <p:txBody>
+          <a:bodyPr vert="horz" wrap="square" lIns="91440" tIns="45720" rIns="91440" bIns="45720" numCol="1" rtlCol="0" anchor="t" anchorCtr="0" compatLnSpc="1">
+            <a:prstTxWarp prst="textNoShape">
+              <a:avLst/>
+            </a:prstTxWarp>
+          </a:bodyPr>
+          <a:lstStyle/>
+          <a:p>
+            <a:pPr marL="0" marR="0" indent="0" algn="l" defTabSz="914400" rtl="0" eaLnBrk="0" fontAlgn="base" latinLnBrk="0" hangingPunct="0">
+              <a:lnSpc>
+                <a:spcPct val="100000"/>
+              </a:lnSpc>
+              <a:spcBef>
+                <a:spcPct val="0"/>
+              </a:spcBef>
+              <a:spcAft>
+                <a:spcPct val="0"/>
+              </a:spcAft>
+              <a:buClrTx/>
+              <a:buSzTx/>
+              <a:buFontTx/>
+              <a:buNone/>
+              <a:tabLst/>
+            </a:pPr>
+            <a:endParaRPr kumimoji="0" lang="en-US" sz="2400" b="0" i="0" u="none" strike="noStrike" cap="none" normalizeH="0" baseline="0">
+              <a:ln>
+                <a:noFill/>
+              </a:ln>
+              <a:solidFill>
+                <a:schemeClr val="tx1"/>
+              </a:solidFill>
+              <a:effectLst/>
+              <a:latin typeface="Arial" charset="0"/>
+              <a:ea typeface="ＭＳ Ｐゴシック" pitchFamily="48" charset="-128"/>
+            </a:endParaRPr>
+          </a:p>
+        </p:txBody>
+      </p:sp>
+      <p:sp>
+        <p:nvSpPr>
+          <p:cNvPr id="28" name="Rounded Rectangle 27"/>
+          <p:cNvSpPr/>
+          <p:nvPr/>
+        </p:nvSpPr>
+        <p:spPr bwMode="auto">
+          <a:xfrm>
+            <a:off x="986730" y="4698010"/>
+            <a:ext cx="711345" cy="609600"/>
+          </a:xfrm>
+          <a:prstGeom prst="roundRect">
+            <a:avLst/>
+          </a:prstGeom>
+          <a:solidFill>
+            <a:schemeClr val="accent1"/>
+          </a:solidFill>
+          <a:ln w="9525" cap="flat" cmpd="sng" algn="ctr">
+            <a:solidFill>
+              <a:schemeClr val="tx1"/>
+            </a:solidFill>
+            <a:prstDash val="solid"/>
+            <a:round/>
+            <a:headEnd type="none" w="med" len="med"/>
+            <a:tailEnd type="none" w="med" len="med"/>
+          </a:ln>
+          <a:effectLst/>
+        </p:spPr>
+        <p:txBody>
+          <a:bodyPr vert="horz" wrap="square" lIns="91440" tIns="45720" rIns="91440" bIns="45720" numCol="1" rtlCol="0" anchor="t" anchorCtr="0" compatLnSpc="1">
+            <a:prstTxWarp prst="textNoShape">
+              <a:avLst/>
+            </a:prstTxWarp>
+          </a:bodyPr>
+          <a:lstStyle/>
+          <a:p>
+            <a:pPr marL="0" marR="0" indent="0" algn="l" defTabSz="914400" rtl="0" eaLnBrk="0" fontAlgn="base" latinLnBrk="0" hangingPunct="0">
+              <a:lnSpc>
+                <a:spcPct val="100000"/>
+              </a:lnSpc>
+              <a:spcBef>
+                <a:spcPct val="0"/>
+              </a:spcBef>
+              <a:spcAft>
+                <a:spcPct val="0"/>
+              </a:spcAft>
+              <a:buClrTx/>
+              <a:buSzTx/>
+              <a:buFontTx/>
+              <a:buNone/>
+              <a:tabLst/>
+            </a:pPr>
+            <a:r>
+              <a:rPr lang="en-US" sz="600" dirty="0"/>
+              <a:t>Consumer</a:t>
+            </a:r>
+          </a:p>
+          <a:p>
+            <a:pPr marL="0" marR="0" indent="0" algn="l" defTabSz="914400" rtl="0" eaLnBrk="0" fontAlgn="base" latinLnBrk="0" hangingPunct="0">
+              <a:lnSpc>
+                <a:spcPct val="100000"/>
+              </a:lnSpc>
+              <a:spcBef>
+                <a:spcPct val="0"/>
+              </a:spcBef>
+              <a:spcAft>
+                <a:spcPct val="0"/>
+              </a:spcAft>
+              <a:buClrTx/>
+              <a:buSzTx/>
+              <a:buFontTx/>
+              <a:buNone/>
+              <a:tabLst/>
+            </a:pPr>
+            <a:r>
+              <a:rPr kumimoji="0" lang="en-US" sz="600" b="0" i="0" u="none" strike="noStrike" cap="none" normalizeH="0" baseline="0" dirty="0">
+                <a:ln>
+                  <a:noFill/>
+                </a:ln>
+                <a:solidFill>
+                  <a:schemeClr val="tx1"/>
+                </a:solidFill>
+                <a:effectLst/>
+                <a:latin typeface="Arial" charset="0"/>
+                <a:ea typeface="ＭＳ Ｐゴシック" pitchFamily="48" charset="-128"/>
+              </a:rPr>
+              <a:t>Component2</a:t>
+            </a:r>
+          </a:p>
+        </p:txBody>
+      </p:sp>
+      <p:sp>
+        <p:nvSpPr>
+          <p:cNvPr id="29" name="Rectangle 28"/>
+          <p:cNvSpPr/>
+          <p:nvPr/>
+        </p:nvSpPr>
+        <p:spPr bwMode="auto">
+          <a:xfrm>
+            <a:off x="1686633" y="4926610"/>
+            <a:ext cx="152400" cy="152400"/>
+          </a:xfrm>
+          <a:prstGeom prst="rect">
+            <a:avLst/>
+          </a:prstGeom>
+          <a:solidFill>
+            <a:schemeClr val="accent2"/>
+          </a:solidFill>
+          <a:ln w="9525" cap="flat" cmpd="sng" algn="ctr">
+            <a:solidFill>
+              <a:schemeClr val="tx1"/>
+            </a:solidFill>
+            <a:prstDash val="solid"/>
+            <a:round/>
+            <a:headEnd type="none" w="med" len="med"/>
+            <a:tailEnd type="none" w="med" len="med"/>
+          </a:ln>
+          <a:effectLst/>
+        </p:spPr>
+        <p:txBody>
+          <a:bodyPr vert="horz" wrap="square" lIns="91440" tIns="45720" rIns="91440" bIns="45720" numCol="1" rtlCol="0" anchor="t" anchorCtr="0" compatLnSpc="1">
+            <a:prstTxWarp prst="textNoShape">
+              <a:avLst/>
+            </a:prstTxWarp>
+          </a:bodyPr>
+          <a:lstStyle/>
+          <a:p>
+            <a:pPr marL="0" marR="0" indent="0" algn="l" defTabSz="914400" rtl="0" eaLnBrk="0" fontAlgn="base" latinLnBrk="0" hangingPunct="0">
+              <a:lnSpc>
+                <a:spcPct val="100000"/>
+              </a:lnSpc>
+              <a:spcBef>
+                <a:spcPct val="0"/>
+              </a:spcBef>
+              <a:spcAft>
+                <a:spcPct val="0"/>
+              </a:spcAft>
+              <a:buClrTx/>
+              <a:buSzTx/>
+              <a:buFontTx/>
+              <a:buNone/>
+              <a:tabLst/>
+            </a:pPr>
+            <a:endParaRPr kumimoji="0" lang="en-US" sz="2400" b="0" i="0" u="none" strike="noStrike" cap="none" normalizeH="0" baseline="0">
+              <a:ln>
+                <a:noFill/>
+              </a:ln>
+              <a:solidFill>
+                <a:schemeClr val="tx1"/>
+              </a:solidFill>
+              <a:effectLst/>
+              <a:latin typeface="Arial" charset="0"/>
+              <a:ea typeface="ＭＳ Ｐゴシック" pitchFamily="48" charset="-128"/>
+            </a:endParaRPr>
+          </a:p>
+        </p:txBody>
+      </p:sp>
+      <p:cxnSp>
+        <p:nvCxnSpPr>
+          <p:cNvPr id="30" name="Straight Arrow Connector 29"/>
+          <p:cNvCxnSpPr/>
+          <p:nvPr/>
+        </p:nvCxnSpPr>
+        <p:spPr bwMode="auto">
+          <a:xfrm flipH="1" flipV="1">
+            <a:off x="1458033" y="5002810"/>
+            <a:ext cx="228600" cy="0"/>
+          </a:xfrm>
+          <a:prstGeom prst="straightConnector1">
+            <a:avLst/>
+          </a:prstGeom>
+          <a:solidFill>
+            <a:schemeClr val="accent1"/>
+          </a:solidFill>
+          <a:ln w="9525" cap="flat" cmpd="sng" algn="ctr">
+            <a:solidFill>
+              <a:schemeClr val="tx1"/>
+            </a:solidFill>
+            <a:prstDash val="solid"/>
+            <a:round/>
+            <a:headEnd type="none" w="med" len="med"/>
+            <a:tailEnd type="arrow"/>
+          </a:ln>
+          <a:effectLst/>
+        </p:spPr>
+      </p:cxnSp>
+      <p:sp>
+        <p:nvSpPr>
+          <p:cNvPr id="31" name="Rectangle 30"/>
+          <p:cNvSpPr/>
+          <p:nvPr/>
+        </p:nvSpPr>
+        <p:spPr bwMode="auto">
+          <a:xfrm>
+            <a:off x="2228624" y="4926610"/>
+            <a:ext cx="152400" cy="152400"/>
+          </a:xfrm>
+          <a:prstGeom prst="rect">
+            <a:avLst/>
+          </a:prstGeom>
+          <a:solidFill>
+            <a:schemeClr val="accent2"/>
+          </a:solidFill>
+          <a:ln w="9525" cap="flat" cmpd="sng" algn="ctr">
+            <a:solidFill>
+              <a:schemeClr val="tx1"/>
+            </a:solidFill>
+            <a:prstDash val="solid"/>
+            <a:round/>
+            <a:headEnd type="none" w="med" len="med"/>
+            <a:tailEnd type="none" w="med" len="med"/>
+          </a:ln>
+          <a:effectLst/>
+        </p:spPr>
+        <p:txBody>
+          <a:bodyPr vert="horz" wrap="square" lIns="91440" tIns="45720" rIns="91440" bIns="45720" numCol="1" rtlCol="0" anchor="t" anchorCtr="0" compatLnSpc="1">
+            <a:prstTxWarp prst="textNoShape">
+              <a:avLst/>
+            </a:prstTxWarp>
+          </a:bodyPr>
+          <a:lstStyle/>
+          <a:p>
+            <a:pPr marL="0" marR="0" indent="0" algn="l" defTabSz="914400" rtl="0" eaLnBrk="0" fontAlgn="base" latinLnBrk="0" hangingPunct="0">
+              <a:lnSpc>
+                <a:spcPct val="100000"/>
+              </a:lnSpc>
+              <a:spcBef>
+                <a:spcPct val="0"/>
+              </a:spcBef>
+              <a:spcAft>
+                <a:spcPct val="0"/>
+              </a:spcAft>
+              <a:buClrTx/>
+              <a:buSzTx/>
+              <a:buFontTx/>
+              <a:buNone/>
+              <a:tabLst/>
+            </a:pPr>
+            <a:endParaRPr kumimoji="0" lang="en-US" sz="2400" b="0" i="0" u="none" strike="noStrike" cap="none" normalizeH="0" baseline="0">
+              <a:ln>
+                <a:noFill/>
+              </a:ln>
+              <a:solidFill>
+                <a:schemeClr val="tx1"/>
+              </a:solidFill>
+              <a:effectLst/>
+              <a:latin typeface="Arial" charset="0"/>
+              <a:ea typeface="ＭＳ Ｐゴシック" pitchFamily="48" charset="-128"/>
+            </a:endParaRPr>
+          </a:p>
+        </p:txBody>
+      </p:sp>
+      <p:sp>
+        <p:nvSpPr>
+          <p:cNvPr id="50" name="Rounded Rectangle 49"/>
+          <p:cNvSpPr/>
+          <p:nvPr/>
+        </p:nvSpPr>
+        <p:spPr bwMode="auto">
+          <a:xfrm>
+            <a:off x="6747401" y="4528163"/>
+            <a:ext cx="711345" cy="609600"/>
+          </a:xfrm>
+          <a:prstGeom prst="roundRect">
+            <a:avLst/>
+          </a:prstGeom>
+          <a:solidFill>
+            <a:schemeClr val="accent1"/>
+          </a:solidFill>
+          <a:ln w="9525" cap="flat" cmpd="sng" algn="ctr">
+            <a:solidFill>
+              <a:schemeClr val="tx1"/>
+            </a:solidFill>
+            <a:prstDash val="solid"/>
+            <a:round/>
+            <a:headEnd type="none" w="med" len="med"/>
+            <a:tailEnd type="none" w="med" len="med"/>
+          </a:ln>
+          <a:effectLst/>
+        </p:spPr>
+        <p:txBody>
+          <a:bodyPr vert="horz" wrap="square" lIns="91440" tIns="45720" rIns="91440" bIns="45720" numCol="1" rtlCol="0" anchor="t" anchorCtr="0" compatLnSpc="1">
+            <a:prstTxWarp prst="textNoShape">
+              <a:avLst/>
+            </a:prstTxWarp>
+          </a:bodyPr>
+          <a:lstStyle/>
+          <a:p>
+            <a:pPr marL="0" marR="0" indent="0" algn="l" defTabSz="914400" rtl="0" eaLnBrk="0" fontAlgn="base" latinLnBrk="0" hangingPunct="0">
+              <a:lnSpc>
+                <a:spcPct val="100000"/>
+              </a:lnSpc>
+              <a:spcBef>
+                <a:spcPct val="0"/>
+              </a:spcBef>
+              <a:spcAft>
+                <a:spcPct val="0"/>
+              </a:spcAft>
+              <a:buClrTx/>
+              <a:buSzTx/>
+              <a:buFontTx/>
+              <a:buNone/>
+              <a:tabLst/>
+            </a:pPr>
+            <a:r>
+              <a:rPr lang="en-US" sz="600" dirty="0"/>
+              <a:t>Producer</a:t>
+            </a:r>
+          </a:p>
+          <a:p>
+            <a:pPr marL="0" marR="0" indent="0" algn="l" defTabSz="914400" rtl="0" eaLnBrk="0" fontAlgn="base" latinLnBrk="0" hangingPunct="0">
+              <a:lnSpc>
+                <a:spcPct val="100000"/>
+              </a:lnSpc>
+              <a:spcBef>
+                <a:spcPct val="0"/>
+              </a:spcBef>
+              <a:spcAft>
+                <a:spcPct val="0"/>
+              </a:spcAft>
+              <a:buClrTx/>
+              <a:buSzTx/>
+              <a:buFontTx/>
+              <a:buNone/>
+              <a:tabLst/>
+            </a:pPr>
+            <a:r>
+              <a:rPr kumimoji="0" lang="en-US" sz="600" b="0" i="0" u="none" strike="noStrike" cap="none" normalizeH="0" baseline="0" dirty="0">
+                <a:ln>
+                  <a:noFill/>
+                </a:ln>
+                <a:solidFill>
+                  <a:schemeClr val="tx1"/>
+                </a:solidFill>
+                <a:effectLst/>
+                <a:latin typeface="Arial" charset="0"/>
+                <a:ea typeface="ＭＳ Ｐゴシック" pitchFamily="48" charset="-128"/>
+              </a:rPr>
+              <a:t>Component2</a:t>
+            </a:r>
+          </a:p>
+        </p:txBody>
+      </p:sp>
+      <p:cxnSp>
+        <p:nvCxnSpPr>
+          <p:cNvPr id="52" name="Straight Arrow Connector 51"/>
+          <p:cNvCxnSpPr/>
+          <p:nvPr/>
+        </p:nvCxnSpPr>
+        <p:spPr bwMode="auto">
+          <a:xfrm flipH="1">
+            <a:off x="6747401" y="4846145"/>
+            <a:ext cx="228600" cy="0"/>
+          </a:xfrm>
+          <a:prstGeom prst="straightConnector1">
+            <a:avLst/>
+          </a:prstGeom>
+          <a:solidFill>
+            <a:schemeClr val="accent1"/>
+          </a:solidFill>
+          <a:ln w="9525" cap="flat" cmpd="sng" algn="ctr">
+            <a:solidFill>
+              <a:schemeClr val="tx1"/>
+            </a:solidFill>
+            <a:prstDash val="solid"/>
+            <a:round/>
+            <a:headEnd type="none" w="med" len="med"/>
+            <a:tailEnd type="arrow"/>
+          </a:ln>
+          <a:effectLst/>
+        </p:spPr>
+      </p:cxnSp>
+      <p:sp>
+        <p:nvSpPr>
+          <p:cNvPr id="54" name="Rectangle 53"/>
+          <p:cNvSpPr/>
+          <p:nvPr/>
+        </p:nvSpPr>
+        <p:spPr bwMode="auto">
+          <a:xfrm>
+            <a:off x="6053010" y="4774953"/>
+            <a:ext cx="152400" cy="152400"/>
+          </a:xfrm>
+          <a:prstGeom prst="rect">
+            <a:avLst/>
+          </a:prstGeom>
+          <a:solidFill>
+            <a:schemeClr val="accent2"/>
+          </a:solidFill>
+          <a:ln w="9525" cap="flat" cmpd="sng" algn="ctr">
+            <a:solidFill>
+              <a:schemeClr val="tx1"/>
+            </a:solidFill>
+            <a:prstDash val="solid"/>
+            <a:round/>
+            <a:headEnd type="none" w="med" len="med"/>
+            <a:tailEnd type="none" w="med" len="med"/>
+          </a:ln>
+          <a:effectLst/>
+        </p:spPr>
+        <p:txBody>
+          <a:bodyPr vert="horz" wrap="square" lIns="91440" tIns="45720" rIns="91440" bIns="45720" numCol="1" rtlCol="0" anchor="t" anchorCtr="0" compatLnSpc="1">
+            <a:prstTxWarp prst="textNoShape">
+              <a:avLst/>
+            </a:prstTxWarp>
+          </a:bodyPr>
+          <a:lstStyle/>
+          <a:p>
+            <a:pPr marL="0" marR="0" indent="0" algn="l" defTabSz="914400" rtl="0" eaLnBrk="0" fontAlgn="base" latinLnBrk="0" hangingPunct="0">
+              <a:lnSpc>
+                <a:spcPct val="100000"/>
+              </a:lnSpc>
+              <a:spcBef>
+                <a:spcPct val="0"/>
+              </a:spcBef>
+              <a:spcAft>
+                <a:spcPct val="0"/>
+              </a:spcAft>
+              <a:buClrTx/>
+              <a:buSzTx/>
+              <a:buFontTx/>
+              <a:buNone/>
+              <a:tabLst/>
+            </a:pPr>
+            <a:endParaRPr kumimoji="0" lang="en-US" sz="2400" b="0" i="0" u="none" strike="noStrike" cap="none" normalizeH="0" baseline="0">
+              <a:ln>
+                <a:noFill/>
+              </a:ln>
+              <a:solidFill>
+                <a:schemeClr val="tx1"/>
+              </a:solidFill>
+              <a:effectLst/>
+              <a:latin typeface="Arial" charset="0"/>
+              <a:ea typeface="ＭＳ Ｐゴシック" pitchFamily="48" charset="-128"/>
+            </a:endParaRPr>
+          </a:p>
+        </p:txBody>
+      </p:sp>
+      <p:sp>
+        <p:nvSpPr>
+          <p:cNvPr id="55" name="Rectangle 54"/>
+          <p:cNvSpPr/>
+          <p:nvPr/>
+        </p:nvSpPr>
+        <p:spPr bwMode="auto">
+          <a:xfrm>
+            <a:off x="6595001" y="4774953"/>
+            <a:ext cx="152400" cy="152400"/>
+          </a:xfrm>
+          <a:prstGeom prst="rect">
+            <a:avLst/>
+          </a:prstGeom>
+          <a:solidFill>
+            <a:schemeClr val="accent2"/>
+          </a:solidFill>
+          <a:ln w="9525" cap="flat" cmpd="sng" algn="ctr">
+            <a:solidFill>
+              <a:schemeClr val="tx1"/>
+            </a:solidFill>
+            <a:prstDash val="solid"/>
+            <a:round/>
+            <a:headEnd type="none" w="med" len="med"/>
+            <a:tailEnd type="none" w="med" len="med"/>
+          </a:ln>
+          <a:effectLst/>
+        </p:spPr>
+        <p:txBody>
+          <a:bodyPr vert="horz" wrap="square" lIns="91440" tIns="45720" rIns="91440" bIns="45720" numCol="1" rtlCol="0" anchor="t" anchorCtr="0" compatLnSpc="1">
+            <a:prstTxWarp prst="textNoShape">
+              <a:avLst/>
+            </a:prstTxWarp>
+          </a:bodyPr>
+          <a:lstStyle/>
+          <a:p>
+            <a:pPr marL="0" marR="0" indent="0" algn="l" defTabSz="914400" rtl="0" eaLnBrk="0" fontAlgn="base" latinLnBrk="0" hangingPunct="0">
+              <a:lnSpc>
+                <a:spcPct val="100000"/>
+              </a:lnSpc>
+              <a:spcBef>
+                <a:spcPct val="0"/>
+              </a:spcBef>
+              <a:spcAft>
+                <a:spcPct val="0"/>
+              </a:spcAft>
+              <a:buClrTx/>
+              <a:buSzTx/>
+              <a:buFontTx/>
+              <a:buNone/>
+              <a:tabLst/>
+            </a:pPr>
+            <a:endParaRPr kumimoji="0" lang="en-US" sz="2400" b="0" i="0" u="none" strike="noStrike" cap="none" normalizeH="0" baseline="0">
+              <a:ln>
+                <a:noFill/>
+              </a:ln>
+              <a:solidFill>
+                <a:schemeClr val="tx1"/>
+              </a:solidFill>
+              <a:effectLst/>
+              <a:latin typeface="Arial" charset="0"/>
+              <a:ea typeface="ＭＳ Ｐゴシック" pitchFamily="48" charset="-128"/>
+            </a:endParaRPr>
+          </a:p>
+        </p:txBody>
+      </p:sp>
+      <p:cxnSp>
+        <p:nvCxnSpPr>
+          <p:cNvPr id="13" name="Elbow Connector 12"/>
+          <p:cNvCxnSpPr>
+            <a:stCxn id="58" idx="3"/>
+          </p:cNvCxnSpPr>
+          <p:nvPr/>
+        </p:nvCxnSpPr>
+        <p:spPr>
+          <a:xfrm>
+            <a:off x="2393145" y="4167842"/>
+            <a:ext cx="690415" cy="1116725"/>
+          </a:xfrm>
+          <a:prstGeom prst="bentConnector2">
+            <a:avLst/>
+          </a:prstGeom>
+          <a:ln>
+            <a:solidFill>
+              <a:schemeClr val="tx1"/>
+            </a:solidFill>
+            <a:tailEnd type="arrow"/>
+          </a:ln>
+        </p:spPr>
+        <p:style>
+          <a:lnRef idx="1">
+            <a:schemeClr val="accent1"/>
+          </a:lnRef>
+          <a:fillRef idx="0">
+            <a:schemeClr val="accent1"/>
+          </a:fillRef>
+          <a:effectRef idx="0">
+            <a:schemeClr val="accent1"/>
+          </a:effectRef>
+          <a:fontRef idx="minor">
+            <a:schemeClr val="tx1"/>
+          </a:fontRef>
+        </p:style>
+      </p:cxnSp>
+      <p:cxnSp>
+        <p:nvCxnSpPr>
+          <p:cNvPr id="70" name="Elbow Connector 69"/>
+          <p:cNvCxnSpPr>
+            <a:endCxn id="31" idx="3"/>
+          </p:cNvCxnSpPr>
+          <p:nvPr/>
+        </p:nvCxnSpPr>
+        <p:spPr>
+          <a:xfrm rot="10800000">
+            <a:off x="2381024" y="5002811"/>
+            <a:ext cx="702536" cy="134953"/>
+          </a:xfrm>
+          <a:prstGeom prst="bentConnector3">
+            <a:avLst>
+              <a:gd name="adj1" fmla="val 50000"/>
+            </a:avLst>
+          </a:prstGeom>
+          <a:ln>
+            <a:solidFill>
+              <a:schemeClr val="tx1"/>
+            </a:solidFill>
+            <a:tailEnd type="arrow"/>
+          </a:ln>
+        </p:spPr>
+        <p:style>
+          <a:lnRef idx="1">
+            <a:schemeClr val="accent1"/>
+          </a:lnRef>
+          <a:fillRef idx="0">
+            <a:schemeClr val="accent1"/>
+          </a:fillRef>
+          <a:effectRef idx="0">
+            <a:schemeClr val="accent1"/>
+          </a:effectRef>
+          <a:fontRef idx="minor">
+            <a:schemeClr val="tx1"/>
+          </a:fontRef>
+        </p:style>
+      </p:cxnSp>
+      <p:cxnSp>
+        <p:nvCxnSpPr>
+          <p:cNvPr id="71" name="Elbow Connector 70"/>
+          <p:cNvCxnSpPr>
+            <a:stCxn id="57" idx="2"/>
+            <a:endCxn id="61" idx="1"/>
+          </p:cNvCxnSpPr>
+          <p:nvPr/>
+        </p:nvCxnSpPr>
+        <p:spPr>
+          <a:xfrm rot="5400000" flipH="1" flipV="1">
+            <a:off x="5195030" y="4437009"/>
+            <a:ext cx="1172884" cy="522231"/>
+          </a:xfrm>
+          <a:prstGeom prst="bentConnector4">
+            <a:avLst>
+              <a:gd name="adj1" fmla="val -19490"/>
+              <a:gd name="adj2" fmla="val -3589"/>
+            </a:avLst>
+          </a:prstGeom>
+          <a:ln>
+            <a:solidFill>
+              <a:schemeClr val="tx1"/>
+            </a:solidFill>
+            <a:tailEnd type="arrow"/>
+          </a:ln>
+        </p:spPr>
+        <p:style>
+          <a:lnRef idx="1">
+            <a:schemeClr val="accent1"/>
+          </a:lnRef>
+          <a:fillRef idx="0">
+            <a:schemeClr val="accent1"/>
+          </a:fillRef>
+          <a:effectRef idx="0">
+            <a:schemeClr val="accent1"/>
+          </a:effectRef>
+          <a:fontRef idx="minor">
+            <a:schemeClr val="tx1"/>
+          </a:fontRef>
+        </p:style>
+      </p:cxnSp>
+      <p:cxnSp>
+        <p:nvCxnSpPr>
+          <p:cNvPr id="72" name="Elbow Connector 71"/>
+          <p:cNvCxnSpPr/>
+          <p:nvPr/>
+        </p:nvCxnSpPr>
+        <p:spPr>
+          <a:xfrm rot="10800000">
+            <a:off x="5497498" y="4726204"/>
+            <a:ext cx="555513" cy="134954"/>
+          </a:xfrm>
+          <a:prstGeom prst="bentConnector3">
+            <a:avLst>
+              <a:gd name="adj1" fmla="val 50000"/>
+            </a:avLst>
+          </a:prstGeom>
+          <a:ln>
+            <a:solidFill>
+              <a:schemeClr val="tx1"/>
+            </a:solidFill>
+            <a:tailEnd type="arrow"/>
+          </a:ln>
+        </p:spPr>
+        <p:style>
+          <a:lnRef idx="1">
+            <a:schemeClr val="accent1"/>
+          </a:lnRef>
+          <a:fillRef idx="0">
+            <a:schemeClr val="accent1"/>
+          </a:fillRef>
+          <a:effectRef idx="0">
+            <a:schemeClr val="accent1"/>
+          </a:effectRef>
+          <a:fontRef idx="minor">
+            <a:schemeClr val="tx1"/>
+          </a:fontRef>
+        </p:style>
+      </p:cxnSp>
+      <p:sp>
+        <p:nvSpPr>
+          <p:cNvPr id="5" name="Slide Number Placeholder 4"/>
+          <p:cNvSpPr>
+            <a:spLocks noGrp="1"/>
+          </p:cNvSpPr>
+          <p:nvPr>
+            <p:ph type="sldNum" sz="quarter" idx="11"/>
+          </p:nvPr>
+        </p:nvSpPr>
+        <p:spPr/>
+        <p:txBody>
+          <a:bodyPr/>
+          <a:lstStyle/>
+          <a:p>
+            <a:fld id="{40846F03-29C8-41F1-8A60-CC8C672EC5BA}" type="slidenum">
+              <a:rPr lang="en-US" smtClean="0"/>
+              <a:t>30</a:t>
+            </a:fld>
+            <a:endParaRPr lang="en-US"/>
+          </a:p>
+        </p:txBody>
+      </p:sp>
+      <p:cxnSp>
+        <p:nvCxnSpPr>
+          <p:cNvPr id="46" name="Straight Arrow Connector 45"/>
+          <p:cNvCxnSpPr/>
+          <p:nvPr/>
+        </p:nvCxnSpPr>
+        <p:spPr bwMode="auto">
+          <a:xfrm>
+            <a:off x="6194988" y="4106675"/>
+            <a:ext cx="389591" cy="0"/>
+          </a:xfrm>
+          <a:prstGeom prst="straightConnector1">
+            <a:avLst/>
+          </a:prstGeom>
+          <a:solidFill>
+            <a:schemeClr val="accent1"/>
+          </a:solidFill>
+          <a:ln w="9525" cap="flat" cmpd="sng" algn="ctr">
+            <a:solidFill>
+              <a:schemeClr val="tx1"/>
+            </a:solidFill>
+            <a:prstDash val="solid"/>
+            <a:round/>
+            <a:headEnd type="none" w="med" len="med"/>
+            <a:tailEnd type="arrow"/>
+          </a:ln>
+          <a:effectLst/>
+        </p:spPr>
+      </p:cxnSp>
+      <p:cxnSp>
+        <p:nvCxnSpPr>
+          <p:cNvPr id="49" name="Straight Arrow Connector 48"/>
+          <p:cNvCxnSpPr>
+            <a:stCxn id="31" idx="1"/>
+            <a:endCxn id="29" idx="3"/>
+          </p:cNvCxnSpPr>
+          <p:nvPr/>
+        </p:nvCxnSpPr>
+        <p:spPr bwMode="auto">
+          <a:xfrm flipH="1">
+            <a:off x="1839033" y="5002810"/>
+            <a:ext cx="389591" cy="0"/>
+          </a:xfrm>
+          <a:prstGeom prst="straightConnector1">
+            <a:avLst/>
+          </a:prstGeom>
+          <a:solidFill>
+            <a:schemeClr val="accent1"/>
+          </a:solidFill>
+          <a:ln w="9525" cap="flat" cmpd="sng" algn="ctr">
+            <a:solidFill>
+              <a:schemeClr val="tx1"/>
+            </a:solidFill>
+            <a:prstDash val="solid"/>
+            <a:round/>
+            <a:headEnd type="none" w="med" len="med"/>
+            <a:tailEnd type="arrow"/>
+          </a:ln>
+          <a:effectLst/>
+        </p:spPr>
+      </p:cxnSp>
+      <p:cxnSp>
+        <p:nvCxnSpPr>
+          <p:cNvPr id="69" name="Straight Arrow Connector 68"/>
+          <p:cNvCxnSpPr/>
+          <p:nvPr/>
+        </p:nvCxnSpPr>
+        <p:spPr bwMode="auto">
+          <a:xfrm>
+            <a:off x="1851154" y="4173330"/>
+            <a:ext cx="389591" cy="0"/>
+          </a:xfrm>
+          <a:prstGeom prst="straightConnector1">
+            <a:avLst/>
+          </a:prstGeom>
+          <a:solidFill>
+            <a:schemeClr val="accent1"/>
+          </a:solidFill>
+          <a:ln w="9525" cap="flat" cmpd="sng" algn="ctr">
+            <a:solidFill>
+              <a:schemeClr val="tx1"/>
+            </a:solidFill>
+            <a:prstDash val="solid"/>
+            <a:round/>
+            <a:headEnd type="none" w="med" len="med"/>
+            <a:tailEnd type="arrow"/>
+          </a:ln>
+          <a:effectLst/>
+        </p:spPr>
+      </p:cxnSp>
+      <p:cxnSp>
+        <p:nvCxnSpPr>
+          <p:cNvPr id="73" name="Straight Arrow Connector 72"/>
+          <p:cNvCxnSpPr/>
+          <p:nvPr/>
+        </p:nvCxnSpPr>
+        <p:spPr bwMode="auto">
+          <a:xfrm flipH="1">
+            <a:off x="6212417" y="4846145"/>
+            <a:ext cx="389591" cy="0"/>
+          </a:xfrm>
+          <a:prstGeom prst="straightConnector1">
+            <a:avLst/>
+          </a:prstGeom>
+          <a:solidFill>
+            <a:schemeClr val="accent1"/>
+          </a:solidFill>
+          <a:ln w="9525" cap="flat" cmpd="sng" algn="ctr">
+            <a:solidFill>
+              <a:schemeClr val="tx1"/>
+            </a:solidFill>
+            <a:prstDash val="solid"/>
+            <a:round/>
+            <a:headEnd type="none" w="med" len="med"/>
+            <a:tailEnd type="arrow"/>
+          </a:ln>
+          <a:effectLst/>
+        </p:spPr>
+      </p:cxnSp>
+    </p:spTree>
+    <p:extLst>
+      <p:ext uri="{BB962C8B-B14F-4D97-AF65-F5344CB8AC3E}">
+        <p14:creationId xmlns:p14="http://schemas.microsoft.com/office/powerpoint/2010/main" val="3840792723"/>
+      </p:ext>
+    </p:extLst>
+  </p:cSld>
+  <p:clrMapOvr>
+    <a:masterClrMapping/>
+  </p:clrMapOvr>
+</p:sld>
+</file>
+
+<file path=ppt/slides/slide31.xml><?xml version="1.0" encoding="utf-8"?>
+<p:sld xmlns:a="http://schemas.openxmlformats.org/drawingml/2006/main" xmlns:r="http://schemas.openxmlformats.org/officeDocument/2006/relationships" xmlns:p="http://schemas.openxmlformats.org/presentationml/2006/main">
+  <p:cSld>
+    <p:spTree>
+      <p:nvGrpSpPr>
+        <p:cNvPr id="1" name=""/>
+        <p:cNvGrpSpPr/>
+        <p:nvPr/>
+      </p:nvGrpSpPr>
+      <p:grpSpPr>
+        <a:xfrm>
+          <a:off x="0" y="0"/>
+          <a:ext cx="0" cy="0"/>
+          <a:chOff x="0" y="0"/>
+          <a:chExt cx="0" cy="0"/>
+        </a:xfrm>
+      </p:grpSpPr>
+      <p:sp>
+        <p:nvSpPr>
           <p:cNvPr id="2" name="Title 1">
             <a:extLst>
               <a:ext uri="{FF2B5EF4-FFF2-40B4-BE49-F238E27FC236}">
@@ -25224,31 +26451,6 @@
       </p:sp>
       <p:sp>
         <p:nvSpPr>
-          <p:cNvPr id="3" name="Text Placeholder 2">
-            <a:extLst>
-              <a:ext uri="{FF2B5EF4-FFF2-40B4-BE49-F238E27FC236}">
-                <a16:creationId xmlns:a16="http://schemas.microsoft.com/office/drawing/2014/main" id="{9AE5B842-CC7D-E941-88DB-7C320785D8BB}"/>
-              </a:ext>
-            </a:extLst>
-          </p:cNvPr>
-          <p:cNvSpPr>
-            <a:spLocks noGrp="1"/>
-          </p:cNvSpPr>
-          <p:nvPr>
-            <p:ph type="body" sz="quarter" idx="17"/>
-          </p:nvPr>
-        </p:nvSpPr>
-        <p:spPr/>
-        <p:txBody>
-          <a:bodyPr/>
-          <a:lstStyle/>
-          <a:p>
-            <a:endParaRPr lang="en-US"/>
-          </a:p>
-        </p:txBody>
-      </p:sp>
-      <p:sp>
-        <p:nvSpPr>
           <p:cNvPr id="4" name="Footer Placeholder 3">
             <a:extLst>
               <a:ext uri="{FF2B5EF4-FFF2-40B4-BE49-F238E27FC236}">
@@ -25300,7 +26502,7 @@
             <a:fld id="{FE5735AE-3249-4190-86E7-0753FA00EBA0}" type="slidenum">
               <a:rPr lang="en-US" smtClean="0"/>
               <a:pPr/>
-              <a:t>30</a:t>
+              <a:t>31</a:t>
             </a:fld>
             <a:endParaRPr lang="en-US" dirty="0"/>
           </a:p>
@@ -26265,202 +27467,6 @@
 </p:sld>
 </file>
 
-<file path=ppt/slides/slide31.xml><?xml version="1.0" encoding="utf-8"?>
-<p:sld xmlns:a="http://schemas.openxmlformats.org/drawingml/2006/main" xmlns:r="http://schemas.openxmlformats.org/officeDocument/2006/relationships" xmlns:p="http://schemas.openxmlformats.org/presentationml/2006/main">
-  <p:cSld>
-    <p:spTree>
-      <p:nvGrpSpPr>
-        <p:cNvPr id="1" name=""/>
-        <p:cNvGrpSpPr/>
-        <p:nvPr/>
-      </p:nvGrpSpPr>
-      <p:grpSpPr>
-        <a:xfrm>
-          <a:off x="0" y="0"/>
-          <a:ext cx="0" cy="0"/>
-          <a:chOff x="0" y="0"/>
-          <a:chExt cx="0" cy="0"/>
-        </a:xfrm>
-      </p:grpSpPr>
-      <p:sp>
-        <p:nvSpPr>
-          <p:cNvPr id="2" name="Title 1"/>
-          <p:cNvSpPr>
-            <a:spLocks noGrp="1"/>
-          </p:cNvSpPr>
-          <p:nvPr>
-            <p:ph type="title"/>
-          </p:nvPr>
-        </p:nvSpPr>
-        <p:spPr/>
-        <p:txBody>
-          <a:bodyPr/>
-          <a:lstStyle/>
-          <a:p>
-            <a:r>
-              <a:rPr lang="en-US" dirty="0"/>
-              <a:t>Code Scaling</a:t>
-            </a:r>
-          </a:p>
-        </p:txBody>
-      </p:sp>
-      <p:sp>
-        <p:nvSpPr>
-          <p:cNvPr id="3" name="Content Placeholder 2"/>
-          <p:cNvSpPr>
-            <a:spLocks noGrp="1"/>
-          </p:cNvSpPr>
-          <p:nvPr>
-            <p:ph idx="1"/>
-          </p:nvPr>
-        </p:nvSpPr>
-        <p:spPr>
-          <a:xfrm>
-            <a:off x="439739" y="1371600"/>
-            <a:ext cx="8453437" cy="4826496"/>
-          </a:xfrm>
-        </p:spPr>
-        <p:txBody>
-          <a:bodyPr/>
-          <a:lstStyle/>
-          <a:p>
-            <a:r>
-              <a:rPr lang="en-US" sz="1800" dirty="0"/>
-              <a:t>Framework code is very compact</a:t>
-            </a:r>
-          </a:p>
-          <a:p>
-            <a:r>
-              <a:rPr lang="en-US" sz="1800" dirty="0"/>
-              <a:t>Generated code is also compact</a:t>
-            </a:r>
-          </a:p>
-          <a:p>
-            <a:pPr lvl="1"/>
-            <a:r>
-              <a:rPr lang="en-US" sz="1600" dirty="0"/>
-              <a:t>Demo application for TI microcontroller was about 15K</a:t>
-            </a:r>
-          </a:p>
-          <a:p>
-            <a:r>
-              <a:rPr lang="en-US" sz="1800" dirty="0"/>
-              <a:t>Native type sizes can be configured</a:t>
-            </a:r>
-          </a:p>
-          <a:p>
-            <a:pPr lvl="1"/>
-            <a:r>
-              <a:rPr lang="en-US" sz="1600" dirty="0"/>
-              <a:t>e.g. some microcontrollers have 16-bit/8-bit only support</a:t>
-            </a:r>
-          </a:p>
-          <a:p>
-            <a:r>
-              <a:rPr lang="en-US" sz="1800" dirty="0"/>
-              <a:t>Features can be added or removed depending on resources</a:t>
-            </a:r>
-          </a:p>
-          <a:p>
-            <a:pPr lvl="1"/>
-            <a:r>
-              <a:rPr lang="en-US" sz="1600" dirty="0"/>
-              <a:t>Object naming</a:t>
-            </a:r>
-          </a:p>
-          <a:p>
-            <a:pPr lvl="1"/>
-            <a:r>
-              <a:rPr lang="en-US" sz="1600" dirty="0"/>
-              <a:t>Port execution tracing</a:t>
-            </a:r>
-          </a:p>
-          <a:p>
-            <a:pPr lvl="1"/>
-            <a:r>
-              <a:rPr lang="en-US" sz="1600" dirty="0"/>
-              <a:t>Serialization of ports</a:t>
-            </a:r>
-          </a:p>
-          <a:p>
-            <a:pPr lvl="2"/>
-            <a:r>
-              <a:rPr lang="en-US" sz="1400" dirty="0"/>
-              <a:t>Single node systems don’t really need</a:t>
-            </a:r>
-          </a:p>
-          <a:p>
-            <a:pPr lvl="2"/>
-            <a:r>
-              <a:rPr lang="en-US" sz="1400" dirty="0"/>
-              <a:t>This is not data serialization but the use of serialized ports</a:t>
-            </a:r>
-          </a:p>
-          <a:p>
-            <a:pPr lvl="1"/>
-            <a:r>
-              <a:rPr lang="en-US" sz="1600" dirty="0"/>
-              <a:t>Object naming/registry</a:t>
-            </a:r>
-          </a:p>
-          <a:p>
-            <a:pPr lvl="1"/>
-            <a:r>
-              <a:rPr lang="en-US" sz="1600" dirty="0"/>
-              <a:t>Component connection tracing</a:t>
-            </a:r>
-          </a:p>
-          <a:p>
-            <a:pPr lvl="1"/>
-            <a:r>
-              <a:rPr lang="en-US" sz="1600" dirty="0"/>
-              <a:t>Text logging</a:t>
-            </a:r>
-          </a:p>
-          <a:p>
-            <a:r>
-              <a:rPr lang="en-US" sz="1800" dirty="0"/>
-              <a:t>For very compact processors with no OS, developers can choose non-active components</a:t>
-            </a:r>
-          </a:p>
-        </p:txBody>
-      </p:sp>
-      <p:sp>
-        <p:nvSpPr>
-          <p:cNvPr id="4" name="Slide Number Placeholder 3"/>
-          <p:cNvSpPr>
-            <a:spLocks noGrp="1"/>
-          </p:cNvSpPr>
-          <p:nvPr>
-            <p:ph type="sldNum" sz="quarter" idx="11"/>
-          </p:nvPr>
-        </p:nvSpPr>
-        <p:spPr/>
-        <p:txBody>
-          <a:bodyPr/>
-          <a:lstStyle/>
-          <a:p>
-            <a:fld id="{40846F03-29C8-41F1-8A60-CC8C672EC5BA}" type="slidenum">
-              <a:rPr lang="en-US" smtClean="0"/>
-              <a:t>31</a:t>
-            </a:fld>
-            <a:endParaRPr lang="en-US"/>
-          </a:p>
-        </p:txBody>
-      </p:sp>
-    </p:spTree>
-    <p:extLst>
-      <p:ext uri="{BB962C8B-B14F-4D97-AF65-F5344CB8AC3E}">
-        <p14:creationId xmlns:p14="http://schemas.microsoft.com/office/powerpoint/2010/main" val="2328958661"/>
-      </p:ext>
-    </p:extLst>
-  </p:cSld>
-  <p:clrMapOvr>
-    <a:masterClrMapping/>
-  </p:clrMapOvr>
-</p:sld>
-</file>
-
 <file path=ppt/slides/slide32.xml><?xml version="1.0" encoding="utf-8"?>
 <p:sld xmlns:a="http://schemas.openxmlformats.org/drawingml/2006/main" xmlns:r="http://schemas.openxmlformats.org/officeDocument/2006/relationships" xmlns:p="http://schemas.openxmlformats.org/presentationml/2006/main">
   <p:cSld>
@@ -26495,7 +27501,7 @@
           <a:p>
             <a:r>
               <a:rPr lang="en-US" dirty="0"/>
-              <a:t>Status</a:t>
+              <a:t>Code Scaling</a:t>
             </a:r>
           </a:p>
         </p:txBody>
@@ -26510,146 +27516,115 @@
             <p:ph idx="1"/>
           </p:nvPr>
         </p:nvSpPr>
-        <p:spPr/>
+        <p:spPr>
+          <a:xfrm>
+            <a:off x="439739" y="1371600"/>
+            <a:ext cx="8453437" cy="4826496"/>
+          </a:xfrm>
+        </p:spPr>
         <p:txBody>
           <a:bodyPr/>
           <a:lstStyle/>
           <a:p>
             <a:r>
+              <a:rPr lang="en-US" sz="1800" dirty="0"/>
+              <a:t>Framework code is very compact</a:t>
+            </a:r>
+          </a:p>
+          <a:p>
+            <a:r>
+              <a:rPr lang="en-US" sz="1800" dirty="0"/>
+              <a:t>Generated code is also compact</a:t>
+            </a:r>
+          </a:p>
+          <a:p>
+            <a:pPr lvl="1"/>
+            <a:r>
               <a:rPr lang="en-US" sz="1600" dirty="0"/>
-              <a:t>Framework released as open source</a:t>
-            </a:r>
-          </a:p>
-          <a:p>
+              <a:t>Demo application for TI microcontroller was about 15K</a:t>
+            </a:r>
+          </a:p>
+          <a:p>
+            <a:r>
+              <a:rPr lang="en-US" sz="1800" dirty="0"/>
+              <a:t>Native type sizes can be configured</a:t>
+            </a:r>
+          </a:p>
+          <a:p>
+            <a:pPr lvl="1"/>
             <a:r>
               <a:rPr lang="en-US" sz="1600" dirty="0"/>
-              <a:t>Earlier JPL version flown on </a:t>
-            </a:r>
-            <a:r>
-              <a:rPr lang="en-US" sz="1600" dirty="0" err="1"/>
-              <a:t>RapidScat</a:t>
-            </a:r>
+              <a:t>e.g. some microcontrollers have 16-bit/8-bit only support</a:t>
+            </a:r>
+          </a:p>
+          <a:p>
+            <a:r>
+              <a:rPr lang="en-US" sz="1800" dirty="0"/>
+              <a:t>Features can be added or removed depending on resources</a:t>
+            </a:r>
+          </a:p>
+          <a:p>
+            <a:pPr lvl="1"/>
             <a:r>
               <a:rPr lang="en-US" sz="1600" dirty="0"/>
-              <a:t>, an ISS radar experiment</a:t>
-            </a:r>
-          </a:p>
-          <a:p>
+              <a:t>Object naming</a:t>
+            </a:r>
+          </a:p>
+          <a:p>
+            <a:pPr lvl="1"/>
             <a:r>
               <a:rPr lang="en-US" sz="1600" dirty="0"/>
-              <a:t>Has been ported to:</a:t>
+              <a:t>Port execution tracing</a:t>
             </a:r>
           </a:p>
           <a:p>
             <a:pPr lvl="1"/>
             <a:r>
+              <a:rPr lang="en-US" sz="1600" dirty="0"/>
+              <a:t>Serialization of ports</a:t>
+            </a:r>
+          </a:p>
+          <a:p>
+            <a:pPr lvl="2"/>
+            <a:r>
               <a:rPr lang="en-US" sz="1400" dirty="0"/>
-              <a:t>Linux, </a:t>
-            </a:r>
-            <a:r>
-              <a:rPr lang="en-US" sz="1400" dirty="0" err="1"/>
-              <a:t>MacOS</a:t>
-            </a:r>
+              <a:t>Single node systems don’t always need</a:t>
+            </a:r>
+          </a:p>
+          <a:p>
+            <a:pPr lvl="2"/>
             <a:r>
               <a:rPr lang="en-US" sz="1400" dirty="0"/>
-              <a:t>, Windows (Cygwin), </a:t>
-            </a:r>
-            <a:r>
-              <a:rPr lang="en-US" sz="1400" dirty="0" err="1"/>
-              <a:t>VxWorks</a:t>
-            </a:r>
-            <a:r>
-              <a:rPr lang="en-US" sz="1400" dirty="0"/>
-              <a:t>, ARINC 653, RTEMS, Bare Metal (No OS)</a:t>
+              <a:t>This is not data serialization but the use of serialized ports</a:t>
             </a:r>
           </a:p>
           <a:p>
             <a:pPr lvl="1"/>
             <a:r>
-              <a:rPr lang="en-US" sz="1400" dirty="0"/>
-              <a:t>PPC, Leon3, x86, ARM (A15/A7), MSP430 </a:t>
-            </a:r>
-          </a:p>
-          <a:p>
-            <a:r>
               <a:rPr lang="en-US" sz="1600" dirty="0"/>
-              <a:t>Mature set of C&amp;DH components</a:t>
+              <a:t>Object naming/registry</a:t>
             </a:r>
           </a:p>
           <a:p>
             <a:pPr lvl="1"/>
             <a:r>
-              <a:rPr lang="en-US" sz="1400" dirty="0"/>
-              <a:t>Following flight processes such as code inspections, static analysis, and full-coverage unit testing</a:t>
-            </a:r>
-          </a:p>
-          <a:p>
-            <a:r>
               <a:rPr lang="en-US" sz="1600" dirty="0"/>
-              <a:t>Version being developed as companion for JPL hardware project for </a:t>
-            </a:r>
-            <a:r>
-              <a:rPr lang="en-US" sz="1600" dirty="0" err="1"/>
-              <a:t>Cubesat</a:t>
-            </a:r>
+              <a:t>Component connection tracing</a:t>
+            </a:r>
+          </a:p>
+          <a:p>
+            <a:pPr lvl="1"/>
             <a:r>
               <a:rPr lang="en-US" sz="1600" dirty="0"/>
-              <a:t> missions</a:t>
-            </a:r>
-          </a:p>
-          <a:p>
-            <a:pPr lvl="1"/>
-            <a:r>
-              <a:rPr lang="en-US" sz="1400" dirty="0"/>
-              <a:t>Will include platform driver components and other peripherals</a:t>
-            </a:r>
-          </a:p>
-          <a:p>
-            <a:r>
-              <a:rPr lang="en-US" sz="1600" dirty="0"/>
-              <a:t>Available on JPL GitHub:</a:t>
-            </a:r>
-          </a:p>
-          <a:p>
-            <a:pPr lvl="1"/>
-            <a:r>
-              <a:rPr lang="en-US" sz="1400" dirty="0"/>
-              <a:t>https://github.jpl.nasa.gov/FPRIME/fprime-sw.git</a:t>
-            </a:r>
-          </a:p>
-          <a:p>
-            <a:r>
-              <a:rPr lang="en-US" sz="1600" dirty="0"/>
-              <a:t>Hubs demonstrated on:</a:t>
-            </a:r>
-          </a:p>
-          <a:p>
-            <a:pPr lvl="1"/>
-            <a:r>
-              <a:rPr lang="en-US" sz="1400" dirty="0"/>
-              <a:t>Sockets</a:t>
-            </a:r>
-          </a:p>
-          <a:p>
-            <a:pPr lvl="1"/>
-            <a:r>
-              <a:rPr lang="en-US" sz="1400" dirty="0"/>
-              <a:t>ARINC 653 Channels</a:t>
-            </a:r>
-          </a:p>
-          <a:p>
-            <a:pPr lvl="1"/>
-            <a:r>
-              <a:rPr lang="en-US" sz="1400" dirty="0"/>
-              <a:t>High-speed hardware bus between nodes</a:t>
-            </a:r>
-          </a:p>
-          <a:p>
-            <a:pPr lvl="1"/>
-            <a:r>
-              <a:rPr lang="en-US" sz="1400" dirty="0"/>
-              <a:t>UARTs between nodes in an embedded system</a:t>
-            </a:r>
+              <a:t>Text logging</a:t>
+            </a:r>
+          </a:p>
+          <a:p>
+            <a:r>
+              <a:rPr lang="en-US" sz="1800" dirty="0"/>
+              <a:t>For bare-metal (i.e. no OS) processors, there is an OS emulation layer that allows reused of components with message queues and threads</a:t>
+            </a:r>
+            <a:endParaRPr lang="en-US" sz="1600" dirty="0"/>
           </a:p>
         </p:txBody>
       </p:sp>
@@ -26679,7 +27654,7 @@
     </p:spTree>
     <p:extLst>
       <p:ext uri="{BB962C8B-B14F-4D97-AF65-F5344CB8AC3E}">
-        <p14:creationId xmlns:p14="http://schemas.microsoft.com/office/powerpoint/2010/main" val="1535113920"/>
+        <p14:creationId xmlns:p14="http://schemas.microsoft.com/office/powerpoint/2010/main" val="2328958661"/>
       </p:ext>
     </p:extLst>
   </p:cSld>
@@ -26708,13 +27683,7 @@
       </p:grpSpPr>
       <p:sp>
         <p:nvSpPr>
-          <p:cNvPr id="2" name="Title 1">
-            <a:extLst>
-              <a:ext uri="{FF2B5EF4-FFF2-40B4-BE49-F238E27FC236}">
-                <a16:creationId xmlns:a16="http://schemas.microsoft.com/office/drawing/2014/main" id="{59BD01F7-171E-9040-A8A1-9F92E45907E4}"/>
-              </a:ext>
-            </a:extLst>
-          </p:cNvPr>
+          <p:cNvPr id="2" name="Title 1"/>
           <p:cNvSpPr>
             <a:spLocks noGrp="1"/>
           </p:cNvSpPr>
@@ -26729,25 +27698,19 @@
           <a:p>
             <a:r>
               <a:rPr lang="en-US" dirty="0"/>
-              <a:t>Advantages of the F´ Architecture</a:t>
-            </a:r>
-          </a:p>
-        </p:txBody>
-      </p:sp>
-      <p:sp>
-        <p:nvSpPr>
-          <p:cNvPr id="14" name="Content Placeholder 13">
-            <a:extLst>
-              <a:ext uri="{FF2B5EF4-FFF2-40B4-BE49-F238E27FC236}">
-                <a16:creationId xmlns:a16="http://schemas.microsoft.com/office/drawing/2014/main" id="{9834D0BA-EB77-A44C-8B7F-8115EBCDEF33}"/>
-              </a:ext>
-            </a:extLst>
-          </p:cNvPr>
+              <a:t>Status</a:t>
+            </a:r>
+          </a:p>
+        </p:txBody>
+      </p:sp>
+      <p:sp>
+        <p:nvSpPr>
+          <p:cNvPr id="3" name="Content Placeholder 2"/>
           <p:cNvSpPr>
             <a:spLocks noGrp="1"/>
           </p:cNvSpPr>
           <p:nvPr>
-            <p:ph sz="quarter" idx="21"/>
+            <p:ph idx="1"/>
           </p:nvPr>
         </p:nvSpPr>
         <p:spPr/>
@@ -26756,123 +27719,171 @@
           <a:lstStyle/>
           <a:p>
             <a:r>
-              <a:rPr lang="en-US" dirty="0" err="1"/>
-              <a:t>Autocoding</a:t>
-            </a:r>
-            <a:r>
-              <a:rPr lang="en-US" dirty="0"/>
-              <a:t>:</a:t>
+              <a:rPr lang="en-US" sz="1400" dirty="0"/>
+              <a:t>Deployed on:</a:t>
             </a:r>
           </a:p>
           <a:p>
             <a:pPr lvl="1"/>
             <a:r>
-              <a:rPr lang="en-US" dirty="0"/>
-              <a:t>Component stubs and UTs</a:t>
+              <a:rPr lang="en-US" sz="1200" dirty="0" err="1"/>
+              <a:t>RapidScat</a:t>
+            </a:r>
+            <a:r>
+              <a:rPr lang="en-US" sz="1200" dirty="0"/>
+              <a:t> (ISS radar experiment)</a:t>
             </a:r>
           </a:p>
           <a:p>
             <a:pPr lvl="1"/>
             <a:r>
-              <a:rPr lang="en-US" dirty="0"/>
-              <a:t>Communication mechanics</a:t>
-            </a:r>
-          </a:p>
-          <a:p>
-            <a:r>
-              <a:rPr lang="en-US" dirty="0"/>
-              <a:t>Rapid Development:</a:t>
-            </a:r>
+              <a:rPr lang="en-US" sz="1200" dirty="0" err="1"/>
+              <a:t>Asteria</a:t>
+            </a:r>
+            <a:endParaRPr lang="en-US" sz="1200" dirty="0"/>
           </a:p>
           <a:p>
             <a:pPr lvl="1"/>
             <a:r>
-              <a:rPr lang="en-US" dirty="0"/>
-              <a:t>Rapidly swap components</a:t>
+              <a:rPr lang="en-US" sz="1200" dirty="0"/>
+              <a:t>Mars Helicopter</a:t>
             </a:r>
           </a:p>
           <a:p>
             <a:pPr lvl="1"/>
             <a:r>
-              <a:rPr lang="en-US" dirty="0"/>
-              <a:t>Multiple topologies and organizations</a:t>
-            </a:r>
-          </a:p>
-          <a:p>
-            <a:r>
-              <a:rPr lang="en-US" dirty="0"/>
-              <a:t>Standard Tooling:</a:t>
+              <a:rPr lang="en-US" sz="1200" dirty="0"/>
+              <a:t>Lunar Flashlight</a:t>
             </a:r>
           </a:p>
           <a:p>
             <a:pPr lvl="1"/>
             <a:r>
-              <a:rPr lang="en-US" dirty="0"/>
-              <a:t>Application design tools</a:t>
-            </a:r>
+              <a:rPr lang="en-US" sz="1200" dirty="0" err="1"/>
+              <a:t>NeaScout</a:t>
+            </a:r>
+            <a:endParaRPr lang="en-US" sz="1200" dirty="0"/>
           </a:p>
           <a:p>
             <a:pPr lvl="1"/>
             <a:r>
-              <a:rPr lang="en-US" dirty="0"/>
-              <a:t>System testing tools</a:t>
-            </a:r>
-          </a:p>
-          <a:p>
-            <a:r>
-              <a:rPr lang="en-US" dirty="0"/>
-              <a:t>Standard patterns and best practices at application level</a:t>
+              <a:rPr lang="en-US" sz="1200" dirty="0"/>
+              <a:t>DOD Testbed</a:t>
+            </a:r>
+          </a:p>
+          <a:p>
+            <a:r>
+              <a:rPr lang="en-US" sz="1400" dirty="0"/>
+              <a:t>Future Projects (In proposal process)</a:t>
             </a:r>
           </a:p>
           <a:p>
             <a:pPr lvl="1"/>
-            <a:endParaRPr lang="en-US" dirty="0"/>
-          </a:p>
-        </p:txBody>
-      </p:sp>
-      <p:pic>
-        <p:nvPicPr>
-          <p:cNvPr id="18" name="Content Placeholder 17">
-            <a:extLst>
-              <a:ext uri="{FF2B5EF4-FFF2-40B4-BE49-F238E27FC236}">
-                <a16:creationId xmlns:a16="http://schemas.microsoft.com/office/drawing/2014/main" id="{2B66A9F6-71EB-DF4F-82B4-4F39AA3EBC5B}"/>
-              </a:ext>
-            </a:extLst>
-          </p:cNvPr>
-          <p:cNvPicPr>
-            <a:picLocks noGrp="1" noChangeAspect="1"/>
-          </p:cNvPicPr>
-          <p:nvPr>
-            <p:ph sz="quarter" idx="22"/>
-          </p:nvPr>
-        </p:nvPicPr>
-        <p:blipFill>
-          <a:blip r:embed="rId2"/>
-          <a:stretch>
-            <a:fillRect/>
-          </a:stretch>
-        </p:blipFill>
-        <p:spPr>
-          <a:xfrm>
-            <a:off x="4857758" y="1600200"/>
-            <a:ext cx="3619484" cy="4525963"/>
-          </a:xfrm>
-        </p:spPr>
-      </p:pic>
-      <p:sp>
-        <p:nvSpPr>
-          <p:cNvPr id="4" name="Footer Placeholder 3">
-            <a:extLst>
-              <a:ext uri="{FF2B5EF4-FFF2-40B4-BE49-F238E27FC236}">
-                <a16:creationId xmlns:a16="http://schemas.microsoft.com/office/drawing/2014/main" id="{77A69851-0DA2-014C-923B-667678C4634E}"/>
-              </a:ext>
-            </a:extLst>
-          </p:cNvPr>
+            <a:r>
+              <a:rPr lang="en-US" sz="1200" dirty="0"/>
+              <a:t>MSH (Mars Science Helicopter)</a:t>
+            </a:r>
+          </a:p>
+          <a:p>
+            <a:pPr lvl="1"/>
+            <a:r>
+              <a:rPr lang="en-US" sz="1200" dirty="0"/>
+              <a:t>Cold Arm</a:t>
+            </a:r>
+          </a:p>
+          <a:p>
+            <a:pPr lvl="1"/>
+            <a:r>
+              <a:rPr lang="en-US" sz="1200" dirty="0"/>
+              <a:t>OWLs</a:t>
+            </a:r>
+          </a:p>
+          <a:p>
+            <a:r>
+              <a:rPr lang="en-US" sz="1400" dirty="0"/>
+              <a:t>Various university projects</a:t>
+            </a:r>
+          </a:p>
+          <a:p>
+            <a:r>
+              <a:rPr lang="en-US" sz="1400" dirty="0"/>
+              <a:t>Has been ported to:</a:t>
+            </a:r>
+          </a:p>
+          <a:p>
+            <a:pPr lvl="1"/>
+            <a:r>
+              <a:rPr lang="en-US" sz="1200" dirty="0"/>
+              <a:t>Linux, </a:t>
+            </a:r>
+            <a:r>
+              <a:rPr lang="en-US" sz="1200" dirty="0" err="1"/>
+              <a:t>MacOS</a:t>
+            </a:r>
+            <a:r>
+              <a:rPr lang="en-US" sz="1200" dirty="0"/>
+              <a:t>, Windows (Cygwin), </a:t>
+            </a:r>
+            <a:r>
+              <a:rPr lang="en-US" sz="1200" dirty="0" err="1"/>
+              <a:t>VxWorks</a:t>
+            </a:r>
+            <a:r>
+              <a:rPr lang="en-US" sz="1200" dirty="0"/>
+              <a:t>, ARINC 653, RTEMS, Bare Metal (No OS)</a:t>
+            </a:r>
+          </a:p>
+          <a:p>
+            <a:pPr lvl="1"/>
+            <a:r>
+              <a:rPr lang="en-US" sz="1200" dirty="0"/>
+              <a:t>Snapdragon, PPC (RAD750), Leon3, x86, ARM (e.g. Raspberry Pi), MSP430 </a:t>
+            </a:r>
+          </a:p>
+          <a:p>
+            <a:r>
+              <a:rPr lang="en-US" sz="1400" dirty="0"/>
+              <a:t>Mature set of C&amp;DH components</a:t>
+            </a:r>
+          </a:p>
+          <a:p>
+            <a:pPr lvl="1"/>
+            <a:r>
+              <a:rPr lang="en-US" sz="1200" dirty="0"/>
+              <a:t>Following flight processes such as code inspections, static analysis, and full-coverage unit testing</a:t>
+            </a:r>
+          </a:p>
+          <a:p>
+            <a:r>
+              <a:rPr lang="en-US" sz="1400" dirty="0"/>
+              <a:t>Avionics Platforms:</a:t>
+            </a:r>
+          </a:p>
+          <a:p>
+            <a:pPr lvl="1"/>
+            <a:r>
+              <a:rPr lang="en-US" sz="1200" dirty="0"/>
+              <a:t>Sphinx</a:t>
+            </a:r>
+          </a:p>
+          <a:p>
+            <a:pPr lvl="1"/>
+            <a:r>
+              <a:rPr lang="en-US" sz="1200" dirty="0" err="1"/>
+              <a:t>Sabertooth</a:t>
+            </a:r>
+            <a:endParaRPr lang="en-US" sz="1400" dirty="0"/>
+          </a:p>
+        </p:txBody>
+      </p:sp>
+      <p:sp>
+        <p:nvSpPr>
+          <p:cNvPr id="4" name="Slide Number Placeholder 3"/>
           <p:cNvSpPr>
             <a:spLocks noGrp="1"/>
           </p:cNvSpPr>
           <p:nvPr>
-            <p:ph type="ftr" sz="quarter" idx="24"/>
+            <p:ph type="sldNum" sz="quarter" idx="11"/>
           </p:nvPr>
         </p:nvSpPr>
         <p:spPr/>
@@ -26880,48 +27891,18 @@
           <a:bodyPr/>
           <a:lstStyle/>
           <a:p>
-            <a:r>
-              <a:rPr lang="en-US"/>
-              <a:t>For required markings, please go to https://mh.jpl.nasa.gov/ </a:t>
-            </a:r>
-            <a:endParaRPr lang="en-US" dirty="0"/>
-          </a:p>
-        </p:txBody>
-      </p:sp>
-      <p:sp>
-        <p:nvSpPr>
-          <p:cNvPr id="5" name="Slide Number Placeholder 4">
-            <a:extLst>
-              <a:ext uri="{FF2B5EF4-FFF2-40B4-BE49-F238E27FC236}">
-                <a16:creationId xmlns:a16="http://schemas.microsoft.com/office/drawing/2014/main" id="{F82E1DDC-39DF-3841-9517-CEAEE9CDCB57}"/>
-              </a:ext>
-            </a:extLst>
-          </p:cNvPr>
-          <p:cNvSpPr>
-            <a:spLocks noGrp="1"/>
-          </p:cNvSpPr>
-          <p:nvPr>
-            <p:ph type="sldNum" sz="quarter" idx="25"/>
-          </p:nvPr>
-        </p:nvSpPr>
-        <p:spPr/>
-        <p:txBody>
-          <a:bodyPr/>
-          <a:lstStyle/>
-          <a:p>
-            <a:fld id="{FE5735AE-3249-4190-86E7-0753FA00EBA0}" type="slidenum">
+            <a:fld id="{40846F03-29C8-41F1-8A60-CC8C672EC5BA}" type="slidenum">
               <a:rPr lang="en-US" smtClean="0"/>
-              <a:pPr/>
               <a:t>33</a:t>
             </a:fld>
-            <a:endParaRPr lang="en-US" dirty="0"/>
+            <a:endParaRPr lang="en-US"/>
           </a:p>
         </p:txBody>
       </p:sp>
     </p:spTree>
     <p:extLst>
       <p:ext uri="{BB962C8B-B14F-4D97-AF65-F5344CB8AC3E}">
-        <p14:creationId xmlns:p14="http://schemas.microsoft.com/office/powerpoint/2010/main" val="1546841622"/>
+        <p14:creationId xmlns:p14="http://schemas.microsoft.com/office/powerpoint/2010/main" val="1535113920"/>
       </p:ext>
     </p:extLst>
   </p:cSld>
@@ -26950,6 +27931,248 @@
       </p:grpSpPr>
       <p:sp>
         <p:nvSpPr>
+          <p:cNvPr id="2" name="Title 1">
+            <a:extLst>
+              <a:ext uri="{FF2B5EF4-FFF2-40B4-BE49-F238E27FC236}">
+                <a16:creationId xmlns:a16="http://schemas.microsoft.com/office/drawing/2014/main" id="{59BD01F7-171E-9040-A8A1-9F92E45907E4}"/>
+              </a:ext>
+            </a:extLst>
+          </p:cNvPr>
+          <p:cNvSpPr>
+            <a:spLocks noGrp="1"/>
+          </p:cNvSpPr>
+          <p:nvPr>
+            <p:ph type="title"/>
+          </p:nvPr>
+        </p:nvSpPr>
+        <p:spPr/>
+        <p:txBody>
+          <a:bodyPr/>
+          <a:lstStyle/>
+          <a:p>
+            <a:r>
+              <a:rPr lang="en-US" dirty="0"/>
+              <a:t>Advantages of the F´ Architecture</a:t>
+            </a:r>
+          </a:p>
+        </p:txBody>
+      </p:sp>
+      <p:sp>
+        <p:nvSpPr>
+          <p:cNvPr id="14" name="Content Placeholder 13">
+            <a:extLst>
+              <a:ext uri="{FF2B5EF4-FFF2-40B4-BE49-F238E27FC236}">
+                <a16:creationId xmlns:a16="http://schemas.microsoft.com/office/drawing/2014/main" id="{9834D0BA-EB77-A44C-8B7F-8115EBCDEF33}"/>
+              </a:ext>
+            </a:extLst>
+          </p:cNvPr>
+          <p:cNvSpPr>
+            <a:spLocks noGrp="1"/>
+          </p:cNvSpPr>
+          <p:nvPr>
+            <p:ph sz="quarter" idx="21"/>
+          </p:nvPr>
+        </p:nvSpPr>
+        <p:spPr/>
+        <p:txBody>
+          <a:bodyPr/>
+          <a:lstStyle/>
+          <a:p>
+            <a:r>
+              <a:rPr lang="en-US" dirty="0" err="1"/>
+              <a:t>Autocoding</a:t>
+            </a:r>
+            <a:r>
+              <a:rPr lang="en-US" dirty="0"/>
+              <a:t>:</a:t>
+            </a:r>
+          </a:p>
+          <a:p>
+            <a:pPr lvl="1"/>
+            <a:r>
+              <a:rPr lang="en-US" dirty="0"/>
+              <a:t>Component stubs and UTs</a:t>
+            </a:r>
+          </a:p>
+          <a:p>
+            <a:pPr lvl="1"/>
+            <a:r>
+              <a:rPr lang="en-US" dirty="0"/>
+              <a:t>Communication mechanics</a:t>
+            </a:r>
+          </a:p>
+          <a:p>
+            <a:r>
+              <a:rPr lang="en-US" dirty="0"/>
+              <a:t>Rapid Development:</a:t>
+            </a:r>
+          </a:p>
+          <a:p>
+            <a:pPr lvl="1"/>
+            <a:r>
+              <a:rPr lang="en-US" dirty="0"/>
+              <a:t>Rapidly swap components</a:t>
+            </a:r>
+          </a:p>
+          <a:p>
+            <a:pPr lvl="1"/>
+            <a:r>
+              <a:rPr lang="en-US" dirty="0"/>
+              <a:t>Multiple topologies and organizations</a:t>
+            </a:r>
+          </a:p>
+          <a:p>
+            <a:r>
+              <a:rPr lang="en-US" dirty="0"/>
+              <a:t>Standard Tooling:</a:t>
+            </a:r>
+          </a:p>
+          <a:p>
+            <a:pPr lvl="1"/>
+            <a:r>
+              <a:rPr lang="en-US" dirty="0"/>
+              <a:t>Application design tools</a:t>
+            </a:r>
+          </a:p>
+          <a:p>
+            <a:pPr lvl="1"/>
+            <a:r>
+              <a:rPr lang="en-US" dirty="0"/>
+              <a:t>System testing tools</a:t>
+            </a:r>
+          </a:p>
+          <a:p>
+            <a:r>
+              <a:rPr lang="en-US" dirty="0"/>
+              <a:t>Standard patterns and best practices at application level</a:t>
+            </a:r>
+          </a:p>
+          <a:p>
+            <a:pPr lvl="1"/>
+            <a:endParaRPr lang="en-US" dirty="0"/>
+          </a:p>
+        </p:txBody>
+      </p:sp>
+      <p:pic>
+        <p:nvPicPr>
+          <p:cNvPr id="18" name="Content Placeholder 17">
+            <a:extLst>
+              <a:ext uri="{FF2B5EF4-FFF2-40B4-BE49-F238E27FC236}">
+                <a16:creationId xmlns:a16="http://schemas.microsoft.com/office/drawing/2014/main" id="{2B66A9F6-71EB-DF4F-82B4-4F39AA3EBC5B}"/>
+              </a:ext>
+            </a:extLst>
+          </p:cNvPr>
+          <p:cNvPicPr>
+            <a:picLocks noGrp="1" noChangeAspect="1"/>
+          </p:cNvPicPr>
+          <p:nvPr>
+            <p:ph sz="quarter" idx="22"/>
+          </p:nvPr>
+        </p:nvPicPr>
+        <p:blipFill>
+          <a:blip r:embed="rId2"/>
+          <a:stretch>
+            <a:fillRect/>
+          </a:stretch>
+        </p:blipFill>
+        <p:spPr>
+          <a:xfrm>
+            <a:off x="4857758" y="1600200"/>
+            <a:ext cx="3619484" cy="4525963"/>
+          </a:xfrm>
+        </p:spPr>
+      </p:pic>
+      <p:sp>
+        <p:nvSpPr>
+          <p:cNvPr id="4" name="Footer Placeholder 3">
+            <a:extLst>
+              <a:ext uri="{FF2B5EF4-FFF2-40B4-BE49-F238E27FC236}">
+                <a16:creationId xmlns:a16="http://schemas.microsoft.com/office/drawing/2014/main" id="{77A69851-0DA2-014C-923B-667678C4634E}"/>
+              </a:ext>
+            </a:extLst>
+          </p:cNvPr>
+          <p:cNvSpPr>
+            <a:spLocks noGrp="1"/>
+          </p:cNvSpPr>
+          <p:nvPr>
+            <p:ph type="ftr" sz="quarter" idx="24"/>
+          </p:nvPr>
+        </p:nvSpPr>
+        <p:spPr/>
+        <p:txBody>
+          <a:bodyPr/>
+          <a:lstStyle/>
+          <a:p>
+            <a:r>
+              <a:rPr lang="en-US"/>
+              <a:t>For required markings, please go to https://mh.jpl.nasa.gov/ </a:t>
+            </a:r>
+            <a:endParaRPr lang="en-US" dirty="0"/>
+          </a:p>
+        </p:txBody>
+      </p:sp>
+      <p:sp>
+        <p:nvSpPr>
+          <p:cNvPr id="5" name="Slide Number Placeholder 4">
+            <a:extLst>
+              <a:ext uri="{FF2B5EF4-FFF2-40B4-BE49-F238E27FC236}">
+                <a16:creationId xmlns:a16="http://schemas.microsoft.com/office/drawing/2014/main" id="{F82E1DDC-39DF-3841-9517-CEAEE9CDCB57}"/>
+              </a:ext>
+            </a:extLst>
+          </p:cNvPr>
+          <p:cNvSpPr>
+            <a:spLocks noGrp="1"/>
+          </p:cNvSpPr>
+          <p:nvPr>
+            <p:ph type="sldNum" sz="quarter" idx="25"/>
+          </p:nvPr>
+        </p:nvSpPr>
+        <p:spPr/>
+        <p:txBody>
+          <a:bodyPr/>
+          <a:lstStyle/>
+          <a:p>
+            <a:fld id="{FE5735AE-3249-4190-86E7-0753FA00EBA0}" type="slidenum">
+              <a:rPr lang="en-US" smtClean="0"/>
+              <a:pPr/>
+              <a:t>34</a:t>
+            </a:fld>
+            <a:endParaRPr lang="en-US" dirty="0"/>
+          </a:p>
+        </p:txBody>
+      </p:sp>
+    </p:spTree>
+    <p:extLst>
+      <p:ext uri="{BB962C8B-B14F-4D97-AF65-F5344CB8AC3E}">
+        <p14:creationId xmlns:p14="http://schemas.microsoft.com/office/powerpoint/2010/main" val="1546841622"/>
+      </p:ext>
+    </p:extLst>
+  </p:cSld>
+  <p:clrMapOvr>
+    <a:masterClrMapping/>
+  </p:clrMapOvr>
+</p:sld>
+</file>
+
+<file path=ppt/slides/slide35.xml><?xml version="1.0" encoding="utf-8"?>
+<p:sld xmlns:a="http://schemas.openxmlformats.org/drawingml/2006/main" xmlns:r="http://schemas.openxmlformats.org/officeDocument/2006/relationships" xmlns:p="http://schemas.openxmlformats.org/presentationml/2006/main">
+  <p:cSld>
+    <p:spTree>
+      <p:nvGrpSpPr>
+        <p:cNvPr id="1" name=""/>
+        <p:cNvGrpSpPr/>
+        <p:nvPr/>
+      </p:nvGrpSpPr>
+      <p:grpSpPr>
+        <a:xfrm>
+          <a:off x="0" y="0"/>
+          <a:ext cx="0" cy="0"/>
+          <a:chOff x="0" y="0"/>
+          <a:chExt cx="0" cy="0"/>
+        </a:xfrm>
+      </p:grpSpPr>
+      <p:sp>
+        <p:nvSpPr>
           <p:cNvPr id="11" name="Title 10">
             <a:extLst>
               <a:ext uri="{FF2B5EF4-FFF2-40B4-BE49-F238E27FC236}">
@@ -26978,56 +28201,6 @@
       </p:sp>
       <p:sp>
         <p:nvSpPr>
-          <p:cNvPr id="13" name="Text Placeholder 12">
-            <a:extLst>
-              <a:ext uri="{FF2B5EF4-FFF2-40B4-BE49-F238E27FC236}">
-                <a16:creationId xmlns:a16="http://schemas.microsoft.com/office/drawing/2014/main" id="{D8780D56-2AE9-48B9-A0C9-CF3B092E4E3A}"/>
-              </a:ext>
-            </a:extLst>
-          </p:cNvPr>
-          <p:cNvSpPr>
-            <a:spLocks noGrp="1"/>
-          </p:cNvSpPr>
-          <p:nvPr>
-            <p:ph type="body" sz="quarter" idx="17"/>
-          </p:nvPr>
-        </p:nvSpPr>
-        <p:spPr/>
-        <p:txBody>
-          <a:bodyPr/>
-          <a:lstStyle/>
-          <a:p>
-            <a:endParaRPr lang="en-US"/>
-          </a:p>
-        </p:txBody>
-      </p:sp>
-      <p:sp>
-        <p:nvSpPr>
-          <p:cNvPr id="12" name="Text Placeholder 11">
-            <a:extLst>
-              <a:ext uri="{FF2B5EF4-FFF2-40B4-BE49-F238E27FC236}">
-                <a16:creationId xmlns:a16="http://schemas.microsoft.com/office/drawing/2014/main" id="{9BEE27FA-14E3-42D6-BA70-D6A1C3E03972}"/>
-              </a:ext>
-            </a:extLst>
-          </p:cNvPr>
-          <p:cNvSpPr>
-            <a:spLocks noGrp="1"/>
-          </p:cNvSpPr>
-          <p:nvPr>
-            <p:ph type="body" sz="quarter" idx="16"/>
-          </p:nvPr>
-        </p:nvSpPr>
-        <p:spPr/>
-        <p:txBody>
-          <a:bodyPr/>
-          <a:lstStyle/>
-          <a:p>
-            <a:endParaRPr lang="en-US"/>
-          </a:p>
-        </p:txBody>
-      </p:sp>
-      <p:sp>
-        <p:nvSpPr>
           <p:cNvPr id="14" name="Content Placeholder 13">
             <a:extLst>
               <a:ext uri="{FF2B5EF4-FFF2-40B4-BE49-F238E27FC236}">
@@ -27551,7 +28724,7 @@
             <a:fld id="{BD193B1F-454F-4470-8937-9D53DC78F323}" type="slidenum">
               <a:rPr lang="en-US" smtClean="0"/>
               <a:pPr/>
-              <a:t>34</a:t>
+              <a:t>35</a:t>
             </a:fld>
             <a:endParaRPr lang="en-US" dirty="0"/>
           </a:p>

--- a/docs/Architecture/FPrimeSoftwareArchitecture.pptx
+++ b/docs/Architecture/FPrimeSoftwareArchitecture.pptx
@@ -31889,7 +31889,7 @@
         </p:nvSpPr>
         <p:spPr>
           <a:xfrm>
-            <a:off x="609600" y="1390650"/>
+            <a:off x="3446717" y="1220573"/>
             <a:ext cx="2090353" cy="1386002"/>
           </a:xfrm>
           <a:prstGeom prst="roundRect">
@@ -31929,7 +31929,7 @@
         </p:nvSpPr>
         <p:spPr>
           <a:xfrm>
-            <a:off x="870184" y="1444215"/>
+            <a:off x="3707301" y="1274138"/>
             <a:ext cx="1258678" cy="307777"/>
           </a:xfrm>
           <a:prstGeom prst="rect">
@@ -31958,7 +31958,7 @@
         </p:nvSpPr>
         <p:spPr>
           <a:xfrm>
-            <a:off x="878173" y="1896172"/>
+            <a:off x="3715290" y="1726095"/>
             <a:ext cx="254921" cy="301305"/>
           </a:xfrm>
           <a:prstGeom prst="ellipse">
@@ -32004,7 +32004,7 @@
         </p:nvSpPr>
         <p:spPr>
           <a:xfrm>
-            <a:off x="1617955" y="1745520"/>
+            <a:off x="4455072" y="1575443"/>
             <a:ext cx="254921" cy="301305"/>
           </a:xfrm>
           <a:prstGeom prst="ellipse">
@@ -32050,7 +32050,7 @@
         </p:nvSpPr>
         <p:spPr>
           <a:xfrm>
-            <a:off x="1821892" y="2287868"/>
+            <a:off x="4659009" y="2117791"/>
             <a:ext cx="254921" cy="301305"/>
           </a:xfrm>
           <a:prstGeom prst="ellipse">
@@ -32099,7 +32099,7 @@
         </p:nvCxnSpPr>
         <p:spPr>
           <a:xfrm flipV="1">
-            <a:off x="1133094" y="1896172"/>
+            <a:off x="3970211" y="1726095"/>
             <a:ext cx="484861" cy="150652"/>
           </a:xfrm>
           <a:prstGeom prst="line">
@@ -32138,7 +32138,7 @@
         </p:nvCxnSpPr>
         <p:spPr>
           <a:xfrm>
-            <a:off x="1745415" y="2046825"/>
+            <a:off x="4582532" y="1876748"/>
             <a:ext cx="113809" cy="285169"/>
           </a:xfrm>
           <a:prstGeom prst="straightConnector1">
@@ -32177,7 +32177,7 @@
         </p:nvCxnSpPr>
         <p:spPr>
           <a:xfrm flipH="1" flipV="1">
-            <a:off x="1095762" y="2153352"/>
+            <a:off x="3932879" y="1983275"/>
             <a:ext cx="726130" cy="285169"/>
           </a:xfrm>
           <a:prstGeom prst="straightConnector1">
@@ -32216,7 +32216,7 @@
         </p:nvCxnSpPr>
         <p:spPr>
           <a:xfrm rot="16200000" flipH="1">
-            <a:off x="1661890" y="1829046"/>
+            <a:off x="4499007" y="1658969"/>
             <a:ext cx="257180" cy="90128"/>
           </a:xfrm>
           <a:prstGeom prst="curvedConnector5">
@@ -32256,7 +32256,7 @@
         </p:nvSpPr>
         <p:spPr>
           <a:xfrm>
-            <a:off x="878173" y="2776652"/>
+            <a:off x="3715290" y="2606575"/>
             <a:ext cx="178955" cy="113826"/>
           </a:xfrm>
           <a:prstGeom prst="rect">
@@ -32301,7 +32301,7 @@
         </p:nvSpPr>
         <p:spPr>
           <a:xfrm>
-            <a:off x="2127797" y="2783348"/>
+            <a:off x="4964914" y="2613271"/>
             <a:ext cx="178955" cy="113826"/>
           </a:xfrm>
           <a:prstGeom prst="rect">
@@ -32346,7 +32346,7 @@
         </p:nvSpPr>
         <p:spPr>
           <a:xfrm>
-            <a:off x="1109126" y="2806374"/>
+            <a:off x="3946243" y="2636297"/>
             <a:ext cx="662361" cy="307777"/>
           </a:xfrm>
           <a:prstGeom prst="rect">
@@ -32376,7 +32376,7 @@
         </p:nvSpPr>
         <p:spPr>
           <a:xfrm>
-            <a:off x="2343064" y="2799679"/>
+            <a:off x="5180181" y="2629602"/>
             <a:ext cx="662361" cy="307777"/>
           </a:xfrm>
           <a:prstGeom prst="rect">
@@ -32405,7 +32405,7 @@
         </p:nvSpPr>
         <p:spPr>
           <a:xfrm>
-            <a:off x="3832936" y="1502803"/>
+            <a:off x="6670053" y="1332726"/>
             <a:ext cx="2090353" cy="1386002"/>
           </a:xfrm>
           <a:prstGeom prst="roundRect">
@@ -32445,7 +32445,7 @@
         </p:nvSpPr>
         <p:spPr>
           <a:xfrm>
-            <a:off x="4106297" y="1556368"/>
+            <a:off x="6943414" y="1386291"/>
             <a:ext cx="1258678" cy="307777"/>
           </a:xfrm>
           <a:prstGeom prst="rect">
@@ -32474,7 +32474,7 @@
         </p:nvSpPr>
         <p:spPr>
           <a:xfrm>
-            <a:off x="4101509" y="2008325"/>
+            <a:off x="6938626" y="1838248"/>
             <a:ext cx="254921" cy="301305"/>
           </a:xfrm>
           <a:prstGeom prst="ellipse">
@@ -32520,7 +32520,7 @@
         </p:nvSpPr>
         <p:spPr>
           <a:xfrm>
-            <a:off x="4841290" y="1857672"/>
+            <a:off x="7678407" y="1687595"/>
             <a:ext cx="254921" cy="301305"/>
           </a:xfrm>
           <a:prstGeom prst="ellipse">
@@ -32566,7 +32566,7 @@
         </p:nvSpPr>
         <p:spPr>
           <a:xfrm>
-            <a:off x="5045227" y="2400021"/>
+            <a:off x="7882344" y="2229944"/>
             <a:ext cx="254921" cy="301305"/>
           </a:xfrm>
           <a:prstGeom prst="ellipse">
@@ -32615,7 +32615,7 @@
         </p:nvCxnSpPr>
         <p:spPr>
           <a:xfrm flipV="1">
-            <a:off x="4356430" y="2008325"/>
+            <a:off x="7193547" y="1838248"/>
             <a:ext cx="484861" cy="150652"/>
           </a:xfrm>
           <a:prstGeom prst="line">
@@ -32654,7 +32654,7 @@
         </p:nvCxnSpPr>
         <p:spPr>
           <a:xfrm>
-            <a:off x="4968751" y="2158977"/>
+            <a:off x="7805868" y="1988900"/>
             <a:ext cx="113809" cy="285169"/>
           </a:xfrm>
           <a:prstGeom prst="straightConnector1">
@@ -32693,7 +32693,7 @@
         </p:nvCxnSpPr>
         <p:spPr>
           <a:xfrm flipH="1" flipV="1">
-            <a:off x="4319098" y="2265505"/>
+            <a:off x="7156215" y="2095428"/>
             <a:ext cx="726130" cy="285169"/>
           </a:xfrm>
           <a:prstGeom prst="straightConnector1">
@@ -32732,7 +32732,7 @@
         </p:nvCxnSpPr>
         <p:spPr>
           <a:xfrm rot="16200000" flipH="1">
-            <a:off x="4885225" y="1941198"/>
+            <a:off x="7722342" y="1771121"/>
             <a:ext cx="257180" cy="90128"/>
           </a:xfrm>
           <a:prstGeom prst="curvedConnector5">
@@ -32772,7 +32772,7 @@
         </p:nvSpPr>
         <p:spPr>
           <a:xfrm>
-            <a:off x="4101509" y="2888805"/>
+            <a:off x="6938626" y="2718728"/>
             <a:ext cx="178955" cy="113826"/>
           </a:xfrm>
           <a:prstGeom prst="rect">
@@ -32817,7 +32817,7 @@
         </p:nvSpPr>
         <p:spPr>
           <a:xfrm>
-            <a:off x="5351133" y="2895501"/>
+            <a:off x="8188250" y="2725424"/>
             <a:ext cx="178955" cy="113826"/>
           </a:xfrm>
           <a:prstGeom prst="rect">
@@ -32862,7 +32862,7 @@
         </p:nvSpPr>
         <p:spPr>
           <a:xfrm>
-            <a:off x="4304425" y="2947949"/>
+            <a:off x="7141542" y="2777872"/>
             <a:ext cx="500149" cy="292077"/>
           </a:xfrm>
           <a:prstGeom prst="rect">
@@ -32891,7 +32891,7 @@
         </p:nvSpPr>
         <p:spPr>
           <a:xfrm>
-            <a:off x="5555069" y="2939021"/>
+            <a:off x="8392186" y="2768944"/>
             <a:ext cx="662361" cy="307777"/>
           </a:xfrm>
           <a:prstGeom prst="rect">
@@ -32920,7 +32920,7 @@
         </p:nvSpPr>
         <p:spPr>
           <a:xfrm>
-            <a:off x="2162824" y="4268111"/>
+            <a:off x="4999941" y="4098034"/>
             <a:ext cx="2090353" cy="1019714"/>
           </a:xfrm>
           <a:prstGeom prst="roundRect">
@@ -32960,7 +32960,7 @@
         </p:nvSpPr>
         <p:spPr>
           <a:xfrm>
-            <a:off x="2809623" y="5344738"/>
+            <a:off x="5646740" y="5174661"/>
             <a:ext cx="1258678" cy="307777"/>
           </a:xfrm>
           <a:prstGeom prst="rect">
@@ -32989,7 +32989,7 @@
         </p:nvSpPr>
         <p:spPr>
           <a:xfrm>
-            <a:off x="2431397" y="4491449"/>
+            <a:off x="5268514" y="4321372"/>
             <a:ext cx="254921" cy="301305"/>
           </a:xfrm>
           <a:prstGeom prst="ellipse">
@@ -33035,7 +33035,7 @@
         </p:nvSpPr>
         <p:spPr>
           <a:xfrm>
-            <a:off x="3171179" y="4340796"/>
+            <a:off x="6008296" y="4170719"/>
             <a:ext cx="254921" cy="301305"/>
           </a:xfrm>
           <a:prstGeom prst="ellipse">
@@ -33081,7 +33081,7 @@
         </p:nvSpPr>
         <p:spPr>
           <a:xfrm>
-            <a:off x="3375116" y="4883145"/>
+            <a:off x="6212233" y="4713068"/>
             <a:ext cx="254921" cy="301305"/>
           </a:xfrm>
           <a:prstGeom prst="ellipse">
@@ -33130,7 +33130,7 @@
         </p:nvCxnSpPr>
         <p:spPr>
           <a:xfrm flipV="1">
-            <a:off x="2686318" y="4491449"/>
+            <a:off x="5523435" y="4321372"/>
             <a:ext cx="484861" cy="150652"/>
           </a:xfrm>
           <a:prstGeom prst="line">
@@ -33169,7 +33169,7 @@
         </p:nvCxnSpPr>
         <p:spPr>
           <a:xfrm>
-            <a:off x="3298640" y="4642101"/>
+            <a:off x="6135757" y="4472024"/>
             <a:ext cx="113809" cy="285169"/>
           </a:xfrm>
           <a:prstGeom prst="straightConnector1">
@@ -33208,7 +33208,7 @@
         </p:nvCxnSpPr>
         <p:spPr>
           <a:xfrm flipH="1" flipV="1">
-            <a:off x="2648986" y="4748629"/>
+            <a:off x="5486103" y="4578552"/>
             <a:ext cx="726130" cy="285169"/>
           </a:xfrm>
           <a:prstGeom prst="straightConnector1">
@@ -33247,7 +33247,7 @@
         </p:nvCxnSpPr>
         <p:spPr>
           <a:xfrm rot="16200000" flipH="1">
-            <a:off x="3215114" y="4424322"/>
+            <a:off x="6052231" y="4254245"/>
             <a:ext cx="257180" cy="90128"/>
           </a:xfrm>
           <a:prstGeom prst="curvedConnector5">
@@ -33287,7 +33287,7 @@
         </p:nvSpPr>
         <p:spPr>
           <a:xfrm>
-            <a:off x="2414183" y="4160722"/>
+            <a:off x="5251300" y="3990645"/>
             <a:ext cx="178955" cy="113826"/>
           </a:xfrm>
           <a:prstGeom prst="rect">
@@ -33332,7 +33332,7 @@
         </p:nvSpPr>
         <p:spPr>
           <a:xfrm>
-            <a:off x="1662358" y="3900073"/>
+            <a:off x="4499475" y="3729996"/>
             <a:ext cx="662361" cy="307777"/>
           </a:xfrm>
           <a:prstGeom prst="rect">
@@ -33361,7 +33361,7 @@
         </p:nvSpPr>
         <p:spPr>
           <a:xfrm>
-            <a:off x="4142213" y="3911156"/>
+            <a:off x="6979330" y="3741079"/>
             <a:ext cx="662361" cy="307777"/>
           </a:xfrm>
           <a:prstGeom prst="rect">
@@ -33390,7 +33390,7 @@
         </p:nvSpPr>
         <p:spPr>
           <a:xfrm>
-            <a:off x="3745346" y="4147589"/>
+            <a:off x="6582463" y="3977512"/>
             <a:ext cx="175179" cy="120522"/>
           </a:xfrm>
           <a:prstGeom prst="rect">
@@ -33438,7 +33438,7 @@
         </p:nvCxnSpPr>
         <p:spPr>
           <a:xfrm rot="16200000" flipH="1">
-            <a:off x="3144707" y="713423"/>
+            <a:off x="5981824" y="543346"/>
             <a:ext cx="118849" cy="4472959"/>
           </a:xfrm>
           <a:prstGeom prst="bentConnector3">
@@ -33476,7 +33476,7 @@
         </p:nvCxnSpPr>
         <p:spPr>
           <a:xfrm rot="16200000" flipH="1">
-            <a:off x="1728694" y="3385755"/>
+            <a:off x="4565811" y="3215678"/>
             <a:ext cx="1263548" cy="286385"/>
           </a:xfrm>
           <a:prstGeom prst="bentConnector3">
@@ -33514,7 +33514,7 @@
         </p:nvCxnSpPr>
         <p:spPr>
           <a:xfrm rot="5400000" flipH="1" flipV="1">
-            <a:off x="3439482" y="3396084"/>
+            <a:off x="6276599" y="3226007"/>
             <a:ext cx="1144958" cy="358051"/>
           </a:xfrm>
           <a:prstGeom prst="bentConnector3">
@@ -33553,8 +33553,8 @@
         </p:nvSpPr>
         <p:spPr>
           <a:xfrm>
-            <a:off x="4844162" y="3577424"/>
-            <a:ext cx="4015064" cy="3022568"/>
+            <a:off x="215310" y="1326877"/>
+            <a:ext cx="3004333" cy="5137838"/>
           </a:xfrm>
         </p:spPr>
         <p:txBody>
